--- a/Smart Gloves using Flex Sensor.pptx
+++ b/Smart Gloves using Flex Sensor.pptx
@@ -12,6 +12,16 @@
     <p:sldId id="260" r:id="rId6"/>
     <p:sldId id="261" r:id="rId7"/>
     <p:sldId id="262" r:id="rId8"/>
+    <p:sldId id="263" r:id="rId9"/>
+    <p:sldId id="264" r:id="rId10"/>
+    <p:sldId id="265" r:id="rId11"/>
+    <p:sldId id="269" r:id="rId12"/>
+    <p:sldId id="266" r:id="rId13"/>
+    <p:sldId id="270" r:id="rId14"/>
+    <p:sldId id="267" r:id="rId15"/>
+    <p:sldId id="268" r:id="rId16"/>
+    <p:sldId id="271" r:id="rId17"/>
+    <p:sldId id="272" r:id="rId18"/>
   </p:sldIdLst>
   <p:sldSz cx="12192000" cy="6858000"/>
   <p:notesSz cx="6858000" cy="9144000"/>
@@ -110,6 +120,11 @@
       </a:defRPr>
     </a:lvl9pPr>
   </p:defaultTextStyle>
+  <p:extLst>
+    <p:ext uri="{EFAFB233-063F-42B5-8137-9DF3F51BA10A}">
+      <p15:sldGuideLst xmlns:p15="http://schemas.microsoft.com/office/powerpoint/2012/main"/>
+    </p:ext>
+  </p:extLst>
 </p:presentation>
 </file>
 
@@ -3428,6 +3443,602 @@
 </p:sld>
 </file>
 
+<file path=ppt/slides/slide10.xml><?xml version="1.0" encoding="utf-8"?>
+<p:sld xmlns:a="http://schemas.openxmlformats.org/drawingml/2006/main" xmlns:r="http://schemas.openxmlformats.org/officeDocument/2006/relationships" xmlns:p="http://schemas.openxmlformats.org/presentationml/2006/main">
+  <p:cSld>
+    <p:spTree>
+      <p:nvGrpSpPr>
+        <p:cNvPr id="1" name=""/>
+        <p:cNvGrpSpPr/>
+        <p:nvPr/>
+      </p:nvGrpSpPr>
+      <p:grpSpPr>
+        <a:xfrm>
+          <a:off x="0" y="0"/>
+          <a:ext cx="0" cy="0"/>
+          <a:chOff x="0" y="0"/>
+          <a:chExt cx="0" cy="0"/>
+        </a:xfrm>
+      </p:grpSpPr>
+      <p:sp>
+        <p:nvSpPr>
+          <p:cNvPr id="14" name="Title 13">
+            <a:extLst>
+              <a:ext uri="{FF2B5EF4-FFF2-40B4-BE49-F238E27FC236}">
+                <a16:creationId xmlns:a16="http://schemas.microsoft.com/office/drawing/2014/main" id="{B3AAE401-EC33-4A4B-A575-727F49D6F8B5}"/>
+              </a:ext>
+            </a:extLst>
+          </p:cNvPr>
+          <p:cNvSpPr>
+            <a:spLocks noGrp="1"/>
+          </p:cNvSpPr>
+          <p:nvPr>
+            <p:ph type="ctrTitle"/>
+          </p:nvPr>
+        </p:nvSpPr>
+        <p:spPr/>
+        <p:txBody>
+          <a:bodyPr>
+            <a:normAutofit/>
+          </a:bodyPr>
+          <a:lstStyle/>
+          <a:p>
+            <a:r>
+              <a:rPr lang="en-US" sz="4400" dirty="0"/>
+              <a:t>Flowchart for Dataset preparation</a:t>
+            </a:r>
+          </a:p>
+        </p:txBody>
+      </p:sp>
+      <p:sp>
+        <p:nvSpPr>
+          <p:cNvPr id="15" name="Subtitle 14">
+            <a:extLst>
+              <a:ext uri="{FF2B5EF4-FFF2-40B4-BE49-F238E27FC236}">
+                <a16:creationId xmlns:a16="http://schemas.microsoft.com/office/drawing/2014/main" id="{CE0670E6-294D-4751-86DE-CDE861C5B01B}"/>
+              </a:ext>
+            </a:extLst>
+          </p:cNvPr>
+          <p:cNvSpPr>
+            <a:spLocks noGrp="1"/>
+          </p:cNvSpPr>
+          <p:nvPr>
+            <p:ph type="subTitle" idx="1"/>
+          </p:nvPr>
+        </p:nvSpPr>
+        <p:spPr/>
+        <p:txBody>
+          <a:bodyPr/>
+          <a:lstStyle/>
+          <a:p>
+            <a:endParaRPr lang="en-US"/>
+          </a:p>
+        </p:txBody>
+      </p:sp>
+    </p:spTree>
+    <p:extLst>
+      <p:ext uri="{BB962C8B-B14F-4D97-AF65-F5344CB8AC3E}">
+        <p14:creationId xmlns:p14="http://schemas.microsoft.com/office/powerpoint/2010/main" val="2843259613"/>
+      </p:ext>
+    </p:extLst>
+  </p:cSld>
+  <p:clrMapOvr>
+    <a:masterClrMapping/>
+  </p:clrMapOvr>
+</p:sld>
+</file>
+
+<file path=ppt/slides/slide11.xml><?xml version="1.0" encoding="utf-8"?>
+<p:sld xmlns:a="http://schemas.openxmlformats.org/drawingml/2006/main" xmlns:r="http://schemas.openxmlformats.org/officeDocument/2006/relationships" xmlns:p="http://schemas.openxmlformats.org/presentationml/2006/main">
+  <p:cSld>
+    <p:spTree>
+      <p:nvGrpSpPr>
+        <p:cNvPr id="1" name=""/>
+        <p:cNvGrpSpPr/>
+        <p:nvPr/>
+      </p:nvGrpSpPr>
+      <p:grpSpPr>
+        <a:xfrm>
+          <a:off x="0" y="0"/>
+          <a:ext cx="0" cy="0"/>
+          <a:chOff x="0" y="0"/>
+          <a:chExt cx="0" cy="0"/>
+        </a:xfrm>
+      </p:grpSpPr>
+      <p:pic>
+        <p:nvPicPr>
+          <p:cNvPr id="5" name="Content Placeholder 4">
+            <a:extLst>
+              <a:ext uri="{FF2B5EF4-FFF2-40B4-BE49-F238E27FC236}">
+                <a16:creationId xmlns:a16="http://schemas.microsoft.com/office/drawing/2014/main" id="{F885D087-B6A3-4FC0-9A99-E4ECB5305012}"/>
+              </a:ext>
+            </a:extLst>
+          </p:cNvPr>
+          <p:cNvPicPr>
+            <a:picLocks noGrp="1" noChangeAspect="1"/>
+          </p:cNvPicPr>
+          <p:nvPr>
+            <p:ph idx="4294967295"/>
+          </p:nvPr>
+        </p:nvPicPr>
+        <p:blipFill>
+          <a:blip r:embed="rId2">
+            <a:extLst>
+              <a:ext uri="{28A0092B-C50C-407E-A947-70E740481C1C}">
+                <a14:useLocalDpi xmlns:a14="http://schemas.microsoft.com/office/drawing/2010/main" val="0"/>
+              </a:ext>
+            </a:extLst>
+          </a:blip>
+          <a:stretch>
+            <a:fillRect/>
+          </a:stretch>
+        </p:blipFill>
+        <p:spPr>
+          <a:xfrm>
+            <a:off x="2931459" y="-373857"/>
+            <a:ext cx="5889625" cy="7605713"/>
+          </a:xfrm>
+        </p:spPr>
+      </p:pic>
+    </p:spTree>
+    <p:extLst>
+      <p:ext uri="{BB962C8B-B14F-4D97-AF65-F5344CB8AC3E}">
+        <p14:creationId xmlns:p14="http://schemas.microsoft.com/office/powerpoint/2010/main" val="1783684208"/>
+      </p:ext>
+    </p:extLst>
+  </p:cSld>
+  <p:clrMapOvr>
+    <a:masterClrMapping/>
+  </p:clrMapOvr>
+</p:sld>
+</file>
+
+<file path=ppt/slides/slide12.xml><?xml version="1.0" encoding="utf-8"?>
+<p:sld xmlns:a="http://schemas.openxmlformats.org/drawingml/2006/main" xmlns:r="http://schemas.openxmlformats.org/officeDocument/2006/relationships" xmlns:p="http://schemas.openxmlformats.org/presentationml/2006/main">
+  <p:cSld>
+    <p:spTree>
+      <p:nvGrpSpPr>
+        <p:cNvPr id="1" name=""/>
+        <p:cNvGrpSpPr/>
+        <p:nvPr/>
+      </p:nvGrpSpPr>
+      <p:grpSpPr>
+        <a:xfrm>
+          <a:off x="0" y="0"/>
+          <a:ext cx="0" cy="0"/>
+          <a:chOff x="0" y="0"/>
+          <a:chExt cx="0" cy="0"/>
+        </a:xfrm>
+      </p:grpSpPr>
+      <p:sp>
+        <p:nvSpPr>
+          <p:cNvPr id="4" name="Title 3">
+            <a:extLst>
+              <a:ext uri="{FF2B5EF4-FFF2-40B4-BE49-F238E27FC236}">
+                <a16:creationId xmlns:a16="http://schemas.microsoft.com/office/drawing/2014/main" id="{0C33B784-FEAB-48B3-A56C-9F81EB16B894}"/>
+              </a:ext>
+            </a:extLst>
+          </p:cNvPr>
+          <p:cNvSpPr>
+            <a:spLocks noGrp="1"/>
+          </p:cNvSpPr>
+          <p:nvPr>
+            <p:ph type="ctrTitle"/>
+          </p:nvPr>
+        </p:nvSpPr>
+        <p:spPr/>
+        <p:txBody>
+          <a:bodyPr/>
+          <a:lstStyle/>
+          <a:p>
+            <a:r>
+              <a:rPr lang="en-US" dirty="0"/>
+              <a:t>Flowchart for real time application </a:t>
+            </a:r>
+          </a:p>
+        </p:txBody>
+      </p:sp>
+      <p:sp>
+        <p:nvSpPr>
+          <p:cNvPr id="5" name="Subtitle 4">
+            <a:extLst>
+              <a:ext uri="{FF2B5EF4-FFF2-40B4-BE49-F238E27FC236}">
+                <a16:creationId xmlns:a16="http://schemas.microsoft.com/office/drawing/2014/main" id="{2434FB2B-9072-4540-9FC4-D6FD8E235D11}"/>
+              </a:ext>
+            </a:extLst>
+          </p:cNvPr>
+          <p:cNvSpPr>
+            <a:spLocks noGrp="1"/>
+          </p:cNvSpPr>
+          <p:nvPr>
+            <p:ph type="subTitle" idx="1"/>
+          </p:nvPr>
+        </p:nvSpPr>
+        <p:spPr/>
+        <p:txBody>
+          <a:bodyPr/>
+          <a:lstStyle/>
+          <a:p>
+            <a:endParaRPr lang="en-US"/>
+          </a:p>
+        </p:txBody>
+      </p:sp>
+    </p:spTree>
+    <p:extLst>
+      <p:ext uri="{BB962C8B-B14F-4D97-AF65-F5344CB8AC3E}">
+        <p14:creationId xmlns:p14="http://schemas.microsoft.com/office/powerpoint/2010/main" val="3975155823"/>
+      </p:ext>
+    </p:extLst>
+  </p:cSld>
+  <p:clrMapOvr>
+    <a:masterClrMapping/>
+  </p:clrMapOvr>
+</p:sld>
+</file>
+
+<file path=ppt/slides/slide13.xml><?xml version="1.0" encoding="utf-8"?>
+<p:sld xmlns:a="http://schemas.openxmlformats.org/drawingml/2006/main" xmlns:r="http://schemas.openxmlformats.org/officeDocument/2006/relationships" xmlns:p="http://schemas.openxmlformats.org/presentationml/2006/main">
+  <p:cSld>
+    <p:spTree>
+      <p:nvGrpSpPr>
+        <p:cNvPr id="1" name=""/>
+        <p:cNvGrpSpPr/>
+        <p:nvPr/>
+      </p:nvGrpSpPr>
+      <p:grpSpPr>
+        <a:xfrm>
+          <a:off x="0" y="0"/>
+          <a:ext cx="0" cy="0"/>
+          <a:chOff x="0" y="0"/>
+          <a:chExt cx="0" cy="0"/>
+        </a:xfrm>
+      </p:grpSpPr>
+      <p:pic>
+        <p:nvPicPr>
+          <p:cNvPr id="12" name="Picture 11">
+            <a:extLst>
+              <a:ext uri="{FF2B5EF4-FFF2-40B4-BE49-F238E27FC236}">
+                <a16:creationId xmlns:a16="http://schemas.microsoft.com/office/drawing/2014/main" id="{609F1109-E96C-4D5A-9464-6636C2A50974}"/>
+              </a:ext>
+            </a:extLst>
+          </p:cNvPr>
+          <p:cNvPicPr>
+            <a:picLocks noChangeAspect="1"/>
+          </p:cNvPicPr>
+          <p:nvPr/>
+        </p:nvPicPr>
+        <p:blipFill>
+          <a:blip r:embed="rId2">
+            <a:extLst>
+              <a:ext uri="{28A0092B-C50C-407E-A947-70E740481C1C}">
+                <a14:useLocalDpi xmlns:a14="http://schemas.microsoft.com/office/drawing/2010/main" val="0"/>
+              </a:ext>
+            </a:extLst>
+          </a:blip>
+          <a:stretch>
+            <a:fillRect/>
+          </a:stretch>
+        </p:blipFill>
+        <p:spPr>
+          <a:xfrm>
+            <a:off x="2994213" y="-1"/>
+            <a:ext cx="5979458" cy="7100047"/>
+          </a:xfrm>
+          <a:prstGeom prst="rect">
+            <a:avLst/>
+          </a:prstGeom>
+        </p:spPr>
+      </p:pic>
+    </p:spTree>
+    <p:extLst>
+      <p:ext uri="{BB962C8B-B14F-4D97-AF65-F5344CB8AC3E}">
+        <p14:creationId xmlns:p14="http://schemas.microsoft.com/office/powerpoint/2010/main" val="3344682270"/>
+      </p:ext>
+    </p:extLst>
+  </p:cSld>
+  <p:clrMapOvr>
+    <a:masterClrMapping/>
+  </p:clrMapOvr>
+</p:sld>
+</file>
+
+<file path=ppt/slides/slide14.xml><?xml version="1.0" encoding="utf-8"?>
+<p:sld xmlns:a="http://schemas.openxmlformats.org/drawingml/2006/main" xmlns:r="http://schemas.openxmlformats.org/officeDocument/2006/relationships" xmlns:p="http://schemas.openxmlformats.org/presentationml/2006/main">
+  <p:cSld>
+    <p:spTree>
+      <p:nvGrpSpPr>
+        <p:cNvPr id="1" name=""/>
+        <p:cNvGrpSpPr/>
+        <p:nvPr/>
+      </p:nvGrpSpPr>
+      <p:grpSpPr>
+        <a:xfrm>
+          <a:off x="0" y="0"/>
+          <a:ext cx="0" cy="0"/>
+          <a:chOff x="0" y="0"/>
+          <a:chExt cx="0" cy="0"/>
+        </a:xfrm>
+      </p:grpSpPr>
+      <p:sp>
+        <p:nvSpPr>
+          <p:cNvPr id="2" name="Title 1">
+            <a:extLst>
+              <a:ext uri="{FF2B5EF4-FFF2-40B4-BE49-F238E27FC236}">
+                <a16:creationId xmlns:a16="http://schemas.microsoft.com/office/drawing/2014/main" id="{39155470-CF6B-4BFF-A262-93816FB2CAB1}"/>
+              </a:ext>
+            </a:extLst>
+          </p:cNvPr>
+          <p:cNvSpPr>
+            <a:spLocks noGrp="1"/>
+          </p:cNvSpPr>
+          <p:nvPr>
+            <p:ph type="title"/>
+          </p:nvPr>
+        </p:nvSpPr>
+        <p:spPr/>
+        <p:txBody>
+          <a:bodyPr/>
+          <a:lstStyle/>
+          <a:p>
+            <a:r>
+              <a:rPr lang="en-US" dirty="0"/>
+              <a:t>Gantt Chart</a:t>
+            </a:r>
+          </a:p>
+        </p:txBody>
+      </p:sp>
+      <p:sp>
+        <p:nvSpPr>
+          <p:cNvPr id="3" name="Content Placeholder 2">
+            <a:extLst>
+              <a:ext uri="{FF2B5EF4-FFF2-40B4-BE49-F238E27FC236}">
+                <a16:creationId xmlns:a16="http://schemas.microsoft.com/office/drawing/2014/main" id="{3BA7BEC7-6443-4068-B0EE-2C89F4D685B0}"/>
+              </a:ext>
+            </a:extLst>
+          </p:cNvPr>
+          <p:cNvSpPr>
+            <a:spLocks noGrp="1"/>
+          </p:cNvSpPr>
+          <p:nvPr>
+            <p:ph idx="1"/>
+          </p:nvPr>
+        </p:nvSpPr>
+        <p:spPr/>
+        <p:txBody>
+          <a:bodyPr/>
+          <a:lstStyle/>
+          <a:p>
+            <a:endParaRPr lang="en-US"/>
+          </a:p>
+        </p:txBody>
+      </p:sp>
+    </p:spTree>
+    <p:extLst>
+      <p:ext uri="{BB962C8B-B14F-4D97-AF65-F5344CB8AC3E}">
+        <p14:creationId xmlns:p14="http://schemas.microsoft.com/office/powerpoint/2010/main" val="1902025679"/>
+      </p:ext>
+    </p:extLst>
+  </p:cSld>
+  <p:clrMapOvr>
+    <a:masterClrMapping/>
+  </p:clrMapOvr>
+</p:sld>
+</file>
+
+<file path=ppt/slides/slide15.xml><?xml version="1.0" encoding="utf-8"?>
+<p:sld xmlns:a="http://schemas.openxmlformats.org/drawingml/2006/main" xmlns:r="http://schemas.openxmlformats.org/officeDocument/2006/relationships" xmlns:p="http://schemas.openxmlformats.org/presentationml/2006/main">
+  <p:cSld>
+    <p:spTree>
+      <p:nvGrpSpPr>
+        <p:cNvPr id="1" name=""/>
+        <p:cNvGrpSpPr/>
+        <p:nvPr/>
+      </p:nvGrpSpPr>
+      <p:grpSpPr>
+        <a:xfrm>
+          <a:off x="0" y="0"/>
+          <a:ext cx="0" cy="0"/>
+          <a:chOff x="0" y="0"/>
+          <a:chExt cx="0" cy="0"/>
+        </a:xfrm>
+      </p:grpSpPr>
+      <p:sp>
+        <p:nvSpPr>
+          <p:cNvPr id="2" name="Title 1">
+            <a:extLst>
+              <a:ext uri="{FF2B5EF4-FFF2-40B4-BE49-F238E27FC236}">
+                <a16:creationId xmlns:a16="http://schemas.microsoft.com/office/drawing/2014/main" id="{E1F5A8E3-44B1-4F99-A54F-622B6BF887D3}"/>
+              </a:ext>
+            </a:extLst>
+          </p:cNvPr>
+          <p:cNvSpPr>
+            <a:spLocks noGrp="1"/>
+          </p:cNvSpPr>
+          <p:nvPr>
+            <p:ph type="ctrTitle"/>
+          </p:nvPr>
+        </p:nvSpPr>
+        <p:spPr/>
+        <p:txBody>
+          <a:bodyPr/>
+          <a:lstStyle/>
+          <a:p>
+            <a:r>
+              <a:rPr lang="en-US" dirty="0"/>
+              <a:t>Expected Output</a:t>
+            </a:r>
+          </a:p>
+        </p:txBody>
+      </p:sp>
+      <p:sp>
+        <p:nvSpPr>
+          <p:cNvPr id="4" name="Subtitle 3">
+            <a:extLst>
+              <a:ext uri="{FF2B5EF4-FFF2-40B4-BE49-F238E27FC236}">
+                <a16:creationId xmlns:a16="http://schemas.microsoft.com/office/drawing/2014/main" id="{11CE640D-A85D-402C-8B2B-9B420C61B803}"/>
+              </a:ext>
+            </a:extLst>
+          </p:cNvPr>
+          <p:cNvSpPr>
+            <a:spLocks noGrp="1"/>
+          </p:cNvSpPr>
+          <p:nvPr>
+            <p:ph type="subTitle" idx="1"/>
+          </p:nvPr>
+        </p:nvSpPr>
+        <p:spPr/>
+        <p:txBody>
+          <a:bodyPr/>
+          <a:lstStyle/>
+          <a:p>
+            <a:endParaRPr lang="en-US"/>
+          </a:p>
+        </p:txBody>
+      </p:sp>
+    </p:spTree>
+    <p:extLst>
+      <p:ext uri="{BB962C8B-B14F-4D97-AF65-F5344CB8AC3E}">
+        <p14:creationId xmlns:p14="http://schemas.microsoft.com/office/powerpoint/2010/main" val="5321798"/>
+      </p:ext>
+    </p:extLst>
+  </p:cSld>
+  <p:clrMapOvr>
+    <a:masterClrMapping/>
+  </p:clrMapOvr>
+</p:sld>
+</file>
+
+<file path=ppt/slides/slide16.xml><?xml version="1.0" encoding="utf-8"?>
+<p:sld xmlns:a="http://schemas.openxmlformats.org/drawingml/2006/main" xmlns:r="http://schemas.openxmlformats.org/officeDocument/2006/relationships" xmlns:p="http://schemas.openxmlformats.org/presentationml/2006/main">
+  <p:cSld>
+    <p:spTree>
+      <p:nvGrpSpPr>
+        <p:cNvPr id="1" name=""/>
+        <p:cNvGrpSpPr/>
+        <p:nvPr/>
+      </p:nvGrpSpPr>
+      <p:grpSpPr>
+        <a:xfrm>
+          <a:off x="0" y="0"/>
+          <a:ext cx="0" cy="0"/>
+          <a:chOff x="0" y="0"/>
+          <a:chExt cx="0" cy="0"/>
+        </a:xfrm>
+      </p:grpSpPr>
+      <p:pic>
+        <p:nvPicPr>
+          <p:cNvPr id="5" name="Content Placeholder 4">
+            <a:extLst>
+              <a:ext uri="{FF2B5EF4-FFF2-40B4-BE49-F238E27FC236}">
+                <a16:creationId xmlns:a16="http://schemas.microsoft.com/office/drawing/2014/main" id="{37CD4807-F593-48E9-9485-4FD7782EB216}"/>
+              </a:ext>
+            </a:extLst>
+          </p:cNvPr>
+          <p:cNvPicPr>
+            <a:picLocks noGrp="1" noChangeAspect="1"/>
+          </p:cNvPicPr>
+          <p:nvPr>
+            <p:ph idx="4294967295"/>
+          </p:nvPr>
+        </p:nvPicPr>
+        <p:blipFill>
+          <a:blip r:embed="rId2">
+            <a:extLst>
+              <a:ext uri="{28A0092B-C50C-407E-A947-70E740481C1C}">
+                <a14:useLocalDpi xmlns:a14="http://schemas.microsoft.com/office/drawing/2010/main" val="0"/>
+              </a:ext>
+            </a:extLst>
+          </a:blip>
+          <a:stretch>
+            <a:fillRect/>
+          </a:stretch>
+        </p:blipFill>
+        <p:spPr>
+          <a:xfrm>
+            <a:off x="2348752" y="0"/>
+            <a:ext cx="7440967" cy="6858000"/>
+          </a:xfrm>
+        </p:spPr>
+      </p:pic>
+    </p:spTree>
+    <p:extLst>
+      <p:ext uri="{BB962C8B-B14F-4D97-AF65-F5344CB8AC3E}">
+        <p14:creationId xmlns:p14="http://schemas.microsoft.com/office/powerpoint/2010/main" val="2284109050"/>
+      </p:ext>
+    </p:extLst>
+  </p:cSld>
+  <p:clrMapOvr>
+    <a:masterClrMapping/>
+  </p:clrMapOvr>
+</p:sld>
+</file>
+
+<file path=ppt/slides/slide17.xml><?xml version="1.0" encoding="utf-8"?>
+<p:sld xmlns:a="http://schemas.openxmlformats.org/drawingml/2006/main" xmlns:r="http://schemas.openxmlformats.org/officeDocument/2006/relationships" xmlns:p="http://schemas.openxmlformats.org/presentationml/2006/main">
+  <p:cSld>
+    <p:spTree>
+      <p:nvGrpSpPr>
+        <p:cNvPr id="1" name=""/>
+        <p:cNvGrpSpPr/>
+        <p:nvPr/>
+      </p:nvGrpSpPr>
+      <p:grpSpPr>
+        <a:xfrm>
+          <a:off x="0" y="0"/>
+          <a:ext cx="0" cy="0"/>
+          <a:chOff x="0" y="0"/>
+          <a:chExt cx="0" cy="0"/>
+        </a:xfrm>
+      </p:grpSpPr>
+      <p:pic>
+        <p:nvPicPr>
+          <p:cNvPr id="3" name="Picture 2">
+            <a:extLst>
+              <a:ext uri="{FF2B5EF4-FFF2-40B4-BE49-F238E27FC236}">
+                <a16:creationId xmlns:a16="http://schemas.microsoft.com/office/drawing/2014/main" id="{20F32D36-EC75-4901-A3D6-032566E7B9E5}"/>
+              </a:ext>
+            </a:extLst>
+          </p:cNvPr>
+          <p:cNvPicPr>
+            <a:picLocks noChangeAspect="1"/>
+          </p:cNvPicPr>
+          <p:nvPr/>
+        </p:nvPicPr>
+        <p:blipFill>
+          <a:blip r:embed="rId2">
+            <a:extLst>
+              <a:ext uri="{28A0092B-C50C-407E-A947-70E740481C1C}">
+                <a14:useLocalDpi xmlns:a14="http://schemas.microsoft.com/office/drawing/2010/main" val="0"/>
+              </a:ext>
+            </a:extLst>
+          </a:blip>
+          <a:stretch>
+            <a:fillRect/>
+          </a:stretch>
+        </p:blipFill>
+        <p:spPr>
+          <a:xfrm>
+            <a:off x="2376108" y="0"/>
+            <a:ext cx="7439784" cy="6858000"/>
+          </a:xfrm>
+          <a:prstGeom prst="rect">
+            <a:avLst/>
+          </a:prstGeom>
+        </p:spPr>
+      </p:pic>
+    </p:spTree>
+    <p:extLst>
+      <p:ext uri="{BB962C8B-B14F-4D97-AF65-F5344CB8AC3E}">
+        <p14:creationId xmlns:p14="http://schemas.microsoft.com/office/powerpoint/2010/main" val="981752002"/>
+      </p:ext>
+    </p:extLst>
+  </p:cSld>
+  <p:clrMapOvr>
+    <a:masterClrMapping/>
+  </p:clrMapOvr>
+</p:sld>
+</file>
+
 <file path=ppt/slides/slide2.xml><?xml version="1.0" encoding="utf-8"?>
 <p:sld xmlns:a="http://schemas.openxmlformats.org/drawingml/2006/main" xmlns:r="http://schemas.openxmlformats.org/officeDocument/2006/relationships" xmlns:p="http://schemas.openxmlformats.org/presentationml/2006/main">
   <p:cSld>
@@ -3992,7 +4603,10 @@
           <a:bodyPr/>
           <a:lstStyle/>
           <a:p>
-            <a:endParaRPr lang="en-US"/>
+            <a:r>
+              <a:rPr lang="en-US" dirty="0"/>
+              <a:t>Methodology</a:t>
+            </a:r>
           </a:p>
         </p:txBody>
       </p:sp>
@@ -4017,7 +4631,28 @@
           <a:bodyPr/>
           <a:lstStyle/>
           <a:p>
-            <a:endParaRPr lang="en-US"/>
+            <a:r>
+              <a:rPr lang="en-US" dirty="0"/>
+              <a:t>Hardware Assembling</a:t>
+            </a:r>
+          </a:p>
+          <a:p>
+            <a:r>
+              <a:rPr lang="en-US" dirty="0"/>
+              <a:t>Dataset Preparation</a:t>
+            </a:r>
+          </a:p>
+          <a:p>
+            <a:r>
+              <a:rPr lang="en-US" dirty="0"/>
+              <a:t>System Block Diagram</a:t>
+            </a:r>
+          </a:p>
+          <a:p>
+            <a:r>
+              <a:rPr lang="en-US" dirty="0"/>
+              <a:t>Flowchart</a:t>
+            </a:r>
           </a:p>
         </p:txBody>
       </p:sp>
@@ -4025,6 +4660,202 @@
     <p:extLst>
       <p:ext uri="{BB962C8B-B14F-4D97-AF65-F5344CB8AC3E}">
         <p14:creationId xmlns:p14="http://schemas.microsoft.com/office/powerpoint/2010/main" val="1205611509"/>
+      </p:ext>
+    </p:extLst>
+  </p:cSld>
+  <p:clrMapOvr>
+    <a:masterClrMapping/>
+  </p:clrMapOvr>
+</p:sld>
+</file>
+
+<file path=ppt/slides/slide8.xml><?xml version="1.0" encoding="utf-8"?>
+<p:sld xmlns:a="http://schemas.openxmlformats.org/drawingml/2006/main" xmlns:r="http://schemas.openxmlformats.org/officeDocument/2006/relationships" xmlns:p="http://schemas.openxmlformats.org/presentationml/2006/main">
+  <p:cSld>
+    <p:spTree>
+      <p:nvGrpSpPr>
+        <p:cNvPr id="1" name=""/>
+        <p:cNvGrpSpPr/>
+        <p:nvPr/>
+      </p:nvGrpSpPr>
+      <p:grpSpPr>
+        <a:xfrm>
+          <a:off x="0" y="0"/>
+          <a:ext cx="0" cy="0"/>
+          <a:chOff x="0" y="0"/>
+          <a:chExt cx="0" cy="0"/>
+        </a:xfrm>
+      </p:grpSpPr>
+      <p:sp>
+        <p:nvSpPr>
+          <p:cNvPr id="2" name="Title 1">
+            <a:extLst>
+              <a:ext uri="{FF2B5EF4-FFF2-40B4-BE49-F238E27FC236}">
+                <a16:creationId xmlns:a16="http://schemas.microsoft.com/office/drawing/2014/main" id="{2BCA2000-3D00-404F-8120-D6C10FF9543B}"/>
+              </a:ext>
+            </a:extLst>
+          </p:cNvPr>
+          <p:cNvSpPr>
+            <a:spLocks noGrp="1"/>
+          </p:cNvSpPr>
+          <p:nvPr>
+            <p:ph type="title"/>
+          </p:nvPr>
+        </p:nvSpPr>
+        <p:spPr/>
+        <p:txBody>
+          <a:bodyPr/>
+          <a:lstStyle/>
+          <a:p>
+            <a:r>
+              <a:rPr lang="en-US" dirty="0"/>
+              <a:t>Hardware Assembling</a:t>
+            </a:r>
+          </a:p>
+        </p:txBody>
+      </p:sp>
+      <p:sp>
+        <p:nvSpPr>
+          <p:cNvPr id="3" name="Content Placeholder 2">
+            <a:extLst>
+              <a:ext uri="{FF2B5EF4-FFF2-40B4-BE49-F238E27FC236}">
+                <a16:creationId xmlns:a16="http://schemas.microsoft.com/office/drawing/2014/main" id="{CC549818-B132-4C58-8BFA-575D99D20764}"/>
+              </a:ext>
+            </a:extLst>
+          </p:cNvPr>
+          <p:cNvSpPr>
+            <a:spLocks noGrp="1"/>
+          </p:cNvSpPr>
+          <p:nvPr>
+            <p:ph idx="1"/>
+          </p:nvPr>
+        </p:nvSpPr>
+        <p:spPr/>
+        <p:txBody>
+          <a:bodyPr/>
+          <a:lstStyle/>
+          <a:p>
+            <a:r>
+              <a:rPr lang="en-US" dirty="0"/>
+              <a:t>Connect MPU6050 with accelerometer and gyroscope.</a:t>
+            </a:r>
+          </a:p>
+          <a:p>
+            <a:r>
+              <a:rPr lang="en-US" dirty="0"/>
+              <a:t>Interface flex sensor and MPU6050 to Arduino Mega 2560.</a:t>
+            </a:r>
+          </a:p>
+          <a:p>
+            <a:r>
+              <a:rPr lang="en-US" dirty="0"/>
+              <a:t>Connect the Arduino Mega 2560 to laptop to send data.</a:t>
+            </a:r>
+          </a:p>
+        </p:txBody>
+      </p:sp>
+    </p:spTree>
+    <p:extLst>
+      <p:ext uri="{BB962C8B-B14F-4D97-AF65-F5344CB8AC3E}">
+        <p14:creationId xmlns:p14="http://schemas.microsoft.com/office/powerpoint/2010/main" val="2293473779"/>
+      </p:ext>
+    </p:extLst>
+  </p:cSld>
+  <p:clrMapOvr>
+    <a:masterClrMapping/>
+  </p:clrMapOvr>
+</p:sld>
+</file>
+
+<file path=ppt/slides/slide9.xml><?xml version="1.0" encoding="utf-8"?>
+<p:sld xmlns:a="http://schemas.openxmlformats.org/drawingml/2006/main" xmlns:r="http://schemas.openxmlformats.org/officeDocument/2006/relationships" xmlns:p="http://schemas.openxmlformats.org/presentationml/2006/main">
+  <p:cSld>
+    <p:spTree>
+      <p:nvGrpSpPr>
+        <p:cNvPr id="1" name=""/>
+        <p:cNvGrpSpPr/>
+        <p:nvPr/>
+      </p:nvGrpSpPr>
+      <p:grpSpPr>
+        <a:xfrm>
+          <a:off x="0" y="0"/>
+          <a:ext cx="0" cy="0"/>
+          <a:chOff x="0" y="0"/>
+          <a:chExt cx="0" cy="0"/>
+        </a:xfrm>
+      </p:grpSpPr>
+      <p:sp>
+        <p:nvSpPr>
+          <p:cNvPr id="2" name="Title 1">
+            <a:extLst>
+              <a:ext uri="{FF2B5EF4-FFF2-40B4-BE49-F238E27FC236}">
+                <a16:creationId xmlns:a16="http://schemas.microsoft.com/office/drawing/2014/main" id="{5D7890FB-343E-4EE5-800D-9BCF69180042}"/>
+              </a:ext>
+            </a:extLst>
+          </p:cNvPr>
+          <p:cNvSpPr>
+            <a:spLocks noGrp="1"/>
+          </p:cNvSpPr>
+          <p:nvPr>
+            <p:ph type="title"/>
+          </p:nvPr>
+        </p:nvSpPr>
+        <p:spPr/>
+        <p:txBody>
+          <a:bodyPr/>
+          <a:lstStyle/>
+          <a:p>
+            <a:r>
+              <a:rPr lang="en-US" dirty="0"/>
+              <a:t>Dataset preparation</a:t>
+            </a:r>
+          </a:p>
+        </p:txBody>
+      </p:sp>
+      <p:sp>
+        <p:nvSpPr>
+          <p:cNvPr id="3" name="Content Placeholder 2">
+            <a:extLst>
+              <a:ext uri="{FF2B5EF4-FFF2-40B4-BE49-F238E27FC236}">
+                <a16:creationId xmlns:a16="http://schemas.microsoft.com/office/drawing/2014/main" id="{E426F7BE-85AF-4B7E-B702-899622C10C7C}"/>
+              </a:ext>
+            </a:extLst>
+          </p:cNvPr>
+          <p:cNvSpPr>
+            <a:spLocks noGrp="1"/>
+          </p:cNvSpPr>
+          <p:nvPr>
+            <p:ph idx="1"/>
+          </p:nvPr>
+        </p:nvSpPr>
+        <p:spPr/>
+        <p:txBody>
+          <a:bodyPr/>
+          <a:lstStyle/>
+          <a:p>
+            <a:r>
+              <a:rPr lang="en-US" dirty="0"/>
+              <a:t>Receive data from Arduino Mega 2560 and write to file.</a:t>
+            </a:r>
+          </a:p>
+          <a:p>
+            <a:r>
+              <a:rPr lang="en-US" dirty="0"/>
+              <a:t>Classify data and convert the file to csv file format.</a:t>
+            </a:r>
+          </a:p>
+          <a:p>
+            <a:r>
+              <a:rPr lang="en-US" dirty="0"/>
+              <a:t>Use Random forest classifier in python to train the model.</a:t>
+            </a:r>
+          </a:p>
+        </p:txBody>
+      </p:sp>
+    </p:spTree>
+    <p:extLst>
+      <p:ext uri="{BB962C8B-B14F-4D97-AF65-F5344CB8AC3E}">
+        <p14:creationId xmlns:p14="http://schemas.microsoft.com/office/powerpoint/2010/main" val="3510071441"/>
       </p:ext>
     </p:extLst>
   </p:cSld>

--- a/Smart Gloves using Flex Sensor.pptx
+++ b/Smart Gloves using Flex Sensor.pptx
@@ -4,6 +4,9 @@
   <p:sldMasterIdLst>
     <p:sldMasterId id="2147483648" r:id="rId1"/>
   </p:sldMasterIdLst>
+  <p:notesMasterIdLst>
+    <p:notesMasterId r:id="rId23"/>
+  </p:notesMasterIdLst>
   <p:sldIdLst>
     <p:sldId id="256" r:id="rId2"/>
     <p:sldId id="257" r:id="rId3"/>
@@ -14,14 +17,18 @@
     <p:sldId id="262" r:id="rId8"/>
     <p:sldId id="263" r:id="rId9"/>
     <p:sldId id="264" r:id="rId10"/>
-    <p:sldId id="265" r:id="rId11"/>
-    <p:sldId id="269" r:id="rId12"/>
-    <p:sldId id="266" r:id="rId13"/>
-    <p:sldId id="270" r:id="rId14"/>
-    <p:sldId id="267" r:id="rId15"/>
-    <p:sldId id="268" r:id="rId16"/>
-    <p:sldId id="271" r:id="rId17"/>
-    <p:sldId id="272" r:id="rId18"/>
+    <p:sldId id="273" r:id="rId11"/>
+    <p:sldId id="274" r:id="rId12"/>
+    <p:sldId id="265" r:id="rId13"/>
+    <p:sldId id="269" r:id="rId14"/>
+    <p:sldId id="266" r:id="rId15"/>
+    <p:sldId id="270" r:id="rId16"/>
+    <p:sldId id="267" r:id="rId17"/>
+    <p:sldId id="268" r:id="rId18"/>
+    <p:sldId id="271" r:id="rId19"/>
+    <p:sldId id="272" r:id="rId20"/>
+    <p:sldId id="275" r:id="rId21"/>
+    <p:sldId id="276" r:id="rId22"/>
   </p:sldIdLst>
   <p:sldSz cx="12192000" cy="6858000"/>
   <p:notesSz cx="6858000" cy="9144000"/>
@@ -128,6 +135,1416 @@
 </p:presentation>
 </file>
 
+<file path=ppt/charts/chart1.xml><?xml version="1.0" encoding="utf-8"?>
+<c:chartSpace xmlns:c="http://schemas.openxmlformats.org/drawingml/2006/chart" xmlns:a="http://schemas.openxmlformats.org/drawingml/2006/main" xmlns:r="http://schemas.openxmlformats.org/officeDocument/2006/relationships" xmlns:c16r2="http://schemas.microsoft.com/office/drawing/2015/06/chart">
+  <c:date1904 val="0"/>
+  <c:lang val="en-US"/>
+  <c:roundedCorners val="0"/>
+  <mc:AlternateContent xmlns:mc="http://schemas.openxmlformats.org/markup-compatibility/2006">
+    <mc:Choice xmlns:c14="http://schemas.microsoft.com/office/drawing/2007/8/2/chart" Requires="c14">
+      <c14:style val="102"/>
+    </mc:Choice>
+    <mc:Fallback>
+      <c:style val="2"/>
+    </mc:Fallback>
+  </mc:AlternateContent>
+  <c:chart>
+    <c:autoTitleDeleted val="0"/>
+    <c:view3D>
+      <c:rotX val="15"/>
+      <c:rotY val="20"/>
+      <c:depthPercent val="100"/>
+      <c:rAngAx val="1"/>
+    </c:view3D>
+    <c:floor>
+      <c:thickness val="0"/>
+      <c:spPr>
+        <a:noFill/>
+        <a:ln>
+          <a:noFill/>
+        </a:ln>
+        <a:effectLst/>
+        <a:sp3d/>
+      </c:spPr>
+    </c:floor>
+    <c:sideWall>
+      <c:thickness val="0"/>
+      <c:spPr>
+        <a:noFill/>
+        <a:ln>
+          <a:noFill/>
+        </a:ln>
+        <a:effectLst/>
+        <a:sp3d/>
+      </c:spPr>
+    </c:sideWall>
+    <c:backWall>
+      <c:thickness val="0"/>
+      <c:spPr>
+        <a:noFill/>
+        <a:ln>
+          <a:noFill/>
+        </a:ln>
+        <a:effectLst/>
+        <a:sp3d/>
+      </c:spPr>
+    </c:backWall>
+    <c:plotArea>
+      <c:layout/>
+      <c:bar3DChart>
+        <c:barDir val="bar"/>
+        <c:grouping val="stacked"/>
+        <c:varyColors val="0"/>
+        <c:ser>
+          <c:idx val="0"/>
+          <c:order val="0"/>
+          <c:tx>
+            <c:strRef>
+              <c:f>Sheet1!$B$1</c:f>
+              <c:strCache>
+                <c:ptCount val="1"/>
+                <c:pt idx="0">
+                  <c:v>Start Date</c:v>
+                </c:pt>
+              </c:strCache>
+            </c:strRef>
+          </c:tx>
+          <c:spPr>
+            <a:noFill/>
+            <a:ln>
+              <a:noFill/>
+            </a:ln>
+            <a:effectLst/>
+            <a:sp3d/>
+          </c:spPr>
+          <c:invertIfNegative val="0"/>
+          <c:cat>
+            <c:strRef>
+              <c:f>Sheet1!$A$2:$A$9</c:f>
+              <c:strCache>
+                <c:ptCount val="8"/>
+                <c:pt idx="0">
+                  <c:v>Research</c:v>
+                </c:pt>
+                <c:pt idx="1">
+                  <c:v>Hardware Acquisition</c:v>
+                </c:pt>
+                <c:pt idx="2">
+                  <c:v>Dataset collection and preparation</c:v>
+                </c:pt>
+                <c:pt idx="3">
+                  <c:v>Programming and training</c:v>
+                </c:pt>
+                <c:pt idx="4">
+                  <c:v>Progress Reporting</c:v>
+                </c:pt>
+                <c:pt idx="5">
+                  <c:v>Milestone</c:v>
+                </c:pt>
+                <c:pt idx="6">
+                  <c:v>Prototyping and Testing</c:v>
+                </c:pt>
+                <c:pt idx="7">
+                  <c:v>Report Writing</c:v>
+                </c:pt>
+              </c:strCache>
+            </c:strRef>
+          </c:cat>
+          <c:val>
+            <c:numRef>
+              <c:f>Sheet1!$B$2:$B$9</c:f>
+              <c:numCache>
+                <c:formatCode>m/d/yyyy</c:formatCode>
+                <c:ptCount val="8"/>
+                <c:pt idx="0">
+                  <c:v>44706</c:v>
+                </c:pt>
+                <c:pt idx="1">
+                  <c:v>44706</c:v>
+                </c:pt>
+                <c:pt idx="2">
+                  <c:v>44747</c:v>
+                </c:pt>
+                <c:pt idx="3">
+                  <c:v>44778</c:v>
+                </c:pt>
+                <c:pt idx="4">
+                  <c:v>44711</c:v>
+                </c:pt>
+                <c:pt idx="5">
+                  <c:v>44941</c:v>
+                </c:pt>
+                <c:pt idx="6">
+                  <c:v>44839</c:v>
+                </c:pt>
+                <c:pt idx="7">
+                  <c:v>44986</c:v>
+                </c:pt>
+              </c:numCache>
+            </c:numRef>
+          </c:val>
+          <c:extLst>
+            <c:ext xmlns:c16="http://schemas.microsoft.com/office/drawing/2014/chart" uri="{C3380CC4-5D6E-409C-BE32-E72D297353CC}">
+              <c16:uniqueId val="{00000000-5964-4B97-8CF3-668A0AC9E849}"/>
+            </c:ext>
+          </c:extLst>
+        </c:ser>
+        <c:ser>
+          <c:idx val="1"/>
+          <c:order val="1"/>
+          <c:tx>
+            <c:strRef>
+              <c:f>Sheet1!$D$1</c:f>
+              <c:strCache>
+                <c:ptCount val="1"/>
+                <c:pt idx="0">
+                  <c:v>Duration</c:v>
+                </c:pt>
+              </c:strCache>
+            </c:strRef>
+          </c:tx>
+          <c:spPr>
+            <a:solidFill>
+              <a:schemeClr val="accent2"/>
+            </a:solidFill>
+            <a:ln>
+              <a:noFill/>
+            </a:ln>
+            <a:effectLst/>
+            <a:sp3d/>
+          </c:spPr>
+          <c:invertIfNegative val="0"/>
+          <c:dPt>
+            <c:idx val="5"/>
+            <c:invertIfNegative val="0"/>
+            <c:bubble3D val="0"/>
+            <c:spPr>
+              <a:noFill/>
+              <a:ln>
+                <a:noFill/>
+              </a:ln>
+              <a:effectLst/>
+              <a:sp3d/>
+            </c:spPr>
+            <c:extLst>
+              <c:ext xmlns:c16="http://schemas.microsoft.com/office/drawing/2014/chart" uri="{C3380CC4-5D6E-409C-BE32-E72D297353CC}">
+                <c16:uniqueId val="{00000002-5964-4B97-8CF3-668A0AC9E849}"/>
+              </c:ext>
+            </c:extLst>
+          </c:dPt>
+          <c:cat>
+            <c:strRef>
+              <c:f>Sheet1!$A$2:$A$9</c:f>
+              <c:strCache>
+                <c:ptCount val="8"/>
+                <c:pt idx="0">
+                  <c:v>Research</c:v>
+                </c:pt>
+                <c:pt idx="1">
+                  <c:v>Hardware Acquisition</c:v>
+                </c:pt>
+                <c:pt idx="2">
+                  <c:v>Dataset collection and preparation</c:v>
+                </c:pt>
+                <c:pt idx="3">
+                  <c:v>Programming and training</c:v>
+                </c:pt>
+                <c:pt idx="4">
+                  <c:v>Progress Reporting</c:v>
+                </c:pt>
+                <c:pt idx="5">
+                  <c:v>Milestone</c:v>
+                </c:pt>
+                <c:pt idx="6">
+                  <c:v>Prototyping and Testing</c:v>
+                </c:pt>
+                <c:pt idx="7">
+                  <c:v>Report Writing</c:v>
+                </c:pt>
+              </c:strCache>
+            </c:strRef>
+          </c:cat>
+          <c:val>
+            <c:numRef>
+              <c:f>Sheet1!$D$2:$D$9</c:f>
+              <c:numCache>
+                <c:formatCode>General</c:formatCode>
+                <c:ptCount val="8"/>
+                <c:pt idx="0">
+                  <c:v>30</c:v>
+                </c:pt>
+                <c:pt idx="1">
+                  <c:v>190</c:v>
+                </c:pt>
+                <c:pt idx="2">
+                  <c:v>130</c:v>
+                </c:pt>
+                <c:pt idx="3">
+                  <c:v>125</c:v>
+                </c:pt>
+                <c:pt idx="4">
+                  <c:v>290</c:v>
+                </c:pt>
+                <c:pt idx="5">
+                  <c:v>5</c:v>
+                </c:pt>
+                <c:pt idx="6">
+                  <c:v>120</c:v>
+                </c:pt>
+                <c:pt idx="7">
+                  <c:v>15</c:v>
+                </c:pt>
+              </c:numCache>
+            </c:numRef>
+          </c:val>
+          <c:extLst>
+            <c:ext xmlns:c16="http://schemas.microsoft.com/office/drawing/2014/chart" uri="{C3380CC4-5D6E-409C-BE32-E72D297353CC}">
+              <c16:uniqueId val="{00000003-5964-4B97-8CF3-668A0AC9E849}"/>
+            </c:ext>
+          </c:extLst>
+        </c:ser>
+        <c:dLbls>
+          <c:showLegendKey val="0"/>
+          <c:showVal val="0"/>
+          <c:showCatName val="0"/>
+          <c:showSerName val="0"/>
+          <c:showPercent val="0"/>
+          <c:showBubbleSize val="0"/>
+        </c:dLbls>
+        <c:gapWidth val="150"/>
+        <c:shape val="box"/>
+        <c:axId val="513350128"/>
+        <c:axId val="513347176"/>
+        <c:axId val="0"/>
+      </c:bar3DChart>
+      <c:catAx>
+        <c:axId val="513350128"/>
+        <c:scaling>
+          <c:orientation val="maxMin"/>
+        </c:scaling>
+        <c:delete val="0"/>
+        <c:axPos val="l"/>
+        <c:numFmt formatCode="General" sourceLinked="1"/>
+        <c:majorTickMark val="none"/>
+        <c:minorTickMark val="none"/>
+        <c:tickLblPos val="nextTo"/>
+        <c:spPr>
+          <a:noFill/>
+          <a:ln>
+            <a:noFill/>
+          </a:ln>
+          <a:effectLst/>
+        </c:spPr>
+        <c:txPr>
+          <a:bodyPr rot="-60000000" spcFirstLastPara="1" vertOverflow="ellipsis" vert="horz" wrap="square" anchor="ctr" anchorCtr="1"/>
+          <a:lstStyle/>
+          <a:p>
+            <a:pPr>
+              <a:defRPr sz="900" b="0" i="0" u="none" strike="noStrike" kern="1200" baseline="0">
+                <a:ln>
+                  <a:solidFill>
+                    <a:schemeClr val="tx1">
+                      <a:lumMod val="75000"/>
+                      <a:lumOff val="25000"/>
+                      <a:alpha val="47000"/>
+                    </a:schemeClr>
+                  </a:solidFill>
+                </a:ln>
+                <a:solidFill>
+                  <a:schemeClr val="tx1">
+                    <a:lumMod val="65000"/>
+                    <a:lumOff val="35000"/>
+                  </a:schemeClr>
+                </a:solidFill>
+                <a:latin typeface="+mn-lt"/>
+                <a:ea typeface="+mn-ea"/>
+                <a:cs typeface="+mn-cs"/>
+              </a:defRPr>
+            </a:pPr>
+            <a:endParaRPr lang="en-US"/>
+          </a:p>
+        </c:txPr>
+        <c:crossAx val="513347176"/>
+        <c:crosses val="autoZero"/>
+        <c:auto val="1"/>
+        <c:lblAlgn val="ctr"/>
+        <c:lblOffset val="100"/>
+        <c:noMultiLvlLbl val="0"/>
+      </c:catAx>
+      <c:valAx>
+        <c:axId val="513347176"/>
+        <c:scaling>
+          <c:orientation val="minMax"/>
+          <c:min val="44706"/>
+        </c:scaling>
+        <c:delete val="0"/>
+        <c:axPos val="t"/>
+        <c:majorGridlines>
+          <c:spPr>
+            <a:ln w="9525" cap="flat" cmpd="sng" algn="ctr">
+              <a:solidFill>
+                <a:schemeClr val="tx1">
+                  <a:lumMod val="15000"/>
+                  <a:lumOff val="85000"/>
+                </a:schemeClr>
+              </a:solidFill>
+              <a:round/>
+            </a:ln>
+            <a:effectLst/>
+          </c:spPr>
+        </c:majorGridlines>
+        <c:numFmt formatCode="m/d/yyyy" sourceLinked="1"/>
+        <c:majorTickMark val="none"/>
+        <c:minorTickMark val="none"/>
+        <c:tickLblPos val="nextTo"/>
+        <c:spPr>
+          <a:noFill/>
+          <a:ln>
+            <a:noFill/>
+          </a:ln>
+          <a:effectLst/>
+        </c:spPr>
+        <c:txPr>
+          <a:bodyPr rot="-60000000" spcFirstLastPara="1" vertOverflow="ellipsis" vert="horz" wrap="square" anchor="ctr" anchorCtr="1"/>
+          <a:lstStyle/>
+          <a:p>
+            <a:pPr>
+              <a:defRPr sz="900" b="0" i="0" u="none" strike="noStrike" kern="1200" baseline="0">
+                <a:solidFill>
+                  <a:schemeClr val="tx1">
+                    <a:lumMod val="65000"/>
+                    <a:lumOff val="35000"/>
+                  </a:schemeClr>
+                </a:solidFill>
+                <a:latin typeface="+mn-lt"/>
+                <a:ea typeface="+mn-ea"/>
+                <a:cs typeface="+mn-cs"/>
+              </a:defRPr>
+            </a:pPr>
+            <a:endParaRPr lang="en-US"/>
+          </a:p>
+        </c:txPr>
+        <c:crossAx val="513350128"/>
+        <c:crosses val="autoZero"/>
+        <c:crossBetween val="between"/>
+      </c:valAx>
+      <c:spPr>
+        <a:noFill/>
+        <a:ln>
+          <a:noFill/>
+        </a:ln>
+        <a:effectLst/>
+      </c:spPr>
+    </c:plotArea>
+    <c:plotVisOnly val="1"/>
+    <c:dispBlanksAs val="gap"/>
+    <c:extLst>
+      <c:ext xmlns:c16r3="http://schemas.microsoft.com/office/drawing/2017/03/chart" uri="{56B9EC1D-385E-4148-901F-78D8002777C0}">
+        <c16r3:dataDisplayOptions16>
+          <c16r3:dispNaAsBlank val="1"/>
+        </c16r3:dataDisplayOptions16>
+      </c:ext>
+    </c:extLst>
+    <c:showDLblsOverMax val="0"/>
+  </c:chart>
+  <c:spPr>
+    <a:solidFill>
+      <a:schemeClr val="bg1"/>
+    </a:solidFill>
+    <a:ln w="9525" cap="flat" cmpd="sng" algn="ctr">
+      <a:solidFill>
+        <a:schemeClr val="tx1">
+          <a:lumMod val="15000"/>
+          <a:lumOff val="85000"/>
+        </a:schemeClr>
+      </a:solidFill>
+      <a:round/>
+    </a:ln>
+    <a:effectLst/>
+  </c:spPr>
+  <c:txPr>
+    <a:bodyPr/>
+    <a:lstStyle/>
+    <a:p>
+      <a:pPr>
+        <a:defRPr/>
+      </a:pPr>
+      <a:endParaRPr lang="en-US"/>
+    </a:p>
+  </c:txPr>
+  <c:externalData r:id="rId3">
+    <c:autoUpdate val="0"/>
+  </c:externalData>
+  <c:userShapes r:id="rId4"/>
+</c:chartSpace>
+</file>
+
+<file path=ppt/charts/colors1.xml><?xml version="1.0" encoding="utf-8"?>
+<cs:colorStyle xmlns:cs="http://schemas.microsoft.com/office/drawing/2012/chartStyle" xmlns:a="http://schemas.openxmlformats.org/drawingml/2006/main" meth="cycle" id="10">
+  <a:schemeClr val="accent1"/>
+  <a:schemeClr val="accent2"/>
+  <a:schemeClr val="accent3"/>
+  <a:schemeClr val="accent4"/>
+  <a:schemeClr val="accent5"/>
+  <a:schemeClr val="accent6"/>
+  <cs:variation/>
+  <cs:variation>
+    <a:lumMod val="60000"/>
+  </cs:variation>
+  <cs:variation>
+    <a:lumMod val="80000"/>
+    <a:lumOff val="20000"/>
+  </cs:variation>
+  <cs:variation>
+    <a:lumMod val="80000"/>
+  </cs:variation>
+  <cs:variation>
+    <a:lumMod val="60000"/>
+    <a:lumOff val="40000"/>
+  </cs:variation>
+  <cs:variation>
+    <a:lumMod val="50000"/>
+  </cs:variation>
+  <cs:variation>
+    <a:lumMod val="70000"/>
+    <a:lumOff val="30000"/>
+  </cs:variation>
+  <cs:variation>
+    <a:lumMod val="70000"/>
+  </cs:variation>
+  <cs:variation>
+    <a:lumMod val="50000"/>
+    <a:lumOff val="50000"/>
+  </cs:variation>
+</cs:colorStyle>
+</file>
+
+<file path=ppt/charts/style1.xml><?xml version="1.0" encoding="utf-8"?>
+<cs:chartStyle xmlns:cs="http://schemas.microsoft.com/office/drawing/2012/chartStyle" xmlns:a="http://schemas.openxmlformats.org/drawingml/2006/main" id="286">
+  <cs:axisTitle>
+    <cs:lnRef idx="0"/>
+    <cs:fillRef idx="0"/>
+    <cs:effectRef idx="0"/>
+    <cs:fontRef idx="minor">
+      <a:schemeClr val="tx1">
+        <a:lumMod val="65000"/>
+        <a:lumOff val="35000"/>
+      </a:schemeClr>
+    </cs:fontRef>
+    <cs:defRPr sz="1000" kern="1200"/>
+  </cs:axisTitle>
+  <cs:categoryAxis>
+    <cs:lnRef idx="0"/>
+    <cs:fillRef idx="0"/>
+    <cs:effectRef idx="0"/>
+    <cs:fontRef idx="minor">
+      <a:schemeClr val="tx1">
+        <a:lumMod val="65000"/>
+        <a:lumOff val="35000"/>
+      </a:schemeClr>
+    </cs:fontRef>
+    <cs:defRPr sz="900" kern="1200"/>
+  </cs:categoryAxis>
+  <cs:chartArea mods="allowNoFillOverride allowNoLineOverride">
+    <cs:lnRef idx="0"/>
+    <cs:fillRef idx="0"/>
+    <cs:effectRef idx="0"/>
+    <cs:fontRef idx="minor">
+      <a:schemeClr val="tx1"/>
+    </cs:fontRef>
+    <cs:spPr>
+      <a:solidFill>
+        <a:schemeClr val="bg1"/>
+      </a:solidFill>
+      <a:ln w="9525" cap="flat" cmpd="sng" algn="ctr">
+        <a:solidFill>
+          <a:schemeClr val="tx1">
+            <a:lumMod val="15000"/>
+            <a:lumOff val="85000"/>
+          </a:schemeClr>
+        </a:solidFill>
+        <a:round/>
+      </a:ln>
+    </cs:spPr>
+    <cs:defRPr sz="1000" kern="1200"/>
+  </cs:chartArea>
+  <cs:dataLabel>
+    <cs:lnRef idx="0"/>
+    <cs:fillRef idx="0"/>
+    <cs:effectRef idx="0"/>
+    <cs:fontRef idx="minor">
+      <a:schemeClr val="tx1">
+        <a:lumMod val="75000"/>
+        <a:lumOff val="25000"/>
+      </a:schemeClr>
+    </cs:fontRef>
+    <cs:defRPr sz="900" kern="1200"/>
+  </cs:dataLabel>
+  <cs:dataLabelCallout>
+    <cs:lnRef idx="0"/>
+    <cs:fillRef idx="0"/>
+    <cs:effectRef idx="0"/>
+    <cs:fontRef idx="minor">
+      <a:schemeClr val="dk1">
+        <a:lumMod val="65000"/>
+        <a:lumOff val="35000"/>
+      </a:schemeClr>
+    </cs:fontRef>
+    <cs:spPr>
+      <a:solidFill>
+        <a:schemeClr val="lt1"/>
+      </a:solidFill>
+      <a:ln>
+        <a:solidFill>
+          <a:schemeClr val="dk1">
+            <a:lumMod val="25000"/>
+            <a:lumOff val="75000"/>
+          </a:schemeClr>
+        </a:solidFill>
+      </a:ln>
+    </cs:spPr>
+    <cs:defRPr sz="900" kern="1200"/>
+    <cs:bodyPr rot="0" spcFirstLastPara="1" vertOverflow="clip" horzOverflow="clip" vert="horz" wrap="square" lIns="36576" tIns="18288" rIns="36576" bIns="18288" anchor="ctr" anchorCtr="1">
+      <a:spAutoFit/>
+    </cs:bodyPr>
+  </cs:dataLabelCallout>
+  <cs:dataPoint>
+    <cs:lnRef idx="0"/>
+    <cs:fillRef idx="1">
+      <cs:styleClr val="auto"/>
+    </cs:fillRef>
+    <cs:effectRef idx="0"/>
+    <cs:fontRef idx="minor">
+      <a:schemeClr val="tx1"/>
+    </cs:fontRef>
+  </cs:dataPoint>
+  <cs:dataPoint3D>
+    <cs:lnRef idx="0"/>
+    <cs:fillRef idx="1">
+      <cs:styleClr val="auto"/>
+    </cs:fillRef>
+    <cs:effectRef idx="0"/>
+    <cs:fontRef idx="minor">
+      <a:schemeClr val="tx1"/>
+    </cs:fontRef>
+  </cs:dataPoint3D>
+  <cs:dataPointLine>
+    <cs:lnRef idx="0">
+      <cs:styleClr val="auto"/>
+    </cs:lnRef>
+    <cs:fillRef idx="1"/>
+    <cs:effectRef idx="0"/>
+    <cs:fontRef idx="minor">
+      <a:schemeClr val="tx1"/>
+    </cs:fontRef>
+    <cs:spPr>
+      <a:ln w="28575" cap="rnd">
+        <a:solidFill>
+          <a:schemeClr val="phClr"/>
+        </a:solidFill>
+        <a:round/>
+      </a:ln>
+    </cs:spPr>
+  </cs:dataPointLine>
+  <cs:dataPointMarker>
+    <cs:lnRef idx="0">
+      <cs:styleClr val="auto"/>
+    </cs:lnRef>
+    <cs:fillRef idx="1">
+      <cs:styleClr val="auto"/>
+    </cs:fillRef>
+    <cs:effectRef idx="0"/>
+    <cs:fontRef idx="minor">
+      <a:schemeClr val="tx1"/>
+    </cs:fontRef>
+    <cs:spPr>
+      <a:ln w="9525">
+        <a:solidFill>
+          <a:schemeClr val="phClr"/>
+        </a:solidFill>
+      </a:ln>
+    </cs:spPr>
+  </cs:dataPointMarker>
+  <cs:dataPointMarkerLayout symbol="circle" size="5"/>
+  <cs:dataPointWireframe>
+    <cs:lnRef idx="0">
+      <cs:styleClr val="auto"/>
+    </cs:lnRef>
+    <cs:fillRef idx="1"/>
+    <cs:effectRef idx="0"/>
+    <cs:fontRef idx="minor">
+      <a:schemeClr val="tx1"/>
+    </cs:fontRef>
+    <cs:spPr>
+      <a:ln w="9525" cap="rnd">
+        <a:solidFill>
+          <a:schemeClr val="phClr"/>
+        </a:solidFill>
+        <a:round/>
+      </a:ln>
+    </cs:spPr>
+  </cs:dataPointWireframe>
+  <cs:dataTable>
+    <cs:lnRef idx="0"/>
+    <cs:fillRef idx="0"/>
+    <cs:effectRef idx="0"/>
+    <cs:fontRef idx="minor">
+      <a:schemeClr val="tx1">
+        <a:lumMod val="65000"/>
+        <a:lumOff val="35000"/>
+      </a:schemeClr>
+    </cs:fontRef>
+    <cs:spPr>
+      <a:noFill/>
+      <a:ln w="9525" cap="flat" cmpd="sng" algn="ctr">
+        <a:solidFill>
+          <a:schemeClr val="tx1">
+            <a:lumMod val="15000"/>
+            <a:lumOff val="85000"/>
+          </a:schemeClr>
+        </a:solidFill>
+        <a:round/>
+      </a:ln>
+    </cs:spPr>
+    <cs:defRPr sz="900" kern="1200"/>
+  </cs:dataTable>
+  <cs:downBar>
+    <cs:lnRef idx="0"/>
+    <cs:fillRef idx="0"/>
+    <cs:effectRef idx="0"/>
+    <cs:fontRef idx="minor">
+      <a:schemeClr val="tx1"/>
+    </cs:fontRef>
+    <cs:spPr>
+      <a:solidFill>
+        <a:schemeClr val="dk1">
+          <a:lumMod val="75000"/>
+          <a:lumOff val="25000"/>
+        </a:schemeClr>
+      </a:solidFill>
+      <a:ln w="9525" cap="flat" cmpd="sng" algn="ctr">
+        <a:solidFill>
+          <a:schemeClr val="tx1">
+            <a:lumMod val="65000"/>
+            <a:lumOff val="35000"/>
+          </a:schemeClr>
+        </a:solidFill>
+        <a:round/>
+      </a:ln>
+    </cs:spPr>
+  </cs:downBar>
+  <cs:dropLine>
+    <cs:lnRef idx="0"/>
+    <cs:fillRef idx="0"/>
+    <cs:effectRef idx="0"/>
+    <cs:fontRef idx="minor">
+      <a:schemeClr val="tx1"/>
+    </cs:fontRef>
+    <cs:spPr>
+      <a:ln w="9525" cap="flat" cmpd="sng" algn="ctr">
+        <a:solidFill>
+          <a:schemeClr val="tx1">
+            <a:lumMod val="35000"/>
+            <a:lumOff val="65000"/>
+          </a:schemeClr>
+        </a:solidFill>
+        <a:round/>
+      </a:ln>
+    </cs:spPr>
+  </cs:dropLine>
+  <cs:errorBar>
+    <cs:lnRef idx="0"/>
+    <cs:fillRef idx="0"/>
+    <cs:effectRef idx="0"/>
+    <cs:fontRef idx="minor">
+      <a:schemeClr val="tx1"/>
+    </cs:fontRef>
+    <cs:spPr>
+      <a:ln w="9525" cap="flat" cmpd="sng" algn="ctr">
+        <a:solidFill>
+          <a:schemeClr val="tx1">
+            <a:lumMod val="65000"/>
+            <a:lumOff val="35000"/>
+          </a:schemeClr>
+        </a:solidFill>
+        <a:round/>
+      </a:ln>
+    </cs:spPr>
+  </cs:errorBar>
+  <cs:floor>
+    <cs:lnRef idx="0"/>
+    <cs:fillRef idx="0"/>
+    <cs:effectRef idx="0"/>
+    <cs:fontRef idx="minor">
+      <a:schemeClr val="tx1"/>
+    </cs:fontRef>
+    <cs:spPr>
+      <a:noFill/>
+      <a:ln>
+        <a:noFill/>
+      </a:ln>
+    </cs:spPr>
+  </cs:floor>
+  <cs:gridlineMajor>
+    <cs:lnRef idx="0"/>
+    <cs:fillRef idx="0"/>
+    <cs:effectRef idx="0"/>
+    <cs:fontRef idx="minor">
+      <a:schemeClr val="tx1"/>
+    </cs:fontRef>
+    <cs:spPr>
+      <a:ln w="9525" cap="flat" cmpd="sng" algn="ctr">
+        <a:solidFill>
+          <a:schemeClr val="tx1">
+            <a:lumMod val="15000"/>
+            <a:lumOff val="85000"/>
+          </a:schemeClr>
+        </a:solidFill>
+        <a:round/>
+      </a:ln>
+    </cs:spPr>
+  </cs:gridlineMajor>
+  <cs:gridlineMinor>
+    <cs:lnRef idx="0"/>
+    <cs:fillRef idx="0"/>
+    <cs:effectRef idx="0"/>
+    <cs:fontRef idx="minor">
+      <a:schemeClr val="tx1"/>
+    </cs:fontRef>
+    <cs:spPr>
+      <a:ln w="9525" cap="flat" cmpd="sng" algn="ctr">
+        <a:solidFill>
+          <a:schemeClr val="tx1">
+            <a:lumMod val="5000"/>
+            <a:lumOff val="95000"/>
+          </a:schemeClr>
+        </a:solidFill>
+        <a:round/>
+      </a:ln>
+    </cs:spPr>
+  </cs:gridlineMinor>
+  <cs:hiLoLine>
+    <cs:lnRef idx="0"/>
+    <cs:fillRef idx="0"/>
+    <cs:effectRef idx="0"/>
+    <cs:fontRef idx="minor">
+      <a:schemeClr val="tx1"/>
+    </cs:fontRef>
+    <cs:spPr>
+      <a:ln w="9525" cap="flat" cmpd="sng" algn="ctr">
+        <a:solidFill>
+          <a:schemeClr val="tx1">
+            <a:lumMod val="50000"/>
+            <a:lumOff val="50000"/>
+          </a:schemeClr>
+        </a:solidFill>
+        <a:round/>
+      </a:ln>
+    </cs:spPr>
+  </cs:hiLoLine>
+  <cs:leaderLine>
+    <cs:lnRef idx="0"/>
+    <cs:fillRef idx="0"/>
+    <cs:effectRef idx="0"/>
+    <cs:fontRef idx="minor">
+      <a:schemeClr val="tx1"/>
+    </cs:fontRef>
+    <cs:spPr>
+      <a:ln w="9525" cap="flat" cmpd="sng" algn="ctr">
+        <a:solidFill>
+          <a:schemeClr val="tx1">
+            <a:lumMod val="35000"/>
+            <a:lumOff val="65000"/>
+          </a:schemeClr>
+        </a:solidFill>
+        <a:round/>
+      </a:ln>
+    </cs:spPr>
+  </cs:leaderLine>
+  <cs:legend>
+    <cs:lnRef idx="0"/>
+    <cs:fillRef idx="0"/>
+    <cs:effectRef idx="0"/>
+    <cs:fontRef idx="minor">
+      <a:schemeClr val="tx1">
+        <a:lumMod val="65000"/>
+        <a:lumOff val="35000"/>
+      </a:schemeClr>
+    </cs:fontRef>
+    <cs:defRPr sz="900" kern="1200"/>
+  </cs:legend>
+  <cs:plotArea mods="allowNoFillOverride allowNoLineOverride">
+    <cs:lnRef idx="0"/>
+    <cs:fillRef idx="0"/>
+    <cs:effectRef idx="0"/>
+    <cs:fontRef idx="minor">
+      <a:schemeClr val="tx1"/>
+    </cs:fontRef>
+  </cs:plotArea>
+  <cs:plotArea3D mods="allowNoFillOverride allowNoLineOverride">
+    <cs:lnRef idx="0"/>
+    <cs:fillRef idx="0"/>
+    <cs:effectRef idx="0"/>
+    <cs:fontRef idx="minor">
+      <a:schemeClr val="tx1"/>
+    </cs:fontRef>
+  </cs:plotArea3D>
+  <cs:seriesAxis>
+    <cs:lnRef idx="0"/>
+    <cs:fillRef idx="0"/>
+    <cs:effectRef idx="0"/>
+    <cs:fontRef idx="minor">
+      <a:schemeClr val="tx1">
+        <a:lumMod val="65000"/>
+        <a:lumOff val="35000"/>
+      </a:schemeClr>
+    </cs:fontRef>
+    <cs:defRPr sz="900" kern="1200"/>
+  </cs:seriesAxis>
+  <cs:seriesLine>
+    <cs:lnRef idx="0"/>
+    <cs:fillRef idx="0"/>
+    <cs:effectRef idx="0"/>
+    <cs:fontRef idx="minor">
+      <a:schemeClr val="tx1"/>
+    </cs:fontRef>
+    <cs:spPr>
+      <a:ln w="9525" cap="flat" cmpd="sng" algn="ctr">
+        <a:solidFill>
+          <a:schemeClr val="tx1">
+            <a:lumMod val="35000"/>
+            <a:lumOff val="65000"/>
+          </a:schemeClr>
+        </a:solidFill>
+        <a:round/>
+      </a:ln>
+    </cs:spPr>
+  </cs:seriesLine>
+  <cs:title>
+    <cs:lnRef idx="0"/>
+    <cs:fillRef idx="0"/>
+    <cs:effectRef idx="0"/>
+    <cs:fontRef idx="minor">
+      <a:schemeClr val="tx1">
+        <a:lumMod val="65000"/>
+        <a:lumOff val="35000"/>
+      </a:schemeClr>
+    </cs:fontRef>
+    <cs:defRPr sz="1400" b="0" kern="1200" spc="0" baseline="0"/>
+  </cs:title>
+  <cs:trendline>
+    <cs:lnRef idx="0">
+      <cs:styleClr val="auto"/>
+    </cs:lnRef>
+    <cs:fillRef idx="0"/>
+    <cs:effectRef idx="0"/>
+    <cs:fontRef idx="minor">
+      <a:schemeClr val="tx1"/>
+    </cs:fontRef>
+    <cs:spPr>
+      <a:ln w="19050" cap="rnd">
+        <a:solidFill>
+          <a:schemeClr val="phClr"/>
+        </a:solidFill>
+        <a:prstDash val="sysDot"/>
+      </a:ln>
+    </cs:spPr>
+  </cs:trendline>
+  <cs:trendlineLabel>
+    <cs:lnRef idx="0"/>
+    <cs:fillRef idx="0"/>
+    <cs:effectRef idx="0"/>
+    <cs:fontRef idx="minor">
+      <a:schemeClr val="tx1">
+        <a:lumMod val="65000"/>
+        <a:lumOff val="35000"/>
+      </a:schemeClr>
+    </cs:fontRef>
+    <cs:defRPr sz="900" kern="1200"/>
+  </cs:trendlineLabel>
+  <cs:upBar>
+    <cs:lnRef idx="0"/>
+    <cs:fillRef idx="0"/>
+    <cs:effectRef idx="0"/>
+    <cs:fontRef idx="minor">
+      <a:schemeClr val="tx1"/>
+    </cs:fontRef>
+    <cs:spPr>
+      <a:solidFill>
+        <a:schemeClr val="lt1"/>
+      </a:solidFill>
+      <a:ln w="9525" cap="flat" cmpd="sng" algn="ctr">
+        <a:solidFill>
+          <a:schemeClr val="tx1">
+            <a:lumMod val="65000"/>
+            <a:lumOff val="35000"/>
+          </a:schemeClr>
+        </a:solidFill>
+        <a:round/>
+      </a:ln>
+    </cs:spPr>
+  </cs:upBar>
+  <cs:valueAxis>
+    <cs:lnRef idx="0"/>
+    <cs:fillRef idx="0"/>
+    <cs:effectRef idx="0"/>
+    <cs:fontRef idx="minor">
+      <a:schemeClr val="tx1">
+        <a:lumMod val="65000"/>
+        <a:lumOff val="35000"/>
+      </a:schemeClr>
+    </cs:fontRef>
+    <cs:defRPr sz="900" kern="1200"/>
+  </cs:valueAxis>
+  <cs:wall>
+    <cs:lnRef idx="0"/>
+    <cs:fillRef idx="0"/>
+    <cs:effectRef idx="0"/>
+    <cs:fontRef idx="minor">
+      <a:schemeClr val="tx1"/>
+    </cs:fontRef>
+    <cs:spPr>
+      <a:noFill/>
+      <a:ln>
+        <a:noFill/>
+      </a:ln>
+    </cs:spPr>
+  </cs:wall>
+</cs:chartStyle>
+</file>
+
+<file path=ppt/drawings/drawing1.xml><?xml version="1.0" encoding="utf-8"?>
+<c:userShapes xmlns:c="http://schemas.openxmlformats.org/drawingml/2006/chart">
+  <cdr:relSizeAnchor xmlns:cdr="http://schemas.openxmlformats.org/drawingml/2006/chartDrawing">
+    <cdr:from>
+      <cdr:x>0.75139</cdr:x>
+      <cdr:y>0.63539</cdr:y>
+    </cdr:from>
+    <cdr:to>
+      <cdr:x>0.77754</cdr:x>
+      <cdr:y>0.71316</cdr:y>
+    </cdr:to>
+    <cdr:sp macro="" textlink="">
+      <cdr:nvSpPr>
+        <cdr:cNvPr id="2" name="Flowchart: Decision 1">
+          <a:extLst xmlns:a="http://schemas.openxmlformats.org/drawingml/2006/main">
+            <a:ext uri="{FF2B5EF4-FFF2-40B4-BE49-F238E27FC236}">
+              <a16:creationId xmlns:a16="http://schemas.microsoft.com/office/drawing/2014/main" id="{6C96DE94-3654-ADD6-D3E4-6AE46ACAC457}"/>
+            </a:ext>
+          </a:extLst>
+        </cdr:cNvPr>
+        <cdr:cNvSpPr/>
+      </cdr:nvSpPr>
+      <cdr:spPr>
+        <a:xfrm xmlns:a="http://schemas.openxmlformats.org/drawingml/2006/main">
+          <a:off x="4414422" y="2314333"/>
+          <a:ext cx="153632" cy="283266"/>
+        </a:xfrm>
+        <a:prstGeom xmlns:a="http://schemas.openxmlformats.org/drawingml/2006/main" prst="flowChartDecision">
+          <a:avLst/>
+        </a:prstGeom>
+        <a:gradFill xmlns:a="http://schemas.openxmlformats.org/drawingml/2006/main" flip="none" rotWithShape="1">
+          <a:gsLst>
+            <a:gs pos="0">
+              <a:schemeClr val="accent1">
+                <a:lumMod val="67000"/>
+              </a:schemeClr>
+            </a:gs>
+            <a:gs pos="48000">
+              <a:schemeClr val="accent1">
+                <a:lumMod val="97000"/>
+                <a:lumOff val="3000"/>
+              </a:schemeClr>
+            </a:gs>
+            <a:gs pos="100000">
+              <a:schemeClr val="accent1">
+                <a:lumMod val="60000"/>
+                <a:lumOff val="40000"/>
+              </a:schemeClr>
+            </a:gs>
+          </a:gsLst>
+          <a:lin ang="16200000" scaled="1"/>
+          <a:tileRect/>
+        </a:gradFill>
+        <a:ln xmlns:a="http://schemas.openxmlformats.org/drawingml/2006/main">
+          <a:noFill/>
+        </a:ln>
+      </cdr:spPr>
+      <cdr:style>
+        <a:lnRef xmlns:a="http://schemas.openxmlformats.org/drawingml/2006/main" idx="0">
+          <a:scrgbClr r="0" g="0" b="0"/>
+        </a:lnRef>
+        <a:fillRef xmlns:a="http://schemas.openxmlformats.org/drawingml/2006/main" idx="0">
+          <a:scrgbClr r="0" g="0" b="0"/>
+        </a:fillRef>
+        <a:effectRef xmlns:a="http://schemas.openxmlformats.org/drawingml/2006/main" idx="0">
+          <a:scrgbClr r="0" g="0" b="0"/>
+        </a:effectRef>
+        <a:fontRef xmlns:a="http://schemas.openxmlformats.org/drawingml/2006/main" idx="minor">
+          <a:schemeClr val="lt1"/>
+        </a:fontRef>
+      </cdr:style>
+      <cdr:txBody>
+        <a:bodyPr xmlns:a="http://schemas.openxmlformats.org/drawingml/2006/main" vertOverflow="clip"/>
+        <a:lstStyle xmlns:a="http://schemas.openxmlformats.org/drawingml/2006/main"/>
+        <a:p xmlns:a="http://schemas.openxmlformats.org/drawingml/2006/main">
+          <a:endParaRPr lang="en-US"/>
+        </a:p>
+      </cdr:txBody>
+    </cdr:sp>
+  </cdr:relSizeAnchor>
+</c:userShapes>
+</file>
+
+<file path=ppt/notesMasters/notesMaster1.xml><?xml version="1.0" encoding="utf-8"?>
+<p:notesMaster xmlns:a="http://schemas.openxmlformats.org/drawingml/2006/main" xmlns:r="http://schemas.openxmlformats.org/officeDocument/2006/relationships" xmlns:p="http://schemas.openxmlformats.org/presentationml/2006/main">
+  <p:cSld>
+    <p:bg>
+      <p:bgRef idx="1001">
+        <a:schemeClr val="bg1"/>
+      </p:bgRef>
+    </p:bg>
+    <p:spTree>
+      <p:nvGrpSpPr>
+        <p:cNvPr id="1" name=""/>
+        <p:cNvGrpSpPr/>
+        <p:nvPr/>
+      </p:nvGrpSpPr>
+      <p:grpSpPr>
+        <a:xfrm>
+          <a:off x="0" y="0"/>
+          <a:ext cx="0" cy="0"/>
+          <a:chOff x="0" y="0"/>
+          <a:chExt cx="0" cy="0"/>
+        </a:xfrm>
+      </p:grpSpPr>
+      <p:sp>
+        <p:nvSpPr>
+          <p:cNvPr id="2" name="Header Placeholder 1"/>
+          <p:cNvSpPr>
+            <a:spLocks noGrp="1"/>
+          </p:cNvSpPr>
+          <p:nvPr>
+            <p:ph type="hdr" sz="quarter"/>
+          </p:nvPr>
+        </p:nvSpPr>
+        <p:spPr>
+          <a:xfrm>
+            <a:off x="0" y="0"/>
+            <a:ext cx="2971800" cy="458788"/>
+          </a:xfrm>
+          <a:prstGeom prst="rect">
+            <a:avLst/>
+          </a:prstGeom>
+        </p:spPr>
+        <p:txBody>
+          <a:bodyPr vert="horz" lIns="91440" tIns="45720" rIns="91440" bIns="45720" rtlCol="0"/>
+          <a:lstStyle>
+            <a:lvl1pPr algn="l">
+              <a:defRPr sz="1200"/>
+            </a:lvl1pPr>
+          </a:lstStyle>
+          <a:p>
+            <a:endParaRPr lang="en-US"/>
+          </a:p>
+        </p:txBody>
+      </p:sp>
+      <p:sp>
+        <p:nvSpPr>
+          <p:cNvPr id="3" name="Date Placeholder 2"/>
+          <p:cNvSpPr>
+            <a:spLocks noGrp="1"/>
+          </p:cNvSpPr>
+          <p:nvPr>
+            <p:ph type="dt" idx="1"/>
+          </p:nvPr>
+        </p:nvSpPr>
+        <p:spPr>
+          <a:xfrm>
+            <a:off x="3884613" y="0"/>
+            <a:ext cx="2971800" cy="458788"/>
+          </a:xfrm>
+          <a:prstGeom prst="rect">
+            <a:avLst/>
+          </a:prstGeom>
+        </p:spPr>
+        <p:txBody>
+          <a:bodyPr vert="horz" lIns="91440" tIns="45720" rIns="91440" bIns="45720" rtlCol="0"/>
+          <a:lstStyle>
+            <a:lvl1pPr algn="r">
+              <a:defRPr sz="1200"/>
+            </a:lvl1pPr>
+          </a:lstStyle>
+          <a:p>
+            <a:fld id="{3A09F30C-BD4A-4F53-8094-1E8EEF0ED955}" type="datetimeFigureOut">
+              <a:rPr lang="en-US" smtClean="0"/>
+              <a:t>5/26/2022</a:t>
+            </a:fld>
+            <a:endParaRPr lang="en-US"/>
+          </a:p>
+        </p:txBody>
+      </p:sp>
+      <p:sp>
+        <p:nvSpPr>
+          <p:cNvPr id="4" name="Slide Image Placeholder 3"/>
+          <p:cNvSpPr>
+            <a:spLocks noGrp="1" noRot="1" noChangeAspect="1"/>
+          </p:cNvSpPr>
+          <p:nvPr>
+            <p:ph type="sldImg" idx="2"/>
+          </p:nvPr>
+        </p:nvSpPr>
+        <p:spPr>
+          <a:xfrm>
+            <a:off x="685800" y="1143000"/>
+            <a:ext cx="5486400" cy="3086100"/>
+          </a:xfrm>
+          <a:prstGeom prst="rect">
+            <a:avLst/>
+          </a:prstGeom>
+          <a:noFill/>
+          <a:ln w="12700">
+            <a:solidFill>
+              <a:prstClr val="black"/>
+            </a:solidFill>
+          </a:ln>
+        </p:spPr>
+        <p:txBody>
+          <a:bodyPr vert="horz" lIns="91440" tIns="45720" rIns="91440" bIns="45720" rtlCol="0" anchor="ctr"/>
+          <a:lstStyle/>
+          <a:p>
+            <a:endParaRPr lang="en-US"/>
+          </a:p>
+        </p:txBody>
+      </p:sp>
+      <p:sp>
+        <p:nvSpPr>
+          <p:cNvPr id="5" name="Notes Placeholder 4"/>
+          <p:cNvSpPr>
+            <a:spLocks noGrp="1"/>
+          </p:cNvSpPr>
+          <p:nvPr>
+            <p:ph type="body" sz="quarter" idx="3"/>
+          </p:nvPr>
+        </p:nvSpPr>
+        <p:spPr>
+          <a:xfrm>
+            <a:off x="685800" y="4400550"/>
+            <a:ext cx="5486400" cy="3600450"/>
+          </a:xfrm>
+          <a:prstGeom prst="rect">
+            <a:avLst/>
+          </a:prstGeom>
+        </p:spPr>
+        <p:txBody>
+          <a:bodyPr vert="horz" lIns="91440" tIns="45720" rIns="91440" bIns="45720" rtlCol="0"/>
+          <a:lstStyle/>
+          <a:p>
+            <a:pPr lvl="0"/>
+            <a:r>
+              <a:rPr lang="en-US"/>
+              <a:t>Click to edit Master text styles</a:t>
+            </a:r>
+          </a:p>
+          <a:p>
+            <a:pPr lvl="1"/>
+            <a:r>
+              <a:rPr lang="en-US"/>
+              <a:t>Second level</a:t>
+            </a:r>
+          </a:p>
+          <a:p>
+            <a:pPr lvl="2"/>
+            <a:r>
+              <a:rPr lang="en-US"/>
+              <a:t>Third level</a:t>
+            </a:r>
+          </a:p>
+          <a:p>
+            <a:pPr lvl="3"/>
+            <a:r>
+              <a:rPr lang="en-US"/>
+              <a:t>Fourth level</a:t>
+            </a:r>
+          </a:p>
+          <a:p>
+            <a:pPr lvl="4"/>
+            <a:r>
+              <a:rPr lang="en-US"/>
+              <a:t>Fifth level</a:t>
+            </a:r>
+          </a:p>
+        </p:txBody>
+      </p:sp>
+      <p:sp>
+        <p:nvSpPr>
+          <p:cNvPr id="6" name="Footer Placeholder 5"/>
+          <p:cNvSpPr>
+            <a:spLocks noGrp="1"/>
+          </p:cNvSpPr>
+          <p:nvPr>
+            <p:ph type="ftr" sz="quarter" idx="4"/>
+          </p:nvPr>
+        </p:nvSpPr>
+        <p:spPr>
+          <a:xfrm>
+            <a:off x="0" y="8685213"/>
+            <a:ext cx="2971800" cy="458787"/>
+          </a:xfrm>
+          <a:prstGeom prst="rect">
+            <a:avLst/>
+          </a:prstGeom>
+        </p:spPr>
+        <p:txBody>
+          <a:bodyPr vert="horz" lIns="91440" tIns="45720" rIns="91440" bIns="45720" rtlCol="0" anchor="b"/>
+          <a:lstStyle>
+            <a:lvl1pPr algn="l">
+              <a:defRPr sz="1200"/>
+            </a:lvl1pPr>
+          </a:lstStyle>
+          <a:p>
+            <a:endParaRPr lang="en-US"/>
+          </a:p>
+        </p:txBody>
+      </p:sp>
+      <p:sp>
+        <p:nvSpPr>
+          <p:cNvPr id="7" name="Slide Number Placeholder 6"/>
+          <p:cNvSpPr>
+            <a:spLocks noGrp="1"/>
+          </p:cNvSpPr>
+          <p:nvPr>
+            <p:ph type="sldNum" sz="quarter" idx="5"/>
+          </p:nvPr>
+        </p:nvSpPr>
+        <p:spPr>
+          <a:xfrm>
+            <a:off x="3884613" y="8685213"/>
+            <a:ext cx="2971800" cy="458787"/>
+          </a:xfrm>
+          <a:prstGeom prst="rect">
+            <a:avLst/>
+          </a:prstGeom>
+        </p:spPr>
+        <p:txBody>
+          <a:bodyPr vert="horz" lIns="91440" tIns="45720" rIns="91440" bIns="45720" rtlCol="0" anchor="b"/>
+          <a:lstStyle>
+            <a:lvl1pPr algn="r">
+              <a:defRPr sz="1200"/>
+            </a:lvl1pPr>
+          </a:lstStyle>
+          <a:p>
+            <a:fld id="{D2E6B304-E39A-46B0-9F89-77C10D4B6C61}" type="slidenum">
+              <a:rPr lang="en-US" smtClean="0"/>
+              <a:t>‹#›</a:t>
+            </a:fld>
+            <a:endParaRPr lang="en-US"/>
+          </a:p>
+        </p:txBody>
+      </p:sp>
+    </p:spTree>
+    <p:extLst>
+      <p:ext uri="{BB962C8B-B14F-4D97-AF65-F5344CB8AC3E}">
+        <p14:creationId xmlns:p14="http://schemas.microsoft.com/office/powerpoint/2010/main" val="1032905549"/>
+      </p:ext>
+    </p:extLst>
+  </p:cSld>
+  <p:clrMap bg1="lt1" tx1="dk1" bg2="lt2" tx2="dk2" accent1="accent1" accent2="accent2" accent3="accent3" accent4="accent4" accent5="accent5" accent6="accent6" hlink="hlink" folHlink="folHlink"/>
+  <p:notesStyle>
+    <a:lvl1pPr marL="0" algn="l" defTabSz="914400" rtl="0" eaLnBrk="1" latinLnBrk="0" hangingPunct="1">
+      <a:defRPr sz="1200" kern="1200">
+        <a:solidFill>
+          <a:schemeClr val="tx1"/>
+        </a:solidFill>
+        <a:latin typeface="+mn-lt"/>
+        <a:ea typeface="+mn-ea"/>
+        <a:cs typeface="+mn-cs"/>
+      </a:defRPr>
+    </a:lvl1pPr>
+    <a:lvl2pPr marL="457200" algn="l" defTabSz="914400" rtl="0" eaLnBrk="1" latinLnBrk="0" hangingPunct="1">
+      <a:defRPr sz="1200" kern="1200">
+        <a:solidFill>
+          <a:schemeClr val="tx1"/>
+        </a:solidFill>
+        <a:latin typeface="+mn-lt"/>
+        <a:ea typeface="+mn-ea"/>
+        <a:cs typeface="+mn-cs"/>
+      </a:defRPr>
+    </a:lvl2pPr>
+    <a:lvl3pPr marL="914400" algn="l" defTabSz="914400" rtl="0" eaLnBrk="1" latinLnBrk="0" hangingPunct="1">
+      <a:defRPr sz="1200" kern="1200">
+        <a:solidFill>
+          <a:schemeClr val="tx1"/>
+        </a:solidFill>
+        <a:latin typeface="+mn-lt"/>
+        <a:ea typeface="+mn-ea"/>
+        <a:cs typeface="+mn-cs"/>
+      </a:defRPr>
+    </a:lvl3pPr>
+    <a:lvl4pPr marL="1371600" algn="l" defTabSz="914400" rtl="0" eaLnBrk="1" latinLnBrk="0" hangingPunct="1">
+      <a:defRPr sz="1200" kern="1200">
+        <a:solidFill>
+          <a:schemeClr val="tx1"/>
+        </a:solidFill>
+        <a:latin typeface="+mn-lt"/>
+        <a:ea typeface="+mn-ea"/>
+        <a:cs typeface="+mn-cs"/>
+      </a:defRPr>
+    </a:lvl4pPr>
+    <a:lvl5pPr marL="1828800" algn="l" defTabSz="914400" rtl="0" eaLnBrk="1" latinLnBrk="0" hangingPunct="1">
+      <a:defRPr sz="1200" kern="1200">
+        <a:solidFill>
+          <a:schemeClr val="tx1"/>
+        </a:solidFill>
+        <a:latin typeface="+mn-lt"/>
+        <a:ea typeface="+mn-ea"/>
+        <a:cs typeface="+mn-cs"/>
+      </a:defRPr>
+    </a:lvl5pPr>
+    <a:lvl6pPr marL="2286000" algn="l" defTabSz="914400" rtl="0" eaLnBrk="1" latinLnBrk="0" hangingPunct="1">
+      <a:defRPr sz="1200" kern="1200">
+        <a:solidFill>
+          <a:schemeClr val="tx1"/>
+        </a:solidFill>
+        <a:latin typeface="+mn-lt"/>
+        <a:ea typeface="+mn-ea"/>
+        <a:cs typeface="+mn-cs"/>
+      </a:defRPr>
+    </a:lvl6pPr>
+    <a:lvl7pPr marL="2743200" algn="l" defTabSz="914400" rtl="0" eaLnBrk="1" latinLnBrk="0" hangingPunct="1">
+      <a:defRPr sz="1200" kern="1200">
+        <a:solidFill>
+          <a:schemeClr val="tx1"/>
+        </a:solidFill>
+        <a:latin typeface="+mn-lt"/>
+        <a:ea typeface="+mn-ea"/>
+        <a:cs typeface="+mn-cs"/>
+      </a:defRPr>
+    </a:lvl7pPr>
+    <a:lvl8pPr marL="3200400" algn="l" defTabSz="914400" rtl="0" eaLnBrk="1" latinLnBrk="0" hangingPunct="1">
+      <a:defRPr sz="1200" kern="1200">
+        <a:solidFill>
+          <a:schemeClr val="tx1"/>
+        </a:solidFill>
+        <a:latin typeface="+mn-lt"/>
+        <a:ea typeface="+mn-ea"/>
+        <a:cs typeface="+mn-cs"/>
+      </a:defRPr>
+    </a:lvl8pPr>
+    <a:lvl9pPr marL="3657600" algn="l" defTabSz="914400" rtl="0" eaLnBrk="1" latinLnBrk="0" hangingPunct="1">
+      <a:defRPr sz="1200" kern="1200">
+        <a:solidFill>
+          <a:schemeClr val="tx1"/>
+        </a:solidFill>
+        <a:latin typeface="+mn-lt"/>
+        <a:ea typeface="+mn-ea"/>
+        <a:cs typeface="+mn-cs"/>
+      </a:defRPr>
+    </a:lvl9pPr>
+  </p:notesStyle>
+</p:notesMaster>
+</file>
+
 <file path=ppt/slideLayouts/slideLayout1.xml><?xml version="1.0" encoding="utf-8"?>
 <p:sldLayout xmlns:a="http://schemas.openxmlformats.org/drawingml/2006/main" xmlns:r="http://schemas.openxmlformats.org/officeDocument/2006/relationships" xmlns:p="http://schemas.openxmlformats.org/presentationml/2006/main" type="title" preserve="1">
   <p:cSld name="Title Slide">
@@ -273,7 +1690,7 @@
           <a:bodyPr/>
           <a:lstStyle/>
           <a:p>
-            <a:fld id="{FDEED0BE-508B-4DC3-984F-175ABC2797A4}" type="datetimeFigureOut">
+            <a:fld id="{16DED50F-CE44-4FEB-A0B6-020984C8B334}" type="datetime1">
               <a:rPr lang="en-US" smtClean="0"/>
               <a:t>5/26/2022</a:t>
             </a:fld>
@@ -471,7 +1888,7 @@
           <a:bodyPr/>
           <a:lstStyle/>
           <a:p>
-            <a:fld id="{FDEED0BE-508B-4DC3-984F-175ABC2797A4}" type="datetimeFigureOut">
+            <a:fld id="{4993B785-5109-4F0C-8A45-1D357F8C956E}" type="datetime1">
               <a:rPr lang="en-US" smtClean="0"/>
               <a:t>5/26/2022</a:t>
             </a:fld>
@@ -679,7 +2096,7 @@
           <a:bodyPr/>
           <a:lstStyle/>
           <a:p>
-            <a:fld id="{FDEED0BE-508B-4DC3-984F-175ABC2797A4}" type="datetimeFigureOut">
+            <a:fld id="{51933219-9E35-427C-8F72-9A68CF15867E}" type="datetime1">
               <a:rPr lang="en-US" smtClean="0"/>
               <a:t>5/26/2022</a:t>
             </a:fld>
@@ -877,7 +2294,7 @@
           <a:bodyPr/>
           <a:lstStyle/>
           <a:p>
-            <a:fld id="{FDEED0BE-508B-4DC3-984F-175ABC2797A4}" type="datetimeFigureOut">
+            <a:fld id="{715729B3-8CCF-4A5D-A259-92F3837FB75D}" type="datetime1">
               <a:rPr lang="en-US" smtClean="0"/>
               <a:t>5/26/2022</a:t>
             </a:fld>
@@ -1152,7 +2569,7 @@
           <a:bodyPr/>
           <a:lstStyle/>
           <a:p>
-            <a:fld id="{FDEED0BE-508B-4DC3-984F-175ABC2797A4}" type="datetimeFigureOut">
+            <a:fld id="{62330523-CD6F-4F1F-ACB6-47645FE84133}" type="datetime1">
               <a:rPr lang="en-US" smtClean="0"/>
               <a:t>5/26/2022</a:t>
             </a:fld>
@@ -1417,7 +2834,7 @@
           <a:bodyPr/>
           <a:lstStyle/>
           <a:p>
-            <a:fld id="{FDEED0BE-508B-4DC3-984F-175ABC2797A4}" type="datetimeFigureOut">
+            <a:fld id="{7B3E5AFD-CBFC-4458-948E-9099193666AB}" type="datetime1">
               <a:rPr lang="en-US" smtClean="0"/>
               <a:t>5/26/2022</a:t>
             </a:fld>
@@ -1829,7 +3246,7 @@
           <a:bodyPr/>
           <a:lstStyle/>
           <a:p>
-            <a:fld id="{FDEED0BE-508B-4DC3-984F-175ABC2797A4}" type="datetimeFigureOut">
+            <a:fld id="{1B9F1707-E2D5-4E27-B039-49EC2082F5C5}" type="datetime1">
               <a:rPr lang="en-US" smtClean="0"/>
               <a:t>5/26/2022</a:t>
             </a:fld>
@@ -1970,7 +3387,7 @@
           <a:bodyPr/>
           <a:lstStyle/>
           <a:p>
-            <a:fld id="{FDEED0BE-508B-4DC3-984F-175ABC2797A4}" type="datetimeFigureOut">
+            <a:fld id="{FE9A2D3E-9B56-4FF6-B53A-0E3463CDB609}" type="datetime1">
               <a:rPr lang="en-US" smtClean="0"/>
               <a:t>5/26/2022</a:t>
             </a:fld>
@@ -2083,7 +3500,7 @@
           <a:bodyPr/>
           <a:lstStyle/>
           <a:p>
-            <a:fld id="{FDEED0BE-508B-4DC3-984F-175ABC2797A4}" type="datetimeFigureOut">
+            <a:fld id="{3EDABDA2-90FD-4EF1-BD28-44E6679605CC}" type="datetime1">
               <a:rPr lang="en-US" smtClean="0"/>
               <a:t>5/26/2022</a:t>
             </a:fld>
@@ -2394,7 +3811,7 @@
           <a:bodyPr/>
           <a:lstStyle/>
           <a:p>
-            <a:fld id="{FDEED0BE-508B-4DC3-984F-175ABC2797A4}" type="datetimeFigureOut">
+            <a:fld id="{6C600355-0254-47DB-AB4A-2DF80220E5BA}" type="datetime1">
               <a:rPr lang="en-US" smtClean="0"/>
               <a:t>5/26/2022</a:t>
             </a:fld>
@@ -2682,7 +4099,7 @@
           <a:bodyPr/>
           <a:lstStyle/>
           <a:p>
-            <a:fld id="{FDEED0BE-508B-4DC3-984F-175ABC2797A4}" type="datetimeFigureOut">
+            <a:fld id="{20406DAE-025E-4688-A90F-442AA99E92B6}" type="datetime1">
               <a:rPr lang="en-US" smtClean="0"/>
               <a:t>5/26/2022</a:t>
             </a:fld>
@@ -2923,7 +4340,7 @@
             </a:lvl1pPr>
           </a:lstStyle>
           <a:p>
-            <a:fld id="{FDEED0BE-508B-4DC3-984F-175ABC2797A4}" type="datetimeFigureOut">
+            <a:fld id="{B35FAE98-0B4E-4747-B1D0-CDF6491B9D63}" type="datetime1">
               <a:rPr lang="en-US" smtClean="0"/>
               <a:t>5/26/2022</a:t>
             </a:fld>
@@ -3042,6 +4459,7 @@
     <p:sldLayoutId id="2147483658" r:id="rId10"/>
     <p:sldLayoutId id="2147483659" r:id="rId11"/>
   </p:sldLayoutIdLst>
+  <p:hf hdr="0" ftr="0" dt="0"/>
   <p:txStyles>
     <p:titleStyle>
       <a:lvl1pPr algn="l" defTabSz="914400" rtl="0" eaLnBrk="1" latinLnBrk="0" hangingPunct="1">
@@ -3358,74 +4776,296 @@
             <p:ph type="ctrTitle"/>
           </p:nvPr>
         </p:nvSpPr>
+        <p:spPr>
+          <a:xfrm>
+            <a:off x="1416424" y="67843"/>
+            <a:ext cx="9144000" cy="1886462"/>
+          </a:xfrm>
+        </p:spPr>
+        <p:txBody>
+          <a:bodyPr>
+            <a:normAutofit/>
+          </a:bodyPr>
+          <a:lstStyle/>
+          <a:p>
+            <a:r>
+              <a:rPr lang="en-US" sz="3600" dirty="0">
+                <a:latin typeface="Times New Roman" panose="02020603050405020304" pitchFamily="18" charset="0"/>
+                <a:cs typeface="Times New Roman" panose="02020603050405020304" pitchFamily="18" charset="0"/>
+              </a:rPr>
+              <a:t>Tribhuvan University</a:t>
+            </a:r>
+            <a:br>
+              <a:rPr lang="en-US" sz="3600" dirty="0">
+                <a:latin typeface="Times New Roman" panose="02020603050405020304" pitchFamily="18" charset="0"/>
+                <a:cs typeface="Times New Roman" panose="02020603050405020304" pitchFamily="18" charset="0"/>
+              </a:rPr>
+            </a:br>
+            <a:r>
+              <a:rPr lang="en-US" sz="3600" dirty="0">
+                <a:latin typeface="Times New Roman" panose="02020603050405020304" pitchFamily="18" charset="0"/>
+                <a:cs typeface="Times New Roman" panose="02020603050405020304" pitchFamily="18" charset="0"/>
+              </a:rPr>
+              <a:t>Institute Of Engineering</a:t>
+            </a:r>
+            <a:br>
+              <a:rPr lang="en-US" sz="3600" dirty="0">
+                <a:latin typeface="Times New Roman" panose="02020603050405020304" pitchFamily="18" charset="0"/>
+                <a:cs typeface="Times New Roman" panose="02020603050405020304" pitchFamily="18" charset="0"/>
+              </a:rPr>
+            </a:br>
+            <a:r>
+              <a:rPr lang="en-US" sz="2000" dirty="0">
+                <a:latin typeface="Times New Roman" panose="02020603050405020304" pitchFamily="18" charset="0"/>
+                <a:cs typeface="Times New Roman" panose="02020603050405020304" pitchFamily="18" charset="0"/>
+              </a:rPr>
+              <a:t>Kathmandu Engineering College</a:t>
+            </a:r>
+            <a:br>
+              <a:rPr lang="en-US" sz="2000" dirty="0">
+                <a:latin typeface="Times New Roman" panose="02020603050405020304" pitchFamily="18" charset="0"/>
+                <a:cs typeface="Times New Roman" panose="02020603050405020304" pitchFamily="18" charset="0"/>
+              </a:rPr>
+            </a:br>
+            <a:r>
+              <a:rPr lang="en-US" sz="2000" dirty="0">
+                <a:latin typeface="Times New Roman" panose="02020603050405020304" pitchFamily="18" charset="0"/>
+                <a:cs typeface="Times New Roman" panose="02020603050405020304" pitchFamily="18" charset="0"/>
+              </a:rPr>
+              <a:t>Kalimati, Kathmandu</a:t>
+            </a:r>
+            <a:endParaRPr lang="en-US" sz="3600" dirty="0">
+              <a:latin typeface="Times New Roman" panose="02020603050405020304" pitchFamily="18" charset="0"/>
+              <a:cs typeface="Times New Roman" panose="02020603050405020304" pitchFamily="18" charset="0"/>
+            </a:endParaRPr>
+          </a:p>
+        </p:txBody>
+      </p:sp>
+      <p:sp>
+        <p:nvSpPr>
+          <p:cNvPr id="3" name="Subtitle 2">
+            <a:extLst>
+              <a:ext uri="{FF2B5EF4-FFF2-40B4-BE49-F238E27FC236}">
+                <a16:creationId xmlns:a16="http://schemas.microsoft.com/office/drawing/2014/main" id="{F0DA3814-5FC9-45C6-9C2E-42EB6F42314E}"/>
+              </a:ext>
+            </a:extLst>
+          </p:cNvPr>
+          <p:cNvSpPr>
+            <a:spLocks noGrp="1"/>
+          </p:cNvSpPr>
+          <p:nvPr>
+            <p:ph type="subTitle" idx="1"/>
+          </p:nvPr>
+        </p:nvSpPr>
+        <p:spPr>
+          <a:xfrm>
+            <a:off x="1524000" y="3585882"/>
+            <a:ext cx="9144000" cy="2218765"/>
+          </a:xfrm>
+        </p:spPr>
+        <p:txBody>
+          <a:bodyPr>
+            <a:normAutofit lnSpcReduction="10000"/>
+          </a:bodyPr>
+          <a:lstStyle/>
+          <a:p>
+            <a:r>
+              <a:rPr lang="en-US" sz="4000" b="1" dirty="0">
+                <a:effectLst>
+                  <a:outerShdw blurRad="38100" dist="38100" dir="2700000" algn="tl">
+                    <a:srgbClr val="000000">
+                      <a:alpha val="43137"/>
+                    </a:srgbClr>
+                  </a:outerShdw>
+                </a:effectLst>
+                <a:latin typeface="Times New Roman" panose="02020603050405020304" pitchFamily="18" charset="0"/>
+                <a:cs typeface="Times New Roman" panose="02020603050405020304" pitchFamily="18" charset="0"/>
+              </a:rPr>
+              <a:t>Smart Gloves Using Flex Sensors</a:t>
+            </a:r>
+          </a:p>
+          <a:p>
+            <a:pPr algn="l"/>
+            <a:r>
+              <a:rPr lang="en-US" sz="2000" dirty="0">
+                <a:latin typeface="Times New Roman" panose="02020603050405020304" pitchFamily="18" charset="0"/>
+                <a:cs typeface="Times New Roman" panose="02020603050405020304" pitchFamily="18" charset="0"/>
+              </a:rPr>
+              <a:t>Supervised By: </a:t>
+            </a:r>
+            <a:r>
+              <a:rPr lang="en-US" sz="2000" dirty="0" err="1">
+                <a:latin typeface="Times New Roman" panose="02020603050405020304" pitchFamily="18" charset="0"/>
+                <a:cs typeface="Times New Roman" panose="02020603050405020304" pitchFamily="18" charset="0"/>
+              </a:rPr>
+              <a:t>Suramya</a:t>
+            </a:r>
+            <a:r>
+              <a:rPr lang="en-US" sz="2000" dirty="0">
+                <a:latin typeface="Times New Roman" panose="02020603050405020304" pitchFamily="18" charset="0"/>
+                <a:cs typeface="Times New Roman" panose="02020603050405020304" pitchFamily="18" charset="0"/>
+              </a:rPr>
+              <a:t> Sharma </a:t>
+            </a:r>
+            <a:r>
+              <a:rPr lang="en-US" sz="2000" dirty="0" err="1">
+                <a:latin typeface="Times New Roman" panose="02020603050405020304" pitchFamily="18" charset="0"/>
+                <a:cs typeface="Times New Roman" panose="02020603050405020304" pitchFamily="18" charset="0"/>
+              </a:rPr>
+              <a:t>Dahal</a:t>
+            </a:r>
+            <a:r>
+              <a:rPr lang="en-US" sz="2000" dirty="0">
+                <a:latin typeface="Times New Roman" panose="02020603050405020304" pitchFamily="18" charset="0"/>
+                <a:cs typeface="Times New Roman" panose="02020603050405020304" pitchFamily="18" charset="0"/>
+              </a:rPr>
+              <a:t> Sir</a:t>
+            </a:r>
+          </a:p>
+          <a:p>
+            <a:pPr algn="l"/>
+            <a:r>
+              <a:rPr lang="en-US" sz="2000" dirty="0">
+                <a:latin typeface="Times New Roman" panose="02020603050405020304" pitchFamily="18" charset="0"/>
+                <a:cs typeface="Times New Roman" panose="02020603050405020304" pitchFamily="18" charset="0"/>
+              </a:rPr>
+              <a:t>Submitted By:</a:t>
+            </a:r>
+          </a:p>
+          <a:p>
+            <a:pPr algn="l"/>
+            <a:r>
+              <a:rPr lang="en-US" sz="2000" dirty="0">
+                <a:latin typeface="Times New Roman" panose="02020603050405020304" pitchFamily="18" charset="0"/>
+                <a:cs typeface="Times New Roman" panose="02020603050405020304" pitchFamily="18" charset="0"/>
+              </a:rPr>
+              <a:t>Bipin Godar (75005)</a:t>
+            </a:r>
+          </a:p>
+          <a:p>
+            <a:pPr algn="l"/>
+            <a:r>
+              <a:rPr lang="en-US" sz="2000" dirty="0">
+                <a:latin typeface="Times New Roman" panose="02020603050405020304" pitchFamily="18" charset="0"/>
+                <a:cs typeface="Times New Roman" panose="02020603050405020304" pitchFamily="18" charset="0"/>
+              </a:rPr>
+              <a:t>Niraj Kushwaha (75014)</a:t>
+            </a:r>
+          </a:p>
+          <a:p>
+            <a:pPr algn="l"/>
+            <a:endParaRPr lang="en-US" sz="2000" dirty="0">
+              <a:latin typeface="Times New Roman" panose="02020603050405020304" pitchFamily="18" charset="0"/>
+              <a:cs typeface="Times New Roman" panose="02020603050405020304" pitchFamily="18" charset="0"/>
+            </a:endParaRPr>
+          </a:p>
+        </p:txBody>
+      </p:sp>
+      <p:pic>
+        <p:nvPicPr>
+          <p:cNvPr id="4" name="Picture 3">
+            <a:extLst>
+              <a:ext uri="{FF2B5EF4-FFF2-40B4-BE49-F238E27FC236}">
+                <a16:creationId xmlns:a16="http://schemas.microsoft.com/office/drawing/2014/main" id="{79B33758-9520-9C58-0A4C-5A47359D89FD}"/>
+              </a:ext>
+            </a:extLst>
+          </p:cNvPr>
+          <p:cNvPicPr>
+            <a:picLocks/>
+          </p:cNvPicPr>
+          <p:nvPr/>
+        </p:nvPicPr>
+        <p:blipFill>
+          <a:blip r:embed="rId2">
+            <a:extLst>
+              <a:ext uri="{28A0092B-C50C-407E-A947-70E740481C1C}">
+                <a14:useLocalDpi xmlns:a14="http://schemas.microsoft.com/office/drawing/2010/main" val="0"/>
+              </a:ext>
+            </a:extLst>
+          </a:blip>
+          <a:srcRect/>
+          <a:stretch>
+            <a:fillRect/>
+          </a:stretch>
+        </p:blipFill>
+        <p:spPr bwMode="auto">
+          <a:xfrm>
+            <a:off x="5047354" y="1904001"/>
+            <a:ext cx="1882140" cy="1748342"/>
+          </a:xfrm>
+          <a:prstGeom prst="rect">
+            <a:avLst/>
+          </a:prstGeom>
+          <a:noFill/>
+          <a:ln>
+            <a:noFill/>
+          </a:ln>
+          <a:effectLst/>
+        </p:spPr>
+      </p:pic>
+      <p:sp>
+        <p:nvSpPr>
+          <p:cNvPr id="5" name="TextBox 4">
+            <a:extLst>
+              <a:ext uri="{FF2B5EF4-FFF2-40B4-BE49-F238E27FC236}">
+                <a16:creationId xmlns:a16="http://schemas.microsoft.com/office/drawing/2014/main" id="{3902491C-A7C3-6D4D-F3D4-1B9620FF9E0A}"/>
+              </a:ext>
+            </a:extLst>
+          </p:cNvPr>
+          <p:cNvSpPr txBox="1"/>
+          <p:nvPr/>
+        </p:nvSpPr>
+        <p:spPr>
+          <a:xfrm>
+            <a:off x="8978153" y="6321365"/>
+            <a:ext cx="2375647" cy="400110"/>
+          </a:xfrm>
+          <a:prstGeom prst="rect">
+            <a:avLst/>
+          </a:prstGeom>
+          <a:noFill/>
+        </p:spPr>
+        <p:txBody>
+          <a:bodyPr wrap="square" rtlCol="0">
+            <a:spAutoFit/>
+          </a:bodyPr>
+          <a:lstStyle/>
+          <a:p>
+            <a:r>
+              <a:rPr lang="en-US" sz="2000" dirty="0">
+                <a:latin typeface="Times New Roman" panose="02020603050405020304" pitchFamily="18" charset="0"/>
+                <a:cs typeface="Times New Roman" panose="02020603050405020304" pitchFamily="18" charset="0"/>
+              </a:rPr>
+              <a:t>Date: 2079/02/13</a:t>
+            </a:r>
+          </a:p>
+        </p:txBody>
+      </p:sp>
+      <p:sp>
+        <p:nvSpPr>
+          <p:cNvPr id="6" name="Slide Number Placeholder 5">
+            <a:extLst>
+              <a:ext uri="{FF2B5EF4-FFF2-40B4-BE49-F238E27FC236}">
+                <a16:creationId xmlns:a16="http://schemas.microsoft.com/office/drawing/2014/main" id="{B6DBBC9A-0B6B-E92C-3FE8-7C9F7B56EFB2}"/>
+              </a:ext>
+            </a:extLst>
+          </p:cNvPr>
+          <p:cNvSpPr>
+            <a:spLocks noGrp="1"/>
+          </p:cNvSpPr>
+          <p:nvPr>
+            <p:ph type="sldNum" sz="quarter" idx="12"/>
+          </p:nvPr>
+        </p:nvSpPr>
         <p:spPr/>
         <p:txBody>
           <a:bodyPr/>
           <a:lstStyle/>
           <a:p>
-            <a:r>
-              <a:rPr lang="en-US" dirty="0"/>
-              <a:t>Smart Gloves using Flex Sensor</a:t>
-            </a:r>
-          </a:p>
-        </p:txBody>
-      </p:sp>
-      <p:sp>
-        <p:nvSpPr>
-          <p:cNvPr id="3" name="Subtitle 2">
-            <a:extLst>
-              <a:ext uri="{FF2B5EF4-FFF2-40B4-BE49-F238E27FC236}">
-                <a16:creationId xmlns:a16="http://schemas.microsoft.com/office/drawing/2014/main" id="{F0DA3814-5FC9-45C6-9C2E-42EB6F42314E}"/>
-              </a:ext>
-            </a:extLst>
-          </p:cNvPr>
-          <p:cNvSpPr>
-            <a:spLocks noGrp="1"/>
-          </p:cNvSpPr>
-          <p:nvPr>
-            <p:ph type="subTitle" idx="1"/>
-          </p:nvPr>
-        </p:nvSpPr>
-        <p:spPr/>
-        <p:txBody>
-          <a:bodyPr/>
-          <a:lstStyle/>
-          <a:p>
-            <a:r>
-              <a:rPr lang="en-US" dirty="0"/>
-              <a:t>Project Supervisor- </a:t>
-            </a:r>
-            <a:r>
-              <a:rPr lang="en-US" dirty="0" err="1"/>
-              <a:t>Suramya</a:t>
-            </a:r>
-            <a:r>
-              <a:rPr lang="en-US" dirty="0"/>
-              <a:t> Sharma </a:t>
-            </a:r>
-            <a:r>
-              <a:rPr lang="en-US" dirty="0" err="1"/>
-              <a:t>Dahal</a:t>
-            </a:r>
-            <a:endParaRPr lang="en-US" dirty="0"/>
-          </a:p>
-          <a:p>
-            <a:r>
-              <a:rPr lang="en-US" dirty="0"/>
-              <a:t>Major Project Supervisor- </a:t>
-            </a:r>
-            <a:r>
-              <a:rPr lang="en-US" dirty="0" err="1"/>
-              <a:t>Dipen</a:t>
-            </a:r>
-            <a:r>
-              <a:rPr lang="en-US" dirty="0"/>
-              <a:t> </a:t>
-            </a:r>
-            <a:r>
-              <a:rPr lang="en-US" dirty="0" err="1"/>
-              <a:t>Manandhar</a:t>
-            </a:r>
+            <a:fld id="{8ABD9A93-A63E-4048-A90A-76F0C4F81214}" type="slidenum">
+              <a:rPr lang="en-US" smtClean="0"/>
+              <a:t>1</a:t>
+            </a:fld>
             <a:endParaRPr lang="en-US" dirty="0"/>
           </a:p>
         </p:txBody>
@@ -3440,6 +5080,239 @@
   <p:clrMapOvr>
     <a:masterClrMapping/>
   </p:clrMapOvr>
+  <p:timing>
+    <p:tnLst>
+      <p:par>
+        <p:cTn id="1" dur="indefinite" restart="never" nodeType="tmRoot">
+          <p:childTnLst>
+            <p:seq concurrent="1" nextAc="seek">
+              <p:cTn id="2" dur="indefinite" nodeType="mainSeq">
+                <p:childTnLst>
+                  <p:par>
+                    <p:cTn id="3" fill="hold">
+                      <p:stCondLst>
+                        <p:cond delay="indefinite"/>
+                      </p:stCondLst>
+                      <p:childTnLst>
+                        <p:par>
+                          <p:cTn id="4" fill="hold">
+                            <p:stCondLst>
+                              <p:cond delay="0"/>
+                            </p:stCondLst>
+                            <p:childTnLst>
+                              <p:par>
+                                <p:cTn id="5" presetID="10" presetClass="entr" presetSubtype="0" fill="hold" nodeType="clickEffect">
+                                  <p:stCondLst>
+                                    <p:cond delay="0"/>
+                                  </p:stCondLst>
+                                  <p:childTnLst>
+                                    <p:set>
+                                      <p:cBhvr>
+                                        <p:cTn id="6" dur="1" fill="hold">
+                                          <p:stCondLst>
+                                            <p:cond delay="0"/>
+                                          </p:stCondLst>
+                                        </p:cTn>
+                                        <p:tgtEl>
+                                          <p:spTgt spid="3">
+                                            <p:txEl>
+                                              <p:pRg st="0" end="0"/>
+                                            </p:txEl>
+                                          </p:spTgt>
+                                        </p:tgtEl>
+                                        <p:attrNameLst>
+                                          <p:attrName>style.visibility</p:attrName>
+                                        </p:attrNameLst>
+                                      </p:cBhvr>
+                                      <p:to>
+                                        <p:strVal val="visible"/>
+                                      </p:to>
+                                    </p:set>
+                                    <p:animEffect transition="in" filter="fade">
+                                      <p:cBhvr>
+                                        <p:cTn id="7" dur="500"/>
+                                        <p:tgtEl>
+                                          <p:spTgt spid="3">
+                                            <p:txEl>
+                                              <p:pRg st="0" end="0"/>
+                                            </p:txEl>
+                                          </p:spTgt>
+                                        </p:tgtEl>
+                                      </p:cBhvr>
+                                    </p:animEffect>
+                                  </p:childTnLst>
+                                </p:cTn>
+                              </p:par>
+                            </p:childTnLst>
+                          </p:cTn>
+                        </p:par>
+                      </p:childTnLst>
+                    </p:cTn>
+                  </p:par>
+                  <p:par>
+                    <p:cTn id="8" fill="hold">
+                      <p:stCondLst>
+                        <p:cond delay="indefinite"/>
+                      </p:stCondLst>
+                      <p:childTnLst>
+                        <p:par>
+                          <p:cTn id="9" fill="hold">
+                            <p:stCondLst>
+                              <p:cond delay="0"/>
+                            </p:stCondLst>
+                            <p:childTnLst>
+                              <p:par>
+                                <p:cTn id="10" presetID="1" presetClass="entr" presetSubtype="0" fill="hold" nodeType="clickEffect">
+                                  <p:stCondLst>
+                                    <p:cond delay="0"/>
+                                  </p:stCondLst>
+                                  <p:childTnLst>
+                                    <p:set>
+                                      <p:cBhvr>
+                                        <p:cTn id="11" dur="1" fill="hold">
+                                          <p:stCondLst>
+                                            <p:cond delay="0"/>
+                                          </p:stCondLst>
+                                        </p:cTn>
+                                        <p:tgtEl>
+                                          <p:spTgt spid="3">
+                                            <p:txEl>
+                                              <p:pRg st="1" end="1"/>
+                                            </p:txEl>
+                                          </p:spTgt>
+                                        </p:tgtEl>
+                                        <p:attrNameLst>
+                                          <p:attrName>style.visibility</p:attrName>
+                                        </p:attrNameLst>
+                                      </p:cBhvr>
+                                      <p:to>
+                                        <p:strVal val="visible"/>
+                                      </p:to>
+                                    </p:set>
+                                  </p:childTnLst>
+                                </p:cTn>
+                              </p:par>
+                              <p:par>
+                                <p:cTn id="12" presetID="1" presetClass="entr" presetSubtype="0" fill="hold" nodeType="withEffect">
+                                  <p:stCondLst>
+                                    <p:cond delay="0"/>
+                                  </p:stCondLst>
+                                  <p:childTnLst>
+                                    <p:set>
+                                      <p:cBhvr>
+                                        <p:cTn id="13" dur="1" fill="hold">
+                                          <p:stCondLst>
+                                            <p:cond delay="0"/>
+                                          </p:stCondLst>
+                                        </p:cTn>
+                                        <p:tgtEl>
+                                          <p:spTgt spid="3">
+                                            <p:txEl>
+                                              <p:pRg st="2" end="2"/>
+                                            </p:txEl>
+                                          </p:spTgt>
+                                        </p:tgtEl>
+                                        <p:attrNameLst>
+                                          <p:attrName>style.visibility</p:attrName>
+                                        </p:attrNameLst>
+                                      </p:cBhvr>
+                                      <p:to>
+                                        <p:strVal val="visible"/>
+                                      </p:to>
+                                    </p:set>
+                                  </p:childTnLst>
+                                </p:cTn>
+                              </p:par>
+                              <p:par>
+                                <p:cTn id="14" presetID="1" presetClass="entr" presetSubtype="0" fill="hold" nodeType="withEffect">
+                                  <p:stCondLst>
+                                    <p:cond delay="0"/>
+                                  </p:stCondLst>
+                                  <p:childTnLst>
+                                    <p:set>
+                                      <p:cBhvr>
+                                        <p:cTn id="15" dur="1" fill="hold">
+                                          <p:stCondLst>
+                                            <p:cond delay="0"/>
+                                          </p:stCondLst>
+                                        </p:cTn>
+                                        <p:tgtEl>
+                                          <p:spTgt spid="3">
+                                            <p:txEl>
+                                              <p:pRg st="3" end="3"/>
+                                            </p:txEl>
+                                          </p:spTgt>
+                                        </p:tgtEl>
+                                        <p:attrNameLst>
+                                          <p:attrName>style.visibility</p:attrName>
+                                        </p:attrNameLst>
+                                      </p:cBhvr>
+                                      <p:to>
+                                        <p:strVal val="visible"/>
+                                      </p:to>
+                                    </p:set>
+                                  </p:childTnLst>
+                                </p:cTn>
+                              </p:par>
+                              <p:par>
+                                <p:cTn id="16" presetID="1" presetClass="entr" presetSubtype="0" fill="hold" nodeType="withEffect">
+                                  <p:stCondLst>
+                                    <p:cond delay="0"/>
+                                  </p:stCondLst>
+                                  <p:childTnLst>
+                                    <p:set>
+                                      <p:cBhvr>
+                                        <p:cTn id="17" dur="1" fill="hold">
+                                          <p:stCondLst>
+                                            <p:cond delay="0"/>
+                                          </p:stCondLst>
+                                        </p:cTn>
+                                        <p:tgtEl>
+                                          <p:spTgt spid="3">
+                                            <p:txEl>
+                                              <p:pRg st="4" end="4"/>
+                                            </p:txEl>
+                                          </p:spTgt>
+                                        </p:tgtEl>
+                                        <p:attrNameLst>
+                                          <p:attrName>style.visibility</p:attrName>
+                                        </p:attrNameLst>
+                                      </p:cBhvr>
+                                      <p:to>
+                                        <p:strVal val="visible"/>
+                                      </p:to>
+                                    </p:set>
+                                  </p:childTnLst>
+                                </p:cTn>
+                              </p:par>
+                            </p:childTnLst>
+                          </p:cTn>
+                        </p:par>
+                      </p:childTnLst>
+                    </p:cTn>
+                  </p:par>
+                </p:childTnLst>
+              </p:cTn>
+              <p:prevCondLst>
+                <p:cond evt="onPrev" delay="0">
+                  <p:tgtEl>
+                    <p:sldTgt/>
+                  </p:tgtEl>
+                </p:cond>
+              </p:prevCondLst>
+              <p:nextCondLst>
+                <p:cond evt="onNext" delay="0">
+                  <p:tgtEl>
+                    <p:sldTgt/>
+                  </p:tgtEl>
+                </p:cond>
+              </p:nextCondLst>
+            </p:seq>
+          </p:childTnLst>
+        </p:cTn>
+      </p:par>
+    </p:tnLst>
+  </p:timing>
 </p:sld>
 </file>
 
@@ -3476,7 +5349,12 @@
             <p:ph type="ctrTitle"/>
           </p:nvPr>
         </p:nvSpPr>
-        <p:spPr/>
+        <p:spPr>
+          <a:xfrm>
+            <a:off x="1524000" y="3003177"/>
+            <a:ext cx="9144000" cy="851646"/>
+          </a:xfrm>
+        </p:spPr>
         <p:txBody>
           <a:bodyPr>
             <a:normAutofit/>
@@ -3484,26 +5362,36 @@
           <a:lstStyle/>
           <a:p>
             <a:r>
-              <a:rPr lang="en-US" sz="4400" dirty="0"/>
-              <a:t>Flowchart for Dataset preparation</a:t>
-            </a:r>
-          </a:p>
-        </p:txBody>
-      </p:sp>
-      <p:sp>
-        <p:nvSpPr>
-          <p:cNvPr id="15" name="Subtitle 14">
-            <a:extLst>
-              <a:ext uri="{FF2B5EF4-FFF2-40B4-BE49-F238E27FC236}">
-                <a16:creationId xmlns:a16="http://schemas.microsoft.com/office/drawing/2014/main" id="{CE0670E6-294D-4751-86DE-CDE861C5B01B}"/>
-              </a:ext>
-            </a:extLst>
-          </p:cNvPr>
-          <p:cNvSpPr>
-            <a:spLocks noGrp="1"/>
-          </p:cNvSpPr>
-          <p:nvPr>
-            <p:ph type="subTitle" idx="1"/>
+              <a:rPr lang="en-US" sz="5400" b="1" dirty="0">
+                <a:effectLst>
+                  <a:outerShdw blurRad="38100" dist="38100" dir="2700000" algn="tl">
+                    <a:srgbClr val="000000">
+                      <a:alpha val="43137"/>
+                    </a:srgbClr>
+                  </a:outerShdw>
+                </a:effectLst>
+                <a:latin typeface="Times New Roman" panose="02020603050405020304" pitchFamily="18" charset="0"/>
+                <a:cs typeface="Times New Roman" panose="02020603050405020304" pitchFamily="18" charset="0"/>
+              </a:rPr>
+              <a:t>System Block Diagram</a:t>
+            </a:r>
+          </a:p>
+        </p:txBody>
+      </p:sp>
+      <p:sp>
+        <p:nvSpPr>
+          <p:cNvPr id="2" name="Slide Number Placeholder 1">
+            <a:extLst>
+              <a:ext uri="{FF2B5EF4-FFF2-40B4-BE49-F238E27FC236}">
+                <a16:creationId xmlns:a16="http://schemas.microsoft.com/office/drawing/2014/main" id="{D7A9B3CA-524F-63AB-AB00-7FA8CCB93630}"/>
+              </a:ext>
+            </a:extLst>
+          </p:cNvPr>
+          <p:cNvSpPr>
+            <a:spLocks noGrp="1"/>
+          </p:cNvSpPr>
+          <p:nvPr>
+            <p:ph type="sldNum" sz="quarter" idx="12"/>
           </p:nvPr>
         </p:nvSpPr>
         <p:spPr/>
@@ -3511,6 +5399,10 @@
           <a:bodyPr/>
           <a:lstStyle/>
           <a:p>
+            <a:fld id="{8ABD9A93-A63E-4048-A90A-76F0C4F81214}" type="slidenum">
+              <a:rPr lang="en-US" smtClean="0"/>
+              <a:t>10</a:t>
+            </a:fld>
             <a:endParaRPr lang="en-US"/>
           </a:p>
         </p:txBody>
@@ -3518,7 +5410,7 @@
     </p:spTree>
     <p:extLst>
       <p:ext uri="{BB962C8B-B14F-4D97-AF65-F5344CB8AC3E}">
-        <p14:creationId xmlns:p14="http://schemas.microsoft.com/office/powerpoint/2010/main" val="2843259613"/>
+        <p14:creationId xmlns:p14="http://schemas.microsoft.com/office/powerpoint/2010/main" val="1092014895"/>
       </p:ext>
     </p:extLst>
   </p:cSld>
@@ -3545,51 +5437,181 @@
           <a:chExt cx="0" cy="0"/>
         </a:xfrm>
       </p:grpSpPr>
+      <p:sp>
+        <p:nvSpPr>
+          <p:cNvPr id="2" name="Slide Number Placeholder 1">
+            <a:extLst>
+              <a:ext uri="{FF2B5EF4-FFF2-40B4-BE49-F238E27FC236}">
+                <a16:creationId xmlns:a16="http://schemas.microsoft.com/office/drawing/2014/main" id="{B01F4B32-D1C0-7423-C32E-B9A6155D56B2}"/>
+              </a:ext>
+            </a:extLst>
+          </p:cNvPr>
+          <p:cNvSpPr>
+            <a:spLocks noGrp="1"/>
+          </p:cNvSpPr>
+          <p:nvPr>
+            <p:ph type="sldNum" sz="quarter" idx="12"/>
+          </p:nvPr>
+        </p:nvSpPr>
+        <p:spPr/>
+        <p:txBody>
+          <a:bodyPr/>
+          <a:lstStyle/>
+          <a:p>
+            <a:fld id="{8ABD9A93-A63E-4048-A90A-76F0C4F81214}" type="slidenum">
+              <a:rPr lang="en-US" smtClean="0"/>
+              <a:t>11</a:t>
+            </a:fld>
+            <a:endParaRPr lang="en-US"/>
+          </a:p>
+        </p:txBody>
+      </p:sp>
       <p:pic>
         <p:nvPicPr>
-          <p:cNvPr id="5" name="Content Placeholder 4">
-            <a:extLst>
-              <a:ext uri="{FF2B5EF4-FFF2-40B4-BE49-F238E27FC236}">
-                <a16:creationId xmlns:a16="http://schemas.microsoft.com/office/drawing/2014/main" id="{F885D087-B6A3-4FC0-9A99-E4ECB5305012}"/>
+          <p:cNvPr id="4" name="Picture 3">
+            <a:extLst>
+              <a:ext uri="{FF2B5EF4-FFF2-40B4-BE49-F238E27FC236}">
+                <a16:creationId xmlns:a16="http://schemas.microsoft.com/office/drawing/2014/main" id="{E4B84C88-9F3B-EC33-F62A-41141410177B}"/>
               </a:ext>
             </a:extLst>
           </p:cNvPr>
           <p:cNvPicPr>
-            <a:picLocks noGrp="1" noChangeAspect="1"/>
+            <a:picLocks noChangeAspect="1"/>
           </p:cNvPicPr>
-          <p:nvPr>
-            <p:ph idx="4294967295"/>
-          </p:nvPr>
+          <p:nvPr/>
         </p:nvPicPr>
-        <p:blipFill>
-          <a:blip r:embed="rId2">
-            <a:extLst>
+        <p:blipFill rotWithShape="1">
+          <a:blip r:embed="rId2" cstate="print">
+            <a:extLst>
+              <a:ext uri="{BEBA8EAE-BF5A-486C-A8C5-ECC9F3942E4B}">
+                <a14:imgProps xmlns:a14="http://schemas.microsoft.com/office/drawing/2010/main">
+                  <a14:imgLayer r:embed="rId3">
+                    <a14:imgEffect>
+                      <a14:backgroundRemoval t="15062" b="82881" l="3900" r="92566"/>
+                    </a14:imgEffect>
+                  </a14:imgLayer>
+                </a14:imgProps>
+              </a:ext>
               <a:ext uri="{28A0092B-C50C-407E-A947-70E740481C1C}">
                 <a14:useLocalDpi xmlns:a14="http://schemas.microsoft.com/office/drawing/2010/main" val="0"/>
               </a:ext>
             </a:extLst>
           </a:blip>
-          <a:stretch>
-            <a:fillRect/>
-          </a:stretch>
+          <a:srcRect l="2916" t="13937" r="5843" b="14299"/>
+          <a:stretch/>
         </p:blipFill>
-        <p:spPr>
+        <p:spPr bwMode="auto">
           <a:xfrm>
-            <a:off x="2931459" y="-373857"/>
-            <a:ext cx="5889625" cy="7605713"/>
+            <a:off x="1146087" y="577057"/>
+            <a:ext cx="9899825" cy="5703886"/>
           </a:xfrm>
+          <a:prstGeom prst="rect">
+            <a:avLst/>
+          </a:prstGeom>
+          <a:noFill/>
+          <a:ln>
+            <a:noFill/>
+          </a:ln>
+          <a:extLst>
+            <a:ext uri="{53640926-AAD7-44D8-BBD7-CCE9431645EC}">
+              <a14:shadowObscured xmlns:a14="http://schemas.microsoft.com/office/drawing/2010/main"/>
+            </a:ext>
+          </a:extLst>
         </p:spPr>
       </p:pic>
     </p:spTree>
     <p:extLst>
       <p:ext uri="{BB962C8B-B14F-4D97-AF65-F5344CB8AC3E}">
-        <p14:creationId xmlns:p14="http://schemas.microsoft.com/office/powerpoint/2010/main" val="1783684208"/>
+        <p14:creationId xmlns:p14="http://schemas.microsoft.com/office/powerpoint/2010/main" val="2381064479"/>
       </p:ext>
     </p:extLst>
   </p:cSld>
   <p:clrMapOvr>
     <a:masterClrMapping/>
   </p:clrMapOvr>
+  <p:timing>
+    <p:tnLst>
+      <p:par>
+        <p:cTn id="1" dur="indefinite" restart="never" nodeType="tmRoot">
+          <p:childTnLst>
+            <p:seq concurrent="1" nextAc="seek">
+              <p:cTn id="2" dur="indefinite" nodeType="mainSeq">
+                <p:childTnLst>
+                  <p:par>
+                    <p:cTn id="3" fill="hold">
+                      <p:stCondLst>
+                        <p:cond delay="indefinite"/>
+                      </p:stCondLst>
+                      <p:childTnLst>
+                        <p:par>
+                          <p:cTn id="4" fill="hold">
+                            <p:stCondLst>
+                              <p:cond delay="0"/>
+                            </p:stCondLst>
+                            <p:childTnLst>
+                              <p:par>
+                                <p:cTn id="5" presetID="10" presetClass="entr" presetSubtype="0" fill="hold" nodeType="clickEffect">
+                                  <p:stCondLst>
+                                    <p:cond delay="0"/>
+                                  </p:stCondLst>
+                                  <p:childTnLst>
+                                    <p:set>
+                                      <p:cBhvr>
+                                        <p:cTn id="6" dur="1" fill="hold">
+                                          <p:stCondLst>
+                                            <p:cond delay="0"/>
+                                          </p:stCondLst>
+                                        </p:cTn>
+                                        <p:tgtEl>
+                                          <p:spTgt spid="4"/>
+                                        </p:tgtEl>
+                                        <p:attrNameLst>
+                                          <p:attrName>style.visibility</p:attrName>
+                                        </p:attrNameLst>
+                                      </p:cBhvr>
+                                      <p:to>
+                                        <p:strVal val="visible"/>
+                                      </p:to>
+                                    </p:set>
+                                    <p:animEffect transition="in" filter="fade">
+                                      <p:cBhvr>
+                                        <p:cTn id="7" dur="500"/>
+                                        <p:tgtEl>
+                                          <p:spTgt spid="4"/>
+                                        </p:tgtEl>
+                                      </p:cBhvr>
+                                    </p:animEffect>
+                                  </p:childTnLst>
+                                </p:cTn>
+                              </p:par>
+                            </p:childTnLst>
+                          </p:cTn>
+                        </p:par>
+                      </p:childTnLst>
+                    </p:cTn>
+                  </p:par>
+                </p:childTnLst>
+              </p:cTn>
+              <p:prevCondLst>
+                <p:cond evt="onPrev" delay="0">
+                  <p:tgtEl>
+                    <p:sldTgt/>
+                  </p:tgtEl>
+                </p:cond>
+              </p:prevCondLst>
+              <p:nextCondLst>
+                <p:cond evt="onNext" delay="0">
+                  <p:tgtEl>
+                    <p:sldTgt/>
+                  </p:tgtEl>
+                </p:cond>
+              </p:nextCondLst>
+            </p:seq>
+          </p:childTnLst>
+        </p:cTn>
+      </p:par>
+    </p:tnLst>
+  </p:timing>
 </p:sld>
 </file>
 
@@ -3612,10 +5634,10 @@
       </p:grpSpPr>
       <p:sp>
         <p:nvSpPr>
-          <p:cNvPr id="4" name="Title 3">
-            <a:extLst>
-              <a:ext uri="{FF2B5EF4-FFF2-40B4-BE49-F238E27FC236}">
-                <a16:creationId xmlns:a16="http://schemas.microsoft.com/office/drawing/2014/main" id="{0C33B784-FEAB-48B3-A56C-9F81EB16B894}"/>
+          <p:cNvPr id="14" name="Title 13">
+            <a:extLst>
+              <a:ext uri="{FF2B5EF4-FFF2-40B4-BE49-F238E27FC236}">
+                <a16:creationId xmlns:a16="http://schemas.microsoft.com/office/drawing/2014/main" id="{B3AAE401-EC33-4A4B-A575-727F49D6F8B5}"/>
               </a:ext>
             </a:extLst>
           </p:cNvPr>
@@ -3626,39 +5648,60 @@
             <p:ph type="ctrTitle"/>
           </p:nvPr>
         </p:nvSpPr>
+        <p:spPr>
+          <a:xfrm>
+            <a:off x="1524000" y="2465295"/>
+            <a:ext cx="9144000" cy="1927410"/>
+          </a:xfrm>
+        </p:spPr>
+        <p:txBody>
+          <a:bodyPr>
+            <a:normAutofit/>
+          </a:bodyPr>
+          <a:lstStyle/>
+          <a:p>
+            <a:r>
+              <a:rPr lang="en-US" sz="5400" b="1" dirty="0">
+                <a:effectLst>
+                  <a:outerShdw blurRad="38100" dist="38100" dir="2700000" algn="tl">
+                    <a:srgbClr val="000000">
+                      <a:alpha val="43137"/>
+                    </a:srgbClr>
+                  </a:outerShdw>
+                </a:effectLst>
+                <a:latin typeface="Times New Roman" panose="02020603050405020304" pitchFamily="18" charset="0"/>
+                <a:cs typeface="Times New Roman" panose="02020603050405020304" pitchFamily="18" charset="0"/>
+              </a:rPr>
+              <a:t>Flowchart for Dataset preparation</a:t>
+            </a:r>
+          </a:p>
+        </p:txBody>
+      </p:sp>
+      <p:sp>
+        <p:nvSpPr>
+          <p:cNvPr id="2" name="Slide Number Placeholder 1">
+            <a:extLst>
+              <a:ext uri="{FF2B5EF4-FFF2-40B4-BE49-F238E27FC236}">
+                <a16:creationId xmlns:a16="http://schemas.microsoft.com/office/drawing/2014/main" id="{D7A9B3CA-524F-63AB-AB00-7FA8CCB93630}"/>
+              </a:ext>
+            </a:extLst>
+          </p:cNvPr>
+          <p:cNvSpPr>
+            <a:spLocks noGrp="1"/>
+          </p:cNvSpPr>
+          <p:nvPr>
+            <p:ph type="sldNum" sz="quarter" idx="12"/>
+          </p:nvPr>
+        </p:nvSpPr>
         <p:spPr/>
         <p:txBody>
           <a:bodyPr/>
           <a:lstStyle/>
           <a:p>
-            <a:r>
-              <a:rPr lang="en-US" dirty="0"/>
-              <a:t>Flowchart for real time application </a:t>
-            </a:r>
-          </a:p>
-        </p:txBody>
-      </p:sp>
-      <p:sp>
-        <p:nvSpPr>
-          <p:cNvPr id="5" name="Subtitle 4">
-            <a:extLst>
-              <a:ext uri="{FF2B5EF4-FFF2-40B4-BE49-F238E27FC236}">
-                <a16:creationId xmlns:a16="http://schemas.microsoft.com/office/drawing/2014/main" id="{2434FB2B-9072-4540-9FC4-D6FD8E235D11}"/>
-              </a:ext>
-            </a:extLst>
-          </p:cNvPr>
-          <p:cNvSpPr>
-            <a:spLocks noGrp="1"/>
-          </p:cNvSpPr>
-          <p:nvPr>
-            <p:ph type="subTitle" idx="1"/>
-          </p:nvPr>
-        </p:nvSpPr>
-        <p:spPr/>
-        <p:txBody>
-          <a:bodyPr/>
-          <a:lstStyle/>
-          <a:p>
+            <a:fld id="{8ABD9A93-A63E-4048-A90A-76F0C4F81214}" type="slidenum">
+              <a:rPr lang="en-US" smtClean="0"/>
+              <a:t>12</a:t>
+            </a:fld>
             <a:endParaRPr lang="en-US"/>
           </a:p>
         </p:txBody>
@@ -3666,7 +5709,7 @@
     </p:spTree>
     <p:extLst>
       <p:ext uri="{BB962C8B-B14F-4D97-AF65-F5344CB8AC3E}">
-        <p14:creationId xmlns:p14="http://schemas.microsoft.com/office/powerpoint/2010/main" val="3975155823"/>
+        <p14:creationId xmlns:p14="http://schemas.microsoft.com/office/powerpoint/2010/main" val="2843259613"/>
       </p:ext>
     </p:extLst>
   </p:cSld>
@@ -3695,17 +5738,19 @@
       </p:grpSpPr>
       <p:pic>
         <p:nvPicPr>
-          <p:cNvPr id="12" name="Picture 11">
-            <a:extLst>
-              <a:ext uri="{FF2B5EF4-FFF2-40B4-BE49-F238E27FC236}">
-                <a16:creationId xmlns:a16="http://schemas.microsoft.com/office/drawing/2014/main" id="{609F1109-E96C-4D5A-9464-6636C2A50974}"/>
+          <p:cNvPr id="5" name="Content Placeholder 4">
+            <a:extLst>
+              <a:ext uri="{FF2B5EF4-FFF2-40B4-BE49-F238E27FC236}">
+                <a16:creationId xmlns:a16="http://schemas.microsoft.com/office/drawing/2014/main" id="{F885D087-B6A3-4FC0-9A99-E4ECB5305012}"/>
               </a:ext>
             </a:extLst>
           </p:cNvPr>
           <p:cNvPicPr>
-            <a:picLocks noChangeAspect="1"/>
+            <a:picLocks noGrp="1" noChangeAspect="1"/>
           </p:cNvPicPr>
-          <p:nvPr/>
+          <p:nvPr>
+            <p:ph idx="4294967295"/>
+          </p:nvPr>
         </p:nvPicPr>
         <p:blipFill>
           <a:blip r:embed="rId2">
@@ -3721,24 +5766,133 @@
         </p:blipFill>
         <p:spPr>
           <a:xfrm>
-            <a:off x="2994213" y="-1"/>
-            <a:ext cx="5979458" cy="7100047"/>
+            <a:off x="2931459" y="-373857"/>
+            <a:ext cx="6535270" cy="7605713"/>
           </a:xfrm>
-          <a:prstGeom prst="rect">
-            <a:avLst/>
-          </a:prstGeom>
         </p:spPr>
       </p:pic>
+      <p:sp>
+        <p:nvSpPr>
+          <p:cNvPr id="2" name="Slide Number Placeholder 1">
+            <a:extLst>
+              <a:ext uri="{FF2B5EF4-FFF2-40B4-BE49-F238E27FC236}">
+                <a16:creationId xmlns:a16="http://schemas.microsoft.com/office/drawing/2014/main" id="{B01F4B32-D1C0-7423-C32E-B9A6155D56B2}"/>
+              </a:ext>
+            </a:extLst>
+          </p:cNvPr>
+          <p:cNvSpPr>
+            <a:spLocks noGrp="1"/>
+          </p:cNvSpPr>
+          <p:nvPr>
+            <p:ph type="sldNum" sz="quarter" idx="12"/>
+          </p:nvPr>
+        </p:nvSpPr>
+        <p:spPr/>
+        <p:txBody>
+          <a:bodyPr/>
+          <a:lstStyle/>
+          <a:p>
+            <a:fld id="{8ABD9A93-A63E-4048-A90A-76F0C4F81214}" type="slidenum">
+              <a:rPr lang="en-US" smtClean="0"/>
+              <a:t>13</a:t>
+            </a:fld>
+            <a:endParaRPr lang="en-US"/>
+          </a:p>
+        </p:txBody>
+      </p:sp>
     </p:spTree>
     <p:extLst>
       <p:ext uri="{BB962C8B-B14F-4D97-AF65-F5344CB8AC3E}">
-        <p14:creationId xmlns:p14="http://schemas.microsoft.com/office/powerpoint/2010/main" val="3344682270"/>
+        <p14:creationId xmlns:p14="http://schemas.microsoft.com/office/powerpoint/2010/main" val="1783684208"/>
       </p:ext>
     </p:extLst>
   </p:cSld>
   <p:clrMapOvr>
     <a:masterClrMapping/>
   </p:clrMapOvr>
+  <p:timing>
+    <p:tnLst>
+      <p:par>
+        <p:cTn id="1" dur="indefinite" restart="never" nodeType="tmRoot">
+          <p:childTnLst>
+            <p:seq concurrent="1" nextAc="seek">
+              <p:cTn id="2" dur="indefinite" nodeType="mainSeq">
+                <p:childTnLst>
+                  <p:par>
+                    <p:cTn id="3" fill="hold">
+                      <p:stCondLst>
+                        <p:cond delay="indefinite"/>
+                      </p:stCondLst>
+                      <p:childTnLst>
+                        <p:par>
+                          <p:cTn id="4" fill="hold">
+                            <p:stCondLst>
+                              <p:cond delay="0"/>
+                            </p:stCondLst>
+                            <p:childTnLst>
+                              <p:par>
+                                <p:cTn id="5" presetID="10" presetClass="entr" presetSubtype="0" fill="hold" nodeType="clickEffect">
+                                  <p:stCondLst>
+                                    <p:cond delay="0"/>
+                                  </p:stCondLst>
+                                  <p:childTnLst>
+                                    <p:set>
+                                      <p:cBhvr>
+                                        <p:cTn id="6" dur="1" fill="hold">
+                                          <p:stCondLst>
+                                            <p:cond delay="0"/>
+                                          </p:stCondLst>
+                                        </p:cTn>
+                                        <p:tgtEl>
+                                          <p:spTgt spid="5"/>
+                                        </p:tgtEl>
+                                        <p:attrNameLst>
+                                          <p:attrName>style.visibility</p:attrName>
+                                        </p:attrNameLst>
+                                      </p:cBhvr>
+                                      <p:to>
+                                        <p:strVal val="visible"/>
+                                      </p:to>
+                                    </p:set>
+                                    <p:animEffect transition="in" filter="fade">
+                                      <p:cBhvr>
+                                        <p:cTn id="7" dur="500"/>
+                                        <p:tgtEl>
+                                          <p:spTgt spid="5"/>
+                                        </p:tgtEl>
+                                      </p:cBhvr>
+                                    </p:animEffect>
+                                  </p:childTnLst>
+                                </p:cTn>
+                              </p:par>
+                            </p:childTnLst>
+                          </p:cTn>
+                        </p:par>
+                      </p:childTnLst>
+                    </p:cTn>
+                  </p:par>
+                </p:childTnLst>
+              </p:cTn>
+              <p:prevCondLst>
+                <p:cond evt="onPrev" delay="0">
+                  <p:tgtEl>
+                    <p:sldTgt/>
+                  </p:tgtEl>
+                </p:cond>
+              </p:prevCondLst>
+              <p:nextCondLst>
+                <p:cond evt="onNext" delay="0">
+                  <p:tgtEl>
+                    <p:sldTgt/>
+                  </p:tgtEl>
+                </p:cond>
+              </p:nextCondLst>
+            </p:seq>
+          </p:childTnLst>
+        </p:cTn>
+      </p:par>
+    </p:tnLst>
+  </p:timing>
 </p:sld>
 </file>
 
@@ -3761,18 +5915,69 @@
       </p:grpSpPr>
       <p:sp>
         <p:nvSpPr>
-          <p:cNvPr id="2" name="Title 1">
-            <a:extLst>
-              <a:ext uri="{FF2B5EF4-FFF2-40B4-BE49-F238E27FC236}">
-                <a16:creationId xmlns:a16="http://schemas.microsoft.com/office/drawing/2014/main" id="{39155470-CF6B-4BFF-A262-93816FB2CAB1}"/>
-              </a:ext>
-            </a:extLst>
-          </p:cNvPr>
-          <p:cNvSpPr>
-            <a:spLocks noGrp="1"/>
-          </p:cNvSpPr>
-          <p:nvPr>
-            <p:ph type="title"/>
+          <p:cNvPr id="4" name="Title 3">
+            <a:extLst>
+              <a:ext uri="{FF2B5EF4-FFF2-40B4-BE49-F238E27FC236}">
+                <a16:creationId xmlns:a16="http://schemas.microsoft.com/office/drawing/2014/main" id="{0C33B784-FEAB-48B3-A56C-9F81EB16B894}"/>
+              </a:ext>
+            </a:extLst>
+          </p:cNvPr>
+          <p:cNvSpPr>
+            <a:spLocks noGrp="1"/>
+          </p:cNvSpPr>
+          <p:nvPr>
+            <p:ph type="ctrTitle"/>
+          </p:nvPr>
+        </p:nvSpPr>
+        <p:spPr>
+          <a:xfrm>
+            <a:off x="1658470" y="2601259"/>
+            <a:ext cx="9144000" cy="1655482"/>
+          </a:xfrm>
+        </p:spPr>
+        <p:txBody>
+          <a:bodyPr>
+            <a:normAutofit/>
+          </a:bodyPr>
+          <a:lstStyle/>
+          <a:p>
+            <a:r>
+              <a:rPr lang="en-US" sz="5400" b="1" dirty="0">
+                <a:solidFill>
+                  <a:schemeClr val="tx1">
+                    <a:lumMod val="85000"/>
+                    <a:lumOff val="15000"/>
+                  </a:schemeClr>
+                </a:solidFill>
+                <a:effectLst>
+                  <a:outerShdw blurRad="38100" dist="38100" dir="2700000" algn="tl">
+                    <a:srgbClr val="000000">
+                      <a:alpha val="43137"/>
+                    </a:srgbClr>
+                  </a:outerShdw>
+                </a:effectLst>
+                <a:latin typeface="Times New Roman" panose="02020603050405020304" pitchFamily="18" charset="0"/>
+                <a:cs typeface="Times New Roman" panose="02020603050405020304" pitchFamily="18" charset="0"/>
+              </a:rPr>
+              <a:t>Flowchart for real time application </a:t>
+            </a:r>
+          </a:p>
+        </p:txBody>
+      </p:sp>
+      <p:sp>
+        <p:nvSpPr>
+          <p:cNvPr id="2" name="Slide Number Placeholder 1">
+            <a:extLst>
+              <a:ext uri="{FF2B5EF4-FFF2-40B4-BE49-F238E27FC236}">
+                <a16:creationId xmlns:a16="http://schemas.microsoft.com/office/drawing/2014/main" id="{AE0803C3-79C8-7B1A-DB39-40CB8DBEEE18}"/>
+              </a:ext>
+            </a:extLst>
+          </p:cNvPr>
+          <p:cNvSpPr>
+            <a:spLocks noGrp="1"/>
+          </p:cNvSpPr>
+          <p:nvPr>
+            <p:ph type="sldNum" sz="quarter" idx="12"/>
           </p:nvPr>
         </p:nvSpPr>
         <p:spPr/>
@@ -3780,34 +5985,10 @@
           <a:bodyPr/>
           <a:lstStyle/>
           <a:p>
-            <a:r>
-              <a:rPr lang="en-US" dirty="0"/>
-              <a:t>Gantt Chart</a:t>
-            </a:r>
-          </a:p>
-        </p:txBody>
-      </p:sp>
-      <p:sp>
-        <p:nvSpPr>
-          <p:cNvPr id="3" name="Content Placeholder 2">
-            <a:extLst>
-              <a:ext uri="{FF2B5EF4-FFF2-40B4-BE49-F238E27FC236}">
-                <a16:creationId xmlns:a16="http://schemas.microsoft.com/office/drawing/2014/main" id="{3BA7BEC7-6443-4068-B0EE-2C89F4D685B0}"/>
-              </a:ext>
-            </a:extLst>
-          </p:cNvPr>
-          <p:cNvSpPr>
-            <a:spLocks noGrp="1"/>
-          </p:cNvSpPr>
-          <p:nvPr>
-            <p:ph idx="1"/>
-          </p:nvPr>
-        </p:nvSpPr>
-        <p:spPr/>
-        <p:txBody>
-          <a:bodyPr/>
-          <a:lstStyle/>
-          <a:p>
+            <a:fld id="{8ABD9A93-A63E-4048-A90A-76F0C4F81214}" type="slidenum">
+              <a:rPr lang="en-US" smtClean="0"/>
+              <a:t>14</a:t>
+            </a:fld>
             <a:endParaRPr lang="en-US"/>
           </a:p>
         </p:txBody>
@@ -3815,7 +5996,7 @@
     </p:spTree>
     <p:extLst>
       <p:ext uri="{BB962C8B-B14F-4D97-AF65-F5344CB8AC3E}">
-        <p14:creationId xmlns:p14="http://schemas.microsoft.com/office/powerpoint/2010/main" val="1902025679"/>
+        <p14:creationId xmlns:p14="http://schemas.microsoft.com/office/powerpoint/2010/main" val="3975155823"/>
       </p:ext>
     </p:extLst>
   </p:cSld>
@@ -3842,20 +6023,56 @@
           <a:chExt cx="0" cy="0"/>
         </a:xfrm>
       </p:grpSpPr>
-      <p:sp>
-        <p:nvSpPr>
-          <p:cNvPr id="2" name="Title 1">
-            <a:extLst>
-              <a:ext uri="{FF2B5EF4-FFF2-40B4-BE49-F238E27FC236}">
-                <a16:creationId xmlns:a16="http://schemas.microsoft.com/office/drawing/2014/main" id="{E1F5A8E3-44B1-4F99-A54F-622B6BF887D3}"/>
-              </a:ext>
-            </a:extLst>
-          </p:cNvPr>
-          <p:cNvSpPr>
-            <a:spLocks noGrp="1"/>
-          </p:cNvSpPr>
-          <p:nvPr>
-            <p:ph type="ctrTitle"/>
+      <p:pic>
+        <p:nvPicPr>
+          <p:cNvPr id="12" name="Picture 11">
+            <a:extLst>
+              <a:ext uri="{FF2B5EF4-FFF2-40B4-BE49-F238E27FC236}">
+                <a16:creationId xmlns:a16="http://schemas.microsoft.com/office/drawing/2014/main" id="{609F1109-E96C-4D5A-9464-6636C2A50974}"/>
+              </a:ext>
+            </a:extLst>
+          </p:cNvPr>
+          <p:cNvPicPr>
+            <a:picLocks noChangeAspect="1"/>
+          </p:cNvPicPr>
+          <p:nvPr/>
+        </p:nvPicPr>
+        <p:blipFill>
+          <a:blip r:embed="rId2">
+            <a:extLst>
+              <a:ext uri="{28A0092B-C50C-407E-A947-70E740481C1C}">
+                <a14:useLocalDpi xmlns:a14="http://schemas.microsoft.com/office/drawing/2010/main" val="0"/>
+              </a:ext>
+            </a:extLst>
+          </a:blip>
+          <a:stretch>
+            <a:fillRect/>
+          </a:stretch>
+        </p:blipFill>
+        <p:spPr>
+          <a:xfrm>
+            <a:off x="2994212" y="-1"/>
+            <a:ext cx="6427693" cy="7100047"/>
+          </a:xfrm>
+          <a:prstGeom prst="rect">
+            <a:avLst/>
+          </a:prstGeom>
+        </p:spPr>
+      </p:pic>
+      <p:sp>
+        <p:nvSpPr>
+          <p:cNvPr id="2" name="Slide Number Placeholder 1">
+            <a:extLst>
+              <a:ext uri="{FF2B5EF4-FFF2-40B4-BE49-F238E27FC236}">
+                <a16:creationId xmlns:a16="http://schemas.microsoft.com/office/drawing/2014/main" id="{56FFA9FA-CF97-D8C0-635F-AF161D99D3C8}"/>
+              </a:ext>
+            </a:extLst>
+          </p:cNvPr>
+          <p:cNvSpPr>
+            <a:spLocks noGrp="1"/>
+          </p:cNvSpPr>
+          <p:nvPr>
+            <p:ph type="sldNum" sz="quarter" idx="12"/>
           </p:nvPr>
         </p:nvSpPr>
         <p:spPr/>
@@ -3863,34 +6080,10 @@
           <a:bodyPr/>
           <a:lstStyle/>
           <a:p>
-            <a:r>
-              <a:rPr lang="en-US" dirty="0"/>
-              <a:t>Expected Output</a:t>
-            </a:r>
-          </a:p>
-        </p:txBody>
-      </p:sp>
-      <p:sp>
-        <p:nvSpPr>
-          <p:cNvPr id="4" name="Subtitle 3">
-            <a:extLst>
-              <a:ext uri="{FF2B5EF4-FFF2-40B4-BE49-F238E27FC236}">
-                <a16:creationId xmlns:a16="http://schemas.microsoft.com/office/drawing/2014/main" id="{11CE640D-A85D-402C-8B2B-9B420C61B803}"/>
-              </a:ext>
-            </a:extLst>
-          </p:cNvPr>
-          <p:cNvSpPr>
-            <a:spLocks noGrp="1"/>
-          </p:cNvSpPr>
-          <p:nvPr>
-            <p:ph type="subTitle" idx="1"/>
-          </p:nvPr>
-        </p:nvSpPr>
-        <p:spPr/>
-        <p:txBody>
-          <a:bodyPr/>
-          <a:lstStyle/>
-          <a:p>
+            <a:fld id="{8ABD9A93-A63E-4048-A90A-76F0C4F81214}" type="slidenum">
+              <a:rPr lang="en-US" smtClean="0"/>
+              <a:t>15</a:t>
+            </a:fld>
             <a:endParaRPr lang="en-US"/>
           </a:p>
         </p:txBody>
@@ -3898,13 +6091,96 @@
     </p:spTree>
     <p:extLst>
       <p:ext uri="{BB962C8B-B14F-4D97-AF65-F5344CB8AC3E}">
-        <p14:creationId xmlns:p14="http://schemas.microsoft.com/office/powerpoint/2010/main" val="5321798"/>
+        <p14:creationId xmlns:p14="http://schemas.microsoft.com/office/powerpoint/2010/main" val="3344682270"/>
       </p:ext>
     </p:extLst>
   </p:cSld>
   <p:clrMapOvr>
     <a:masterClrMapping/>
   </p:clrMapOvr>
+  <p:timing>
+    <p:tnLst>
+      <p:par>
+        <p:cTn id="1" dur="indefinite" restart="never" nodeType="tmRoot">
+          <p:childTnLst>
+            <p:seq concurrent="1" nextAc="seek">
+              <p:cTn id="2" dur="indefinite" nodeType="mainSeq">
+                <p:childTnLst>
+                  <p:par>
+                    <p:cTn id="3" fill="hold">
+                      <p:stCondLst>
+                        <p:cond delay="indefinite"/>
+                      </p:stCondLst>
+                      <p:childTnLst>
+                        <p:par>
+                          <p:cTn id="4" fill="hold">
+                            <p:stCondLst>
+                              <p:cond delay="0"/>
+                            </p:stCondLst>
+                            <p:childTnLst>
+                              <p:par>
+                                <p:cTn id="5" presetID="10" presetClass="entr" presetSubtype="0" fill="hold" nodeType="clickEffect">
+                                  <p:stCondLst>
+                                    <p:cond delay="0"/>
+                                  </p:stCondLst>
+                                  <p:childTnLst>
+                                    <p:set>
+                                      <p:cBhvr>
+                                        <p:cTn id="6" dur="1" fill="hold">
+                                          <p:stCondLst>
+                                            <p:cond delay="0"/>
+                                          </p:stCondLst>
+                                        </p:cTn>
+                                        <p:tgtEl>
+                                          <p:spTgt spid="12"/>
+                                        </p:tgtEl>
+                                        <p:attrNameLst>
+                                          <p:attrName>style.visibility</p:attrName>
+                                        </p:attrNameLst>
+                                      </p:cBhvr>
+                                      <p:to>
+                                        <p:strVal val="visible"/>
+                                      </p:to>
+                                    </p:set>
+                                    <p:animEffect transition="in" filter="fade">
+                                      <p:cBhvr>
+                                        <p:cTn id="7" dur="500"/>
+                                        <p:tgtEl>
+                                          <p:spTgt spid="12"/>
+                                        </p:tgtEl>
+                                      </p:cBhvr>
+                                    </p:animEffect>
+                                  </p:childTnLst>
+                                </p:cTn>
+                              </p:par>
+                            </p:childTnLst>
+                          </p:cTn>
+                        </p:par>
+                      </p:childTnLst>
+                    </p:cTn>
+                  </p:par>
+                </p:childTnLst>
+              </p:cTn>
+              <p:prevCondLst>
+                <p:cond evt="onPrev" delay="0">
+                  <p:tgtEl>
+                    <p:sldTgt/>
+                  </p:tgtEl>
+                </p:cond>
+              </p:prevCondLst>
+              <p:nextCondLst>
+                <p:cond evt="onNext" delay="0">
+                  <p:tgtEl>
+                    <p:sldTgt/>
+                  </p:tgtEl>
+                </p:cond>
+              </p:nextCondLst>
+            </p:seq>
+          </p:childTnLst>
+        </p:cTn>
+      </p:par>
+    </p:tnLst>
+  </p:timing>
 </p:sld>
 </file>
 
@@ -3925,51 +6201,209 @@
           <a:chExt cx="0" cy="0"/>
         </a:xfrm>
       </p:grpSpPr>
-      <p:pic>
-        <p:nvPicPr>
-          <p:cNvPr id="5" name="Content Placeholder 4">
-            <a:extLst>
-              <a:ext uri="{FF2B5EF4-FFF2-40B4-BE49-F238E27FC236}">
-                <a16:creationId xmlns:a16="http://schemas.microsoft.com/office/drawing/2014/main" id="{37CD4807-F593-48E9-9485-4FD7782EB216}"/>
-              </a:ext>
-            </a:extLst>
-          </p:cNvPr>
-          <p:cNvPicPr>
-            <a:picLocks noGrp="1" noChangeAspect="1"/>
-          </p:cNvPicPr>
-          <p:nvPr>
-            <p:ph idx="4294967295"/>
-          </p:nvPr>
-        </p:nvPicPr>
-        <p:blipFill>
-          <a:blip r:embed="rId2">
-            <a:extLst>
-              <a:ext uri="{28A0092B-C50C-407E-A947-70E740481C1C}">
-                <a14:useLocalDpi xmlns:a14="http://schemas.microsoft.com/office/drawing/2010/main" val="0"/>
-              </a:ext>
-            </a:extLst>
-          </a:blip>
-          <a:stretch>
-            <a:fillRect/>
-          </a:stretch>
-        </p:blipFill>
-        <p:spPr>
-          <a:xfrm>
-            <a:off x="2348752" y="0"/>
-            <a:ext cx="7440967" cy="6858000"/>
-          </a:xfrm>
-        </p:spPr>
-      </p:pic>
+      <p:sp>
+        <p:nvSpPr>
+          <p:cNvPr id="2" name="Title 1">
+            <a:extLst>
+              <a:ext uri="{FF2B5EF4-FFF2-40B4-BE49-F238E27FC236}">
+                <a16:creationId xmlns:a16="http://schemas.microsoft.com/office/drawing/2014/main" id="{39155470-CF6B-4BFF-A262-93816FB2CAB1}"/>
+              </a:ext>
+            </a:extLst>
+          </p:cNvPr>
+          <p:cNvSpPr>
+            <a:spLocks noGrp="1"/>
+          </p:cNvSpPr>
+          <p:nvPr>
+            <p:ph type="title"/>
+          </p:nvPr>
+        </p:nvSpPr>
+        <p:spPr/>
+        <p:txBody>
+          <a:bodyPr/>
+          <a:lstStyle/>
+          <a:p>
+            <a:pPr algn="ctr"/>
+            <a:r>
+              <a:rPr lang="en-US" b="1" dirty="0">
+                <a:solidFill>
+                  <a:schemeClr val="tx1">
+                    <a:lumMod val="85000"/>
+                    <a:lumOff val="15000"/>
+                  </a:schemeClr>
+                </a:solidFill>
+                <a:effectLst>
+                  <a:outerShdw blurRad="38100" dist="38100" dir="2700000" algn="tl">
+                    <a:srgbClr val="000000">
+                      <a:alpha val="43137"/>
+                    </a:srgbClr>
+                  </a:outerShdw>
+                </a:effectLst>
+                <a:latin typeface="Times New Roman" panose="02020603050405020304" pitchFamily="18" charset="0"/>
+                <a:cs typeface="Times New Roman" panose="02020603050405020304" pitchFamily="18" charset="0"/>
+              </a:rPr>
+              <a:t>Gantt Chart</a:t>
+            </a:r>
+          </a:p>
+        </p:txBody>
+      </p:sp>
+      <p:sp>
+        <p:nvSpPr>
+          <p:cNvPr id="4" name="Slide Number Placeholder 3">
+            <a:extLst>
+              <a:ext uri="{FF2B5EF4-FFF2-40B4-BE49-F238E27FC236}">
+                <a16:creationId xmlns:a16="http://schemas.microsoft.com/office/drawing/2014/main" id="{76EF9D70-9B8D-0196-B652-9FBC9F18B75C}"/>
+              </a:ext>
+            </a:extLst>
+          </p:cNvPr>
+          <p:cNvSpPr>
+            <a:spLocks noGrp="1"/>
+          </p:cNvSpPr>
+          <p:nvPr>
+            <p:ph type="sldNum" sz="quarter" idx="12"/>
+          </p:nvPr>
+        </p:nvSpPr>
+        <p:spPr/>
+        <p:txBody>
+          <a:bodyPr/>
+          <a:lstStyle/>
+          <a:p>
+            <a:fld id="{8ABD9A93-A63E-4048-A90A-76F0C4F81214}" type="slidenum">
+              <a:rPr lang="en-US" smtClean="0"/>
+              <a:t>16</a:t>
+            </a:fld>
+            <a:endParaRPr lang="en-US"/>
+          </a:p>
+        </p:txBody>
+      </p:sp>
+      <p:graphicFrame>
+        <p:nvGraphicFramePr>
+          <p:cNvPr id="5" name="Content Placeholder 3">
+            <a:extLst>
+              <a:ext uri="{FF2B5EF4-FFF2-40B4-BE49-F238E27FC236}">
+                <a16:creationId xmlns:a16="http://schemas.microsoft.com/office/drawing/2014/main" id="{15A544EB-0AD0-0891-6733-1CF3F15E4DB9}"/>
+              </a:ext>
+            </a:extLst>
+          </p:cNvPr>
+          <p:cNvGraphicFramePr>
+            <a:graphicFrameLocks noGrp="1"/>
+          </p:cNvGraphicFramePr>
+          <p:nvPr>
+            <p:ph idx="1"/>
+            <p:extLst>
+              <p:ext uri="{D42A27DB-BD31-4B8C-83A1-F6EECF244321}">
+                <p14:modId xmlns:p14="http://schemas.microsoft.com/office/powerpoint/2010/main" val="887960589"/>
+              </p:ext>
+            </p:extLst>
+          </p:nvPr>
+        </p:nvGraphicFramePr>
+        <p:xfrm>
+          <a:off x="838199" y="1825624"/>
+          <a:ext cx="10914529" cy="4530725"/>
+        </p:xfrm>
+        <a:graphic>
+          <a:graphicData uri="http://schemas.openxmlformats.org/drawingml/2006/chart">
+            <c:chart xmlns:c="http://schemas.openxmlformats.org/drawingml/2006/chart" xmlns:r="http://schemas.openxmlformats.org/officeDocument/2006/relationships" r:id="rId2"/>
+          </a:graphicData>
+        </a:graphic>
+      </p:graphicFrame>
     </p:spTree>
     <p:extLst>
       <p:ext uri="{BB962C8B-B14F-4D97-AF65-F5344CB8AC3E}">
-        <p14:creationId xmlns:p14="http://schemas.microsoft.com/office/powerpoint/2010/main" val="2284109050"/>
+        <p14:creationId xmlns:p14="http://schemas.microsoft.com/office/powerpoint/2010/main" val="1902025679"/>
       </p:ext>
     </p:extLst>
   </p:cSld>
   <p:clrMapOvr>
     <a:masterClrMapping/>
   </p:clrMapOvr>
+  <p:timing>
+    <p:tnLst>
+      <p:par>
+        <p:cTn id="1" dur="indefinite" restart="never" nodeType="tmRoot">
+          <p:childTnLst>
+            <p:seq concurrent="1" nextAc="seek">
+              <p:cTn id="2" dur="indefinite" nodeType="mainSeq">
+                <p:childTnLst>
+                  <p:par>
+                    <p:cTn id="3" fill="hold">
+                      <p:stCondLst>
+                        <p:cond delay="indefinite"/>
+                      </p:stCondLst>
+                      <p:childTnLst>
+                        <p:par>
+                          <p:cTn id="4" fill="hold">
+                            <p:stCondLst>
+                              <p:cond delay="0"/>
+                            </p:stCondLst>
+                            <p:childTnLst>
+                              <p:par>
+                                <p:cTn id="5" presetID="10" presetClass="entr" presetSubtype="0" fill="hold" grpId="0" nodeType="clickEffect">
+                                  <p:stCondLst>
+                                    <p:cond delay="0"/>
+                                  </p:stCondLst>
+                                  <p:childTnLst>
+                                    <p:set>
+                                      <p:cBhvr>
+                                        <p:cTn id="6" dur="1" fill="hold">
+                                          <p:stCondLst>
+                                            <p:cond delay="0"/>
+                                          </p:stCondLst>
+                                        </p:cTn>
+                                        <p:tgtEl>
+                                          <p:spTgt spid="5"/>
+                                        </p:tgtEl>
+                                        <p:attrNameLst>
+                                          <p:attrName>style.visibility</p:attrName>
+                                        </p:attrNameLst>
+                                      </p:cBhvr>
+                                      <p:to>
+                                        <p:strVal val="visible"/>
+                                      </p:to>
+                                    </p:set>
+                                    <p:animEffect transition="in" filter="fade">
+                                      <p:cBhvr>
+                                        <p:cTn id="7" dur="500"/>
+                                        <p:tgtEl>
+                                          <p:spTgt spid="5"/>
+                                        </p:tgtEl>
+                                      </p:cBhvr>
+                                    </p:animEffect>
+                                  </p:childTnLst>
+                                </p:cTn>
+                              </p:par>
+                            </p:childTnLst>
+                          </p:cTn>
+                        </p:par>
+                      </p:childTnLst>
+                    </p:cTn>
+                  </p:par>
+                </p:childTnLst>
+              </p:cTn>
+              <p:prevCondLst>
+                <p:cond evt="onPrev" delay="0">
+                  <p:tgtEl>
+                    <p:sldTgt/>
+                  </p:tgtEl>
+                </p:cond>
+              </p:prevCondLst>
+              <p:nextCondLst>
+                <p:cond evt="onNext" delay="0">
+                  <p:tgtEl>
+                    <p:sldTgt/>
+                  </p:tgtEl>
+                </p:cond>
+              </p:nextCondLst>
+            </p:seq>
+          </p:childTnLst>
+        </p:cTn>
+      </p:par>
+    </p:tnLst>
+    <p:bldLst>
+      <p:bldGraphic spid="5" grpId="0">
+        <p:bldAsOne/>
+      </p:bldGraphic>
+    </p:bldLst>
+  </p:timing>
 </p:sld>
 </file>
 
@@ -3990,6 +6424,293 @@
           <a:chExt cx="0" cy="0"/>
         </a:xfrm>
       </p:grpSpPr>
+      <p:sp>
+        <p:nvSpPr>
+          <p:cNvPr id="2" name="Title 1">
+            <a:extLst>
+              <a:ext uri="{FF2B5EF4-FFF2-40B4-BE49-F238E27FC236}">
+                <a16:creationId xmlns:a16="http://schemas.microsoft.com/office/drawing/2014/main" id="{E1F5A8E3-44B1-4F99-A54F-622B6BF887D3}"/>
+              </a:ext>
+            </a:extLst>
+          </p:cNvPr>
+          <p:cNvSpPr>
+            <a:spLocks noGrp="1"/>
+          </p:cNvSpPr>
+          <p:nvPr>
+            <p:ph type="ctrTitle"/>
+          </p:nvPr>
+        </p:nvSpPr>
+        <p:spPr>
+          <a:xfrm>
+            <a:off x="1524000" y="2951489"/>
+            <a:ext cx="9144000" cy="955022"/>
+          </a:xfrm>
+        </p:spPr>
+        <p:txBody>
+          <a:bodyPr>
+            <a:normAutofit/>
+          </a:bodyPr>
+          <a:lstStyle/>
+          <a:p>
+            <a:r>
+              <a:rPr lang="en-US" sz="5400" b="1" dirty="0">
+                <a:solidFill>
+                  <a:schemeClr val="tx1">
+                    <a:lumMod val="85000"/>
+                    <a:lumOff val="15000"/>
+                  </a:schemeClr>
+                </a:solidFill>
+                <a:effectLst>
+                  <a:outerShdw blurRad="38100" dist="38100" dir="2700000" algn="tl">
+                    <a:srgbClr val="000000">
+                      <a:alpha val="43137"/>
+                    </a:srgbClr>
+                  </a:outerShdw>
+                </a:effectLst>
+                <a:latin typeface="Times New Roman" panose="02020603050405020304" pitchFamily="18" charset="0"/>
+                <a:cs typeface="Times New Roman" panose="02020603050405020304" pitchFamily="18" charset="0"/>
+              </a:rPr>
+              <a:t>Expected Output</a:t>
+            </a:r>
+          </a:p>
+        </p:txBody>
+      </p:sp>
+      <p:sp>
+        <p:nvSpPr>
+          <p:cNvPr id="3" name="Slide Number Placeholder 2">
+            <a:extLst>
+              <a:ext uri="{FF2B5EF4-FFF2-40B4-BE49-F238E27FC236}">
+                <a16:creationId xmlns:a16="http://schemas.microsoft.com/office/drawing/2014/main" id="{2FD94C0E-641E-54FE-8106-FCA3F4625DBE}"/>
+              </a:ext>
+            </a:extLst>
+          </p:cNvPr>
+          <p:cNvSpPr>
+            <a:spLocks noGrp="1"/>
+          </p:cNvSpPr>
+          <p:nvPr>
+            <p:ph type="sldNum" sz="quarter" idx="12"/>
+          </p:nvPr>
+        </p:nvSpPr>
+        <p:spPr/>
+        <p:txBody>
+          <a:bodyPr/>
+          <a:lstStyle/>
+          <a:p>
+            <a:fld id="{8ABD9A93-A63E-4048-A90A-76F0C4F81214}" type="slidenum">
+              <a:rPr lang="en-US" smtClean="0"/>
+              <a:t>17</a:t>
+            </a:fld>
+            <a:endParaRPr lang="en-US"/>
+          </a:p>
+        </p:txBody>
+      </p:sp>
+    </p:spTree>
+    <p:extLst>
+      <p:ext uri="{BB962C8B-B14F-4D97-AF65-F5344CB8AC3E}">
+        <p14:creationId xmlns:p14="http://schemas.microsoft.com/office/powerpoint/2010/main" val="5321798"/>
+      </p:ext>
+    </p:extLst>
+  </p:cSld>
+  <p:clrMapOvr>
+    <a:masterClrMapping/>
+  </p:clrMapOvr>
+</p:sld>
+</file>
+
+<file path=ppt/slides/slide18.xml><?xml version="1.0" encoding="utf-8"?>
+<p:sld xmlns:a="http://schemas.openxmlformats.org/drawingml/2006/main" xmlns:r="http://schemas.openxmlformats.org/officeDocument/2006/relationships" xmlns:p="http://schemas.openxmlformats.org/presentationml/2006/main">
+  <p:cSld>
+    <p:spTree>
+      <p:nvGrpSpPr>
+        <p:cNvPr id="1" name=""/>
+        <p:cNvGrpSpPr/>
+        <p:nvPr/>
+      </p:nvGrpSpPr>
+      <p:grpSpPr>
+        <a:xfrm>
+          <a:off x="0" y="0"/>
+          <a:ext cx="0" cy="0"/>
+          <a:chOff x="0" y="0"/>
+          <a:chExt cx="0" cy="0"/>
+        </a:xfrm>
+      </p:grpSpPr>
+      <p:pic>
+        <p:nvPicPr>
+          <p:cNvPr id="5" name="Content Placeholder 4">
+            <a:extLst>
+              <a:ext uri="{FF2B5EF4-FFF2-40B4-BE49-F238E27FC236}">
+                <a16:creationId xmlns:a16="http://schemas.microsoft.com/office/drawing/2014/main" id="{37CD4807-F593-48E9-9485-4FD7782EB216}"/>
+              </a:ext>
+            </a:extLst>
+          </p:cNvPr>
+          <p:cNvPicPr>
+            <a:picLocks noGrp="1" noChangeAspect="1"/>
+          </p:cNvPicPr>
+          <p:nvPr>
+            <p:ph idx="4294967295"/>
+          </p:nvPr>
+        </p:nvPicPr>
+        <p:blipFill>
+          <a:blip r:embed="rId2">
+            <a:extLst>
+              <a:ext uri="{28A0092B-C50C-407E-A947-70E740481C1C}">
+                <a14:useLocalDpi xmlns:a14="http://schemas.microsoft.com/office/drawing/2010/main" val="0"/>
+              </a:ext>
+            </a:extLst>
+          </a:blip>
+          <a:stretch>
+            <a:fillRect/>
+          </a:stretch>
+        </p:blipFill>
+        <p:spPr>
+          <a:xfrm>
+            <a:off x="2348752" y="70274"/>
+            <a:ext cx="8113060" cy="6651201"/>
+          </a:xfrm>
+        </p:spPr>
+      </p:pic>
+      <p:sp>
+        <p:nvSpPr>
+          <p:cNvPr id="2" name="Slide Number Placeholder 1">
+            <a:extLst>
+              <a:ext uri="{FF2B5EF4-FFF2-40B4-BE49-F238E27FC236}">
+                <a16:creationId xmlns:a16="http://schemas.microsoft.com/office/drawing/2014/main" id="{B1ED55D3-E5A1-4CBF-DE64-E0F80EFED971}"/>
+              </a:ext>
+            </a:extLst>
+          </p:cNvPr>
+          <p:cNvSpPr>
+            <a:spLocks noGrp="1"/>
+          </p:cNvSpPr>
+          <p:nvPr>
+            <p:ph type="sldNum" sz="quarter" idx="12"/>
+          </p:nvPr>
+        </p:nvSpPr>
+        <p:spPr/>
+        <p:txBody>
+          <a:bodyPr/>
+          <a:lstStyle/>
+          <a:p>
+            <a:fld id="{8ABD9A93-A63E-4048-A90A-76F0C4F81214}" type="slidenum">
+              <a:rPr lang="en-US" smtClean="0"/>
+              <a:t>18</a:t>
+            </a:fld>
+            <a:endParaRPr lang="en-US"/>
+          </a:p>
+        </p:txBody>
+      </p:sp>
+    </p:spTree>
+    <p:extLst>
+      <p:ext uri="{BB962C8B-B14F-4D97-AF65-F5344CB8AC3E}">
+        <p14:creationId xmlns:p14="http://schemas.microsoft.com/office/powerpoint/2010/main" val="2284109050"/>
+      </p:ext>
+    </p:extLst>
+  </p:cSld>
+  <p:clrMapOvr>
+    <a:masterClrMapping/>
+  </p:clrMapOvr>
+  <p:timing>
+    <p:tnLst>
+      <p:par>
+        <p:cTn id="1" dur="indefinite" restart="never" nodeType="tmRoot">
+          <p:childTnLst>
+            <p:seq concurrent="1" nextAc="seek">
+              <p:cTn id="2" dur="indefinite" nodeType="mainSeq">
+                <p:childTnLst>
+                  <p:par>
+                    <p:cTn id="3" fill="hold">
+                      <p:stCondLst>
+                        <p:cond delay="indefinite"/>
+                      </p:stCondLst>
+                      <p:childTnLst>
+                        <p:par>
+                          <p:cTn id="4" fill="hold">
+                            <p:stCondLst>
+                              <p:cond delay="0"/>
+                            </p:stCondLst>
+                            <p:childTnLst>
+                              <p:par>
+                                <p:cTn id="5" presetID="10" presetClass="entr" presetSubtype="0" fill="hold" nodeType="clickEffect">
+                                  <p:stCondLst>
+                                    <p:cond delay="0"/>
+                                  </p:stCondLst>
+                                  <p:childTnLst>
+                                    <p:set>
+                                      <p:cBhvr>
+                                        <p:cTn id="6" dur="1" fill="hold">
+                                          <p:stCondLst>
+                                            <p:cond delay="0"/>
+                                          </p:stCondLst>
+                                        </p:cTn>
+                                        <p:tgtEl>
+                                          <p:spTgt spid="5"/>
+                                        </p:tgtEl>
+                                        <p:attrNameLst>
+                                          <p:attrName>style.visibility</p:attrName>
+                                        </p:attrNameLst>
+                                      </p:cBhvr>
+                                      <p:to>
+                                        <p:strVal val="visible"/>
+                                      </p:to>
+                                    </p:set>
+                                    <p:animEffect transition="in" filter="fade">
+                                      <p:cBhvr>
+                                        <p:cTn id="7" dur="500"/>
+                                        <p:tgtEl>
+                                          <p:spTgt spid="5"/>
+                                        </p:tgtEl>
+                                      </p:cBhvr>
+                                    </p:animEffect>
+                                  </p:childTnLst>
+                                </p:cTn>
+                              </p:par>
+                            </p:childTnLst>
+                          </p:cTn>
+                        </p:par>
+                      </p:childTnLst>
+                    </p:cTn>
+                  </p:par>
+                </p:childTnLst>
+              </p:cTn>
+              <p:prevCondLst>
+                <p:cond evt="onPrev" delay="0">
+                  <p:tgtEl>
+                    <p:sldTgt/>
+                  </p:tgtEl>
+                </p:cond>
+              </p:prevCondLst>
+              <p:nextCondLst>
+                <p:cond evt="onNext" delay="0">
+                  <p:tgtEl>
+                    <p:sldTgt/>
+                  </p:tgtEl>
+                </p:cond>
+              </p:nextCondLst>
+            </p:seq>
+          </p:childTnLst>
+        </p:cTn>
+      </p:par>
+    </p:tnLst>
+  </p:timing>
+</p:sld>
+</file>
+
+<file path=ppt/slides/slide19.xml><?xml version="1.0" encoding="utf-8"?>
+<p:sld xmlns:a="http://schemas.openxmlformats.org/drawingml/2006/main" xmlns:r="http://schemas.openxmlformats.org/officeDocument/2006/relationships" xmlns:p="http://schemas.openxmlformats.org/presentationml/2006/main">
+  <p:cSld>
+    <p:spTree>
+      <p:nvGrpSpPr>
+        <p:cNvPr id="1" name=""/>
+        <p:cNvGrpSpPr/>
+        <p:nvPr/>
+      </p:nvGrpSpPr>
+      <p:grpSpPr>
+        <a:xfrm>
+          <a:off x="0" y="0"/>
+          <a:ext cx="0" cy="0"/>
+          <a:chOff x="0" y="0"/>
+          <a:chExt cx="0" cy="0"/>
+        </a:xfrm>
+      </p:grpSpPr>
       <p:pic>
         <p:nvPicPr>
           <p:cNvPr id="3" name="Picture 2">
@@ -4018,14 +6739,43 @@
         </p:blipFill>
         <p:spPr>
           <a:xfrm>
-            <a:off x="2376108" y="0"/>
-            <a:ext cx="7439784" cy="6858000"/>
+            <a:off x="2461042" y="78292"/>
+            <a:ext cx="7982840" cy="6701415"/>
           </a:xfrm>
           <a:prstGeom prst="rect">
             <a:avLst/>
           </a:prstGeom>
         </p:spPr>
       </p:pic>
+      <p:sp>
+        <p:nvSpPr>
+          <p:cNvPr id="2" name="Slide Number Placeholder 1">
+            <a:extLst>
+              <a:ext uri="{FF2B5EF4-FFF2-40B4-BE49-F238E27FC236}">
+                <a16:creationId xmlns:a16="http://schemas.microsoft.com/office/drawing/2014/main" id="{492DB635-6427-4F92-E48D-3969F93641DA}"/>
+              </a:ext>
+            </a:extLst>
+          </p:cNvPr>
+          <p:cNvSpPr>
+            <a:spLocks noGrp="1"/>
+          </p:cNvSpPr>
+          <p:nvPr>
+            <p:ph type="sldNum" sz="quarter" idx="12"/>
+          </p:nvPr>
+        </p:nvSpPr>
+        <p:spPr/>
+        <p:txBody>
+          <a:bodyPr/>
+          <a:lstStyle/>
+          <a:p>
+            <a:fld id="{8ABD9A93-A63E-4048-A90A-76F0C4F81214}" type="slidenum">
+              <a:rPr lang="en-US" smtClean="0"/>
+              <a:t>19</a:t>
+            </a:fld>
+            <a:endParaRPr lang="en-US"/>
+          </a:p>
+        </p:txBody>
+      </p:sp>
     </p:spTree>
     <p:extLst>
       <p:ext uri="{BB962C8B-B14F-4D97-AF65-F5344CB8AC3E}">
@@ -4036,6 +6786,89 @@
   <p:clrMapOvr>
     <a:masterClrMapping/>
   </p:clrMapOvr>
+  <p:timing>
+    <p:tnLst>
+      <p:par>
+        <p:cTn id="1" dur="indefinite" restart="never" nodeType="tmRoot">
+          <p:childTnLst>
+            <p:seq concurrent="1" nextAc="seek">
+              <p:cTn id="2" dur="indefinite" nodeType="mainSeq">
+                <p:childTnLst>
+                  <p:par>
+                    <p:cTn id="3" fill="hold">
+                      <p:stCondLst>
+                        <p:cond delay="indefinite"/>
+                      </p:stCondLst>
+                      <p:childTnLst>
+                        <p:par>
+                          <p:cTn id="4" fill="hold">
+                            <p:stCondLst>
+                              <p:cond delay="0"/>
+                            </p:stCondLst>
+                            <p:childTnLst>
+                              <p:par>
+                                <p:cTn id="5" presetID="10" presetClass="entr" presetSubtype="0" fill="hold" nodeType="clickEffect">
+                                  <p:stCondLst>
+                                    <p:cond delay="0"/>
+                                  </p:stCondLst>
+                                  <p:childTnLst>
+                                    <p:set>
+                                      <p:cBhvr>
+                                        <p:cTn id="6" dur="1" fill="hold">
+                                          <p:stCondLst>
+                                            <p:cond delay="0"/>
+                                          </p:stCondLst>
+                                        </p:cTn>
+                                        <p:tgtEl>
+                                          <p:spTgt spid="3"/>
+                                        </p:tgtEl>
+                                        <p:attrNameLst>
+                                          <p:attrName>style.visibility</p:attrName>
+                                        </p:attrNameLst>
+                                      </p:cBhvr>
+                                      <p:to>
+                                        <p:strVal val="visible"/>
+                                      </p:to>
+                                    </p:set>
+                                    <p:animEffect transition="in" filter="fade">
+                                      <p:cBhvr>
+                                        <p:cTn id="7" dur="500"/>
+                                        <p:tgtEl>
+                                          <p:spTgt spid="3"/>
+                                        </p:tgtEl>
+                                      </p:cBhvr>
+                                    </p:animEffect>
+                                  </p:childTnLst>
+                                </p:cTn>
+                              </p:par>
+                            </p:childTnLst>
+                          </p:cTn>
+                        </p:par>
+                      </p:childTnLst>
+                    </p:cTn>
+                  </p:par>
+                </p:childTnLst>
+              </p:cTn>
+              <p:prevCondLst>
+                <p:cond evt="onPrev" delay="0">
+                  <p:tgtEl>
+                    <p:sldTgt/>
+                  </p:tgtEl>
+                </p:cond>
+              </p:prevCondLst>
+              <p:nextCondLst>
+                <p:cond evt="onNext" delay="0">
+                  <p:tgtEl>
+                    <p:sldTgt/>
+                  </p:tgtEl>
+                </p:cond>
+              </p:nextCondLst>
+            </p:seq>
+          </p:childTnLst>
+        </p:cTn>
+      </p:par>
+    </p:tnLst>
+  </p:timing>
 </p:sld>
 </file>
 
@@ -4074,30 +6907,133 @@
         </p:nvSpPr>
         <p:spPr/>
         <p:txBody>
+          <a:bodyPr>
+            <a:normAutofit/>
+          </a:bodyPr>
+          <a:lstStyle/>
+          <a:p>
+            <a:pPr algn="ctr"/>
+            <a:r>
+              <a:rPr lang="en-US" sz="4800" b="1" dirty="0">
+                <a:effectLst>
+                  <a:outerShdw blurRad="38100" dist="38100" dir="2700000" algn="tl">
+                    <a:srgbClr val="000000">
+                      <a:alpha val="43137"/>
+                    </a:srgbClr>
+                  </a:outerShdw>
+                </a:effectLst>
+                <a:latin typeface="Times New Roman" panose="02020603050405020304" pitchFamily="18" charset="0"/>
+                <a:cs typeface="Times New Roman" panose="02020603050405020304" pitchFamily="18" charset="0"/>
+              </a:rPr>
+              <a:t>Contents</a:t>
+            </a:r>
+          </a:p>
+        </p:txBody>
+      </p:sp>
+      <p:sp>
+        <p:nvSpPr>
+          <p:cNvPr id="3" name="Content Placeholder 2">
+            <a:extLst>
+              <a:ext uri="{FF2B5EF4-FFF2-40B4-BE49-F238E27FC236}">
+                <a16:creationId xmlns:a16="http://schemas.microsoft.com/office/drawing/2014/main" id="{9F9BAE03-EAF6-4D5D-933A-F44EA2EC3068}"/>
+              </a:ext>
+            </a:extLst>
+          </p:cNvPr>
+          <p:cNvSpPr>
+            <a:spLocks noGrp="1"/>
+          </p:cNvSpPr>
+          <p:nvPr>
+            <p:ph idx="1"/>
+          </p:nvPr>
+        </p:nvSpPr>
+        <p:spPr>
+          <a:xfrm>
+            <a:off x="1125071" y="1847850"/>
+            <a:ext cx="10515600" cy="4351338"/>
+          </a:xfrm>
+        </p:spPr>
+        <p:txBody>
           <a:bodyPr/>
           <a:lstStyle/>
           <a:p>
             <a:r>
-              <a:rPr lang="en-US" dirty="0"/>
-              <a:t>Contents</a:t>
-            </a:r>
-          </a:p>
-        </p:txBody>
-      </p:sp>
-      <p:sp>
-        <p:nvSpPr>
-          <p:cNvPr id="3" name="Content Placeholder 2">
-            <a:extLst>
-              <a:ext uri="{FF2B5EF4-FFF2-40B4-BE49-F238E27FC236}">
-                <a16:creationId xmlns:a16="http://schemas.microsoft.com/office/drawing/2014/main" id="{9F9BAE03-EAF6-4D5D-933A-F44EA2EC3068}"/>
-              </a:ext>
-            </a:extLst>
-          </p:cNvPr>
-          <p:cNvSpPr>
-            <a:spLocks noGrp="1"/>
-          </p:cNvSpPr>
-          <p:nvPr>
-            <p:ph idx="1"/>
+              <a:rPr lang="en-US" dirty="0">
+                <a:latin typeface="Times New Roman" panose="02020603050405020304" pitchFamily="18" charset="0"/>
+                <a:cs typeface="Times New Roman" panose="02020603050405020304" pitchFamily="18" charset="0"/>
+              </a:rPr>
+              <a:t>Introduction</a:t>
+            </a:r>
+          </a:p>
+          <a:p>
+            <a:r>
+              <a:rPr lang="en-US" dirty="0">
+                <a:latin typeface="Times New Roman" panose="02020603050405020304" pitchFamily="18" charset="0"/>
+                <a:cs typeface="Times New Roman" panose="02020603050405020304" pitchFamily="18" charset="0"/>
+              </a:rPr>
+              <a:t>Objectives</a:t>
+            </a:r>
+          </a:p>
+          <a:p>
+            <a:r>
+              <a:rPr lang="en-US" dirty="0">
+                <a:latin typeface="Times New Roman" panose="02020603050405020304" pitchFamily="18" charset="0"/>
+                <a:cs typeface="Times New Roman" panose="02020603050405020304" pitchFamily="18" charset="0"/>
+              </a:rPr>
+              <a:t>Problem Statement</a:t>
+            </a:r>
+          </a:p>
+          <a:p>
+            <a:r>
+              <a:rPr lang="en-US" dirty="0">
+                <a:latin typeface="Times New Roman" panose="02020603050405020304" pitchFamily="18" charset="0"/>
+                <a:cs typeface="Times New Roman" panose="02020603050405020304" pitchFamily="18" charset="0"/>
+              </a:rPr>
+              <a:t>Applications</a:t>
+            </a:r>
+          </a:p>
+          <a:p>
+            <a:r>
+              <a:rPr lang="en-US" dirty="0">
+                <a:latin typeface="Times New Roman" panose="02020603050405020304" pitchFamily="18" charset="0"/>
+                <a:cs typeface="Times New Roman" panose="02020603050405020304" pitchFamily="18" charset="0"/>
+              </a:rPr>
+              <a:t>Methodology</a:t>
+            </a:r>
+          </a:p>
+          <a:p>
+            <a:r>
+              <a:rPr lang="en-US" dirty="0">
+                <a:latin typeface="Times New Roman" panose="02020603050405020304" pitchFamily="18" charset="0"/>
+                <a:cs typeface="Times New Roman" panose="02020603050405020304" pitchFamily="18" charset="0"/>
+              </a:rPr>
+              <a:t>Gantt Chart</a:t>
+            </a:r>
+          </a:p>
+          <a:p>
+            <a:r>
+              <a:rPr lang="en-US" dirty="0">
+                <a:latin typeface="Times New Roman" panose="02020603050405020304" pitchFamily="18" charset="0"/>
+                <a:cs typeface="Times New Roman" panose="02020603050405020304" pitchFamily="18" charset="0"/>
+              </a:rPr>
+              <a:t>Expected Output</a:t>
+            </a:r>
+          </a:p>
+        </p:txBody>
+      </p:sp>
+      <p:sp>
+        <p:nvSpPr>
+          <p:cNvPr id="4" name="Slide Number Placeholder 3">
+            <a:extLst>
+              <a:ext uri="{FF2B5EF4-FFF2-40B4-BE49-F238E27FC236}">
+                <a16:creationId xmlns:a16="http://schemas.microsoft.com/office/drawing/2014/main" id="{FD1D6C57-0164-A4C7-B968-D5EFB90A82F3}"/>
+              </a:ext>
+            </a:extLst>
+          </p:cNvPr>
+          <p:cNvSpPr>
+            <a:spLocks noGrp="1"/>
+          </p:cNvSpPr>
+          <p:nvPr>
+            <p:ph type="sldNum" sz="quarter" idx="12"/>
           </p:nvPr>
         </p:nvSpPr>
         <p:spPr/>
@@ -4105,67 +7041,11 @@
           <a:bodyPr/>
           <a:lstStyle/>
           <a:p>
-            <a:pPr marL="0" indent="0">
-              <a:buNone/>
-            </a:pPr>
-            <a:r>
-              <a:rPr lang="en-US" dirty="0"/>
-              <a:t>Introduction</a:t>
-            </a:r>
-          </a:p>
-          <a:p>
-            <a:pPr marL="0" indent="0">
-              <a:buNone/>
-            </a:pPr>
-            <a:r>
-              <a:rPr lang="en-US" dirty="0"/>
-              <a:t>Objectives</a:t>
-            </a:r>
-          </a:p>
-          <a:p>
-            <a:pPr marL="0" indent="0">
-              <a:buNone/>
-            </a:pPr>
-            <a:r>
-              <a:rPr lang="en-US" dirty="0"/>
-              <a:t>Problem Statement</a:t>
-            </a:r>
-          </a:p>
-          <a:p>
-            <a:pPr marL="0" indent="0">
-              <a:buNone/>
-            </a:pPr>
-            <a:r>
-              <a:rPr lang="en-US" dirty="0"/>
-              <a:t>Applications</a:t>
-            </a:r>
-          </a:p>
-          <a:p>
-            <a:pPr marL="0" indent="0">
-              <a:buNone/>
-            </a:pPr>
-            <a:r>
-              <a:rPr lang="en-US" dirty="0"/>
-              <a:t>Methodology</a:t>
-            </a:r>
-          </a:p>
-          <a:p>
-            <a:pPr marL="0" indent="0">
-              <a:buNone/>
-            </a:pPr>
-            <a:r>
-              <a:rPr lang="en-US" dirty="0"/>
-              <a:t>Gantt Chart</a:t>
-            </a:r>
-          </a:p>
-          <a:p>
-            <a:pPr marL="0" indent="0">
-              <a:buNone/>
-            </a:pPr>
-            <a:r>
-              <a:rPr lang="en-US" dirty="0"/>
-              <a:t>Expected Output</a:t>
-            </a:r>
+            <a:fld id="{8ABD9A93-A63E-4048-A90A-76F0C4F81214}" type="slidenum">
+              <a:rPr lang="en-US" smtClean="0"/>
+              <a:t>2</a:t>
+            </a:fld>
+            <a:endParaRPr lang="en-US"/>
           </a:p>
         </p:txBody>
       </p:sp>
@@ -4179,6 +7059,698 @@
   <p:clrMapOvr>
     <a:masterClrMapping/>
   </p:clrMapOvr>
+</p:sld>
+</file>
+
+<file path=ppt/slides/slide20.xml><?xml version="1.0" encoding="utf-8"?>
+<p:sld xmlns:a="http://schemas.openxmlformats.org/drawingml/2006/main" xmlns:r="http://schemas.openxmlformats.org/officeDocument/2006/relationships" xmlns:p="http://schemas.openxmlformats.org/presentationml/2006/main">
+  <p:cSld>
+    <p:spTree>
+      <p:nvGrpSpPr>
+        <p:cNvPr id="1" name=""/>
+        <p:cNvGrpSpPr/>
+        <p:nvPr/>
+      </p:nvGrpSpPr>
+      <p:grpSpPr>
+        <a:xfrm>
+          <a:off x="0" y="0"/>
+          <a:ext cx="0" cy="0"/>
+          <a:chOff x="0" y="0"/>
+          <a:chExt cx="0" cy="0"/>
+        </a:xfrm>
+      </p:grpSpPr>
+      <p:sp>
+        <p:nvSpPr>
+          <p:cNvPr id="2" name="Title 1">
+            <a:extLst>
+              <a:ext uri="{FF2B5EF4-FFF2-40B4-BE49-F238E27FC236}">
+                <a16:creationId xmlns:a16="http://schemas.microsoft.com/office/drawing/2014/main" id="{D8C9261C-5A85-7924-4C1A-2D68C26E4190}"/>
+              </a:ext>
+            </a:extLst>
+          </p:cNvPr>
+          <p:cNvSpPr>
+            <a:spLocks noGrp="1"/>
+          </p:cNvSpPr>
+          <p:nvPr>
+            <p:ph type="title"/>
+          </p:nvPr>
+        </p:nvSpPr>
+        <p:spPr>
+          <a:xfrm>
+            <a:off x="1484310" y="838200"/>
+            <a:ext cx="10018713" cy="1752599"/>
+          </a:xfrm>
+        </p:spPr>
+        <p:txBody>
+          <a:bodyPr>
+            <a:normAutofit/>
+          </a:bodyPr>
+          <a:lstStyle/>
+          <a:p>
+            <a:pPr algn="ctr"/>
+            <a:r>
+              <a:rPr lang="en-US" sz="4800" b="1" dirty="0">
+                <a:effectLst>
+                  <a:outerShdw blurRad="38100" dist="38100" dir="2700000" algn="tl">
+                    <a:srgbClr val="000000">
+                      <a:alpha val="43137"/>
+                    </a:srgbClr>
+                  </a:outerShdw>
+                </a:effectLst>
+                <a:latin typeface="Times New Roman" panose="02020603050405020304" pitchFamily="18" charset="0"/>
+                <a:cs typeface="Times New Roman" panose="02020603050405020304" pitchFamily="18" charset="0"/>
+              </a:rPr>
+              <a:t>List Of Components</a:t>
+            </a:r>
+          </a:p>
+        </p:txBody>
+      </p:sp>
+      <p:sp>
+        <p:nvSpPr>
+          <p:cNvPr id="3" name="Content Placeholder 2">
+            <a:extLst>
+              <a:ext uri="{FF2B5EF4-FFF2-40B4-BE49-F238E27FC236}">
+                <a16:creationId xmlns:a16="http://schemas.microsoft.com/office/drawing/2014/main" id="{9CDD08CE-9862-297C-24C5-FDED8C365F8C}"/>
+              </a:ext>
+            </a:extLst>
+          </p:cNvPr>
+          <p:cNvSpPr>
+            <a:spLocks noGrp="1"/>
+          </p:cNvSpPr>
+          <p:nvPr>
+            <p:ph idx="1"/>
+          </p:nvPr>
+        </p:nvSpPr>
+        <p:spPr>
+          <a:xfrm>
+            <a:off x="1484310" y="2438399"/>
+            <a:ext cx="10018713" cy="3379695"/>
+          </a:xfrm>
+        </p:spPr>
+        <p:txBody>
+          <a:bodyPr/>
+          <a:lstStyle/>
+          <a:p>
+            <a:r>
+              <a:rPr lang="en-US" dirty="0">
+                <a:latin typeface="Times New Roman" panose="02020603050405020304" pitchFamily="18" charset="0"/>
+                <a:cs typeface="Times New Roman" panose="02020603050405020304" pitchFamily="18" charset="0"/>
+              </a:rPr>
+              <a:t>Arduino Mega 2560</a:t>
+            </a:r>
+          </a:p>
+          <a:p>
+            <a:r>
+              <a:rPr lang="en-US" dirty="0">
+                <a:latin typeface="Times New Roman" panose="02020603050405020304" pitchFamily="18" charset="0"/>
+                <a:cs typeface="Times New Roman" panose="02020603050405020304" pitchFamily="18" charset="0"/>
+              </a:rPr>
+              <a:t>Flex Sensors</a:t>
+            </a:r>
+          </a:p>
+          <a:p>
+            <a:r>
+              <a:rPr lang="en-US" dirty="0">
+                <a:latin typeface="Times New Roman" panose="02020603050405020304" pitchFamily="18" charset="0"/>
+                <a:cs typeface="Times New Roman" panose="02020603050405020304" pitchFamily="18" charset="0"/>
+              </a:rPr>
+              <a:t>MPU-6050</a:t>
+            </a:r>
+          </a:p>
+          <a:p>
+            <a:r>
+              <a:rPr lang="en-US" dirty="0">
+                <a:latin typeface="Times New Roman" panose="02020603050405020304" pitchFamily="18" charset="0"/>
+                <a:cs typeface="Times New Roman" panose="02020603050405020304" pitchFamily="18" charset="0"/>
+              </a:rPr>
+              <a:t>Bluetooth Module</a:t>
+            </a:r>
+          </a:p>
+          <a:p>
+            <a:r>
+              <a:rPr lang="en-US" dirty="0">
+                <a:latin typeface="Times New Roman" panose="02020603050405020304" pitchFamily="18" charset="0"/>
+                <a:cs typeface="Times New Roman" panose="02020603050405020304" pitchFamily="18" charset="0"/>
+              </a:rPr>
+              <a:t>LCD</a:t>
+            </a:r>
+          </a:p>
+          <a:p>
+            <a:r>
+              <a:rPr lang="en-US" dirty="0">
+                <a:latin typeface="Times New Roman" panose="02020603050405020304" pitchFamily="18" charset="0"/>
+                <a:cs typeface="Times New Roman" panose="02020603050405020304" pitchFamily="18" charset="0"/>
+              </a:rPr>
+              <a:t>I2C Module</a:t>
+            </a:r>
+          </a:p>
+        </p:txBody>
+      </p:sp>
+    </p:spTree>
+    <p:extLst>
+      <p:ext uri="{BB962C8B-B14F-4D97-AF65-F5344CB8AC3E}">
+        <p14:creationId xmlns:p14="http://schemas.microsoft.com/office/powerpoint/2010/main" val="1981414745"/>
+      </p:ext>
+    </p:extLst>
+  </p:cSld>
+  <p:clrMapOvr>
+    <a:masterClrMapping/>
+  </p:clrMapOvr>
+  <p:timing>
+    <p:tnLst>
+      <p:par>
+        <p:cTn id="1" dur="indefinite" restart="never" nodeType="tmRoot">
+          <p:childTnLst>
+            <p:seq concurrent="1" nextAc="seek">
+              <p:cTn id="2" dur="indefinite" nodeType="mainSeq">
+                <p:childTnLst>
+                  <p:par>
+                    <p:cTn id="3" fill="hold">
+                      <p:stCondLst>
+                        <p:cond delay="indefinite"/>
+                      </p:stCondLst>
+                      <p:childTnLst>
+                        <p:par>
+                          <p:cTn id="4" fill="hold">
+                            <p:stCondLst>
+                              <p:cond delay="0"/>
+                            </p:stCondLst>
+                            <p:childTnLst>
+                              <p:par>
+                                <p:cTn id="5" presetID="1" presetClass="entr" presetSubtype="0" fill="hold" grpId="0" nodeType="clickEffect">
+                                  <p:stCondLst>
+                                    <p:cond delay="0"/>
+                                  </p:stCondLst>
+                                  <p:childTnLst>
+                                    <p:set>
+                                      <p:cBhvr>
+                                        <p:cTn id="6" dur="1" fill="hold">
+                                          <p:stCondLst>
+                                            <p:cond delay="0"/>
+                                          </p:stCondLst>
+                                        </p:cTn>
+                                        <p:tgtEl>
+                                          <p:spTgt spid="2"/>
+                                        </p:tgtEl>
+                                        <p:attrNameLst>
+                                          <p:attrName>style.visibility</p:attrName>
+                                        </p:attrNameLst>
+                                      </p:cBhvr>
+                                      <p:to>
+                                        <p:strVal val="visible"/>
+                                      </p:to>
+                                    </p:set>
+                                  </p:childTnLst>
+                                </p:cTn>
+                              </p:par>
+                            </p:childTnLst>
+                          </p:cTn>
+                        </p:par>
+                      </p:childTnLst>
+                    </p:cTn>
+                  </p:par>
+                  <p:par>
+                    <p:cTn id="7" fill="hold">
+                      <p:stCondLst>
+                        <p:cond delay="indefinite"/>
+                      </p:stCondLst>
+                      <p:childTnLst>
+                        <p:par>
+                          <p:cTn id="8" fill="hold">
+                            <p:stCondLst>
+                              <p:cond delay="0"/>
+                            </p:stCondLst>
+                            <p:childTnLst>
+                              <p:par>
+                                <p:cTn id="9" presetID="1" presetClass="entr" presetSubtype="0" fill="hold" grpId="0" nodeType="clickEffect">
+                                  <p:stCondLst>
+                                    <p:cond delay="0"/>
+                                  </p:stCondLst>
+                                  <p:childTnLst>
+                                    <p:set>
+                                      <p:cBhvr>
+                                        <p:cTn id="10" dur="1" fill="hold">
+                                          <p:stCondLst>
+                                            <p:cond delay="0"/>
+                                          </p:stCondLst>
+                                        </p:cTn>
+                                        <p:tgtEl>
+                                          <p:spTgt spid="3">
+                                            <p:txEl>
+                                              <p:pRg st="0" end="0"/>
+                                            </p:txEl>
+                                          </p:spTgt>
+                                        </p:tgtEl>
+                                        <p:attrNameLst>
+                                          <p:attrName>style.visibility</p:attrName>
+                                        </p:attrNameLst>
+                                      </p:cBhvr>
+                                      <p:to>
+                                        <p:strVal val="visible"/>
+                                      </p:to>
+                                    </p:set>
+                                  </p:childTnLst>
+                                </p:cTn>
+                              </p:par>
+                            </p:childTnLst>
+                          </p:cTn>
+                        </p:par>
+                      </p:childTnLst>
+                    </p:cTn>
+                  </p:par>
+                  <p:par>
+                    <p:cTn id="11" fill="hold">
+                      <p:stCondLst>
+                        <p:cond delay="indefinite"/>
+                      </p:stCondLst>
+                      <p:childTnLst>
+                        <p:par>
+                          <p:cTn id="12" fill="hold">
+                            <p:stCondLst>
+                              <p:cond delay="0"/>
+                            </p:stCondLst>
+                            <p:childTnLst>
+                              <p:par>
+                                <p:cTn id="13" presetID="1" presetClass="entr" presetSubtype="0" fill="hold" grpId="0" nodeType="clickEffect">
+                                  <p:stCondLst>
+                                    <p:cond delay="0"/>
+                                  </p:stCondLst>
+                                  <p:childTnLst>
+                                    <p:set>
+                                      <p:cBhvr>
+                                        <p:cTn id="14" dur="1" fill="hold">
+                                          <p:stCondLst>
+                                            <p:cond delay="0"/>
+                                          </p:stCondLst>
+                                        </p:cTn>
+                                        <p:tgtEl>
+                                          <p:spTgt spid="3">
+                                            <p:txEl>
+                                              <p:pRg st="1" end="1"/>
+                                            </p:txEl>
+                                          </p:spTgt>
+                                        </p:tgtEl>
+                                        <p:attrNameLst>
+                                          <p:attrName>style.visibility</p:attrName>
+                                        </p:attrNameLst>
+                                      </p:cBhvr>
+                                      <p:to>
+                                        <p:strVal val="visible"/>
+                                      </p:to>
+                                    </p:set>
+                                  </p:childTnLst>
+                                </p:cTn>
+                              </p:par>
+                            </p:childTnLst>
+                          </p:cTn>
+                        </p:par>
+                      </p:childTnLst>
+                    </p:cTn>
+                  </p:par>
+                  <p:par>
+                    <p:cTn id="15" fill="hold">
+                      <p:stCondLst>
+                        <p:cond delay="indefinite"/>
+                      </p:stCondLst>
+                      <p:childTnLst>
+                        <p:par>
+                          <p:cTn id="16" fill="hold">
+                            <p:stCondLst>
+                              <p:cond delay="0"/>
+                            </p:stCondLst>
+                            <p:childTnLst>
+                              <p:par>
+                                <p:cTn id="17" presetID="1" presetClass="entr" presetSubtype="0" fill="hold" grpId="0" nodeType="clickEffect">
+                                  <p:stCondLst>
+                                    <p:cond delay="0"/>
+                                  </p:stCondLst>
+                                  <p:childTnLst>
+                                    <p:set>
+                                      <p:cBhvr>
+                                        <p:cTn id="18" dur="1" fill="hold">
+                                          <p:stCondLst>
+                                            <p:cond delay="0"/>
+                                          </p:stCondLst>
+                                        </p:cTn>
+                                        <p:tgtEl>
+                                          <p:spTgt spid="3">
+                                            <p:txEl>
+                                              <p:pRg st="2" end="2"/>
+                                            </p:txEl>
+                                          </p:spTgt>
+                                        </p:tgtEl>
+                                        <p:attrNameLst>
+                                          <p:attrName>style.visibility</p:attrName>
+                                        </p:attrNameLst>
+                                      </p:cBhvr>
+                                      <p:to>
+                                        <p:strVal val="visible"/>
+                                      </p:to>
+                                    </p:set>
+                                  </p:childTnLst>
+                                </p:cTn>
+                              </p:par>
+                            </p:childTnLst>
+                          </p:cTn>
+                        </p:par>
+                      </p:childTnLst>
+                    </p:cTn>
+                  </p:par>
+                  <p:par>
+                    <p:cTn id="19" fill="hold">
+                      <p:stCondLst>
+                        <p:cond delay="indefinite"/>
+                      </p:stCondLst>
+                      <p:childTnLst>
+                        <p:par>
+                          <p:cTn id="20" fill="hold">
+                            <p:stCondLst>
+                              <p:cond delay="0"/>
+                            </p:stCondLst>
+                            <p:childTnLst>
+                              <p:par>
+                                <p:cTn id="21" presetID="1" presetClass="entr" presetSubtype="0" fill="hold" grpId="0" nodeType="clickEffect">
+                                  <p:stCondLst>
+                                    <p:cond delay="0"/>
+                                  </p:stCondLst>
+                                  <p:childTnLst>
+                                    <p:set>
+                                      <p:cBhvr>
+                                        <p:cTn id="22" dur="1" fill="hold">
+                                          <p:stCondLst>
+                                            <p:cond delay="0"/>
+                                          </p:stCondLst>
+                                        </p:cTn>
+                                        <p:tgtEl>
+                                          <p:spTgt spid="3">
+                                            <p:txEl>
+                                              <p:pRg st="3" end="3"/>
+                                            </p:txEl>
+                                          </p:spTgt>
+                                        </p:tgtEl>
+                                        <p:attrNameLst>
+                                          <p:attrName>style.visibility</p:attrName>
+                                        </p:attrNameLst>
+                                      </p:cBhvr>
+                                      <p:to>
+                                        <p:strVal val="visible"/>
+                                      </p:to>
+                                    </p:set>
+                                  </p:childTnLst>
+                                </p:cTn>
+                              </p:par>
+                            </p:childTnLst>
+                          </p:cTn>
+                        </p:par>
+                      </p:childTnLst>
+                    </p:cTn>
+                  </p:par>
+                  <p:par>
+                    <p:cTn id="23" fill="hold">
+                      <p:stCondLst>
+                        <p:cond delay="indefinite"/>
+                      </p:stCondLst>
+                      <p:childTnLst>
+                        <p:par>
+                          <p:cTn id="24" fill="hold">
+                            <p:stCondLst>
+                              <p:cond delay="0"/>
+                            </p:stCondLst>
+                            <p:childTnLst>
+                              <p:par>
+                                <p:cTn id="25" presetID="1" presetClass="entr" presetSubtype="0" fill="hold" grpId="0" nodeType="clickEffect">
+                                  <p:stCondLst>
+                                    <p:cond delay="0"/>
+                                  </p:stCondLst>
+                                  <p:childTnLst>
+                                    <p:set>
+                                      <p:cBhvr>
+                                        <p:cTn id="26" dur="1" fill="hold">
+                                          <p:stCondLst>
+                                            <p:cond delay="0"/>
+                                          </p:stCondLst>
+                                        </p:cTn>
+                                        <p:tgtEl>
+                                          <p:spTgt spid="3">
+                                            <p:txEl>
+                                              <p:pRg st="4" end="4"/>
+                                            </p:txEl>
+                                          </p:spTgt>
+                                        </p:tgtEl>
+                                        <p:attrNameLst>
+                                          <p:attrName>style.visibility</p:attrName>
+                                        </p:attrNameLst>
+                                      </p:cBhvr>
+                                      <p:to>
+                                        <p:strVal val="visible"/>
+                                      </p:to>
+                                    </p:set>
+                                  </p:childTnLst>
+                                </p:cTn>
+                              </p:par>
+                            </p:childTnLst>
+                          </p:cTn>
+                        </p:par>
+                      </p:childTnLst>
+                    </p:cTn>
+                  </p:par>
+                  <p:par>
+                    <p:cTn id="27" fill="hold">
+                      <p:stCondLst>
+                        <p:cond delay="indefinite"/>
+                      </p:stCondLst>
+                      <p:childTnLst>
+                        <p:par>
+                          <p:cTn id="28" fill="hold">
+                            <p:stCondLst>
+                              <p:cond delay="0"/>
+                            </p:stCondLst>
+                            <p:childTnLst>
+                              <p:par>
+                                <p:cTn id="29" presetID="1" presetClass="entr" presetSubtype="0" fill="hold" grpId="0" nodeType="clickEffect">
+                                  <p:stCondLst>
+                                    <p:cond delay="0"/>
+                                  </p:stCondLst>
+                                  <p:childTnLst>
+                                    <p:set>
+                                      <p:cBhvr>
+                                        <p:cTn id="30" dur="1" fill="hold">
+                                          <p:stCondLst>
+                                            <p:cond delay="0"/>
+                                          </p:stCondLst>
+                                        </p:cTn>
+                                        <p:tgtEl>
+                                          <p:spTgt spid="3">
+                                            <p:txEl>
+                                              <p:pRg st="5" end="5"/>
+                                            </p:txEl>
+                                          </p:spTgt>
+                                        </p:tgtEl>
+                                        <p:attrNameLst>
+                                          <p:attrName>style.visibility</p:attrName>
+                                        </p:attrNameLst>
+                                      </p:cBhvr>
+                                      <p:to>
+                                        <p:strVal val="visible"/>
+                                      </p:to>
+                                    </p:set>
+                                  </p:childTnLst>
+                                </p:cTn>
+                              </p:par>
+                            </p:childTnLst>
+                          </p:cTn>
+                        </p:par>
+                      </p:childTnLst>
+                    </p:cTn>
+                  </p:par>
+                </p:childTnLst>
+              </p:cTn>
+              <p:prevCondLst>
+                <p:cond evt="onPrev" delay="0">
+                  <p:tgtEl>
+                    <p:sldTgt/>
+                  </p:tgtEl>
+                </p:cond>
+              </p:prevCondLst>
+              <p:nextCondLst>
+                <p:cond evt="onNext" delay="0">
+                  <p:tgtEl>
+                    <p:sldTgt/>
+                  </p:tgtEl>
+                </p:cond>
+              </p:nextCondLst>
+            </p:seq>
+          </p:childTnLst>
+        </p:cTn>
+      </p:par>
+    </p:tnLst>
+    <p:bldLst>
+      <p:bldP spid="2" grpId="0"/>
+      <p:bldP spid="3" grpId="0" build="p"/>
+    </p:bldLst>
+  </p:timing>
+</p:sld>
+</file>
+
+<file path=ppt/slides/slide21.xml><?xml version="1.0" encoding="utf-8"?>
+<p:sld xmlns:a="http://schemas.openxmlformats.org/drawingml/2006/main" xmlns:r="http://schemas.openxmlformats.org/officeDocument/2006/relationships" xmlns:p="http://schemas.openxmlformats.org/presentationml/2006/main">
+  <p:cSld>
+    <p:spTree>
+      <p:nvGrpSpPr>
+        <p:cNvPr id="1" name=""/>
+        <p:cNvGrpSpPr/>
+        <p:nvPr/>
+      </p:nvGrpSpPr>
+      <p:grpSpPr>
+        <a:xfrm>
+          <a:off x="0" y="0"/>
+          <a:ext cx="0" cy="0"/>
+          <a:chOff x="0" y="0"/>
+          <a:chExt cx="0" cy="0"/>
+        </a:xfrm>
+      </p:grpSpPr>
+      <p:sp>
+        <p:nvSpPr>
+          <p:cNvPr id="2" name="Title 1">
+            <a:extLst>
+              <a:ext uri="{FF2B5EF4-FFF2-40B4-BE49-F238E27FC236}">
+                <a16:creationId xmlns:a16="http://schemas.microsoft.com/office/drawing/2014/main" id="{1CB4071B-0EF6-BB76-71D5-E4188D510857}"/>
+              </a:ext>
+            </a:extLst>
+          </p:cNvPr>
+          <p:cNvSpPr>
+            <a:spLocks noGrp="1"/>
+          </p:cNvSpPr>
+          <p:nvPr>
+            <p:ph type="title"/>
+          </p:nvPr>
+        </p:nvSpPr>
+        <p:spPr>
+          <a:xfrm>
+            <a:off x="1484311" y="2552700"/>
+            <a:ext cx="10018713" cy="1752599"/>
+          </a:xfrm>
+        </p:spPr>
+        <p:txBody>
+          <a:bodyPr>
+            <a:normAutofit/>
+          </a:bodyPr>
+          <a:lstStyle/>
+          <a:p>
+            <a:pPr algn="ctr"/>
+            <a:r>
+              <a:rPr lang="en-US" sz="6600" dirty="0">
+                <a:effectLst>
+                  <a:outerShdw blurRad="38100" dist="38100" dir="2700000" algn="tl">
+                    <a:srgbClr val="000000">
+                      <a:alpha val="43137"/>
+                    </a:srgbClr>
+                  </a:outerShdw>
+                </a:effectLst>
+                <a:latin typeface="Times New Roman" panose="02020603050405020304" pitchFamily="18" charset="0"/>
+                <a:cs typeface="Times New Roman" panose="02020603050405020304" pitchFamily="18" charset="0"/>
+              </a:rPr>
+              <a:t>THANK YOU</a:t>
+            </a:r>
+          </a:p>
+        </p:txBody>
+      </p:sp>
+    </p:spTree>
+    <p:extLst>
+      <p:ext uri="{BB962C8B-B14F-4D97-AF65-F5344CB8AC3E}">
+        <p14:creationId xmlns:p14="http://schemas.microsoft.com/office/powerpoint/2010/main" val="777713397"/>
+      </p:ext>
+    </p:extLst>
+  </p:cSld>
+  <p:clrMapOvr>
+    <a:masterClrMapping/>
+  </p:clrMapOvr>
+  <p:timing>
+    <p:tnLst>
+      <p:par>
+        <p:cTn id="1" dur="indefinite" restart="never" nodeType="tmRoot">
+          <p:childTnLst>
+            <p:seq concurrent="1" nextAc="seek">
+              <p:cTn id="2" dur="indefinite" nodeType="mainSeq">
+                <p:childTnLst>
+                  <p:par>
+                    <p:cTn id="3" fill="hold">
+                      <p:stCondLst>
+                        <p:cond delay="indefinite"/>
+                      </p:stCondLst>
+                      <p:childTnLst>
+                        <p:par>
+                          <p:cTn id="4" fill="hold">
+                            <p:stCondLst>
+                              <p:cond delay="0"/>
+                            </p:stCondLst>
+                            <p:childTnLst>
+                              <p:par>
+                                <p:cTn id="5" presetID="10" presetClass="entr" presetSubtype="0" fill="hold" grpId="0" nodeType="clickEffect">
+                                  <p:stCondLst>
+                                    <p:cond delay="0"/>
+                                  </p:stCondLst>
+                                  <p:childTnLst>
+                                    <p:set>
+                                      <p:cBhvr>
+                                        <p:cTn id="6" dur="1" fill="hold">
+                                          <p:stCondLst>
+                                            <p:cond delay="0"/>
+                                          </p:stCondLst>
+                                        </p:cTn>
+                                        <p:tgtEl>
+                                          <p:spTgt spid="2"/>
+                                        </p:tgtEl>
+                                        <p:attrNameLst>
+                                          <p:attrName>style.visibility</p:attrName>
+                                        </p:attrNameLst>
+                                      </p:cBhvr>
+                                      <p:to>
+                                        <p:strVal val="visible"/>
+                                      </p:to>
+                                    </p:set>
+                                    <p:animEffect transition="in" filter="fade">
+                                      <p:cBhvr>
+                                        <p:cTn id="7" dur="500"/>
+                                        <p:tgtEl>
+                                          <p:spTgt spid="2"/>
+                                        </p:tgtEl>
+                                      </p:cBhvr>
+                                    </p:animEffect>
+                                  </p:childTnLst>
+                                </p:cTn>
+                              </p:par>
+                            </p:childTnLst>
+                          </p:cTn>
+                        </p:par>
+                      </p:childTnLst>
+                    </p:cTn>
+                  </p:par>
+                </p:childTnLst>
+              </p:cTn>
+              <p:prevCondLst>
+                <p:cond evt="onPrev" delay="0">
+                  <p:tgtEl>
+                    <p:sldTgt/>
+                  </p:tgtEl>
+                </p:cond>
+              </p:prevCondLst>
+              <p:nextCondLst>
+                <p:cond evt="onNext" delay="0">
+                  <p:tgtEl>
+                    <p:sldTgt/>
+                  </p:tgtEl>
+                </p:cond>
+              </p:nextCondLst>
+            </p:seq>
+          </p:childTnLst>
+        </p:cTn>
+      </p:par>
+    </p:tnLst>
+    <p:bldLst>
+      <p:bldP spid="2" grpId="0"/>
+    </p:bldLst>
+  </p:timing>
 </p:sld>
 </file>
 
@@ -4217,30 +7789,101 @@
         </p:nvSpPr>
         <p:spPr/>
         <p:txBody>
+          <a:bodyPr>
+            <a:normAutofit/>
+          </a:bodyPr>
+          <a:lstStyle/>
+          <a:p>
+            <a:pPr algn="ctr"/>
+            <a:r>
+              <a:rPr lang="en-US" sz="4800" b="1" dirty="0">
+                <a:solidFill>
+                  <a:schemeClr val="tx1">
+                    <a:lumMod val="85000"/>
+                    <a:lumOff val="15000"/>
+                  </a:schemeClr>
+                </a:solidFill>
+                <a:effectLst>
+                  <a:outerShdw blurRad="38100" dist="38100" dir="2700000" algn="tl">
+                    <a:srgbClr val="000000">
+                      <a:alpha val="43137"/>
+                    </a:srgbClr>
+                  </a:outerShdw>
+                </a:effectLst>
+                <a:latin typeface="Times New Roman" panose="02020603050405020304" pitchFamily="18" charset="0"/>
+                <a:cs typeface="Times New Roman" panose="02020603050405020304" pitchFamily="18" charset="0"/>
+              </a:rPr>
+              <a:t>Introduction</a:t>
+            </a:r>
+          </a:p>
+        </p:txBody>
+      </p:sp>
+      <p:sp>
+        <p:nvSpPr>
+          <p:cNvPr id="3" name="Content Placeholder 2">
+            <a:extLst>
+              <a:ext uri="{FF2B5EF4-FFF2-40B4-BE49-F238E27FC236}">
+                <a16:creationId xmlns:a16="http://schemas.microsoft.com/office/drawing/2014/main" id="{4C743461-3112-4A2D-BDD5-BBA35933A035}"/>
+              </a:ext>
+            </a:extLst>
+          </p:cNvPr>
+          <p:cNvSpPr>
+            <a:spLocks noGrp="1"/>
+          </p:cNvSpPr>
+          <p:nvPr>
+            <p:ph idx="1"/>
+          </p:nvPr>
+        </p:nvSpPr>
+        <p:spPr/>
+        <p:txBody>
           <a:bodyPr/>
           <a:lstStyle/>
           <a:p>
-            <a:r>
-              <a:rPr lang="en-US" dirty="0"/>
-              <a:t>Introduction</a:t>
-            </a:r>
-          </a:p>
-        </p:txBody>
-      </p:sp>
-      <p:sp>
-        <p:nvSpPr>
-          <p:cNvPr id="3" name="Content Placeholder 2">
-            <a:extLst>
-              <a:ext uri="{FF2B5EF4-FFF2-40B4-BE49-F238E27FC236}">
-                <a16:creationId xmlns:a16="http://schemas.microsoft.com/office/drawing/2014/main" id="{4C743461-3112-4A2D-BDD5-BBA35933A035}"/>
-              </a:ext>
-            </a:extLst>
-          </p:cNvPr>
-          <p:cNvSpPr>
-            <a:spLocks noGrp="1"/>
-          </p:cNvSpPr>
-          <p:nvPr>
-            <p:ph idx="1"/>
+            <a:pPr>
+              <a:buSzPct val="100000"/>
+            </a:pPr>
+            <a:r>
+              <a:rPr lang="en-US" dirty="0">
+                <a:latin typeface="Times New Roman" panose="02020603050405020304" pitchFamily="18" charset="0"/>
+                <a:cs typeface="Times New Roman" panose="02020603050405020304" pitchFamily="18" charset="0"/>
+              </a:rPr>
+              <a:t>This project is a tool for the dumb and deaf to communicate.</a:t>
+            </a:r>
+          </a:p>
+          <a:p>
+            <a:r>
+              <a:rPr lang="en-US" dirty="0">
+                <a:latin typeface="Times New Roman" panose="02020603050405020304" pitchFamily="18" charset="0"/>
+                <a:cs typeface="Times New Roman" panose="02020603050405020304" pitchFamily="18" charset="0"/>
+              </a:rPr>
+              <a:t>It converts sign language into audio that can be heard.</a:t>
+            </a:r>
+          </a:p>
+          <a:p>
+            <a:r>
+              <a:rPr lang="en-US" dirty="0">
+                <a:latin typeface="Times New Roman" panose="02020603050405020304" pitchFamily="18" charset="0"/>
+                <a:cs typeface="Times New Roman" panose="02020603050405020304" pitchFamily="18" charset="0"/>
+              </a:rPr>
+              <a:t>It uses machine learning for fast and accurate expressions.</a:t>
+            </a:r>
+          </a:p>
+        </p:txBody>
+      </p:sp>
+      <p:sp>
+        <p:nvSpPr>
+          <p:cNvPr id="4" name="Slide Number Placeholder 3">
+            <a:extLst>
+              <a:ext uri="{FF2B5EF4-FFF2-40B4-BE49-F238E27FC236}">
+                <a16:creationId xmlns:a16="http://schemas.microsoft.com/office/drawing/2014/main" id="{5B6073AD-7495-B76C-0F3D-05557E8A2DBF}"/>
+              </a:ext>
+            </a:extLst>
+          </p:cNvPr>
+          <p:cNvSpPr>
+            <a:spLocks noGrp="1"/>
+          </p:cNvSpPr>
+          <p:nvPr>
+            <p:ph type="sldNum" sz="quarter" idx="12"/>
           </p:nvPr>
         </p:nvSpPr>
         <p:spPr/>
@@ -4248,22 +7891,11 @@
           <a:bodyPr/>
           <a:lstStyle/>
           <a:p>
-            <a:r>
-              <a:rPr lang="en-US" dirty="0"/>
-              <a:t>This project is a tool for the dumb and deaf to communicate.</a:t>
-            </a:r>
-          </a:p>
-          <a:p>
-            <a:r>
-              <a:rPr lang="en-US" dirty="0"/>
-              <a:t>It converts sign language into audio that can be heard.</a:t>
-            </a:r>
-          </a:p>
-          <a:p>
-            <a:r>
-              <a:rPr lang="en-US" dirty="0"/>
-              <a:t>It uses machine learning for fast and accurate expressions.</a:t>
-            </a:r>
+            <a:fld id="{8ABD9A93-A63E-4048-A90A-76F0C4F81214}" type="slidenum">
+              <a:rPr lang="en-US" smtClean="0"/>
+              <a:t>3</a:t>
+            </a:fld>
+            <a:endParaRPr lang="en-US"/>
           </a:p>
         </p:txBody>
       </p:sp>
@@ -4315,30 +7947,83 @@
         </p:nvSpPr>
         <p:spPr/>
         <p:txBody>
+          <a:bodyPr>
+            <a:normAutofit/>
+          </a:bodyPr>
+          <a:lstStyle/>
+          <a:p>
+            <a:pPr algn="ctr"/>
+            <a:r>
+              <a:rPr lang="en-US" sz="4800" b="1" dirty="0">
+                <a:effectLst>
+                  <a:outerShdw blurRad="38100" dist="38100" dir="2700000" algn="tl">
+                    <a:srgbClr val="000000">
+                      <a:alpha val="43137"/>
+                    </a:srgbClr>
+                  </a:outerShdw>
+                </a:effectLst>
+                <a:latin typeface="Times New Roman" panose="02020603050405020304" pitchFamily="18" charset="0"/>
+                <a:cs typeface="Times New Roman" panose="02020603050405020304" pitchFamily="18" charset="0"/>
+              </a:rPr>
+              <a:t>Objectives</a:t>
+            </a:r>
+          </a:p>
+        </p:txBody>
+      </p:sp>
+      <p:sp>
+        <p:nvSpPr>
+          <p:cNvPr id="3" name="Content Placeholder 2">
+            <a:extLst>
+              <a:ext uri="{FF2B5EF4-FFF2-40B4-BE49-F238E27FC236}">
+                <a16:creationId xmlns:a16="http://schemas.microsoft.com/office/drawing/2014/main" id="{3311A5E2-2F26-43A4-847B-2528978A9C16}"/>
+              </a:ext>
+            </a:extLst>
+          </p:cNvPr>
+          <p:cNvSpPr>
+            <a:spLocks noGrp="1"/>
+          </p:cNvSpPr>
+          <p:nvPr>
+            <p:ph idx="1"/>
+          </p:nvPr>
+        </p:nvSpPr>
+        <p:spPr/>
+        <p:txBody>
           <a:bodyPr/>
           <a:lstStyle/>
           <a:p>
             <a:r>
-              <a:rPr lang="en-US" dirty="0"/>
-              <a:t>Objectives</a:t>
-            </a:r>
-          </a:p>
-        </p:txBody>
-      </p:sp>
-      <p:sp>
-        <p:nvSpPr>
-          <p:cNvPr id="3" name="Content Placeholder 2">
-            <a:extLst>
-              <a:ext uri="{FF2B5EF4-FFF2-40B4-BE49-F238E27FC236}">
-                <a16:creationId xmlns:a16="http://schemas.microsoft.com/office/drawing/2014/main" id="{3311A5E2-2F26-43A4-847B-2528978A9C16}"/>
-              </a:ext>
-            </a:extLst>
-          </p:cNvPr>
-          <p:cNvSpPr>
-            <a:spLocks noGrp="1"/>
-          </p:cNvSpPr>
-          <p:nvPr>
-            <p:ph idx="1"/>
+              <a:rPr lang="en-US" dirty="0">
+                <a:latin typeface="Times New Roman" panose="02020603050405020304" pitchFamily="18" charset="0"/>
+                <a:cs typeface="Times New Roman" panose="02020603050405020304" pitchFamily="18" charset="0"/>
+              </a:rPr>
+              <a:t>To develop a sensor embedded glove that converts sign language into audio.</a:t>
+            </a:r>
+          </a:p>
+          <a:p>
+            <a:r>
+              <a:rPr lang="en-US" dirty="0">
+                <a:latin typeface="Times New Roman" panose="02020603050405020304" pitchFamily="18" charset="0"/>
+                <a:cs typeface="Times New Roman" panose="02020603050405020304" pitchFamily="18" charset="0"/>
+              </a:rPr>
+              <a:t>Help the disabled to communicate </a:t>
+            </a:r>
+          </a:p>
+        </p:txBody>
+      </p:sp>
+      <p:sp>
+        <p:nvSpPr>
+          <p:cNvPr id="4" name="Slide Number Placeholder 3">
+            <a:extLst>
+              <a:ext uri="{FF2B5EF4-FFF2-40B4-BE49-F238E27FC236}">
+                <a16:creationId xmlns:a16="http://schemas.microsoft.com/office/drawing/2014/main" id="{5934A3D3-40BD-E1A5-39EE-ACE09A01F56E}"/>
+              </a:ext>
+            </a:extLst>
+          </p:cNvPr>
+          <p:cNvSpPr>
+            <a:spLocks noGrp="1"/>
+          </p:cNvSpPr>
+          <p:nvPr>
+            <p:ph type="sldNum" sz="quarter" idx="12"/>
           </p:nvPr>
         </p:nvSpPr>
         <p:spPr/>
@@ -4346,16 +8031,17 @@
           <a:bodyPr/>
           <a:lstStyle/>
           <a:p>
-            <a:r>
-              <a:rPr lang="en-US" dirty="0"/>
-              <a:t>To develop a sensor embedded glove that converts sign language</a:t>
-            </a:r>
-          </a:p>
-          <a:p>
-            <a:r>
-              <a:rPr lang="en-US" dirty="0"/>
-              <a:t>Help the disabled to communicate </a:t>
-            </a:r>
+            <a:fld id="{8ABD9A93-A63E-4048-A90A-76F0C4F81214}" type="slidenum">
+              <a:rPr lang="en-US" smtClean="0">
+                <a:latin typeface="Times New Roman" panose="02020603050405020304" pitchFamily="18" charset="0"/>
+                <a:cs typeface="Times New Roman" panose="02020603050405020304" pitchFamily="18" charset="0"/>
+              </a:rPr>
+              <a:t>4</a:t>
+            </a:fld>
+            <a:endParaRPr lang="en-US">
+              <a:latin typeface="Times New Roman" panose="02020603050405020304" pitchFamily="18" charset="0"/>
+              <a:cs typeface="Times New Roman" panose="02020603050405020304" pitchFamily="18" charset="0"/>
+            </a:endParaRPr>
           </a:p>
         </p:txBody>
       </p:sp>
@@ -4407,30 +8093,83 @@
         </p:nvSpPr>
         <p:spPr/>
         <p:txBody>
+          <a:bodyPr>
+            <a:normAutofit/>
+          </a:bodyPr>
+          <a:lstStyle/>
+          <a:p>
+            <a:pPr algn="ctr"/>
+            <a:r>
+              <a:rPr lang="en-US" sz="4800" b="1" dirty="0">
+                <a:effectLst>
+                  <a:outerShdw blurRad="38100" dist="38100" dir="2700000" algn="tl">
+                    <a:srgbClr val="000000">
+                      <a:alpha val="43137"/>
+                    </a:srgbClr>
+                  </a:outerShdw>
+                </a:effectLst>
+                <a:latin typeface="Times New Roman" panose="02020603050405020304" pitchFamily="18" charset="0"/>
+                <a:cs typeface="Times New Roman" panose="02020603050405020304" pitchFamily="18" charset="0"/>
+              </a:rPr>
+              <a:t>Problem Statement</a:t>
+            </a:r>
+          </a:p>
+        </p:txBody>
+      </p:sp>
+      <p:sp>
+        <p:nvSpPr>
+          <p:cNvPr id="3" name="Content Placeholder 2">
+            <a:extLst>
+              <a:ext uri="{FF2B5EF4-FFF2-40B4-BE49-F238E27FC236}">
+                <a16:creationId xmlns:a16="http://schemas.microsoft.com/office/drawing/2014/main" id="{6E2F0CCC-A4A0-489F-82A7-1C2560930B87}"/>
+              </a:ext>
+            </a:extLst>
+          </p:cNvPr>
+          <p:cNvSpPr>
+            <a:spLocks noGrp="1"/>
+          </p:cNvSpPr>
+          <p:nvPr>
+            <p:ph idx="1"/>
+          </p:nvPr>
+        </p:nvSpPr>
+        <p:spPr/>
+        <p:txBody>
           <a:bodyPr/>
           <a:lstStyle/>
           <a:p>
             <a:r>
-              <a:rPr lang="en-US" dirty="0"/>
-              <a:t>Problem Statement</a:t>
-            </a:r>
-          </a:p>
-        </p:txBody>
-      </p:sp>
-      <p:sp>
-        <p:nvSpPr>
-          <p:cNvPr id="3" name="Content Placeholder 2">
-            <a:extLst>
-              <a:ext uri="{FF2B5EF4-FFF2-40B4-BE49-F238E27FC236}">
-                <a16:creationId xmlns:a16="http://schemas.microsoft.com/office/drawing/2014/main" id="{6E2F0CCC-A4A0-489F-82A7-1C2560930B87}"/>
-              </a:ext>
-            </a:extLst>
-          </p:cNvPr>
-          <p:cNvSpPr>
-            <a:spLocks noGrp="1"/>
-          </p:cNvSpPr>
-          <p:nvPr>
-            <p:ph idx="1"/>
+              <a:rPr lang="en-US" dirty="0">
+                <a:latin typeface="Times New Roman" panose="02020603050405020304" pitchFamily="18" charset="0"/>
+                <a:cs typeface="Times New Roman" panose="02020603050405020304" pitchFamily="18" charset="0"/>
+              </a:rPr>
+              <a:t>Dumb people have trouble communicating.</a:t>
+            </a:r>
+          </a:p>
+          <a:p>
+            <a:r>
+              <a:rPr lang="en-US" dirty="0">
+                <a:latin typeface="Times New Roman" panose="02020603050405020304" pitchFamily="18" charset="0"/>
+                <a:cs typeface="Times New Roman" panose="02020603050405020304" pitchFamily="18" charset="0"/>
+              </a:rPr>
+              <a:t>Accidents can cause speaking difficulties.</a:t>
+            </a:r>
+          </a:p>
+        </p:txBody>
+      </p:sp>
+      <p:sp>
+        <p:nvSpPr>
+          <p:cNvPr id="4" name="Slide Number Placeholder 3">
+            <a:extLst>
+              <a:ext uri="{FF2B5EF4-FFF2-40B4-BE49-F238E27FC236}">
+                <a16:creationId xmlns:a16="http://schemas.microsoft.com/office/drawing/2014/main" id="{BF4B7CF1-7F75-FD29-709F-050F485502F6}"/>
+              </a:ext>
+            </a:extLst>
+          </p:cNvPr>
+          <p:cNvSpPr>
+            <a:spLocks noGrp="1"/>
+          </p:cNvSpPr>
+          <p:nvPr>
+            <p:ph type="sldNum" sz="quarter" idx="12"/>
           </p:nvPr>
         </p:nvSpPr>
         <p:spPr/>
@@ -4438,16 +8177,11 @@
           <a:bodyPr/>
           <a:lstStyle/>
           <a:p>
-            <a:r>
-              <a:rPr lang="en-US" dirty="0"/>
-              <a:t>Dumb people have trouble communicating.</a:t>
-            </a:r>
-          </a:p>
-          <a:p>
-            <a:r>
-              <a:rPr lang="en-US" dirty="0"/>
-              <a:t>Accidents can cause speaking difficulties.</a:t>
-            </a:r>
+            <a:fld id="{8ABD9A93-A63E-4048-A90A-76F0C4F81214}" type="slidenum">
+              <a:rPr lang="en-US" smtClean="0"/>
+              <a:t>5</a:t>
+            </a:fld>
+            <a:endParaRPr lang="en-US"/>
           </a:p>
         </p:txBody>
       </p:sp>
@@ -4499,30 +8233,98 @@
         </p:nvSpPr>
         <p:spPr/>
         <p:txBody>
+          <a:bodyPr>
+            <a:normAutofit/>
+          </a:bodyPr>
+          <a:lstStyle/>
+          <a:p>
+            <a:pPr algn="ctr"/>
+            <a:r>
+              <a:rPr lang="en-US" sz="4800" b="1" dirty="0">
+                <a:effectLst>
+                  <a:outerShdw blurRad="38100" dist="38100" dir="2700000" algn="tl">
+                    <a:srgbClr val="000000">
+                      <a:alpha val="43137"/>
+                    </a:srgbClr>
+                  </a:outerShdw>
+                </a:effectLst>
+                <a:latin typeface="Times New Roman" panose="02020603050405020304" pitchFamily="18" charset="0"/>
+                <a:cs typeface="Times New Roman" panose="02020603050405020304" pitchFamily="18" charset="0"/>
+              </a:rPr>
+              <a:t>Applications</a:t>
+            </a:r>
+          </a:p>
+        </p:txBody>
+      </p:sp>
+      <p:sp>
+        <p:nvSpPr>
+          <p:cNvPr id="3" name="Content Placeholder 2">
+            <a:extLst>
+              <a:ext uri="{FF2B5EF4-FFF2-40B4-BE49-F238E27FC236}">
+                <a16:creationId xmlns:a16="http://schemas.microsoft.com/office/drawing/2014/main" id="{CC24C72A-C465-44CC-94E8-01BF5B78EC8E}"/>
+              </a:ext>
+            </a:extLst>
+          </p:cNvPr>
+          <p:cNvSpPr>
+            <a:spLocks noGrp="1"/>
+          </p:cNvSpPr>
+          <p:nvPr>
+            <p:ph idx="1"/>
+          </p:nvPr>
+        </p:nvSpPr>
+        <p:spPr/>
+        <p:txBody>
           <a:bodyPr/>
           <a:lstStyle/>
           <a:p>
             <a:r>
-              <a:rPr lang="en-US" dirty="0"/>
-              <a:t>Applications</a:t>
-            </a:r>
-          </a:p>
-        </p:txBody>
-      </p:sp>
-      <p:sp>
-        <p:nvSpPr>
-          <p:cNvPr id="3" name="Content Placeholder 2">
-            <a:extLst>
-              <a:ext uri="{FF2B5EF4-FFF2-40B4-BE49-F238E27FC236}">
-                <a16:creationId xmlns:a16="http://schemas.microsoft.com/office/drawing/2014/main" id="{CC24C72A-C465-44CC-94E8-01BF5B78EC8E}"/>
-              </a:ext>
-            </a:extLst>
-          </p:cNvPr>
-          <p:cNvSpPr>
-            <a:spLocks noGrp="1"/>
-          </p:cNvSpPr>
-          <p:nvPr>
-            <p:ph idx="1"/>
+              <a:rPr lang="en-US" dirty="0">
+                <a:latin typeface="Times New Roman" panose="02020603050405020304" pitchFamily="18" charset="0"/>
+                <a:cs typeface="Times New Roman" panose="02020603050405020304" pitchFamily="18" charset="0"/>
+              </a:rPr>
+              <a:t>For dumb and deaf people to communicate.</a:t>
+            </a:r>
+          </a:p>
+          <a:p>
+            <a:r>
+              <a:rPr lang="en-US" dirty="0">
+                <a:latin typeface="Times New Roman" panose="02020603050405020304" pitchFamily="18" charset="0"/>
+                <a:cs typeface="Times New Roman" panose="02020603050405020304" pitchFamily="18" charset="0"/>
+              </a:rPr>
+              <a:t>In hospitals for injured people.</a:t>
+            </a:r>
+          </a:p>
+          <a:p>
+            <a:r>
+              <a:rPr lang="en-US" dirty="0">
+                <a:latin typeface="Times New Roman" panose="02020603050405020304" pitchFamily="18" charset="0"/>
+                <a:cs typeface="Times New Roman" panose="02020603050405020304" pitchFamily="18" charset="0"/>
+              </a:rPr>
+              <a:t>Input Device for gaming.</a:t>
+            </a:r>
+          </a:p>
+          <a:p>
+            <a:pPr marL="0" indent="0">
+              <a:buNone/>
+            </a:pPr>
+            <a:endParaRPr lang="en-US" dirty="0"/>
+          </a:p>
+        </p:txBody>
+      </p:sp>
+      <p:sp>
+        <p:nvSpPr>
+          <p:cNvPr id="4" name="Slide Number Placeholder 3">
+            <a:extLst>
+              <a:ext uri="{FF2B5EF4-FFF2-40B4-BE49-F238E27FC236}">
+                <a16:creationId xmlns:a16="http://schemas.microsoft.com/office/drawing/2014/main" id="{51CFE244-85DC-1859-A4B5-8B3785074A87}"/>
+              </a:ext>
+            </a:extLst>
+          </p:cNvPr>
+          <p:cNvSpPr>
+            <a:spLocks noGrp="1"/>
+          </p:cNvSpPr>
+          <p:nvPr>
+            <p:ph type="sldNum" sz="quarter" idx="12"/>
           </p:nvPr>
         </p:nvSpPr>
         <p:spPr/>
@@ -4530,25 +8332,11 @@
           <a:bodyPr/>
           <a:lstStyle/>
           <a:p>
-            <a:r>
-              <a:rPr lang="en-US" dirty="0"/>
-              <a:t>For dumb and deaf people to communicate.</a:t>
-            </a:r>
-          </a:p>
-          <a:p>
-            <a:r>
-              <a:rPr lang="en-US" dirty="0"/>
-              <a:t>In hospitals for injured people.</a:t>
-            </a:r>
-          </a:p>
-          <a:p>
-            <a:r>
-              <a:rPr lang="en-US" dirty="0"/>
-              <a:t>Input Device for gaming.</a:t>
-            </a:r>
-          </a:p>
-          <a:p>
-            <a:endParaRPr lang="en-US" dirty="0"/>
+            <a:fld id="{8ABD9A93-A63E-4048-A90A-76F0C4F81214}" type="slidenum">
+              <a:rPr lang="en-US" smtClean="0"/>
+              <a:t>6</a:t>
+            </a:fld>
+            <a:endParaRPr lang="en-US"/>
           </a:p>
         </p:txBody>
       </p:sp>
@@ -4600,30 +8388,101 @@
         </p:nvSpPr>
         <p:spPr/>
         <p:txBody>
+          <a:bodyPr>
+            <a:normAutofit/>
+          </a:bodyPr>
+          <a:lstStyle/>
+          <a:p>
+            <a:pPr algn="ctr"/>
+            <a:r>
+              <a:rPr lang="en-US" sz="4800" b="1" dirty="0">
+                <a:effectLst>
+                  <a:outerShdw blurRad="38100" dist="38100" dir="2700000" algn="tl">
+                    <a:srgbClr val="000000">
+                      <a:alpha val="43137"/>
+                    </a:srgbClr>
+                  </a:outerShdw>
+                </a:effectLst>
+                <a:latin typeface="Times New Roman" panose="02020603050405020304" pitchFamily="18" charset="0"/>
+                <a:cs typeface="Times New Roman" panose="02020603050405020304" pitchFamily="18" charset="0"/>
+              </a:rPr>
+              <a:t>Methodology</a:t>
+            </a:r>
+          </a:p>
+        </p:txBody>
+      </p:sp>
+      <p:sp>
+        <p:nvSpPr>
+          <p:cNvPr id="3" name="Content Placeholder 2">
+            <a:extLst>
+              <a:ext uri="{FF2B5EF4-FFF2-40B4-BE49-F238E27FC236}">
+                <a16:creationId xmlns:a16="http://schemas.microsoft.com/office/drawing/2014/main" id="{2F24F384-2C77-4D65-A4CD-B35E1807292A}"/>
+              </a:ext>
+            </a:extLst>
+          </p:cNvPr>
+          <p:cNvSpPr>
+            <a:spLocks noGrp="1"/>
+          </p:cNvSpPr>
+          <p:nvPr>
+            <p:ph idx="1"/>
+          </p:nvPr>
+        </p:nvSpPr>
+        <p:spPr/>
+        <p:txBody>
           <a:bodyPr/>
           <a:lstStyle/>
           <a:p>
             <a:r>
-              <a:rPr lang="en-US" dirty="0"/>
-              <a:t>Methodology</a:t>
-            </a:r>
-          </a:p>
-        </p:txBody>
-      </p:sp>
-      <p:sp>
-        <p:nvSpPr>
-          <p:cNvPr id="3" name="Content Placeholder 2">
-            <a:extLst>
-              <a:ext uri="{FF2B5EF4-FFF2-40B4-BE49-F238E27FC236}">
-                <a16:creationId xmlns:a16="http://schemas.microsoft.com/office/drawing/2014/main" id="{2F24F384-2C77-4D65-A4CD-B35E1807292A}"/>
-              </a:ext>
-            </a:extLst>
-          </p:cNvPr>
-          <p:cNvSpPr>
-            <a:spLocks noGrp="1"/>
-          </p:cNvSpPr>
-          <p:nvPr>
-            <p:ph idx="1"/>
+              <a:rPr lang="en-US" dirty="0">
+                <a:latin typeface="Times New Roman" panose="02020603050405020304" pitchFamily="18" charset="0"/>
+                <a:cs typeface="Times New Roman" panose="02020603050405020304" pitchFamily="18" charset="0"/>
+              </a:rPr>
+              <a:t>Hardware Assembling</a:t>
+            </a:r>
+          </a:p>
+          <a:p>
+            <a:r>
+              <a:rPr lang="en-US" dirty="0">
+                <a:latin typeface="Times New Roman" panose="02020603050405020304" pitchFamily="18" charset="0"/>
+                <a:cs typeface="Times New Roman" panose="02020603050405020304" pitchFamily="18" charset="0"/>
+              </a:rPr>
+              <a:t>Dataset Preparation</a:t>
+            </a:r>
+          </a:p>
+          <a:p>
+            <a:r>
+              <a:rPr lang="en-US" dirty="0">
+                <a:latin typeface="Times New Roman" panose="02020603050405020304" pitchFamily="18" charset="0"/>
+                <a:cs typeface="Times New Roman" panose="02020603050405020304" pitchFamily="18" charset="0"/>
+              </a:rPr>
+              <a:t>System Block Diagram</a:t>
+            </a:r>
+          </a:p>
+          <a:p>
+            <a:r>
+              <a:rPr lang="en-US" dirty="0">
+                <a:latin typeface="Times New Roman" panose="02020603050405020304" pitchFamily="18" charset="0"/>
+                <a:cs typeface="Times New Roman" panose="02020603050405020304" pitchFamily="18" charset="0"/>
+              </a:rPr>
+              <a:t>Flowchart</a:t>
+            </a:r>
+          </a:p>
+        </p:txBody>
+      </p:sp>
+      <p:sp>
+        <p:nvSpPr>
+          <p:cNvPr id="4" name="Slide Number Placeholder 3">
+            <a:extLst>
+              <a:ext uri="{FF2B5EF4-FFF2-40B4-BE49-F238E27FC236}">
+                <a16:creationId xmlns:a16="http://schemas.microsoft.com/office/drawing/2014/main" id="{62328651-7AFA-4E26-DE23-F9C92FBF9CF2}"/>
+              </a:ext>
+            </a:extLst>
+          </p:cNvPr>
+          <p:cNvSpPr>
+            <a:spLocks noGrp="1"/>
+          </p:cNvSpPr>
+          <p:nvPr>
+            <p:ph type="sldNum" sz="quarter" idx="12"/>
           </p:nvPr>
         </p:nvSpPr>
         <p:spPr/>
@@ -4631,28 +8490,11 @@
           <a:bodyPr/>
           <a:lstStyle/>
           <a:p>
-            <a:r>
-              <a:rPr lang="en-US" dirty="0"/>
-              <a:t>Hardware Assembling</a:t>
-            </a:r>
-          </a:p>
-          <a:p>
-            <a:r>
-              <a:rPr lang="en-US" dirty="0"/>
-              <a:t>Dataset Preparation</a:t>
-            </a:r>
-          </a:p>
-          <a:p>
-            <a:r>
-              <a:rPr lang="en-US" dirty="0"/>
-              <a:t>System Block Diagram</a:t>
-            </a:r>
-          </a:p>
-          <a:p>
-            <a:r>
-              <a:rPr lang="en-US" dirty="0"/>
-              <a:t>Flowchart</a:t>
-            </a:r>
+            <a:fld id="{8ABD9A93-A63E-4048-A90A-76F0C4F81214}" type="slidenum">
+              <a:rPr lang="en-US" smtClean="0"/>
+              <a:t>7</a:t>
+            </a:fld>
+            <a:endParaRPr lang="en-US"/>
           </a:p>
         </p:txBody>
       </p:sp>
@@ -4707,8 +8549,19 @@
           <a:bodyPr/>
           <a:lstStyle/>
           <a:p>
-            <a:r>
-              <a:rPr lang="en-US" dirty="0"/>
+            <a:pPr algn="ctr"/>
+            <a:r>
+              <a:rPr lang="en-US" b="1" dirty="0">
+                <a:effectLst>
+                  <a:outerShdw blurRad="38100" dist="38100" dir="2700000" algn="tl">
+                    <a:srgbClr val="000000">
+                      <a:alpha val="43137"/>
+                    </a:srgbClr>
+                  </a:outerShdw>
+                </a:effectLst>
+                <a:latin typeface="Times New Roman" panose="02020603050405020304" pitchFamily="18" charset="0"/>
+                <a:cs typeface="Times New Roman" panose="02020603050405020304" pitchFamily="18" charset="0"/>
+              </a:rPr>
               <a:t>Hardware Assembling</a:t>
             </a:r>
           </a:p>
@@ -4736,21 +8589,59 @@
           <a:lstStyle/>
           <a:p>
             <a:r>
-              <a:rPr lang="en-US" dirty="0"/>
+              <a:rPr lang="en-US" dirty="0">
+                <a:latin typeface="Times New Roman" panose="02020603050405020304" pitchFamily="18" charset="0"/>
+                <a:cs typeface="Times New Roman" panose="02020603050405020304" pitchFamily="18" charset="0"/>
+              </a:rPr>
               <a:t>Connect MPU6050 with accelerometer and gyroscope.</a:t>
             </a:r>
           </a:p>
           <a:p>
             <a:r>
-              <a:rPr lang="en-US" dirty="0"/>
+              <a:rPr lang="en-US" dirty="0">
+                <a:latin typeface="Times New Roman" panose="02020603050405020304" pitchFamily="18" charset="0"/>
+                <a:cs typeface="Times New Roman" panose="02020603050405020304" pitchFamily="18" charset="0"/>
+              </a:rPr>
               <a:t>Interface flex sensor and MPU6050 to Arduino Mega 2560.</a:t>
             </a:r>
           </a:p>
           <a:p>
             <a:r>
-              <a:rPr lang="en-US" dirty="0"/>
+              <a:rPr lang="en-US" dirty="0">
+                <a:latin typeface="Times New Roman" panose="02020603050405020304" pitchFamily="18" charset="0"/>
+                <a:cs typeface="Times New Roman" panose="02020603050405020304" pitchFamily="18" charset="0"/>
+              </a:rPr>
               <a:t>Connect the Arduino Mega 2560 to laptop to send data.</a:t>
             </a:r>
+          </a:p>
+        </p:txBody>
+      </p:sp>
+      <p:sp>
+        <p:nvSpPr>
+          <p:cNvPr id="4" name="Slide Number Placeholder 3">
+            <a:extLst>
+              <a:ext uri="{FF2B5EF4-FFF2-40B4-BE49-F238E27FC236}">
+                <a16:creationId xmlns:a16="http://schemas.microsoft.com/office/drawing/2014/main" id="{32A23374-600B-82CC-AA77-9122F594572A}"/>
+              </a:ext>
+            </a:extLst>
+          </p:cNvPr>
+          <p:cNvSpPr>
+            <a:spLocks noGrp="1"/>
+          </p:cNvSpPr>
+          <p:nvPr>
+            <p:ph type="sldNum" sz="quarter" idx="12"/>
+          </p:nvPr>
+        </p:nvSpPr>
+        <p:spPr/>
+        <p:txBody>
+          <a:bodyPr/>
+          <a:lstStyle/>
+          <a:p>
+            <a:fld id="{8ABD9A93-A63E-4048-A90A-76F0C4F81214}" type="slidenum">
+              <a:rPr lang="en-US" smtClean="0"/>
+              <a:t>8</a:t>
+            </a:fld>
+            <a:endParaRPr lang="en-US"/>
           </a:p>
         </p:txBody>
       </p:sp>
@@ -4802,53 +8693,112 @@
         </p:nvSpPr>
         <p:spPr/>
         <p:txBody>
+          <a:bodyPr>
+            <a:normAutofit/>
+          </a:bodyPr>
+          <a:lstStyle/>
+          <a:p>
+            <a:pPr algn="ctr"/>
+            <a:r>
+              <a:rPr lang="en-US" sz="4800" b="1" dirty="0">
+                <a:solidFill>
+                  <a:schemeClr val="tx1">
+                    <a:lumMod val="85000"/>
+                    <a:lumOff val="15000"/>
+                  </a:schemeClr>
+                </a:solidFill>
+                <a:effectLst>
+                  <a:outerShdw blurRad="38100" dist="38100" dir="2700000" algn="tl">
+                    <a:srgbClr val="000000">
+                      <a:alpha val="43137"/>
+                    </a:srgbClr>
+                  </a:outerShdw>
+                </a:effectLst>
+                <a:latin typeface="Times New Roman" panose="02020603050405020304" pitchFamily="18" charset="0"/>
+                <a:cs typeface="Times New Roman" panose="02020603050405020304" pitchFamily="18" charset="0"/>
+              </a:rPr>
+              <a:t>Dataset preparation</a:t>
+            </a:r>
+          </a:p>
+        </p:txBody>
+      </p:sp>
+      <p:sp>
+        <p:nvSpPr>
+          <p:cNvPr id="3" name="Content Placeholder 2">
+            <a:extLst>
+              <a:ext uri="{FF2B5EF4-FFF2-40B4-BE49-F238E27FC236}">
+                <a16:creationId xmlns:a16="http://schemas.microsoft.com/office/drawing/2014/main" id="{E426F7BE-85AF-4B7E-B702-899622C10C7C}"/>
+              </a:ext>
+            </a:extLst>
+          </p:cNvPr>
+          <p:cNvSpPr>
+            <a:spLocks noGrp="1"/>
+          </p:cNvSpPr>
+          <p:nvPr>
+            <p:ph idx="1"/>
+          </p:nvPr>
+        </p:nvSpPr>
+        <p:spPr/>
+        <p:txBody>
+          <a:bodyPr>
+            <a:normAutofit/>
+          </a:bodyPr>
+          <a:lstStyle/>
+          <a:p>
+            <a:r>
+              <a:rPr lang="en-US" dirty="0">
+                <a:latin typeface="Times New Roman" panose="02020603050405020304" pitchFamily="18" charset="0"/>
+                <a:cs typeface="Times New Roman" panose="02020603050405020304" pitchFamily="18" charset="0"/>
+              </a:rPr>
+              <a:t>Receive data from Arduino Mega 2560 and write to file.</a:t>
+            </a:r>
+          </a:p>
+          <a:p>
+            <a:r>
+              <a:rPr lang="en-US" dirty="0">
+                <a:latin typeface="Times New Roman" panose="02020603050405020304" pitchFamily="18" charset="0"/>
+                <a:cs typeface="Times New Roman" panose="02020603050405020304" pitchFamily="18" charset="0"/>
+              </a:rPr>
+              <a:t>Classify data and convert the file to csv file format.</a:t>
+            </a:r>
+          </a:p>
+          <a:p>
+            <a:r>
+              <a:rPr lang="en-US" dirty="0">
+                <a:latin typeface="Times New Roman" panose="02020603050405020304" pitchFamily="18" charset="0"/>
+                <a:cs typeface="Times New Roman" panose="02020603050405020304" pitchFamily="18" charset="0"/>
+              </a:rPr>
+              <a:t>Use Random forest classifier in python to train the model.</a:t>
+            </a:r>
+          </a:p>
+        </p:txBody>
+      </p:sp>
+      <p:sp>
+        <p:nvSpPr>
+          <p:cNvPr id="4" name="Slide Number Placeholder 3">
+            <a:extLst>
+              <a:ext uri="{FF2B5EF4-FFF2-40B4-BE49-F238E27FC236}">
+                <a16:creationId xmlns:a16="http://schemas.microsoft.com/office/drawing/2014/main" id="{CCE2710E-D706-7124-3B05-3692057F0131}"/>
+              </a:ext>
+            </a:extLst>
+          </p:cNvPr>
+          <p:cNvSpPr>
+            <a:spLocks noGrp="1"/>
+          </p:cNvSpPr>
+          <p:nvPr>
+            <p:ph type="sldNum" sz="quarter" idx="12"/>
+          </p:nvPr>
+        </p:nvSpPr>
+        <p:spPr/>
+        <p:txBody>
           <a:bodyPr/>
           <a:lstStyle/>
           <a:p>
-            <a:r>
-              <a:rPr lang="en-US" dirty="0"/>
-              <a:t>Dataset preparation</a:t>
-            </a:r>
-          </a:p>
-        </p:txBody>
-      </p:sp>
-      <p:sp>
-        <p:nvSpPr>
-          <p:cNvPr id="3" name="Content Placeholder 2">
-            <a:extLst>
-              <a:ext uri="{FF2B5EF4-FFF2-40B4-BE49-F238E27FC236}">
-                <a16:creationId xmlns:a16="http://schemas.microsoft.com/office/drawing/2014/main" id="{E426F7BE-85AF-4B7E-B702-899622C10C7C}"/>
-              </a:ext>
-            </a:extLst>
-          </p:cNvPr>
-          <p:cNvSpPr>
-            <a:spLocks noGrp="1"/>
-          </p:cNvSpPr>
-          <p:nvPr>
-            <p:ph idx="1"/>
-          </p:nvPr>
-        </p:nvSpPr>
-        <p:spPr/>
-        <p:txBody>
-          <a:bodyPr/>
-          <a:lstStyle/>
-          <a:p>
-            <a:r>
-              <a:rPr lang="en-US" dirty="0"/>
-              <a:t>Receive data from Arduino Mega 2560 and write to file.</a:t>
-            </a:r>
-          </a:p>
-          <a:p>
-            <a:r>
-              <a:rPr lang="en-US" dirty="0"/>
-              <a:t>Classify data and convert the file to csv file format.</a:t>
-            </a:r>
-          </a:p>
-          <a:p>
-            <a:r>
-              <a:rPr lang="en-US" dirty="0"/>
-              <a:t>Use Random forest classifier in python to train the model.</a:t>
-            </a:r>
+            <a:fld id="{8ABD9A93-A63E-4048-A90A-76F0C4F81214}" type="slidenum">
+              <a:rPr lang="en-US" smtClean="0"/>
+              <a:t>9</a:t>
+            </a:fld>
+            <a:endParaRPr lang="en-US"/>
           </a:p>
         </p:txBody>
       </p:sp>
@@ -5158,4 +9108,299 @@
     </a:ext>
   </a:extLst>
 </a:theme>
+</file>
+
+<file path=ppt/theme/theme2.xml><?xml version="1.0" encoding="utf-8"?>
+<a:theme xmlns:a="http://schemas.openxmlformats.org/drawingml/2006/main" name="Office Theme">
+  <a:themeElements>
+    <a:clrScheme name="Office">
+      <a:dk1>
+        <a:sysClr val="windowText" lastClr="000000"/>
+      </a:dk1>
+      <a:lt1>
+        <a:sysClr val="window" lastClr="FFFFFF"/>
+      </a:lt1>
+      <a:dk2>
+        <a:srgbClr val="44546A"/>
+      </a:dk2>
+      <a:lt2>
+        <a:srgbClr val="E7E6E6"/>
+      </a:lt2>
+      <a:accent1>
+        <a:srgbClr val="4472C4"/>
+      </a:accent1>
+      <a:accent2>
+        <a:srgbClr val="ED7D31"/>
+      </a:accent2>
+      <a:accent3>
+        <a:srgbClr val="A5A5A5"/>
+      </a:accent3>
+      <a:accent4>
+        <a:srgbClr val="FFC000"/>
+      </a:accent4>
+      <a:accent5>
+        <a:srgbClr val="5B9BD5"/>
+      </a:accent5>
+      <a:accent6>
+        <a:srgbClr val="70AD47"/>
+      </a:accent6>
+      <a:hlink>
+        <a:srgbClr val="0563C1"/>
+      </a:hlink>
+      <a:folHlink>
+        <a:srgbClr val="954F72"/>
+      </a:folHlink>
+    </a:clrScheme>
+    <a:fontScheme name="Office">
+      <a:majorFont>
+        <a:latin typeface="Calibri Light" panose="020F0302020204030204"/>
+        <a:ea typeface=""/>
+        <a:cs typeface=""/>
+        <a:font script="Jpan" typeface="游ゴシック Light"/>
+        <a:font script="Hang" typeface="맑은 고딕"/>
+        <a:font script="Hans" typeface="等线 Light"/>
+        <a:font script="Hant" typeface="新細明體"/>
+        <a:font script="Arab" typeface="Times New Roman"/>
+        <a:font script="Hebr" typeface="Times New Roman"/>
+        <a:font script="Thai" typeface="Angsana New"/>
+        <a:font script="Ethi" typeface="Nyala"/>
+        <a:font script="Beng" typeface="Vrinda"/>
+        <a:font script="Gujr" typeface="Shruti"/>
+        <a:font script="Khmr" typeface="MoolBoran"/>
+        <a:font script="Knda" typeface="Tunga"/>
+        <a:font script="Guru" typeface="Raavi"/>
+        <a:font script="Cans" typeface="Euphemia"/>
+        <a:font script="Cher" typeface="Plantagenet Cherokee"/>
+        <a:font script="Yiii" typeface="Microsoft Yi Baiti"/>
+        <a:font script="Tibt" typeface="Microsoft Himalaya"/>
+        <a:font script="Thaa" typeface="MV Boli"/>
+        <a:font script="Deva" typeface="Mangal"/>
+        <a:font script="Telu" typeface="Gautami"/>
+        <a:font script="Taml" typeface="Latha"/>
+        <a:font script="Syrc" typeface="Estrangelo Edessa"/>
+        <a:font script="Orya" typeface="Kalinga"/>
+        <a:font script="Mlym" typeface="Kartika"/>
+        <a:font script="Laoo" typeface="DokChampa"/>
+        <a:font script="Sinh" typeface="Iskoola Pota"/>
+        <a:font script="Mong" typeface="Mongolian Baiti"/>
+        <a:font script="Viet" typeface="Times New Roman"/>
+        <a:font script="Uigh" typeface="Microsoft Uighur"/>
+        <a:font script="Geor" typeface="Sylfaen"/>
+        <a:font script="Armn" typeface="Arial"/>
+        <a:font script="Bugi" typeface="Leelawadee UI"/>
+        <a:font script="Bopo" typeface="Microsoft JhengHei"/>
+        <a:font script="Java" typeface="Javanese Text"/>
+        <a:font script="Lisu" typeface="Segoe UI"/>
+        <a:font script="Mymr" typeface="Myanmar Text"/>
+        <a:font script="Nkoo" typeface="Ebrima"/>
+        <a:font script="Olck" typeface="Nirmala UI"/>
+        <a:font script="Osma" typeface="Ebrima"/>
+        <a:font script="Phag" typeface="Phagspa"/>
+        <a:font script="Syrn" typeface="Estrangelo Edessa"/>
+        <a:font script="Syrj" typeface="Estrangelo Edessa"/>
+        <a:font script="Syre" typeface="Estrangelo Edessa"/>
+        <a:font script="Sora" typeface="Nirmala UI"/>
+        <a:font script="Tale" typeface="Microsoft Tai Le"/>
+        <a:font script="Talu" typeface="Microsoft New Tai Lue"/>
+        <a:font script="Tfng" typeface="Ebrima"/>
+      </a:majorFont>
+      <a:minorFont>
+        <a:latin typeface="Calibri" panose="020F0502020204030204"/>
+        <a:ea typeface=""/>
+        <a:cs typeface=""/>
+        <a:font script="Jpan" typeface="游ゴシック"/>
+        <a:font script="Hang" typeface="맑은 고딕"/>
+        <a:font script="Hans" typeface="等线"/>
+        <a:font script="Hant" typeface="新細明體"/>
+        <a:font script="Arab" typeface="Arial"/>
+        <a:font script="Hebr" typeface="Arial"/>
+        <a:font script="Thai" typeface="Cordia New"/>
+        <a:font script="Ethi" typeface="Nyala"/>
+        <a:font script="Beng" typeface="Vrinda"/>
+        <a:font script="Gujr" typeface="Shruti"/>
+        <a:font script="Khmr" typeface="DaunPenh"/>
+        <a:font script="Knda" typeface="Tunga"/>
+        <a:font script="Guru" typeface="Raavi"/>
+        <a:font script="Cans" typeface="Euphemia"/>
+        <a:font script="Cher" typeface="Plantagenet Cherokee"/>
+        <a:font script="Yiii" typeface="Microsoft Yi Baiti"/>
+        <a:font script="Tibt" typeface="Microsoft Himalaya"/>
+        <a:font script="Thaa" typeface="MV Boli"/>
+        <a:font script="Deva" typeface="Mangal"/>
+        <a:font script="Telu" typeface="Gautami"/>
+        <a:font script="Taml" typeface="Latha"/>
+        <a:font script="Syrc" typeface="Estrangelo Edessa"/>
+        <a:font script="Orya" typeface="Kalinga"/>
+        <a:font script="Mlym" typeface="Kartika"/>
+        <a:font script="Laoo" typeface="DokChampa"/>
+        <a:font script="Sinh" typeface="Iskoola Pota"/>
+        <a:font script="Mong" typeface="Mongolian Baiti"/>
+        <a:font script="Viet" typeface="Arial"/>
+        <a:font script="Uigh" typeface="Microsoft Uighur"/>
+        <a:font script="Geor" typeface="Sylfaen"/>
+        <a:font script="Armn" typeface="Arial"/>
+        <a:font script="Bugi" typeface="Leelawadee UI"/>
+        <a:font script="Bopo" typeface="Microsoft JhengHei"/>
+        <a:font script="Java" typeface="Javanese Text"/>
+        <a:font script="Lisu" typeface="Segoe UI"/>
+        <a:font script="Mymr" typeface="Myanmar Text"/>
+        <a:font script="Nkoo" typeface="Ebrima"/>
+        <a:font script="Olck" typeface="Nirmala UI"/>
+        <a:font script="Osma" typeface="Ebrima"/>
+        <a:font script="Phag" typeface="Phagspa"/>
+        <a:font script="Syrn" typeface="Estrangelo Edessa"/>
+        <a:font script="Syrj" typeface="Estrangelo Edessa"/>
+        <a:font script="Syre" typeface="Estrangelo Edessa"/>
+        <a:font script="Sora" typeface="Nirmala UI"/>
+        <a:font script="Tale" typeface="Microsoft Tai Le"/>
+        <a:font script="Talu" typeface="Microsoft New Tai Lue"/>
+        <a:font script="Tfng" typeface="Ebrima"/>
+      </a:minorFont>
+    </a:fontScheme>
+    <a:fmtScheme name="Office">
+      <a:fillStyleLst>
+        <a:solidFill>
+          <a:schemeClr val="phClr"/>
+        </a:solidFill>
+        <a:gradFill rotWithShape="1">
+          <a:gsLst>
+            <a:gs pos="0">
+              <a:schemeClr val="phClr">
+                <a:lumMod val="110000"/>
+                <a:satMod val="105000"/>
+                <a:tint val="67000"/>
+              </a:schemeClr>
+            </a:gs>
+            <a:gs pos="50000">
+              <a:schemeClr val="phClr">
+                <a:lumMod val="105000"/>
+                <a:satMod val="103000"/>
+                <a:tint val="73000"/>
+              </a:schemeClr>
+            </a:gs>
+            <a:gs pos="100000">
+              <a:schemeClr val="phClr">
+                <a:lumMod val="105000"/>
+                <a:satMod val="109000"/>
+                <a:tint val="81000"/>
+              </a:schemeClr>
+            </a:gs>
+          </a:gsLst>
+          <a:lin ang="5400000" scaled="0"/>
+        </a:gradFill>
+        <a:gradFill rotWithShape="1">
+          <a:gsLst>
+            <a:gs pos="0">
+              <a:schemeClr val="phClr">
+                <a:satMod val="103000"/>
+                <a:lumMod val="102000"/>
+                <a:tint val="94000"/>
+              </a:schemeClr>
+            </a:gs>
+            <a:gs pos="50000">
+              <a:schemeClr val="phClr">
+                <a:satMod val="110000"/>
+                <a:lumMod val="100000"/>
+                <a:shade val="100000"/>
+              </a:schemeClr>
+            </a:gs>
+            <a:gs pos="100000">
+              <a:schemeClr val="phClr">
+                <a:lumMod val="99000"/>
+                <a:satMod val="120000"/>
+                <a:shade val="78000"/>
+              </a:schemeClr>
+            </a:gs>
+          </a:gsLst>
+          <a:lin ang="5400000" scaled="0"/>
+        </a:gradFill>
+      </a:fillStyleLst>
+      <a:lnStyleLst>
+        <a:ln w="6350" cap="flat" cmpd="sng" algn="ctr">
+          <a:solidFill>
+            <a:schemeClr val="phClr"/>
+          </a:solidFill>
+          <a:prstDash val="solid"/>
+          <a:miter lim="800000"/>
+        </a:ln>
+        <a:ln w="12700" cap="flat" cmpd="sng" algn="ctr">
+          <a:solidFill>
+            <a:schemeClr val="phClr"/>
+          </a:solidFill>
+          <a:prstDash val="solid"/>
+          <a:miter lim="800000"/>
+        </a:ln>
+        <a:ln w="19050" cap="flat" cmpd="sng" algn="ctr">
+          <a:solidFill>
+            <a:schemeClr val="phClr"/>
+          </a:solidFill>
+          <a:prstDash val="solid"/>
+          <a:miter lim="800000"/>
+        </a:ln>
+      </a:lnStyleLst>
+      <a:effectStyleLst>
+        <a:effectStyle>
+          <a:effectLst/>
+        </a:effectStyle>
+        <a:effectStyle>
+          <a:effectLst/>
+        </a:effectStyle>
+        <a:effectStyle>
+          <a:effectLst>
+            <a:outerShdw blurRad="57150" dist="19050" dir="5400000" algn="ctr" rotWithShape="0">
+              <a:srgbClr val="000000">
+                <a:alpha val="63000"/>
+              </a:srgbClr>
+            </a:outerShdw>
+          </a:effectLst>
+        </a:effectStyle>
+      </a:effectStyleLst>
+      <a:bgFillStyleLst>
+        <a:solidFill>
+          <a:schemeClr val="phClr"/>
+        </a:solidFill>
+        <a:solidFill>
+          <a:schemeClr val="phClr">
+            <a:tint val="95000"/>
+            <a:satMod val="170000"/>
+          </a:schemeClr>
+        </a:solidFill>
+        <a:gradFill rotWithShape="1">
+          <a:gsLst>
+            <a:gs pos="0">
+              <a:schemeClr val="phClr">
+                <a:tint val="93000"/>
+                <a:satMod val="150000"/>
+                <a:shade val="98000"/>
+                <a:lumMod val="102000"/>
+              </a:schemeClr>
+            </a:gs>
+            <a:gs pos="50000">
+              <a:schemeClr val="phClr">
+                <a:tint val="98000"/>
+                <a:satMod val="130000"/>
+                <a:shade val="90000"/>
+                <a:lumMod val="103000"/>
+              </a:schemeClr>
+            </a:gs>
+            <a:gs pos="100000">
+              <a:schemeClr val="phClr">
+                <a:shade val="63000"/>
+                <a:satMod val="120000"/>
+              </a:schemeClr>
+            </a:gs>
+          </a:gsLst>
+          <a:lin ang="5400000" scaled="0"/>
+        </a:gradFill>
+      </a:bgFillStyleLst>
+    </a:fmtScheme>
+  </a:themeElements>
+  <a:objectDefaults/>
+  <a:extraClrSchemeLst/>
+  <a:extLst>
+    <a:ext uri="{05A4C25C-085E-4340-85A3-A5531E510DB2}">
+      <thm15:themeFamily xmlns:thm15="http://schemas.microsoft.com/office/thememl/2012/main" name="Office Theme" id="{62F939B6-93AF-4DB8-9C6B-D6C7DFDC589F}" vid="{4A3C46E8-61CC-4603-A589-7422A47A8E4A}"/>
+    </a:ext>
+  </a:extLst>
+</a:theme>
 </file>
--- a/Smart Gloves using Flex Sensor.pptx
+++ b/Smart Gloves using Flex Sensor.pptx
@@ -1278,7 +1278,7 @@
           <a:p>
             <a:fld id="{3A09F30C-BD4A-4F53-8094-1E8EEF0ED955}" type="datetimeFigureOut">
               <a:rPr lang="en-US" smtClean="0"/>
-              <a:t>5/26/2022</a:t>
+              <a:t>5/27/2022</a:t>
             </a:fld>
             <a:endParaRPr lang="en-US"/>
           </a:p>
@@ -1692,7 +1692,7 @@
           <a:p>
             <a:fld id="{16DED50F-CE44-4FEB-A0B6-020984C8B334}" type="datetime1">
               <a:rPr lang="en-US" smtClean="0"/>
-              <a:t>5/26/2022</a:t>
+              <a:t>5/27/2022</a:t>
             </a:fld>
             <a:endParaRPr lang="en-US"/>
           </a:p>
@@ -1890,7 +1890,7 @@
           <a:p>
             <a:fld id="{4993B785-5109-4F0C-8A45-1D357F8C956E}" type="datetime1">
               <a:rPr lang="en-US" smtClean="0"/>
-              <a:t>5/26/2022</a:t>
+              <a:t>5/27/2022</a:t>
             </a:fld>
             <a:endParaRPr lang="en-US"/>
           </a:p>
@@ -2098,7 +2098,7 @@
           <a:p>
             <a:fld id="{51933219-9E35-427C-8F72-9A68CF15867E}" type="datetime1">
               <a:rPr lang="en-US" smtClean="0"/>
-              <a:t>5/26/2022</a:t>
+              <a:t>5/27/2022</a:t>
             </a:fld>
             <a:endParaRPr lang="en-US"/>
           </a:p>
@@ -2296,7 +2296,7 @@
           <a:p>
             <a:fld id="{715729B3-8CCF-4A5D-A259-92F3837FB75D}" type="datetime1">
               <a:rPr lang="en-US" smtClean="0"/>
-              <a:t>5/26/2022</a:t>
+              <a:t>5/27/2022</a:t>
             </a:fld>
             <a:endParaRPr lang="en-US"/>
           </a:p>
@@ -2571,7 +2571,7 @@
           <a:p>
             <a:fld id="{62330523-CD6F-4F1F-ACB6-47645FE84133}" type="datetime1">
               <a:rPr lang="en-US" smtClean="0"/>
-              <a:t>5/26/2022</a:t>
+              <a:t>5/27/2022</a:t>
             </a:fld>
             <a:endParaRPr lang="en-US"/>
           </a:p>
@@ -2836,7 +2836,7 @@
           <a:p>
             <a:fld id="{7B3E5AFD-CBFC-4458-948E-9099193666AB}" type="datetime1">
               <a:rPr lang="en-US" smtClean="0"/>
-              <a:t>5/26/2022</a:t>
+              <a:t>5/27/2022</a:t>
             </a:fld>
             <a:endParaRPr lang="en-US"/>
           </a:p>
@@ -3248,7 +3248,7 @@
           <a:p>
             <a:fld id="{1B9F1707-E2D5-4E27-B039-49EC2082F5C5}" type="datetime1">
               <a:rPr lang="en-US" smtClean="0"/>
-              <a:t>5/26/2022</a:t>
+              <a:t>5/27/2022</a:t>
             </a:fld>
             <a:endParaRPr lang="en-US"/>
           </a:p>
@@ -3389,7 +3389,7 @@
           <a:p>
             <a:fld id="{FE9A2D3E-9B56-4FF6-B53A-0E3463CDB609}" type="datetime1">
               <a:rPr lang="en-US" smtClean="0"/>
-              <a:t>5/26/2022</a:t>
+              <a:t>5/27/2022</a:t>
             </a:fld>
             <a:endParaRPr lang="en-US"/>
           </a:p>
@@ -3502,7 +3502,7 @@
           <a:p>
             <a:fld id="{3EDABDA2-90FD-4EF1-BD28-44E6679605CC}" type="datetime1">
               <a:rPr lang="en-US" smtClean="0"/>
-              <a:t>5/26/2022</a:t>
+              <a:t>5/27/2022</a:t>
             </a:fld>
             <a:endParaRPr lang="en-US"/>
           </a:p>
@@ -3813,7 +3813,7 @@
           <a:p>
             <a:fld id="{6C600355-0254-47DB-AB4A-2DF80220E5BA}" type="datetime1">
               <a:rPr lang="en-US" smtClean="0"/>
-              <a:t>5/26/2022</a:t>
+              <a:t>5/27/2022</a:t>
             </a:fld>
             <a:endParaRPr lang="en-US"/>
           </a:p>
@@ -4101,7 +4101,7 @@
           <a:p>
             <a:fld id="{20406DAE-025E-4688-A90F-442AA99E92B6}" type="datetime1">
               <a:rPr lang="en-US" smtClean="0"/>
-              <a:t>5/26/2022</a:t>
+              <a:t>5/27/2022</a:t>
             </a:fld>
             <a:endParaRPr lang="en-US"/>
           </a:p>
@@ -4342,7 +4342,7 @@
           <a:p>
             <a:fld id="{B35FAE98-0B4E-4747-B1D0-CDF6491B9D63}" type="datetime1">
               <a:rPr lang="en-US" smtClean="0"/>
-              <a:t>5/26/2022</a:t>
+              <a:t>5/27/2022</a:t>
             </a:fld>
             <a:endParaRPr lang="en-US"/>
           </a:p>
@@ -8005,7 +8005,7 @@
                 <a:latin typeface="Times New Roman" panose="02020603050405020304" pitchFamily="18" charset="0"/>
                 <a:cs typeface="Times New Roman" panose="02020603050405020304" pitchFamily="18" charset="0"/>
               </a:rPr>
-              <a:t>Help the disabled to communicate </a:t>
+              <a:t>Help the disabled to communicate.</a:t>
             </a:r>
           </a:p>
         </p:txBody>
@@ -8300,7 +8300,7 @@
                 <a:latin typeface="Times New Roman" panose="02020603050405020304" pitchFamily="18" charset="0"/>
                 <a:cs typeface="Times New Roman" panose="02020603050405020304" pitchFamily="18" charset="0"/>
               </a:rPr>
-              <a:t>Input Device for gaming.</a:t>
+              <a:t>Input device for gaming.</a:t>
             </a:r>
           </a:p>
           <a:p>
@@ -8593,7 +8593,7 @@
                 <a:latin typeface="Times New Roman" panose="02020603050405020304" pitchFamily="18" charset="0"/>
                 <a:cs typeface="Times New Roman" panose="02020603050405020304" pitchFamily="18" charset="0"/>
               </a:rPr>
-              <a:t>Connect MPU6050 with accelerometer and gyroscope.</a:t>
+              <a:t>Configure MPU6050 with accelerometer and gyroscope.</a:t>
             </a:r>
           </a:p>
           <a:p>

--- a/Smart Gloves using Flex Sensor.pptx
+++ b/Smart Gloves using Flex Sensor.pptx
@@ -5,7 +5,7 @@
     <p:sldMasterId id="2147483648" r:id="rId1"/>
   </p:sldMasterIdLst>
   <p:notesMasterIdLst>
-    <p:notesMasterId r:id="rId23"/>
+    <p:notesMasterId r:id="rId31"/>
   </p:notesMasterIdLst>
   <p:sldIdLst>
     <p:sldId id="256" r:id="rId2"/>
@@ -23,12 +23,20 @@
     <p:sldId id="269" r:id="rId14"/>
     <p:sldId id="266" r:id="rId15"/>
     <p:sldId id="270" r:id="rId16"/>
-    <p:sldId id="267" r:id="rId17"/>
-    <p:sldId id="268" r:id="rId18"/>
-    <p:sldId id="271" r:id="rId19"/>
-    <p:sldId id="272" r:id="rId20"/>
-    <p:sldId id="275" r:id="rId21"/>
-    <p:sldId id="276" r:id="rId22"/>
+    <p:sldId id="278" r:id="rId17"/>
+    <p:sldId id="277" r:id="rId18"/>
+    <p:sldId id="279" r:id="rId19"/>
+    <p:sldId id="280" r:id="rId20"/>
+    <p:sldId id="282" r:id="rId21"/>
+    <p:sldId id="281" r:id="rId22"/>
+    <p:sldId id="283" r:id="rId23"/>
+    <p:sldId id="284" r:id="rId24"/>
+    <p:sldId id="267" r:id="rId25"/>
+    <p:sldId id="268" r:id="rId26"/>
+    <p:sldId id="271" r:id="rId27"/>
+    <p:sldId id="272" r:id="rId28"/>
+    <p:sldId id="275" r:id="rId29"/>
+    <p:sldId id="276" r:id="rId30"/>
   </p:sldIdLst>
   <p:sldSz cx="12192000" cy="6858000"/>
   <p:notesSz cx="6858000" cy="9144000"/>
@@ -1278,7 +1286,7 @@
           <a:p>
             <a:fld id="{3A09F30C-BD4A-4F53-8094-1E8EEF0ED955}" type="datetimeFigureOut">
               <a:rPr lang="en-US" smtClean="0"/>
-              <a:t>5/27/2022</a:t>
+              <a:t>7/28/2022</a:t>
             </a:fld>
             <a:endParaRPr lang="en-US"/>
           </a:p>
@@ -1692,7 +1700,7 @@
           <a:p>
             <a:fld id="{16DED50F-CE44-4FEB-A0B6-020984C8B334}" type="datetime1">
               <a:rPr lang="en-US" smtClean="0"/>
-              <a:t>5/27/2022</a:t>
+              <a:t>7/28/2022</a:t>
             </a:fld>
             <a:endParaRPr lang="en-US"/>
           </a:p>
@@ -1890,7 +1898,7 @@
           <a:p>
             <a:fld id="{4993B785-5109-4F0C-8A45-1D357F8C956E}" type="datetime1">
               <a:rPr lang="en-US" smtClean="0"/>
-              <a:t>5/27/2022</a:t>
+              <a:t>7/28/2022</a:t>
             </a:fld>
             <a:endParaRPr lang="en-US"/>
           </a:p>
@@ -2098,7 +2106,7 @@
           <a:p>
             <a:fld id="{51933219-9E35-427C-8F72-9A68CF15867E}" type="datetime1">
               <a:rPr lang="en-US" smtClean="0"/>
-              <a:t>5/27/2022</a:t>
+              <a:t>7/28/2022</a:t>
             </a:fld>
             <a:endParaRPr lang="en-US"/>
           </a:p>
@@ -2296,7 +2304,7 @@
           <a:p>
             <a:fld id="{715729B3-8CCF-4A5D-A259-92F3837FB75D}" type="datetime1">
               <a:rPr lang="en-US" smtClean="0"/>
-              <a:t>5/27/2022</a:t>
+              <a:t>7/28/2022</a:t>
             </a:fld>
             <a:endParaRPr lang="en-US"/>
           </a:p>
@@ -2571,7 +2579,7 @@
           <a:p>
             <a:fld id="{62330523-CD6F-4F1F-ACB6-47645FE84133}" type="datetime1">
               <a:rPr lang="en-US" smtClean="0"/>
-              <a:t>5/27/2022</a:t>
+              <a:t>7/28/2022</a:t>
             </a:fld>
             <a:endParaRPr lang="en-US"/>
           </a:p>
@@ -2836,7 +2844,7 @@
           <a:p>
             <a:fld id="{7B3E5AFD-CBFC-4458-948E-9099193666AB}" type="datetime1">
               <a:rPr lang="en-US" smtClean="0"/>
-              <a:t>5/27/2022</a:t>
+              <a:t>7/28/2022</a:t>
             </a:fld>
             <a:endParaRPr lang="en-US"/>
           </a:p>
@@ -3248,7 +3256,7 @@
           <a:p>
             <a:fld id="{1B9F1707-E2D5-4E27-B039-49EC2082F5C5}" type="datetime1">
               <a:rPr lang="en-US" smtClean="0"/>
-              <a:t>5/27/2022</a:t>
+              <a:t>7/28/2022</a:t>
             </a:fld>
             <a:endParaRPr lang="en-US"/>
           </a:p>
@@ -3389,7 +3397,7 @@
           <a:p>
             <a:fld id="{FE9A2D3E-9B56-4FF6-B53A-0E3463CDB609}" type="datetime1">
               <a:rPr lang="en-US" smtClean="0"/>
-              <a:t>5/27/2022</a:t>
+              <a:t>7/28/2022</a:t>
             </a:fld>
             <a:endParaRPr lang="en-US"/>
           </a:p>
@@ -3502,7 +3510,7 @@
           <a:p>
             <a:fld id="{3EDABDA2-90FD-4EF1-BD28-44E6679605CC}" type="datetime1">
               <a:rPr lang="en-US" smtClean="0"/>
-              <a:t>5/27/2022</a:t>
+              <a:t>7/28/2022</a:t>
             </a:fld>
             <a:endParaRPr lang="en-US"/>
           </a:p>
@@ -3813,7 +3821,7 @@
           <a:p>
             <a:fld id="{6C600355-0254-47DB-AB4A-2DF80220E5BA}" type="datetime1">
               <a:rPr lang="en-US" smtClean="0"/>
-              <a:t>5/27/2022</a:t>
+              <a:t>7/28/2022</a:t>
             </a:fld>
             <a:endParaRPr lang="en-US"/>
           </a:p>
@@ -4101,7 +4109,7 @@
           <a:p>
             <a:fld id="{20406DAE-025E-4688-A90F-442AA99E92B6}" type="datetime1">
               <a:rPr lang="en-US" smtClean="0"/>
-              <a:t>5/27/2022</a:t>
+              <a:t>7/28/2022</a:t>
             </a:fld>
             <a:endParaRPr lang="en-US"/>
           </a:p>
@@ -4342,7 +4350,7 @@
           <a:p>
             <a:fld id="{B35FAE98-0B4E-4747-B1D0-CDF6491B9D63}" type="datetime1">
               <a:rPr lang="en-US" smtClean="0"/>
-              <a:t>5/27/2022</a:t>
+              <a:t>7/28/2022</a:t>
             </a:fld>
             <a:endParaRPr lang="en-US"/>
           </a:p>
@@ -6203,6 +6211,1133 @@
       </p:grpSpPr>
       <p:sp>
         <p:nvSpPr>
+          <p:cNvPr id="3" name="Title 2">
+            <a:extLst>
+              <a:ext uri="{FF2B5EF4-FFF2-40B4-BE49-F238E27FC236}">
+                <a16:creationId xmlns:a16="http://schemas.microsoft.com/office/drawing/2014/main" id="{490E8645-EFC2-458E-9CBE-D60AEC4689E1}"/>
+              </a:ext>
+            </a:extLst>
+          </p:cNvPr>
+          <p:cNvSpPr>
+            <a:spLocks noGrp="1"/>
+          </p:cNvSpPr>
+          <p:nvPr>
+            <p:ph type="title"/>
+          </p:nvPr>
+        </p:nvSpPr>
+        <p:spPr/>
+        <p:txBody>
+          <a:bodyPr/>
+          <a:lstStyle/>
+          <a:p>
+            <a:r>
+              <a:rPr lang="en-US" dirty="0"/>
+              <a:t>Work Progress</a:t>
+            </a:r>
+          </a:p>
+        </p:txBody>
+      </p:sp>
+      <p:sp>
+        <p:nvSpPr>
+          <p:cNvPr id="4" name="Content Placeholder 3">
+            <a:extLst>
+              <a:ext uri="{FF2B5EF4-FFF2-40B4-BE49-F238E27FC236}">
+                <a16:creationId xmlns:a16="http://schemas.microsoft.com/office/drawing/2014/main" id="{8901BC84-DD07-488B-97D8-391FE15E472C}"/>
+              </a:ext>
+            </a:extLst>
+          </p:cNvPr>
+          <p:cNvSpPr>
+            <a:spLocks noGrp="1"/>
+          </p:cNvSpPr>
+          <p:nvPr>
+            <p:ph idx="1"/>
+          </p:nvPr>
+        </p:nvSpPr>
+        <p:spPr/>
+        <p:txBody>
+          <a:bodyPr/>
+          <a:lstStyle/>
+          <a:p>
+            <a:r>
+              <a:rPr lang="en-US" dirty="0"/>
+              <a:t>Research Works</a:t>
+            </a:r>
+          </a:p>
+          <a:p>
+            <a:r>
+              <a:rPr lang="en-US" dirty="0"/>
+              <a:t>Hardware Works</a:t>
+            </a:r>
+          </a:p>
+          <a:p>
+            <a:r>
+              <a:rPr lang="en-US" dirty="0"/>
+              <a:t>Software Works</a:t>
+            </a:r>
+          </a:p>
+        </p:txBody>
+      </p:sp>
+      <p:sp>
+        <p:nvSpPr>
+          <p:cNvPr id="2" name="Slide Number Placeholder 1">
+            <a:extLst>
+              <a:ext uri="{FF2B5EF4-FFF2-40B4-BE49-F238E27FC236}">
+                <a16:creationId xmlns:a16="http://schemas.microsoft.com/office/drawing/2014/main" id="{4EDECA5C-CE1F-4EE0-AC6E-F9BB95F334FC}"/>
+              </a:ext>
+            </a:extLst>
+          </p:cNvPr>
+          <p:cNvSpPr>
+            <a:spLocks noGrp="1"/>
+          </p:cNvSpPr>
+          <p:nvPr>
+            <p:ph type="sldNum" sz="quarter" idx="12"/>
+          </p:nvPr>
+        </p:nvSpPr>
+        <p:spPr/>
+        <p:txBody>
+          <a:bodyPr/>
+          <a:lstStyle/>
+          <a:p>
+            <a:fld id="{8ABD9A93-A63E-4048-A90A-76F0C4F81214}" type="slidenum">
+              <a:rPr lang="en-US" smtClean="0"/>
+              <a:t>16</a:t>
+            </a:fld>
+            <a:endParaRPr lang="en-US"/>
+          </a:p>
+        </p:txBody>
+      </p:sp>
+    </p:spTree>
+    <p:extLst>
+      <p:ext uri="{BB962C8B-B14F-4D97-AF65-F5344CB8AC3E}">
+        <p14:creationId xmlns:p14="http://schemas.microsoft.com/office/powerpoint/2010/main" val="1579491529"/>
+      </p:ext>
+    </p:extLst>
+  </p:cSld>
+  <p:clrMapOvr>
+    <a:masterClrMapping/>
+  </p:clrMapOvr>
+</p:sld>
+</file>
+
+<file path=ppt/slides/slide17.xml><?xml version="1.0" encoding="utf-8"?>
+<p:sld xmlns:a="http://schemas.openxmlformats.org/drawingml/2006/main" xmlns:r="http://schemas.openxmlformats.org/officeDocument/2006/relationships" xmlns:p="http://schemas.openxmlformats.org/presentationml/2006/main">
+  <p:cSld>
+    <p:spTree>
+      <p:nvGrpSpPr>
+        <p:cNvPr id="1" name=""/>
+        <p:cNvGrpSpPr/>
+        <p:nvPr/>
+      </p:nvGrpSpPr>
+      <p:grpSpPr>
+        <a:xfrm>
+          <a:off x="0" y="0"/>
+          <a:ext cx="0" cy="0"/>
+          <a:chOff x="0" y="0"/>
+          <a:chExt cx="0" cy="0"/>
+        </a:xfrm>
+      </p:grpSpPr>
+      <p:sp>
+        <p:nvSpPr>
+          <p:cNvPr id="3" name="Title 2">
+            <a:extLst>
+              <a:ext uri="{FF2B5EF4-FFF2-40B4-BE49-F238E27FC236}">
+                <a16:creationId xmlns:a16="http://schemas.microsoft.com/office/drawing/2014/main" id="{C90BED33-C7DC-416B-B80B-953F14636A1E}"/>
+              </a:ext>
+            </a:extLst>
+          </p:cNvPr>
+          <p:cNvSpPr>
+            <a:spLocks noGrp="1"/>
+          </p:cNvSpPr>
+          <p:nvPr>
+            <p:ph type="ctrTitle"/>
+          </p:nvPr>
+        </p:nvSpPr>
+        <p:spPr/>
+        <p:txBody>
+          <a:bodyPr/>
+          <a:lstStyle/>
+          <a:p>
+            <a:r>
+              <a:rPr lang="en-US" dirty="0"/>
+              <a:t>Research Works</a:t>
+            </a:r>
+          </a:p>
+        </p:txBody>
+      </p:sp>
+      <p:sp>
+        <p:nvSpPr>
+          <p:cNvPr id="4" name="Subtitle 3">
+            <a:extLst>
+              <a:ext uri="{FF2B5EF4-FFF2-40B4-BE49-F238E27FC236}">
+                <a16:creationId xmlns:a16="http://schemas.microsoft.com/office/drawing/2014/main" id="{6A1215A8-419D-4106-A6DA-6B65949E660F}"/>
+              </a:ext>
+            </a:extLst>
+          </p:cNvPr>
+          <p:cNvSpPr>
+            <a:spLocks noGrp="1"/>
+          </p:cNvSpPr>
+          <p:nvPr>
+            <p:ph type="subTitle" idx="1"/>
+          </p:nvPr>
+        </p:nvSpPr>
+        <p:spPr/>
+        <p:txBody>
+          <a:bodyPr/>
+          <a:lstStyle/>
+          <a:p>
+            <a:endParaRPr lang="en-US"/>
+          </a:p>
+        </p:txBody>
+      </p:sp>
+      <p:sp>
+        <p:nvSpPr>
+          <p:cNvPr id="2" name="Slide Number Placeholder 1">
+            <a:extLst>
+              <a:ext uri="{FF2B5EF4-FFF2-40B4-BE49-F238E27FC236}">
+                <a16:creationId xmlns:a16="http://schemas.microsoft.com/office/drawing/2014/main" id="{BE45E39A-C2AC-4773-956B-8394291B360C}"/>
+              </a:ext>
+            </a:extLst>
+          </p:cNvPr>
+          <p:cNvSpPr>
+            <a:spLocks noGrp="1"/>
+          </p:cNvSpPr>
+          <p:nvPr>
+            <p:ph type="sldNum" sz="quarter" idx="12"/>
+          </p:nvPr>
+        </p:nvSpPr>
+        <p:spPr/>
+        <p:txBody>
+          <a:bodyPr/>
+          <a:lstStyle/>
+          <a:p>
+            <a:fld id="{8ABD9A93-A63E-4048-A90A-76F0C4F81214}" type="slidenum">
+              <a:rPr lang="en-US" smtClean="0"/>
+              <a:t>17</a:t>
+            </a:fld>
+            <a:endParaRPr lang="en-US"/>
+          </a:p>
+        </p:txBody>
+      </p:sp>
+    </p:spTree>
+    <p:extLst>
+      <p:ext uri="{BB962C8B-B14F-4D97-AF65-F5344CB8AC3E}">
+        <p14:creationId xmlns:p14="http://schemas.microsoft.com/office/powerpoint/2010/main" val="1675369311"/>
+      </p:ext>
+    </p:extLst>
+  </p:cSld>
+  <p:clrMapOvr>
+    <a:masterClrMapping/>
+  </p:clrMapOvr>
+</p:sld>
+</file>
+
+<file path=ppt/slides/slide18.xml><?xml version="1.0" encoding="utf-8"?>
+<p:sld xmlns:a="http://schemas.openxmlformats.org/drawingml/2006/main" xmlns:r="http://schemas.openxmlformats.org/officeDocument/2006/relationships" xmlns:p="http://schemas.openxmlformats.org/presentationml/2006/main">
+  <p:cSld>
+    <p:spTree>
+      <p:nvGrpSpPr>
+        <p:cNvPr id="1" name=""/>
+        <p:cNvGrpSpPr/>
+        <p:nvPr/>
+      </p:nvGrpSpPr>
+      <p:grpSpPr>
+        <a:xfrm>
+          <a:off x="0" y="0"/>
+          <a:ext cx="0" cy="0"/>
+          <a:chOff x="0" y="0"/>
+          <a:chExt cx="0" cy="0"/>
+        </a:xfrm>
+      </p:grpSpPr>
+      <p:sp>
+        <p:nvSpPr>
+          <p:cNvPr id="2" name="Title 1">
+            <a:extLst>
+              <a:ext uri="{FF2B5EF4-FFF2-40B4-BE49-F238E27FC236}">
+                <a16:creationId xmlns:a16="http://schemas.microsoft.com/office/drawing/2014/main" id="{3F0E235B-AAF4-4315-B44E-8001AA269205}"/>
+              </a:ext>
+            </a:extLst>
+          </p:cNvPr>
+          <p:cNvSpPr>
+            <a:spLocks noGrp="1"/>
+          </p:cNvSpPr>
+          <p:nvPr>
+            <p:ph type="title"/>
+          </p:nvPr>
+        </p:nvSpPr>
+        <p:spPr/>
+        <p:txBody>
+          <a:bodyPr/>
+          <a:lstStyle/>
+          <a:p>
+            <a:r>
+              <a:rPr lang="en-US" dirty="0"/>
+              <a:t>Why Random Forest classifier?</a:t>
+            </a:r>
+          </a:p>
+        </p:txBody>
+      </p:sp>
+      <p:sp>
+        <p:nvSpPr>
+          <p:cNvPr id="3" name="Content Placeholder 2">
+            <a:extLst>
+              <a:ext uri="{FF2B5EF4-FFF2-40B4-BE49-F238E27FC236}">
+                <a16:creationId xmlns:a16="http://schemas.microsoft.com/office/drawing/2014/main" id="{85CB37AC-9E0E-4B7A-891E-E15833EB22F4}"/>
+              </a:ext>
+            </a:extLst>
+          </p:cNvPr>
+          <p:cNvSpPr>
+            <a:spLocks noGrp="1"/>
+          </p:cNvSpPr>
+          <p:nvPr>
+            <p:ph idx="1"/>
+          </p:nvPr>
+        </p:nvSpPr>
+        <p:spPr/>
+        <p:txBody>
+          <a:bodyPr/>
+          <a:lstStyle/>
+          <a:p>
+            <a:r>
+              <a:rPr lang="en-US" dirty="0"/>
+              <a:t>Neural Networks can not be used as no threshold or bias factors are required.</a:t>
+            </a:r>
+          </a:p>
+          <a:p>
+            <a:r>
+              <a:rPr lang="en-US" dirty="0"/>
+              <a:t>Regression models requires correlation between datasets.</a:t>
+            </a:r>
+          </a:p>
+          <a:p>
+            <a:r>
+              <a:rPr lang="en-US" dirty="0"/>
+              <a:t>Support vector machine is best suited for two class problems.</a:t>
+            </a:r>
+          </a:p>
+          <a:p>
+            <a:r>
+              <a:rPr lang="en-US" dirty="0"/>
+              <a:t>K-Nearest </a:t>
+            </a:r>
+            <a:r>
+              <a:rPr lang="en-US" dirty="0" err="1"/>
+              <a:t>Neighbour</a:t>
+            </a:r>
+            <a:r>
+              <a:rPr lang="en-US" dirty="0"/>
+              <a:t> assumes similar data to be near each other.</a:t>
+            </a:r>
+          </a:p>
+          <a:p>
+            <a:r>
+              <a:rPr lang="en-US" dirty="0"/>
+              <a:t>Naïve Bayes takes a probabilistic approach but we need accuracy.</a:t>
+            </a:r>
+          </a:p>
+          <a:p>
+            <a:r>
+              <a:rPr lang="en-US" dirty="0"/>
+              <a:t> In all, Random Forest is best.</a:t>
+            </a:r>
+          </a:p>
+          <a:p>
+            <a:endParaRPr lang="en-US" dirty="0"/>
+          </a:p>
+        </p:txBody>
+      </p:sp>
+      <p:sp>
+        <p:nvSpPr>
+          <p:cNvPr id="4" name="Slide Number Placeholder 3">
+            <a:extLst>
+              <a:ext uri="{FF2B5EF4-FFF2-40B4-BE49-F238E27FC236}">
+                <a16:creationId xmlns:a16="http://schemas.microsoft.com/office/drawing/2014/main" id="{CA6DE0B3-BF39-4782-A31A-3FC3CA462BC0}"/>
+              </a:ext>
+            </a:extLst>
+          </p:cNvPr>
+          <p:cNvSpPr>
+            <a:spLocks noGrp="1"/>
+          </p:cNvSpPr>
+          <p:nvPr>
+            <p:ph type="sldNum" sz="quarter" idx="12"/>
+          </p:nvPr>
+        </p:nvSpPr>
+        <p:spPr/>
+        <p:txBody>
+          <a:bodyPr/>
+          <a:lstStyle/>
+          <a:p>
+            <a:fld id="{8ABD9A93-A63E-4048-A90A-76F0C4F81214}" type="slidenum">
+              <a:rPr lang="en-US" smtClean="0"/>
+              <a:t>18</a:t>
+            </a:fld>
+            <a:endParaRPr lang="en-US"/>
+          </a:p>
+        </p:txBody>
+      </p:sp>
+    </p:spTree>
+    <p:extLst>
+      <p:ext uri="{BB962C8B-B14F-4D97-AF65-F5344CB8AC3E}">
+        <p14:creationId xmlns:p14="http://schemas.microsoft.com/office/powerpoint/2010/main" val="3433476898"/>
+      </p:ext>
+    </p:extLst>
+  </p:cSld>
+  <p:clrMapOvr>
+    <a:masterClrMapping/>
+  </p:clrMapOvr>
+</p:sld>
+</file>
+
+<file path=ppt/slides/slide19.xml><?xml version="1.0" encoding="utf-8"?>
+<p:sld xmlns:a="http://schemas.openxmlformats.org/drawingml/2006/main" xmlns:r="http://schemas.openxmlformats.org/officeDocument/2006/relationships" xmlns:p="http://schemas.openxmlformats.org/presentationml/2006/main">
+  <p:cSld>
+    <p:spTree>
+      <p:nvGrpSpPr>
+        <p:cNvPr id="1" name=""/>
+        <p:cNvGrpSpPr/>
+        <p:nvPr/>
+      </p:nvGrpSpPr>
+      <p:grpSpPr>
+        <a:xfrm>
+          <a:off x="0" y="0"/>
+          <a:ext cx="0" cy="0"/>
+          <a:chOff x="0" y="0"/>
+          <a:chExt cx="0" cy="0"/>
+        </a:xfrm>
+      </p:grpSpPr>
+      <p:sp>
+        <p:nvSpPr>
+          <p:cNvPr id="5" name="Title 4">
+            <a:extLst>
+              <a:ext uri="{FF2B5EF4-FFF2-40B4-BE49-F238E27FC236}">
+                <a16:creationId xmlns:a16="http://schemas.microsoft.com/office/drawing/2014/main" id="{089CA0F3-F20A-4C87-B9B3-E2032266CB6D}"/>
+              </a:ext>
+            </a:extLst>
+          </p:cNvPr>
+          <p:cNvSpPr>
+            <a:spLocks noGrp="1"/>
+          </p:cNvSpPr>
+          <p:nvPr>
+            <p:ph type="ctrTitle"/>
+          </p:nvPr>
+        </p:nvSpPr>
+        <p:spPr/>
+        <p:txBody>
+          <a:bodyPr/>
+          <a:lstStyle/>
+          <a:p>
+            <a:r>
+              <a:rPr lang="en-US" dirty="0"/>
+              <a:t>Hardware Works</a:t>
+            </a:r>
+          </a:p>
+        </p:txBody>
+      </p:sp>
+      <p:sp>
+        <p:nvSpPr>
+          <p:cNvPr id="8" name="Subtitle 7">
+            <a:extLst>
+              <a:ext uri="{FF2B5EF4-FFF2-40B4-BE49-F238E27FC236}">
+                <a16:creationId xmlns:a16="http://schemas.microsoft.com/office/drawing/2014/main" id="{11CADDBF-B1F8-49B7-8EEF-57C82FA738FB}"/>
+              </a:ext>
+            </a:extLst>
+          </p:cNvPr>
+          <p:cNvSpPr>
+            <a:spLocks noGrp="1"/>
+          </p:cNvSpPr>
+          <p:nvPr>
+            <p:ph type="subTitle" idx="1"/>
+          </p:nvPr>
+        </p:nvSpPr>
+        <p:spPr/>
+        <p:txBody>
+          <a:bodyPr/>
+          <a:lstStyle/>
+          <a:p>
+            <a:endParaRPr lang="en-US"/>
+          </a:p>
+        </p:txBody>
+      </p:sp>
+      <p:sp>
+        <p:nvSpPr>
+          <p:cNvPr id="4" name="Slide Number Placeholder 3">
+            <a:extLst>
+              <a:ext uri="{FF2B5EF4-FFF2-40B4-BE49-F238E27FC236}">
+                <a16:creationId xmlns:a16="http://schemas.microsoft.com/office/drawing/2014/main" id="{5C8E13D2-20A8-4082-A101-B995DAEE8887}"/>
+              </a:ext>
+            </a:extLst>
+          </p:cNvPr>
+          <p:cNvSpPr>
+            <a:spLocks noGrp="1"/>
+          </p:cNvSpPr>
+          <p:nvPr>
+            <p:ph type="sldNum" sz="quarter" idx="12"/>
+          </p:nvPr>
+        </p:nvSpPr>
+        <p:spPr/>
+        <p:txBody>
+          <a:bodyPr/>
+          <a:lstStyle/>
+          <a:p>
+            <a:fld id="{8ABD9A93-A63E-4048-A90A-76F0C4F81214}" type="slidenum">
+              <a:rPr lang="en-US" smtClean="0"/>
+              <a:t>19</a:t>
+            </a:fld>
+            <a:endParaRPr lang="en-US"/>
+          </a:p>
+        </p:txBody>
+      </p:sp>
+    </p:spTree>
+    <p:extLst>
+      <p:ext uri="{BB962C8B-B14F-4D97-AF65-F5344CB8AC3E}">
+        <p14:creationId xmlns:p14="http://schemas.microsoft.com/office/powerpoint/2010/main" val="2045448695"/>
+      </p:ext>
+    </p:extLst>
+  </p:cSld>
+  <p:clrMapOvr>
+    <a:masterClrMapping/>
+  </p:clrMapOvr>
+</p:sld>
+</file>
+
+<file path=ppt/slides/slide2.xml><?xml version="1.0" encoding="utf-8"?>
+<p:sld xmlns:a="http://schemas.openxmlformats.org/drawingml/2006/main" xmlns:r="http://schemas.openxmlformats.org/officeDocument/2006/relationships" xmlns:p="http://schemas.openxmlformats.org/presentationml/2006/main">
+  <p:cSld>
+    <p:spTree>
+      <p:nvGrpSpPr>
+        <p:cNvPr id="1" name=""/>
+        <p:cNvGrpSpPr/>
+        <p:nvPr/>
+      </p:nvGrpSpPr>
+      <p:grpSpPr>
+        <a:xfrm>
+          <a:off x="0" y="0"/>
+          <a:ext cx="0" cy="0"/>
+          <a:chOff x="0" y="0"/>
+          <a:chExt cx="0" cy="0"/>
+        </a:xfrm>
+      </p:grpSpPr>
+      <p:sp>
+        <p:nvSpPr>
+          <p:cNvPr id="2" name="Title 1">
+            <a:extLst>
+              <a:ext uri="{FF2B5EF4-FFF2-40B4-BE49-F238E27FC236}">
+                <a16:creationId xmlns:a16="http://schemas.microsoft.com/office/drawing/2014/main" id="{41516F92-0859-499C-9F7E-8B86D284426D}"/>
+              </a:ext>
+            </a:extLst>
+          </p:cNvPr>
+          <p:cNvSpPr>
+            <a:spLocks noGrp="1"/>
+          </p:cNvSpPr>
+          <p:nvPr>
+            <p:ph type="title"/>
+          </p:nvPr>
+        </p:nvSpPr>
+        <p:spPr/>
+        <p:txBody>
+          <a:bodyPr>
+            <a:normAutofit/>
+          </a:bodyPr>
+          <a:lstStyle/>
+          <a:p>
+            <a:pPr algn="ctr"/>
+            <a:r>
+              <a:rPr lang="en-US" sz="4800" b="1" dirty="0">
+                <a:effectLst>
+                  <a:outerShdw blurRad="38100" dist="38100" dir="2700000" algn="tl">
+                    <a:srgbClr val="000000">
+                      <a:alpha val="43137"/>
+                    </a:srgbClr>
+                  </a:outerShdw>
+                </a:effectLst>
+                <a:latin typeface="Times New Roman" panose="02020603050405020304" pitchFamily="18" charset="0"/>
+                <a:cs typeface="Times New Roman" panose="02020603050405020304" pitchFamily="18" charset="0"/>
+              </a:rPr>
+              <a:t>Contents</a:t>
+            </a:r>
+          </a:p>
+        </p:txBody>
+      </p:sp>
+      <p:sp>
+        <p:nvSpPr>
+          <p:cNvPr id="3" name="Content Placeholder 2">
+            <a:extLst>
+              <a:ext uri="{FF2B5EF4-FFF2-40B4-BE49-F238E27FC236}">
+                <a16:creationId xmlns:a16="http://schemas.microsoft.com/office/drawing/2014/main" id="{9F9BAE03-EAF6-4D5D-933A-F44EA2EC3068}"/>
+              </a:ext>
+            </a:extLst>
+          </p:cNvPr>
+          <p:cNvSpPr>
+            <a:spLocks noGrp="1"/>
+          </p:cNvSpPr>
+          <p:nvPr>
+            <p:ph idx="1"/>
+          </p:nvPr>
+        </p:nvSpPr>
+        <p:spPr>
+          <a:xfrm>
+            <a:off x="1125071" y="1847850"/>
+            <a:ext cx="10515600" cy="4351338"/>
+          </a:xfrm>
+        </p:spPr>
+        <p:txBody>
+          <a:bodyPr/>
+          <a:lstStyle/>
+          <a:p>
+            <a:r>
+              <a:rPr lang="en-US" dirty="0">
+                <a:latin typeface="Times New Roman" panose="02020603050405020304" pitchFamily="18" charset="0"/>
+                <a:cs typeface="Times New Roman" panose="02020603050405020304" pitchFamily="18" charset="0"/>
+              </a:rPr>
+              <a:t>Introduction</a:t>
+            </a:r>
+          </a:p>
+          <a:p>
+            <a:r>
+              <a:rPr lang="en-US" dirty="0">
+                <a:latin typeface="Times New Roman" panose="02020603050405020304" pitchFamily="18" charset="0"/>
+                <a:cs typeface="Times New Roman" panose="02020603050405020304" pitchFamily="18" charset="0"/>
+              </a:rPr>
+              <a:t>Objectives</a:t>
+            </a:r>
+          </a:p>
+          <a:p>
+            <a:r>
+              <a:rPr lang="en-US" dirty="0">
+                <a:latin typeface="Times New Roman" panose="02020603050405020304" pitchFamily="18" charset="0"/>
+                <a:cs typeface="Times New Roman" panose="02020603050405020304" pitchFamily="18" charset="0"/>
+              </a:rPr>
+              <a:t>Problem Statement</a:t>
+            </a:r>
+          </a:p>
+          <a:p>
+            <a:r>
+              <a:rPr lang="en-US" dirty="0">
+                <a:latin typeface="Times New Roman" panose="02020603050405020304" pitchFamily="18" charset="0"/>
+                <a:cs typeface="Times New Roman" panose="02020603050405020304" pitchFamily="18" charset="0"/>
+              </a:rPr>
+              <a:t>Applications</a:t>
+            </a:r>
+          </a:p>
+          <a:p>
+            <a:r>
+              <a:rPr lang="en-US" dirty="0">
+                <a:latin typeface="Times New Roman" panose="02020603050405020304" pitchFamily="18" charset="0"/>
+                <a:cs typeface="Times New Roman" panose="02020603050405020304" pitchFamily="18" charset="0"/>
+              </a:rPr>
+              <a:t>Methodology</a:t>
+            </a:r>
+          </a:p>
+          <a:p>
+            <a:r>
+              <a:rPr lang="en-US" dirty="0">
+                <a:latin typeface="Times New Roman" panose="02020603050405020304" pitchFamily="18" charset="0"/>
+                <a:cs typeface="Times New Roman" panose="02020603050405020304" pitchFamily="18" charset="0"/>
+              </a:rPr>
+              <a:t>Gantt Chart</a:t>
+            </a:r>
+          </a:p>
+          <a:p>
+            <a:r>
+              <a:rPr lang="en-US" dirty="0">
+                <a:latin typeface="Times New Roman" panose="02020603050405020304" pitchFamily="18" charset="0"/>
+                <a:cs typeface="Times New Roman" panose="02020603050405020304" pitchFamily="18" charset="0"/>
+              </a:rPr>
+              <a:t>Expected Output</a:t>
+            </a:r>
+          </a:p>
+        </p:txBody>
+      </p:sp>
+      <p:sp>
+        <p:nvSpPr>
+          <p:cNvPr id="4" name="Slide Number Placeholder 3">
+            <a:extLst>
+              <a:ext uri="{FF2B5EF4-FFF2-40B4-BE49-F238E27FC236}">
+                <a16:creationId xmlns:a16="http://schemas.microsoft.com/office/drawing/2014/main" id="{FD1D6C57-0164-A4C7-B968-D5EFB90A82F3}"/>
+              </a:ext>
+            </a:extLst>
+          </p:cNvPr>
+          <p:cNvSpPr>
+            <a:spLocks noGrp="1"/>
+          </p:cNvSpPr>
+          <p:nvPr>
+            <p:ph type="sldNum" sz="quarter" idx="12"/>
+          </p:nvPr>
+        </p:nvSpPr>
+        <p:spPr/>
+        <p:txBody>
+          <a:bodyPr/>
+          <a:lstStyle/>
+          <a:p>
+            <a:fld id="{8ABD9A93-A63E-4048-A90A-76F0C4F81214}" type="slidenum">
+              <a:rPr lang="en-US" smtClean="0"/>
+              <a:t>2</a:t>
+            </a:fld>
+            <a:endParaRPr lang="en-US"/>
+          </a:p>
+        </p:txBody>
+      </p:sp>
+    </p:spTree>
+    <p:extLst>
+      <p:ext uri="{BB962C8B-B14F-4D97-AF65-F5344CB8AC3E}">
+        <p14:creationId xmlns:p14="http://schemas.microsoft.com/office/powerpoint/2010/main" val="138582175"/>
+      </p:ext>
+    </p:extLst>
+  </p:cSld>
+  <p:clrMapOvr>
+    <a:masterClrMapping/>
+  </p:clrMapOvr>
+</p:sld>
+</file>
+
+<file path=ppt/slides/slide20.xml><?xml version="1.0" encoding="utf-8"?>
+<p:sld xmlns:a="http://schemas.openxmlformats.org/drawingml/2006/main" xmlns:r="http://schemas.openxmlformats.org/officeDocument/2006/relationships" xmlns:p="http://schemas.openxmlformats.org/presentationml/2006/main">
+  <p:cSld>
+    <p:spTree>
+      <p:nvGrpSpPr>
+        <p:cNvPr id="1" name=""/>
+        <p:cNvGrpSpPr/>
+        <p:nvPr/>
+      </p:nvGrpSpPr>
+      <p:grpSpPr>
+        <a:xfrm>
+          <a:off x="0" y="0"/>
+          <a:ext cx="0" cy="0"/>
+          <a:chOff x="0" y="0"/>
+          <a:chExt cx="0" cy="0"/>
+        </a:xfrm>
+      </p:grpSpPr>
+      <p:sp>
+        <p:nvSpPr>
+          <p:cNvPr id="2" name="Title 1">
+            <a:extLst>
+              <a:ext uri="{FF2B5EF4-FFF2-40B4-BE49-F238E27FC236}">
+                <a16:creationId xmlns:a16="http://schemas.microsoft.com/office/drawing/2014/main" id="{9837C9B9-C9F8-4E1E-A761-182FB832A8F9}"/>
+              </a:ext>
+            </a:extLst>
+          </p:cNvPr>
+          <p:cNvSpPr>
+            <a:spLocks noGrp="1"/>
+          </p:cNvSpPr>
+          <p:nvPr>
+            <p:ph type="title"/>
+          </p:nvPr>
+        </p:nvSpPr>
+        <p:spPr/>
+        <p:txBody>
+          <a:bodyPr/>
+          <a:lstStyle/>
+          <a:p>
+            <a:r>
+              <a:rPr lang="en-US" dirty="0"/>
+              <a:t>Basic Interfacing</a:t>
+            </a:r>
+          </a:p>
+        </p:txBody>
+      </p:sp>
+      <p:sp>
+        <p:nvSpPr>
+          <p:cNvPr id="3" name="Content Placeholder 2">
+            <a:extLst>
+              <a:ext uri="{FF2B5EF4-FFF2-40B4-BE49-F238E27FC236}">
+                <a16:creationId xmlns:a16="http://schemas.microsoft.com/office/drawing/2014/main" id="{70B7AE18-A6B2-4665-B2A7-DB34DE025DA1}"/>
+              </a:ext>
+            </a:extLst>
+          </p:cNvPr>
+          <p:cNvSpPr>
+            <a:spLocks noGrp="1"/>
+          </p:cNvSpPr>
+          <p:nvPr>
+            <p:ph idx="1"/>
+          </p:nvPr>
+        </p:nvSpPr>
+        <p:spPr/>
+        <p:txBody>
+          <a:bodyPr/>
+          <a:lstStyle/>
+          <a:p>
+            <a:endParaRPr lang="en-US" dirty="0"/>
+          </a:p>
+        </p:txBody>
+      </p:sp>
+      <p:sp>
+        <p:nvSpPr>
+          <p:cNvPr id="4" name="Slide Number Placeholder 3">
+            <a:extLst>
+              <a:ext uri="{FF2B5EF4-FFF2-40B4-BE49-F238E27FC236}">
+                <a16:creationId xmlns:a16="http://schemas.microsoft.com/office/drawing/2014/main" id="{D90F8CBF-9E23-490C-88E3-B60DB4C0FC7F}"/>
+              </a:ext>
+            </a:extLst>
+          </p:cNvPr>
+          <p:cNvSpPr>
+            <a:spLocks noGrp="1"/>
+          </p:cNvSpPr>
+          <p:nvPr>
+            <p:ph type="sldNum" sz="quarter" idx="12"/>
+          </p:nvPr>
+        </p:nvSpPr>
+        <p:spPr/>
+        <p:txBody>
+          <a:bodyPr/>
+          <a:lstStyle/>
+          <a:p>
+            <a:fld id="{8ABD9A93-A63E-4048-A90A-76F0C4F81214}" type="slidenum">
+              <a:rPr lang="en-US" smtClean="0"/>
+              <a:t>20</a:t>
+            </a:fld>
+            <a:endParaRPr lang="en-US"/>
+          </a:p>
+        </p:txBody>
+      </p:sp>
+    </p:spTree>
+    <p:extLst>
+      <p:ext uri="{BB962C8B-B14F-4D97-AF65-F5344CB8AC3E}">
+        <p14:creationId xmlns:p14="http://schemas.microsoft.com/office/powerpoint/2010/main" val="2604221188"/>
+      </p:ext>
+    </p:extLst>
+  </p:cSld>
+  <p:clrMapOvr>
+    <a:masterClrMapping/>
+  </p:clrMapOvr>
+</p:sld>
+</file>
+
+<file path=ppt/slides/slide21.xml><?xml version="1.0" encoding="utf-8"?>
+<p:sld xmlns:a="http://schemas.openxmlformats.org/drawingml/2006/main" xmlns:r="http://schemas.openxmlformats.org/officeDocument/2006/relationships" xmlns:p="http://schemas.openxmlformats.org/presentationml/2006/main">
+  <p:cSld>
+    <p:spTree>
+      <p:nvGrpSpPr>
+        <p:cNvPr id="1" name=""/>
+        <p:cNvGrpSpPr/>
+        <p:nvPr/>
+      </p:nvGrpSpPr>
+      <p:grpSpPr>
+        <a:xfrm>
+          <a:off x="0" y="0"/>
+          <a:ext cx="0" cy="0"/>
+          <a:chOff x="0" y="0"/>
+          <a:chExt cx="0" cy="0"/>
+        </a:xfrm>
+      </p:grpSpPr>
+      <p:sp>
+        <p:nvSpPr>
+          <p:cNvPr id="2" name="Title 1">
+            <a:extLst>
+              <a:ext uri="{FF2B5EF4-FFF2-40B4-BE49-F238E27FC236}">
+                <a16:creationId xmlns:a16="http://schemas.microsoft.com/office/drawing/2014/main" id="{FB65B21F-A37B-4D74-B438-F9D66ECC52C2}"/>
+              </a:ext>
+            </a:extLst>
+          </p:cNvPr>
+          <p:cNvSpPr>
+            <a:spLocks noGrp="1"/>
+          </p:cNvSpPr>
+          <p:nvPr>
+            <p:ph type="title"/>
+          </p:nvPr>
+        </p:nvSpPr>
+        <p:spPr/>
+        <p:txBody>
+          <a:bodyPr/>
+          <a:lstStyle/>
+          <a:p>
+            <a:endParaRPr lang="en-US"/>
+          </a:p>
+        </p:txBody>
+      </p:sp>
+      <p:sp>
+        <p:nvSpPr>
+          <p:cNvPr id="3" name="Slide Number Placeholder 2">
+            <a:extLst>
+              <a:ext uri="{FF2B5EF4-FFF2-40B4-BE49-F238E27FC236}">
+                <a16:creationId xmlns:a16="http://schemas.microsoft.com/office/drawing/2014/main" id="{120EEDD4-3D81-4641-94A8-2E7D4F5C2DDB}"/>
+              </a:ext>
+            </a:extLst>
+          </p:cNvPr>
+          <p:cNvSpPr>
+            <a:spLocks noGrp="1"/>
+          </p:cNvSpPr>
+          <p:nvPr>
+            <p:ph type="sldNum" sz="quarter" idx="12"/>
+          </p:nvPr>
+        </p:nvSpPr>
+        <p:spPr/>
+        <p:txBody>
+          <a:bodyPr/>
+          <a:lstStyle/>
+          <a:p>
+            <a:fld id="{8ABD9A93-A63E-4048-A90A-76F0C4F81214}" type="slidenum">
+              <a:rPr lang="en-US" smtClean="0"/>
+              <a:t>21</a:t>
+            </a:fld>
+            <a:endParaRPr lang="en-US"/>
+          </a:p>
+        </p:txBody>
+      </p:sp>
+    </p:spTree>
+    <p:extLst>
+      <p:ext uri="{BB962C8B-B14F-4D97-AF65-F5344CB8AC3E}">
+        <p14:creationId xmlns:p14="http://schemas.microsoft.com/office/powerpoint/2010/main" val="3454568677"/>
+      </p:ext>
+    </p:extLst>
+  </p:cSld>
+  <p:clrMapOvr>
+    <a:masterClrMapping/>
+  </p:clrMapOvr>
+</p:sld>
+</file>
+
+<file path=ppt/slides/slide22.xml><?xml version="1.0" encoding="utf-8"?>
+<p:sld xmlns:a="http://schemas.openxmlformats.org/drawingml/2006/main" xmlns:r="http://schemas.openxmlformats.org/officeDocument/2006/relationships" xmlns:p="http://schemas.openxmlformats.org/presentationml/2006/main">
+  <p:cSld>
+    <p:spTree>
+      <p:nvGrpSpPr>
+        <p:cNvPr id="1" name=""/>
+        <p:cNvGrpSpPr/>
+        <p:nvPr/>
+      </p:nvGrpSpPr>
+      <p:grpSpPr>
+        <a:xfrm>
+          <a:off x="0" y="0"/>
+          <a:ext cx="0" cy="0"/>
+          <a:chOff x="0" y="0"/>
+          <a:chExt cx="0" cy="0"/>
+        </a:xfrm>
+      </p:grpSpPr>
+      <p:sp>
+        <p:nvSpPr>
+          <p:cNvPr id="2" name="Title 1">
+            <a:extLst>
+              <a:ext uri="{FF2B5EF4-FFF2-40B4-BE49-F238E27FC236}">
+                <a16:creationId xmlns:a16="http://schemas.microsoft.com/office/drawing/2014/main" id="{13485241-C18F-49A1-B5BB-0AD67B9A130B}"/>
+              </a:ext>
+            </a:extLst>
+          </p:cNvPr>
+          <p:cNvSpPr>
+            <a:spLocks noGrp="1"/>
+          </p:cNvSpPr>
+          <p:nvPr>
+            <p:ph type="ctrTitle"/>
+          </p:nvPr>
+        </p:nvSpPr>
+        <p:spPr/>
+        <p:txBody>
+          <a:bodyPr/>
+          <a:lstStyle/>
+          <a:p>
+            <a:r>
+              <a:rPr lang="en-US" dirty="0"/>
+              <a:t>Software Works</a:t>
+            </a:r>
+          </a:p>
+        </p:txBody>
+      </p:sp>
+      <p:sp>
+        <p:nvSpPr>
+          <p:cNvPr id="4" name="Subtitle 3">
+            <a:extLst>
+              <a:ext uri="{FF2B5EF4-FFF2-40B4-BE49-F238E27FC236}">
+                <a16:creationId xmlns:a16="http://schemas.microsoft.com/office/drawing/2014/main" id="{B3E1F7C1-3AFA-4DDD-857C-9C50BB1EB088}"/>
+              </a:ext>
+            </a:extLst>
+          </p:cNvPr>
+          <p:cNvSpPr>
+            <a:spLocks noGrp="1"/>
+          </p:cNvSpPr>
+          <p:nvPr>
+            <p:ph type="subTitle" idx="1"/>
+          </p:nvPr>
+        </p:nvSpPr>
+        <p:spPr/>
+        <p:txBody>
+          <a:bodyPr/>
+          <a:lstStyle/>
+          <a:p>
+            <a:endParaRPr lang="en-US"/>
+          </a:p>
+        </p:txBody>
+      </p:sp>
+      <p:sp>
+        <p:nvSpPr>
+          <p:cNvPr id="3" name="Slide Number Placeholder 2">
+            <a:extLst>
+              <a:ext uri="{FF2B5EF4-FFF2-40B4-BE49-F238E27FC236}">
+                <a16:creationId xmlns:a16="http://schemas.microsoft.com/office/drawing/2014/main" id="{EF57AC2E-C26B-4E0E-B811-EDF0C625F38D}"/>
+              </a:ext>
+            </a:extLst>
+          </p:cNvPr>
+          <p:cNvSpPr>
+            <a:spLocks noGrp="1"/>
+          </p:cNvSpPr>
+          <p:nvPr>
+            <p:ph type="sldNum" sz="quarter" idx="12"/>
+          </p:nvPr>
+        </p:nvSpPr>
+        <p:spPr/>
+        <p:txBody>
+          <a:bodyPr/>
+          <a:lstStyle/>
+          <a:p>
+            <a:fld id="{8ABD9A93-A63E-4048-A90A-76F0C4F81214}" type="slidenum">
+              <a:rPr lang="en-US" smtClean="0"/>
+              <a:t>22</a:t>
+            </a:fld>
+            <a:endParaRPr lang="en-US"/>
+          </a:p>
+        </p:txBody>
+      </p:sp>
+    </p:spTree>
+    <p:extLst>
+      <p:ext uri="{BB962C8B-B14F-4D97-AF65-F5344CB8AC3E}">
+        <p14:creationId xmlns:p14="http://schemas.microsoft.com/office/powerpoint/2010/main" val="1020056166"/>
+      </p:ext>
+    </p:extLst>
+  </p:cSld>
+  <p:clrMapOvr>
+    <a:masterClrMapping/>
+  </p:clrMapOvr>
+</p:sld>
+</file>
+
+<file path=ppt/slides/slide23.xml><?xml version="1.0" encoding="utf-8"?>
+<p:sld xmlns:a="http://schemas.openxmlformats.org/drawingml/2006/main" xmlns:r="http://schemas.openxmlformats.org/officeDocument/2006/relationships" xmlns:p="http://schemas.openxmlformats.org/presentationml/2006/main">
+  <p:cSld>
+    <p:spTree>
+      <p:nvGrpSpPr>
+        <p:cNvPr id="1" name=""/>
+        <p:cNvGrpSpPr/>
+        <p:nvPr/>
+      </p:nvGrpSpPr>
+      <p:grpSpPr>
+        <a:xfrm>
+          <a:off x="0" y="0"/>
+          <a:ext cx="0" cy="0"/>
+          <a:chOff x="0" y="0"/>
+          <a:chExt cx="0" cy="0"/>
+        </a:xfrm>
+      </p:grpSpPr>
+      <p:sp>
+        <p:nvSpPr>
+          <p:cNvPr id="2" name="Title 1">
+            <a:extLst>
+              <a:ext uri="{FF2B5EF4-FFF2-40B4-BE49-F238E27FC236}">
+                <a16:creationId xmlns:a16="http://schemas.microsoft.com/office/drawing/2014/main" id="{C117DBB7-DA4E-48AA-A6B8-4426039084B0}"/>
+              </a:ext>
+            </a:extLst>
+          </p:cNvPr>
+          <p:cNvSpPr>
+            <a:spLocks noGrp="1"/>
+          </p:cNvSpPr>
+          <p:nvPr>
+            <p:ph type="title"/>
+          </p:nvPr>
+        </p:nvSpPr>
+        <p:spPr/>
+        <p:txBody>
+          <a:bodyPr/>
+          <a:lstStyle/>
+          <a:p>
+            <a:r>
+              <a:rPr lang="en-US" dirty="0"/>
+              <a:t>Random Forest Implementation</a:t>
+            </a:r>
+          </a:p>
+        </p:txBody>
+      </p:sp>
+      <p:pic>
+        <p:nvPicPr>
+          <p:cNvPr id="6" name="Content Placeholder 5">
+            <a:extLst>
+              <a:ext uri="{FF2B5EF4-FFF2-40B4-BE49-F238E27FC236}">
+                <a16:creationId xmlns:a16="http://schemas.microsoft.com/office/drawing/2014/main" id="{52607CF3-921B-46B4-9AAD-53811FC989C9}"/>
+              </a:ext>
+            </a:extLst>
+          </p:cNvPr>
+          <p:cNvPicPr>
+            <a:picLocks noGrp="1" noChangeAspect="1"/>
+          </p:cNvPicPr>
+          <p:nvPr>
+            <p:ph idx="1"/>
+          </p:nvPr>
+        </p:nvPicPr>
+        <p:blipFill>
+          <a:blip r:embed="rId2">
+            <a:extLst>
+              <a:ext uri="{28A0092B-C50C-407E-A947-70E740481C1C}">
+                <a14:useLocalDpi xmlns:a14="http://schemas.microsoft.com/office/drawing/2010/main" val="0"/>
+              </a:ext>
+            </a:extLst>
+          </a:blip>
+          <a:stretch>
+            <a:fillRect/>
+          </a:stretch>
+        </p:blipFill>
+        <p:spPr>
+          <a:xfrm>
+            <a:off x="4535267" y="1825625"/>
+            <a:ext cx="3121466" cy="4351338"/>
+          </a:xfrm>
+        </p:spPr>
+      </p:pic>
+      <p:sp>
+        <p:nvSpPr>
+          <p:cNvPr id="4" name="Slide Number Placeholder 3">
+            <a:extLst>
+              <a:ext uri="{FF2B5EF4-FFF2-40B4-BE49-F238E27FC236}">
+                <a16:creationId xmlns:a16="http://schemas.microsoft.com/office/drawing/2014/main" id="{356965B0-14CD-4948-8BAA-260E77ECE5CD}"/>
+              </a:ext>
+            </a:extLst>
+          </p:cNvPr>
+          <p:cNvSpPr>
+            <a:spLocks noGrp="1"/>
+          </p:cNvSpPr>
+          <p:nvPr>
+            <p:ph type="sldNum" sz="quarter" idx="12"/>
+          </p:nvPr>
+        </p:nvSpPr>
+        <p:spPr/>
+        <p:txBody>
+          <a:bodyPr/>
+          <a:lstStyle/>
+          <a:p>
+            <a:fld id="{8ABD9A93-A63E-4048-A90A-76F0C4F81214}" type="slidenum">
+              <a:rPr lang="en-US" smtClean="0"/>
+              <a:t>23</a:t>
+            </a:fld>
+            <a:endParaRPr lang="en-US"/>
+          </a:p>
+        </p:txBody>
+      </p:sp>
+    </p:spTree>
+    <p:extLst>
+      <p:ext uri="{BB962C8B-B14F-4D97-AF65-F5344CB8AC3E}">
+        <p14:creationId xmlns:p14="http://schemas.microsoft.com/office/powerpoint/2010/main" val="315130164"/>
+      </p:ext>
+    </p:extLst>
+  </p:cSld>
+  <p:clrMapOvr>
+    <a:masterClrMapping/>
+  </p:clrMapOvr>
+</p:sld>
+</file>
+
+<file path=ppt/slides/slide24.xml><?xml version="1.0" encoding="utf-8"?>
+<p:sld xmlns:a="http://schemas.openxmlformats.org/drawingml/2006/main" xmlns:r="http://schemas.openxmlformats.org/officeDocument/2006/relationships" xmlns:p="http://schemas.openxmlformats.org/presentationml/2006/main">
+  <p:cSld>
+    <p:spTree>
+      <p:nvGrpSpPr>
+        <p:cNvPr id="1" name=""/>
+        <p:cNvGrpSpPr/>
+        <p:nvPr/>
+      </p:nvGrpSpPr>
+      <p:grpSpPr>
+        <a:xfrm>
+          <a:off x="0" y="0"/>
+          <a:ext cx="0" cy="0"/>
+          <a:chOff x="0" y="0"/>
+          <a:chExt cx="0" cy="0"/>
+        </a:xfrm>
+      </p:grpSpPr>
+      <p:sp>
+        <p:nvSpPr>
           <p:cNvPr id="2" name="Title 1">
             <a:extLst>
               <a:ext uri="{FF2B5EF4-FFF2-40B4-BE49-F238E27FC236}">
@@ -6269,7 +7404,7 @@
           <a:p>
             <a:fld id="{8ABD9A93-A63E-4048-A90A-76F0C4F81214}" type="slidenum">
               <a:rPr lang="en-US" smtClean="0"/>
-              <a:t>16</a:t>
+              <a:t>24</a:t>
             </a:fld>
             <a:endParaRPr lang="en-US"/>
           </a:p>
@@ -6407,7 +7542,7 @@
 </p:sld>
 </file>
 
-<file path=ppt/slides/slide17.xml><?xml version="1.0" encoding="utf-8"?>
+<file path=ppt/slides/slide25.xml><?xml version="1.0" encoding="utf-8"?>
 <p:sld xmlns:a="http://schemas.openxmlformats.org/drawingml/2006/main" xmlns:r="http://schemas.openxmlformats.org/officeDocument/2006/relationships" xmlns:p="http://schemas.openxmlformats.org/presentationml/2006/main">
   <p:cSld>
     <p:spTree>
@@ -6498,7 +7633,7 @@
           <a:p>
             <a:fld id="{8ABD9A93-A63E-4048-A90A-76F0C4F81214}" type="slidenum">
               <a:rPr lang="en-US" smtClean="0"/>
-              <a:t>17</a:t>
+              <a:t>25</a:t>
             </a:fld>
             <a:endParaRPr lang="en-US"/>
           </a:p>
@@ -6517,7 +7652,7 @@
 </p:sld>
 </file>
 
-<file path=ppt/slides/slide18.xml><?xml version="1.0" encoding="utf-8"?>
+<file path=ppt/slides/slide26.xml><?xml version="1.0" encoding="utf-8"?>
 <p:sld xmlns:a="http://schemas.openxmlformats.org/drawingml/2006/main" xmlns:r="http://schemas.openxmlformats.org/officeDocument/2006/relationships" xmlns:p="http://schemas.openxmlformats.org/presentationml/2006/main">
   <p:cSld>
     <p:spTree>
@@ -6592,7 +7727,7 @@
           <a:p>
             <a:fld id="{8ABD9A93-A63E-4048-A90A-76F0C4F81214}" type="slidenum">
               <a:rPr lang="en-US" smtClean="0"/>
-              <a:t>18</a:t>
+              <a:t>26</a:t>
             </a:fld>
             <a:endParaRPr lang="en-US"/>
           </a:p>
@@ -6694,7 +7829,7 @@
 </p:sld>
 </file>
 
-<file path=ppt/slides/slide19.xml><?xml version="1.0" encoding="utf-8"?>
+<file path=ppt/slides/slide27.xml><?xml version="1.0" encoding="utf-8"?>
 <p:sld xmlns:a="http://schemas.openxmlformats.org/drawingml/2006/main" xmlns:r="http://schemas.openxmlformats.org/officeDocument/2006/relationships" xmlns:p="http://schemas.openxmlformats.org/presentationml/2006/main">
   <p:cSld>
     <p:spTree>
@@ -6770,7 +7905,7 @@
           <a:p>
             <a:fld id="{8ABD9A93-A63E-4048-A90A-76F0C4F81214}" type="slidenum">
               <a:rPr lang="en-US" smtClean="0"/>
-              <a:t>19</a:t>
+              <a:t>27</a:t>
             </a:fld>
             <a:endParaRPr lang="en-US"/>
           </a:p>
@@ -6872,197 +8007,7 @@
 </p:sld>
 </file>
 
-<file path=ppt/slides/slide2.xml><?xml version="1.0" encoding="utf-8"?>
-<p:sld xmlns:a="http://schemas.openxmlformats.org/drawingml/2006/main" xmlns:r="http://schemas.openxmlformats.org/officeDocument/2006/relationships" xmlns:p="http://schemas.openxmlformats.org/presentationml/2006/main">
-  <p:cSld>
-    <p:spTree>
-      <p:nvGrpSpPr>
-        <p:cNvPr id="1" name=""/>
-        <p:cNvGrpSpPr/>
-        <p:nvPr/>
-      </p:nvGrpSpPr>
-      <p:grpSpPr>
-        <a:xfrm>
-          <a:off x="0" y="0"/>
-          <a:ext cx="0" cy="0"/>
-          <a:chOff x="0" y="0"/>
-          <a:chExt cx="0" cy="0"/>
-        </a:xfrm>
-      </p:grpSpPr>
-      <p:sp>
-        <p:nvSpPr>
-          <p:cNvPr id="2" name="Title 1">
-            <a:extLst>
-              <a:ext uri="{FF2B5EF4-FFF2-40B4-BE49-F238E27FC236}">
-                <a16:creationId xmlns:a16="http://schemas.microsoft.com/office/drawing/2014/main" id="{41516F92-0859-499C-9F7E-8B86D284426D}"/>
-              </a:ext>
-            </a:extLst>
-          </p:cNvPr>
-          <p:cNvSpPr>
-            <a:spLocks noGrp="1"/>
-          </p:cNvSpPr>
-          <p:nvPr>
-            <p:ph type="title"/>
-          </p:nvPr>
-        </p:nvSpPr>
-        <p:spPr/>
-        <p:txBody>
-          <a:bodyPr>
-            <a:normAutofit/>
-          </a:bodyPr>
-          <a:lstStyle/>
-          <a:p>
-            <a:pPr algn="ctr"/>
-            <a:r>
-              <a:rPr lang="en-US" sz="4800" b="1" dirty="0">
-                <a:effectLst>
-                  <a:outerShdw blurRad="38100" dist="38100" dir="2700000" algn="tl">
-                    <a:srgbClr val="000000">
-                      <a:alpha val="43137"/>
-                    </a:srgbClr>
-                  </a:outerShdw>
-                </a:effectLst>
-                <a:latin typeface="Times New Roman" panose="02020603050405020304" pitchFamily="18" charset="0"/>
-                <a:cs typeface="Times New Roman" panose="02020603050405020304" pitchFamily="18" charset="0"/>
-              </a:rPr>
-              <a:t>Contents</a:t>
-            </a:r>
-          </a:p>
-        </p:txBody>
-      </p:sp>
-      <p:sp>
-        <p:nvSpPr>
-          <p:cNvPr id="3" name="Content Placeholder 2">
-            <a:extLst>
-              <a:ext uri="{FF2B5EF4-FFF2-40B4-BE49-F238E27FC236}">
-                <a16:creationId xmlns:a16="http://schemas.microsoft.com/office/drawing/2014/main" id="{9F9BAE03-EAF6-4D5D-933A-F44EA2EC3068}"/>
-              </a:ext>
-            </a:extLst>
-          </p:cNvPr>
-          <p:cNvSpPr>
-            <a:spLocks noGrp="1"/>
-          </p:cNvSpPr>
-          <p:nvPr>
-            <p:ph idx="1"/>
-          </p:nvPr>
-        </p:nvSpPr>
-        <p:spPr>
-          <a:xfrm>
-            <a:off x="1125071" y="1847850"/>
-            <a:ext cx="10515600" cy="4351338"/>
-          </a:xfrm>
-        </p:spPr>
-        <p:txBody>
-          <a:bodyPr/>
-          <a:lstStyle/>
-          <a:p>
-            <a:r>
-              <a:rPr lang="en-US" dirty="0">
-                <a:latin typeface="Times New Roman" panose="02020603050405020304" pitchFamily="18" charset="0"/>
-                <a:cs typeface="Times New Roman" panose="02020603050405020304" pitchFamily="18" charset="0"/>
-              </a:rPr>
-              <a:t>Introduction</a:t>
-            </a:r>
-          </a:p>
-          <a:p>
-            <a:r>
-              <a:rPr lang="en-US" dirty="0">
-                <a:latin typeface="Times New Roman" panose="02020603050405020304" pitchFamily="18" charset="0"/>
-                <a:cs typeface="Times New Roman" panose="02020603050405020304" pitchFamily="18" charset="0"/>
-              </a:rPr>
-              <a:t>Objectives</a:t>
-            </a:r>
-          </a:p>
-          <a:p>
-            <a:r>
-              <a:rPr lang="en-US" dirty="0">
-                <a:latin typeface="Times New Roman" panose="02020603050405020304" pitchFamily="18" charset="0"/>
-                <a:cs typeface="Times New Roman" panose="02020603050405020304" pitchFamily="18" charset="0"/>
-              </a:rPr>
-              <a:t>Problem Statement</a:t>
-            </a:r>
-          </a:p>
-          <a:p>
-            <a:r>
-              <a:rPr lang="en-US" dirty="0">
-                <a:latin typeface="Times New Roman" panose="02020603050405020304" pitchFamily="18" charset="0"/>
-                <a:cs typeface="Times New Roman" panose="02020603050405020304" pitchFamily="18" charset="0"/>
-              </a:rPr>
-              <a:t>Applications</a:t>
-            </a:r>
-          </a:p>
-          <a:p>
-            <a:r>
-              <a:rPr lang="en-US" dirty="0">
-                <a:latin typeface="Times New Roman" panose="02020603050405020304" pitchFamily="18" charset="0"/>
-                <a:cs typeface="Times New Roman" panose="02020603050405020304" pitchFamily="18" charset="0"/>
-              </a:rPr>
-              <a:t>Methodology</a:t>
-            </a:r>
-          </a:p>
-          <a:p>
-            <a:r>
-              <a:rPr lang="en-US" dirty="0">
-                <a:latin typeface="Times New Roman" panose="02020603050405020304" pitchFamily="18" charset="0"/>
-                <a:cs typeface="Times New Roman" panose="02020603050405020304" pitchFamily="18" charset="0"/>
-              </a:rPr>
-              <a:t>Gantt Chart</a:t>
-            </a:r>
-          </a:p>
-          <a:p>
-            <a:r>
-              <a:rPr lang="en-US" dirty="0">
-                <a:latin typeface="Times New Roman" panose="02020603050405020304" pitchFamily="18" charset="0"/>
-                <a:cs typeface="Times New Roman" panose="02020603050405020304" pitchFamily="18" charset="0"/>
-              </a:rPr>
-              <a:t>Expected Output</a:t>
-            </a:r>
-          </a:p>
-        </p:txBody>
-      </p:sp>
-      <p:sp>
-        <p:nvSpPr>
-          <p:cNvPr id="4" name="Slide Number Placeholder 3">
-            <a:extLst>
-              <a:ext uri="{FF2B5EF4-FFF2-40B4-BE49-F238E27FC236}">
-                <a16:creationId xmlns:a16="http://schemas.microsoft.com/office/drawing/2014/main" id="{FD1D6C57-0164-A4C7-B968-D5EFB90A82F3}"/>
-              </a:ext>
-            </a:extLst>
-          </p:cNvPr>
-          <p:cNvSpPr>
-            <a:spLocks noGrp="1"/>
-          </p:cNvSpPr>
-          <p:nvPr>
-            <p:ph type="sldNum" sz="quarter" idx="12"/>
-          </p:nvPr>
-        </p:nvSpPr>
-        <p:spPr/>
-        <p:txBody>
-          <a:bodyPr/>
-          <a:lstStyle/>
-          <a:p>
-            <a:fld id="{8ABD9A93-A63E-4048-A90A-76F0C4F81214}" type="slidenum">
-              <a:rPr lang="en-US" smtClean="0"/>
-              <a:t>2</a:t>
-            </a:fld>
-            <a:endParaRPr lang="en-US"/>
-          </a:p>
-        </p:txBody>
-      </p:sp>
-    </p:spTree>
-    <p:extLst>
-      <p:ext uri="{BB962C8B-B14F-4D97-AF65-F5344CB8AC3E}">
-        <p14:creationId xmlns:p14="http://schemas.microsoft.com/office/powerpoint/2010/main" val="138582175"/>
-      </p:ext>
-    </p:extLst>
-  </p:cSld>
-  <p:clrMapOvr>
-    <a:masterClrMapping/>
-  </p:clrMapOvr>
-</p:sld>
-</file>
-
-<file path=ppt/slides/slide20.xml><?xml version="1.0" encoding="utf-8"?>
+<file path=ppt/slides/slide28.xml><?xml version="1.0" encoding="utf-8"?>
 <p:sld xmlns:a="http://schemas.openxmlformats.org/drawingml/2006/main" xmlns:r="http://schemas.openxmlformats.org/officeDocument/2006/relationships" xmlns:p="http://schemas.openxmlformats.org/presentationml/2006/main">
   <p:cSld>
     <p:spTree>
@@ -7592,7 +8537,7 @@
 </p:sld>
 </file>
 
-<file path=ppt/slides/slide21.xml><?xml version="1.0" encoding="utf-8"?>
+<file path=ppt/slides/slide29.xml><?xml version="1.0" encoding="utf-8"?>
 <p:sld xmlns:a="http://schemas.openxmlformats.org/drawingml/2006/main" xmlns:r="http://schemas.openxmlformats.org/officeDocument/2006/relationships" xmlns:p="http://schemas.openxmlformats.org/presentationml/2006/main">
   <p:cSld>
     <p:spTree>

--- a/Smart Gloves using Flex Sensor.pptx
+++ b/Smart Gloves using Flex Sensor.pptx
@@ -5,7 +5,7 @@
     <p:sldMasterId id="2147483648" r:id="rId1"/>
   </p:sldMasterIdLst>
   <p:notesMasterIdLst>
-    <p:notesMasterId r:id="rId31"/>
+    <p:notesMasterId r:id="rId32"/>
   </p:notesMasterIdLst>
   <p:sldIdLst>
     <p:sldId id="256" r:id="rId2"/>
@@ -29,14 +29,15 @@
     <p:sldId id="280" r:id="rId20"/>
     <p:sldId id="282" r:id="rId21"/>
     <p:sldId id="281" r:id="rId22"/>
-    <p:sldId id="283" r:id="rId23"/>
-    <p:sldId id="284" r:id="rId24"/>
-    <p:sldId id="267" r:id="rId25"/>
-    <p:sldId id="268" r:id="rId26"/>
-    <p:sldId id="271" r:id="rId27"/>
-    <p:sldId id="272" r:id="rId28"/>
-    <p:sldId id="275" r:id="rId29"/>
-    <p:sldId id="276" r:id="rId30"/>
+    <p:sldId id="285" r:id="rId23"/>
+    <p:sldId id="286" r:id="rId24"/>
+    <p:sldId id="283" r:id="rId25"/>
+    <p:sldId id="284" r:id="rId26"/>
+    <p:sldId id="287" r:id="rId27"/>
+    <p:sldId id="289" r:id="rId28"/>
+    <p:sldId id="267" r:id="rId29"/>
+    <p:sldId id="275" r:id="rId30"/>
+    <p:sldId id="276" r:id="rId31"/>
   </p:sldIdLst>
   <p:sldSz cx="12192000" cy="6858000"/>
   <p:notesSz cx="6858000" cy="9144000"/>
@@ -293,7 +294,7 @@
           </c:val>
           <c:extLst>
             <c:ext xmlns:c16="http://schemas.microsoft.com/office/drawing/2014/chart" uri="{C3380CC4-5D6E-409C-BE32-E72D297353CC}">
-              <c16:uniqueId val="{00000000-5964-4B97-8CF3-668A0AC9E849}"/>
+              <c16:uniqueId val="{00000000-A2EB-428A-97BB-BC64DBDF7BF3}"/>
             </c:ext>
           </c:extLst>
         </c:ser>
@@ -336,7 +337,7 @@
             </c:spPr>
             <c:extLst>
               <c:ext xmlns:c16="http://schemas.microsoft.com/office/drawing/2014/chart" uri="{C3380CC4-5D6E-409C-BE32-E72D297353CC}">
-                <c16:uniqueId val="{00000002-5964-4B97-8CF3-668A0AC9E849}"/>
+                <c16:uniqueId val="{00000002-A2EB-428A-97BB-BC64DBDF7BF3}"/>
               </c:ext>
             </c:extLst>
           </c:dPt>
@@ -379,7 +380,7 @@
                 <c:formatCode>General</c:formatCode>
                 <c:ptCount val="8"/>
                 <c:pt idx="0">
-                  <c:v>30</c:v>
+                  <c:v>150</c:v>
                 </c:pt>
                 <c:pt idx="1">
                   <c:v>190</c:v>
@@ -407,7 +408,7 @@
           </c:val>
           <c:extLst>
             <c:ext xmlns:c16="http://schemas.microsoft.com/office/drawing/2014/chart" uri="{C3380CC4-5D6E-409C-BE32-E72D297353CC}">
-              <c16:uniqueId val="{00000003-5964-4B97-8CF3-668A0AC9E849}"/>
+              <c16:uniqueId val="{00000003-A2EB-428A-97BB-BC64DBDF7BF3}"/>
             </c:ext>
           </c:extLst>
         </c:ser>
@@ -449,15 +450,6 @@
           <a:p>
             <a:pPr>
               <a:defRPr sz="900" b="0" i="0" u="none" strike="noStrike" kern="1200" baseline="0">
-                <a:ln>
-                  <a:solidFill>
-                    <a:schemeClr val="tx1">
-                      <a:lumMod val="75000"/>
-                      <a:lumOff val="25000"/>
-                      <a:alpha val="47000"/>
-                    </a:schemeClr>
-                  </a:solidFill>
-                </a:ln>
                 <a:solidFill>
                   <a:schemeClr val="tx1">
                     <a:lumMod val="65000"/>
@@ -556,17 +548,9 @@
     <c:showDLblsOverMax val="0"/>
   </c:chart>
   <c:spPr>
-    <a:solidFill>
-      <a:schemeClr val="bg1"/>
-    </a:solidFill>
-    <a:ln w="9525" cap="flat" cmpd="sng" algn="ctr">
-      <a:solidFill>
-        <a:schemeClr val="tx1">
-          <a:lumMod val="15000"/>
-          <a:lumOff val="85000"/>
-        </a:schemeClr>
-      </a:solidFill>
-      <a:round/>
+    <a:noFill/>
+    <a:ln>
+      <a:noFill/>
     </a:ln>
     <a:effectLst/>
   </c:spPr>
@@ -1125,12 +1109,12 @@
 <c:userShapes xmlns:c="http://schemas.openxmlformats.org/drawingml/2006/chart">
   <cdr:relSizeAnchor xmlns:cdr="http://schemas.openxmlformats.org/drawingml/2006/chartDrawing">
     <cdr:from>
-      <cdr:x>0.75139</cdr:x>
-      <cdr:y>0.63539</cdr:y>
+      <cdr:x>0.72026</cdr:x>
+      <cdr:y>0.64167</cdr:y>
     </cdr:from>
     <cdr:to>
-      <cdr:x>0.77754</cdr:x>
-      <cdr:y>0.71316</cdr:y>
+      <cdr:x>0.74641</cdr:x>
+      <cdr:y>0.71944</cdr:y>
     </cdr:to>
     <cdr:sp macro="" textlink="">
       <cdr:nvSpPr>
@@ -1145,8 +1129,8 @@
       </cdr:nvSpPr>
       <cdr:spPr>
         <a:xfrm xmlns:a="http://schemas.openxmlformats.org/drawingml/2006/main">
-          <a:off x="4414422" y="2314333"/>
-          <a:ext cx="153632" cy="283266"/>
+          <a:off x="4198620" y="1760220"/>
+          <a:ext cx="152400" cy="213360"/>
         </a:xfrm>
         <a:prstGeom xmlns:a="http://schemas.openxmlformats.org/drawingml/2006/main" prst="flowChartDecision">
           <a:avLst/>
@@ -6227,51 +6211,66 @@
         </p:nvSpPr>
         <p:spPr/>
         <p:txBody>
+          <a:bodyPr>
+            <a:normAutofit/>
+          </a:bodyPr>
+          <a:lstStyle/>
+          <a:p>
+            <a:pPr algn="ctr"/>
+            <a:r>
+              <a:rPr lang="en-US" sz="5400" b="1" dirty="0">
+                <a:latin typeface="Times New Roman" panose="02020603050405020304" pitchFamily="18" charset="0"/>
+                <a:cs typeface="Times New Roman" panose="02020603050405020304" pitchFamily="18" charset="0"/>
+              </a:rPr>
+              <a:t>Work Progress</a:t>
+            </a:r>
+          </a:p>
+        </p:txBody>
+      </p:sp>
+      <p:sp>
+        <p:nvSpPr>
+          <p:cNvPr id="4" name="Content Placeholder 3">
+            <a:extLst>
+              <a:ext uri="{FF2B5EF4-FFF2-40B4-BE49-F238E27FC236}">
+                <a16:creationId xmlns:a16="http://schemas.microsoft.com/office/drawing/2014/main" id="{8901BC84-DD07-488B-97D8-391FE15E472C}"/>
+              </a:ext>
+            </a:extLst>
+          </p:cNvPr>
+          <p:cNvSpPr>
+            <a:spLocks noGrp="1"/>
+          </p:cNvSpPr>
+          <p:nvPr>
+            <p:ph idx="1"/>
+          </p:nvPr>
+        </p:nvSpPr>
+        <p:spPr/>
+        <p:txBody>
           <a:bodyPr/>
           <a:lstStyle/>
           <a:p>
             <a:r>
-              <a:rPr lang="en-US" dirty="0"/>
-              <a:t>Work Progress</a:t>
-            </a:r>
-          </a:p>
-        </p:txBody>
-      </p:sp>
-      <p:sp>
-        <p:nvSpPr>
-          <p:cNvPr id="4" name="Content Placeholder 3">
-            <a:extLst>
-              <a:ext uri="{FF2B5EF4-FFF2-40B4-BE49-F238E27FC236}">
-                <a16:creationId xmlns:a16="http://schemas.microsoft.com/office/drawing/2014/main" id="{8901BC84-DD07-488B-97D8-391FE15E472C}"/>
-              </a:ext>
-            </a:extLst>
-          </p:cNvPr>
-          <p:cNvSpPr>
-            <a:spLocks noGrp="1"/>
-          </p:cNvSpPr>
-          <p:nvPr>
-            <p:ph idx="1"/>
-          </p:nvPr>
-        </p:nvSpPr>
-        <p:spPr/>
-        <p:txBody>
-          <a:bodyPr/>
-          <a:lstStyle/>
-          <a:p>
-            <a:r>
-              <a:rPr lang="en-US" dirty="0"/>
+              <a:rPr lang="en-US" dirty="0">
+                <a:latin typeface="Times New Roman" panose="02020603050405020304" pitchFamily="18" charset="0"/>
+                <a:cs typeface="Times New Roman" panose="02020603050405020304" pitchFamily="18" charset="0"/>
+              </a:rPr>
               <a:t>Research Works</a:t>
             </a:r>
           </a:p>
           <a:p>
             <a:r>
-              <a:rPr lang="en-US" dirty="0"/>
+              <a:rPr lang="en-US" dirty="0">
+                <a:latin typeface="Times New Roman" panose="02020603050405020304" pitchFamily="18" charset="0"/>
+                <a:cs typeface="Times New Roman" panose="02020603050405020304" pitchFamily="18" charset="0"/>
+              </a:rPr>
               <a:t>Hardware Works</a:t>
             </a:r>
           </a:p>
           <a:p>
             <a:r>
-              <a:rPr lang="en-US" dirty="0"/>
+              <a:rPr lang="en-US" dirty="0">
+                <a:latin typeface="Times New Roman" panose="02020603050405020304" pitchFamily="18" charset="0"/>
+                <a:cs typeface="Times New Roman" panose="02020603050405020304" pitchFamily="18" charset="0"/>
+              </a:rPr>
               <a:t>Software Works</a:t>
             </a:r>
           </a:p>
@@ -6352,40 +6351,32 @@
             <p:ph type="ctrTitle"/>
           </p:nvPr>
         </p:nvSpPr>
-        <p:spPr/>
-        <p:txBody>
-          <a:bodyPr/>
-          <a:lstStyle/>
-          <a:p>
-            <a:r>
-              <a:rPr lang="en-US" dirty="0"/>
+        <p:spPr>
+          <a:xfrm>
+            <a:off x="1524000" y="2900970"/>
+            <a:ext cx="9144000" cy="1056060"/>
+          </a:xfrm>
+        </p:spPr>
+        <p:txBody>
+          <a:bodyPr>
+            <a:normAutofit/>
+          </a:bodyPr>
+          <a:lstStyle/>
+          <a:p>
+            <a:r>
+              <a:rPr lang="en-US" sz="5400" b="1" dirty="0">
+                <a:effectLst>
+                  <a:outerShdw blurRad="38100" dist="38100" dir="2700000" algn="tl">
+                    <a:srgbClr val="000000">
+                      <a:alpha val="43137"/>
+                    </a:srgbClr>
+                  </a:outerShdw>
+                </a:effectLst>
+                <a:latin typeface="Times New Roman" panose="02020603050405020304" pitchFamily="18" charset="0"/>
+                <a:cs typeface="Times New Roman" panose="02020603050405020304" pitchFamily="18" charset="0"/>
+              </a:rPr>
               <a:t>Research Works</a:t>
             </a:r>
-          </a:p>
-        </p:txBody>
-      </p:sp>
-      <p:sp>
-        <p:nvSpPr>
-          <p:cNvPr id="4" name="Subtitle 3">
-            <a:extLst>
-              <a:ext uri="{FF2B5EF4-FFF2-40B4-BE49-F238E27FC236}">
-                <a16:creationId xmlns:a16="http://schemas.microsoft.com/office/drawing/2014/main" id="{6A1215A8-419D-4106-A6DA-6B65949E660F}"/>
-              </a:ext>
-            </a:extLst>
-          </p:cNvPr>
-          <p:cNvSpPr>
-            <a:spLocks noGrp="1"/>
-          </p:cNvSpPr>
-          <p:nvPr>
-            <p:ph type="subTitle" idx="1"/>
-          </p:nvPr>
-        </p:nvSpPr>
-        <p:spPr/>
-        <p:txBody>
-          <a:bodyPr/>
-          <a:lstStyle/>
-          <a:p>
-            <a:endParaRPr lang="en-US"/>
           </a:p>
         </p:txBody>
       </p:sp>
@@ -6466,77 +6457,99 @@
         </p:nvSpPr>
         <p:spPr/>
         <p:txBody>
+          <a:bodyPr>
+            <a:normAutofit/>
+          </a:bodyPr>
+          <a:lstStyle/>
+          <a:p>
+            <a:r>
+              <a:rPr lang="en-US" sz="4800" b="1" dirty="0">
+                <a:effectLst>
+                  <a:outerShdw blurRad="38100" dist="38100" dir="2700000" algn="tl">
+                    <a:srgbClr val="000000">
+                      <a:alpha val="43137"/>
+                    </a:srgbClr>
+                  </a:outerShdw>
+                </a:effectLst>
+                <a:latin typeface="Times New Roman" panose="02020603050405020304" pitchFamily="18" charset="0"/>
+                <a:cs typeface="Times New Roman" panose="02020603050405020304" pitchFamily="18" charset="0"/>
+              </a:rPr>
+              <a:t>Why Random Forest classifier?</a:t>
+            </a:r>
+          </a:p>
+        </p:txBody>
+      </p:sp>
+      <p:sp>
+        <p:nvSpPr>
+          <p:cNvPr id="3" name="Content Placeholder 2">
+            <a:extLst>
+              <a:ext uri="{FF2B5EF4-FFF2-40B4-BE49-F238E27FC236}">
+                <a16:creationId xmlns:a16="http://schemas.microsoft.com/office/drawing/2014/main" id="{85CB37AC-9E0E-4B7A-891E-E15833EB22F4}"/>
+              </a:ext>
+            </a:extLst>
+          </p:cNvPr>
+          <p:cNvSpPr>
+            <a:spLocks noGrp="1"/>
+          </p:cNvSpPr>
+          <p:nvPr>
+            <p:ph idx="1"/>
+          </p:nvPr>
+        </p:nvSpPr>
+        <p:spPr/>
+        <p:txBody>
           <a:bodyPr/>
           <a:lstStyle/>
           <a:p>
             <a:r>
-              <a:rPr lang="en-US" dirty="0"/>
-              <a:t>Why Random Forest classifier?</a:t>
-            </a:r>
-          </a:p>
-        </p:txBody>
-      </p:sp>
-      <p:sp>
-        <p:nvSpPr>
-          <p:cNvPr id="3" name="Content Placeholder 2">
-            <a:extLst>
-              <a:ext uri="{FF2B5EF4-FFF2-40B4-BE49-F238E27FC236}">
-                <a16:creationId xmlns:a16="http://schemas.microsoft.com/office/drawing/2014/main" id="{85CB37AC-9E0E-4B7A-891E-E15833EB22F4}"/>
-              </a:ext>
-            </a:extLst>
-          </p:cNvPr>
-          <p:cNvSpPr>
-            <a:spLocks noGrp="1"/>
-          </p:cNvSpPr>
-          <p:nvPr>
-            <p:ph idx="1"/>
-          </p:nvPr>
-        </p:nvSpPr>
-        <p:spPr/>
-        <p:txBody>
-          <a:bodyPr/>
-          <a:lstStyle/>
-          <a:p>
-            <a:r>
-              <a:rPr lang="en-US" dirty="0"/>
+              <a:rPr lang="en-US" dirty="0">
+                <a:latin typeface="Times New Roman" panose="02020603050405020304" pitchFamily="18" charset="0"/>
+                <a:cs typeface="Times New Roman" panose="02020603050405020304" pitchFamily="18" charset="0"/>
+              </a:rPr>
               <a:t>Neural Networks can not be used as no threshold or bias factors are required.</a:t>
             </a:r>
           </a:p>
           <a:p>
             <a:r>
-              <a:rPr lang="en-US" dirty="0"/>
+              <a:rPr lang="en-US" dirty="0">
+                <a:latin typeface="Times New Roman" panose="02020603050405020304" pitchFamily="18" charset="0"/>
+                <a:cs typeface="Times New Roman" panose="02020603050405020304" pitchFamily="18" charset="0"/>
+              </a:rPr>
               <a:t>Regression models requires correlation between datasets.</a:t>
             </a:r>
           </a:p>
           <a:p>
             <a:r>
-              <a:rPr lang="en-US" dirty="0"/>
+              <a:rPr lang="en-US" dirty="0">
+                <a:latin typeface="Times New Roman" panose="02020603050405020304" pitchFamily="18" charset="0"/>
+                <a:cs typeface="Times New Roman" panose="02020603050405020304" pitchFamily="18" charset="0"/>
+              </a:rPr>
               <a:t>Support vector machine is best suited for two class problems.</a:t>
             </a:r>
           </a:p>
           <a:p>
             <a:r>
-              <a:rPr lang="en-US" dirty="0"/>
-              <a:t>K-Nearest </a:t>
-            </a:r>
-            <a:r>
-              <a:rPr lang="en-US" dirty="0" err="1"/>
-              <a:t>Neighbour</a:t>
-            </a:r>
-            <a:r>
-              <a:rPr lang="en-US" dirty="0"/>
-              <a:t> assumes similar data to be near each other.</a:t>
-            </a:r>
-          </a:p>
-          <a:p>
-            <a:r>
-              <a:rPr lang="en-US" dirty="0"/>
+              <a:rPr lang="en-US" dirty="0">
+                <a:latin typeface="Times New Roman" panose="02020603050405020304" pitchFamily="18" charset="0"/>
+                <a:cs typeface="Times New Roman" panose="02020603050405020304" pitchFamily="18" charset="0"/>
+              </a:rPr>
+              <a:t>K-Nearest Neighbor assumes similar data to be near each other.</a:t>
+            </a:r>
+          </a:p>
+          <a:p>
+            <a:r>
+              <a:rPr lang="en-US" dirty="0">
+                <a:latin typeface="Times New Roman" panose="02020603050405020304" pitchFamily="18" charset="0"/>
+                <a:cs typeface="Times New Roman" panose="02020603050405020304" pitchFamily="18" charset="0"/>
+              </a:rPr>
               <a:t>Naïve Bayes takes a probabilistic approach but we need accuracy.</a:t>
             </a:r>
           </a:p>
           <a:p>
             <a:r>
-              <a:rPr lang="en-US" dirty="0"/>
+              <a:rPr lang="en-US" dirty="0">
+                <a:latin typeface="Times New Roman" panose="02020603050405020304" pitchFamily="18" charset="0"/>
+                <a:cs typeface="Times New Roman" panose="02020603050405020304" pitchFamily="18" charset="0"/>
+              </a:rPr>
               <a:t> In all, Random Forest is best.</a:t>
             </a:r>
           </a:p>
@@ -6620,40 +6633,32 @@
             <p:ph type="ctrTitle"/>
           </p:nvPr>
         </p:nvSpPr>
-        <p:spPr/>
-        <p:txBody>
-          <a:bodyPr/>
-          <a:lstStyle/>
-          <a:p>
-            <a:r>
-              <a:rPr lang="en-US" dirty="0"/>
+        <p:spPr>
+          <a:xfrm>
+            <a:off x="1640542" y="2691187"/>
+            <a:ext cx="9144000" cy="1208462"/>
+          </a:xfrm>
+        </p:spPr>
+        <p:txBody>
+          <a:bodyPr>
+            <a:normAutofit/>
+          </a:bodyPr>
+          <a:lstStyle/>
+          <a:p>
+            <a:r>
+              <a:rPr lang="en-US" sz="5400" b="1" dirty="0">
+                <a:effectLst>
+                  <a:outerShdw blurRad="38100" dist="38100" dir="2700000" algn="tl">
+                    <a:srgbClr val="000000">
+                      <a:alpha val="43137"/>
+                    </a:srgbClr>
+                  </a:outerShdw>
+                </a:effectLst>
+                <a:latin typeface="Times New Roman" panose="02020603050405020304" pitchFamily="18" charset="0"/>
+                <a:cs typeface="Times New Roman" panose="02020603050405020304" pitchFamily="18" charset="0"/>
+              </a:rPr>
               <a:t>Hardware Works</a:t>
             </a:r>
-          </a:p>
-        </p:txBody>
-      </p:sp>
-      <p:sp>
-        <p:nvSpPr>
-          <p:cNvPr id="8" name="Subtitle 7">
-            <a:extLst>
-              <a:ext uri="{FF2B5EF4-FFF2-40B4-BE49-F238E27FC236}">
-                <a16:creationId xmlns:a16="http://schemas.microsoft.com/office/drawing/2014/main" id="{11CADDBF-B1F8-49B7-8EEF-57C82FA738FB}"/>
-              </a:ext>
-            </a:extLst>
-          </p:cNvPr>
-          <p:cNvSpPr>
-            <a:spLocks noGrp="1"/>
-          </p:cNvSpPr>
-          <p:nvPr>
-            <p:ph type="subTitle" idx="1"/>
-          </p:nvPr>
-        </p:nvSpPr>
-        <p:spPr/>
-        <p:txBody>
-          <a:bodyPr/>
-          <a:lstStyle/>
-          <a:p>
-            <a:endParaRPr lang="en-US"/>
           </a:p>
         </p:txBody>
       </p:sp>
@@ -6924,38 +6929,26 @@
         </p:nvSpPr>
         <p:spPr/>
         <p:txBody>
-          <a:bodyPr/>
-          <a:lstStyle/>
-          <a:p>
-            <a:r>
-              <a:rPr lang="en-US" dirty="0"/>
+          <a:bodyPr>
+            <a:normAutofit/>
+          </a:bodyPr>
+          <a:lstStyle/>
+          <a:p>
+            <a:pPr algn="ctr"/>
+            <a:r>
+              <a:rPr lang="en-US" sz="4800" b="1" dirty="0">
+                <a:effectLst>
+                  <a:outerShdw blurRad="38100" dist="38100" dir="2700000" algn="tl">
+                    <a:srgbClr val="000000">
+                      <a:alpha val="43137"/>
+                    </a:srgbClr>
+                  </a:outerShdw>
+                </a:effectLst>
+                <a:latin typeface="Times New Roman" panose="02020603050405020304" pitchFamily="18" charset="0"/>
+                <a:cs typeface="Times New Roman" panose="02020603050405020304" pitchFamily="18" charset="0"/>
+              </a:rPr>
               <a:t>Basic Interfacing</a:t>
             </a:r>
-          </a:p>
-        </p:txBody>
-      </p:sp>
-      <p:sp>
-        <p:nvSpPr>
-          <p:cNvPr id="3" name="Content Placeholder 2">
-            <a:extLst>
-              <a:ext uri="{FF2B5EF4-FFF2-40B4-BE49-F238E27FC236}">
-                <a16:creationId xmlns:a16="http://schemas.microsoft.com/office/drawing/2014/main" id="{70B7AE18-A6B2-4665-B2A7-DB34DE025DA1}"/>
-              </a:ext>
-            </a:extLst>
-          </p:cNvPr>
-          <p:cNvSpPr>
-            <a:spLocks noGrp="1"/>
-          </p:cNvSpPr>
-          <p:nvPr>
-            <p:ph idx="1"/>
-          </p:nvPr>
-        </p:nvSpPr>
-        <p:spPr/>
-        <p:txBody>
-          <a:bodyPr/>
-          <a:lstStyle/>
-          <a:p>
-            <a:endParaRPr lang="en-US" dirty="0"/>
           </a:p>
         </p:txBody>
       </p:sp>
@@ -6988,6 +6981,49 @@
           </a:p>
         </p:txBody>
       </p:sp>
+      <p:pic>
+        <p:nvPicPr>
+          <p:cNvPr id="5" name="Content Placeholder 4">
+            <a:extLst>
+              <a:ext uri="{FF2B5EF4-FFF2-40B4-BE49-F238E27FC236}">
+                <a16:creationId xmlns:a16="http://schemas.microsoft.com/office/drawing/2014/main" id="{2CB2FCF8-8A1A-AC73-38D7-78399F046A8A}"/>
+              </a:ext>
+            </a:extLst>
+          </p:cNvPr>
+          <p:cNvPicPr>
+            <a:picLocks noGrp="1" noChangeAspect="1"/>
+          </p:cNvPicPr>
+          <p:nvPr>
+            <p:ph idx="1"/>
+          </p:nvPr>
+        </p:nvPicPr>
+        <p:blipFill>
+          <a:blip r:embed="rId2" cstate="print">
+            <a:extLst>
+              <a:ext uri="{28A0092B-C50C-407E-A947-70E740481C1C}">
+                <a14:useLocalDpi xmlns:a14="http://schemas.microsoft.com/office/drawing/2010/main" val="0"/>
+              </a:ext>
+            </a:extLst>
+          </a:blip>
+          <a:srcRect/>
+          <a:stretch>
+            <a:fillRect/>
+          </a:stretch>
+        </p:blipFill>
+        <p:spPr bwMode="auto">
+          <a:xfrm>
+            <a:off x="2966518" y="1550388"/>
+            <a:ext cx="5894215" cy="4805962"/>
+          </a:xfrm>
+          <a:prstGeom prst="rect">
+            <a:avLst/>
+          </a:prstGeom>
+          <a:noFill/>
+          <a:ln>
+            <a:noFill/>
+          </a:ln>
+        </p:spPr>
+      </p:pic>
     </p:spTree>
     <p:extLst>
       <p:ext uri="{BB962C8B-B14F-4D97-AF65-F5344CB8AC3E}">
@@ -7020,31 +7056,6 @@
       </p:grpSpPr>
       <p:sp>
         <p:nvSpPr>
-          <p:cNvPr id="2" name="Title 1">
-            <a:extLst>
-              <a:ext uri="{FF2B5EF4-FFF2-40B4-BE49-F238E27FC236}">
-                <a16:creationId xmlns:a16="http://schemas.microsoft.com/office/drawing/2014/main" id="{FB65B21F-A37B-4D74-B438-F9D66ECC52C2}"/>
-              </a:ext>
-            </a:extLst>
-          </p:cNvPr>
-          <p:cNvSpPr>
-            <a:spLocks noGrp="1"/>
-          </p:cNvSpPr>
-          <p:nvPr>
-            <p:ph type="title"/>
-          </p:nvPr>
-        </p:nvSpPr>
-        <p:spPr/>
-        <p:txBody>
-          <a:bodyPr/>
-          <a:lstStyle/>
-          <a:p>
-            <a:endParaRPr lang="en-US"/>
-          </a:p>
-        </p:txBody>
-      </p:sp>
-      <p:sp>
-        <p:nvSpPr>
           <p:cNvPr id="3" name="Slide Number Placeholder 2">
             <a:extLst>
               <a:ext uri="{FF2B5EF4-FFF2-40B4-BE49-F238E27FC236}">
@@ -7068,10 +7079,103 @@
               <a:rPr lang="en-US" smtClean="0"/>
               <a:t>21</a:t>
             </a:fld>
-            <a:endParaRPr lang="en-US"/>
-          </a:p>
-        </p:txBody>
-      </p:sp>
+            <a:endParaRPr lang="en-US" dirty="0"/>
+          </a:p>
+        </p:txBody>
+      </p:sp>
+      <p:sp>
+        <p:nvSpPr>
+          <p:cNvPr id="5" name="TextBox 4">
+            <a:extLst>
+              <a:ext uri="{FF2B5EF4-FFF2-40B4-BE49-F238E27FC236}">
+                <a16:creationId xmlns:a16="http://schemas.microsoft.com/office/drawing/2014/main" id="{0A6C9A12-5178-6F83-7A88-B668F737C1D5}"/>
+              </a:ext>
+            </a:extLst>
+          </p:cNvPr>
+          <p:cNvSpPr txBox="1"/>
+          <p:nvPr/>
+        </p:nvSpPr>
+        <p:spPr>
+          <a:xfrm>
+            <a:off x="4283648" y="5803984"/>
+            <a:ext cx="3612131" cy="954107"/>
+          </a:xfrm>
+          <a:prstGeom prst="rect">
+            <a:avLst/>
+          </a:prstGeom>
+          <a:noFill/>
+        </p:spPr>
+        <p:txBody>
+          <a:bodyPr wrap="square" rtlCol="0">
+            <a:spAutoFit/>
+          </a:bodyPr>
+          <a:lstStyle/>
+          <a:p>
+            <a:pPr algn="ctr"/>
+            <a:r>
+              <a:rPr lang="en-US" sz="2800" dirty="0">
+                <a:latin typeface="Times New Roman" panose="02020603050405020304" pitchFamily="18" charset="0"/>
+                <a:cs typeface="Times New Roman" panose="02020603050405020304" pitchFamily="18" charset="0"/>
+              </a:rPr>
+              <a:t>Before Bending</a:t>
+            </a:r>
+          </a:p>
+          <a:p>
+            <a:pPr algn="ctr"/>
+            <a:r>
+              <a:rPr lang="en-US" sz="2800" dirty="0">
+                <a:latin typeface="Times New Roman" panose="02020603050405020304" pitchFamily="18" charset="0"/>
+                <a:cs typeface="Times New Roman" panose="02020603050405020304" pitchFamily="18" charset="0"/>
+              </a:rPr>
+              <a:t> value= 553</a:t>
+            </a:r>
+          </a:p>
+        </p:txBody>
+      </p:sp>
+      <p:pic>
+        <p:nvPicPr>
+          <p:cNvPr id="8" name="Picture 7">
+            <a:extLst>
+              <a:ext uri="{FF2B5EF4-FFF2-40B4-BE49-F238E27FC236}">
+                <a16:creationId xmlns:a16="http://schemas.microsoft.com/office/drawing/2014/main" id="{F35E1B6A-4DF2-A1B0-4B7E-ED7EB5AC7836}"/>
+              </a:ext>
+            </a:extLst>
+          </p:cNvPr>
+          <p:cNvPicPr>
+            <a:picLocks noChangeAspect="1"/>
+          </p:cNvPicPr>
+          <p:nvPr/>
+        </p:nvPicPr>
+        <p:blipFill rotWithShape="1">
+          <a:blip r:embed="rId2">
+            <a:extLst>
+              <a:ext uri="{28A0092B-C50C-407E-A947-70E740481C1C}">
+                <a14:useLocalDpi xmlns:a14="http://schemas.microsoft.com/office/drawing/2010/main" val="0"/>
+              </a:ext>
+            </a:extLst>
+          </a:blip>
+          <a:srcRect r="34701" b="21342"/>
+          <a:stretch/>
+        </p:blipFill>
+        <p:spPr bwMode="auto">
+          <a:xfrm>
+            <a:off x="2024318" y="201819"/>
+            <a:ext cx="8130793" cy="5511465"/>
+          </a:xfrm>
+          <a:prstGeom prst="rect">
+            <a:avLst/>
+          </a:prstGeom>
+          <a:noFill/>
+          <a:ln>
+            <a:noFill/>
+          </a:ln>
+          <a:extLst>
+            <a:ext uri="{53640926-AAD7-44D8-BBD7-CCE9431645EC}">
+              <a14:shadowObscured xmlns:a14="http://schemas.microsoft.com/office/drawing/2010/main"/>
+            </a:ext>
+          </a:extLst>
+        </p:spPr>
+      </p:pic>
     </p:spTree>
     <p:extLst>
       <p:ext uri="{BB962C8B-B14F-4D97-AF65-F5344CB8AC3E}">
@@ -7104,63 +7208,10 @@
       </p:grpSpPr>
       <p:sp>
         <p:nvSpPr>
-          <p:cNvPr id="2" name="Title 1">
-            <a:extLst>
-              <a:ext uri="{FF2B5EF4-FFF2-40B4-BE49-F238E27FC236}">
-                <a16:creationId xmlns:a16="http://schemas.microsoft.com/office/drawing/2014/main" id="{13485241-C18F-49A1-B5BB-0AD67B9A130B}"/>
-              </a:ext>
-            </a:extLst>
-          </p:cNvPr>
-          <p:cNvSpPr>
-            <a:spLocks noGrp="1"/>
-          </p:cNvSpPr>
-          <p:nvPr>
-            <p:ph type="ctrTitle"/>
-          </p:nvPr>
-        </p:nvSpPr>
-        <p:spPr/>
-        <p:txBody>
-          <a:bodyPr/>
-          <a:lstStyle/>
-          <a:p>
-            <a:r>
-              <a:rPr lang="en-US" dirty="0"/>
-              <a:t>Software Works</a:t>
-            </a:r>
-          </a:p>
-        </p:txBody>
-      </p:sp>
-      <p:sp>
-        <p:nvSpPr>
-          <p:cNvPr id="4" name="Subtitle 3">
-            <a:extLst>
-              <a:ext uri="{FF2B5EF4-FFF2-40B4-BE49-F238E27FC236}">
-                <a16:creationId xmlns:a16="http://schemas.microsoft.com/office/drawing/2014/main" id="{B3E1F7C1-3AFA-4DDD-857C-9C50BB1EB088}"/>
-              </a:ext>
-            </a:extLst>
-          </p:cNvPr>
-          <p:cNvSpPr>
-            <a:spLocks noGrp="1"/>
-          </p:cNvSpPr>
-          <p:nvPr>
-            <p:ph type="subTitle" idx="1"/>
-          </p:nvPr>
-        </p:nvSpPr>
-        <p:spPr/>
-        <p:txBody>
-          <a:bodyPr/>
-          <a:lstStyle/>
-          <a:p>
-            <a:endParaRPr lang="en-US"/>
-          </a:p>
-        </p:txBody>
-      </p:sp>
-      <p:sp>
-        <p:nvSpPr>
-          <p:cNvPr id="3" name="Slide Number Placeholder 2">
-            <a:extLst>
-              <a:ext uri="{FF2B5EF4-FFF2-40B4-BE49-F238E27FC236}">
-                <a16:creationId xmlns:a16="http://schemas.microsoft.com/office/drawing/2014/main" id="{EF57AC2E-C26B-4E0E-B811-EDF0C625F38D}"/>
+          <p:cNvPr id="2" name="Slide Number Placeholder 1">
+            <a:extLst>
+              <a:ext uri="{FF2B5EF4-FFF2-40B4-BE49-F238E27FC236}">
+                <a16:creationId xmlns:a16="http://schemas.microsoft.com/office/drawing/2014/main" id="{51E97A01-D9AA-F270-C50D-3E8D0FA4A4CF}"/>
               </a:ext>
             </a:extLst>
           </p:cNvPr>
@@ -7184,10 +7235,89 @@
           </a:p>
         </p:txBody>
       </p:sp>
+      <p:pic>
+        <p:nvPicPr>
+          <p:cNvPr id="3" name="Picture 2">
+            <a:extLst>
+              <a:ext uri="{FF2B5EF4-FFF2-40B4-BE49-F238E27FC236}">
+                <a16:creationId xmlns:a16="http://schemas.microsoft.com/office/drawing/2014/main" id="{9FD5602F-188A-32D8-1723-6A5BB082EF6B}"/>
+              </a:ext>
+            </a:extLst>
+          </p:cNvPr>
+          <p:cNvPicPr>
+            <a:picLocks noChangeAspect="1"/>
+          </p:cNvPicPr>
+          <p:nvPr/>
+        </p:nvPicPr>
+        <p:blipFill>
+          <a:blip r:embed="rId2" cstate="print">
+            <a:extLst>
+              <a:ext uri="{28A0092B-C50C-407E-A947-70E740481C1C}">
+                <a14:useLocalDpi xmlns:a14="http://schemas.microsoft.com/office/drawing/2010/main" val="0"/>
+              </a:ext>
+            </a:extLst>
+          </a:blip>
+          <a:srcRect/>
+          <a:stretch>
+            <a:fillRect/>
+          </a:stretch>
+        </p:blipFill>
+        <p:spPr bwMode="auto">
+          <a:xfrm>
+            <a:off x="2801331" y="580054"/>
+            <a:ext cx="6589337" cy="5123707"/>
+          </a:xfrm>
+          <a:prstGeom prst="rect">
+            <a:avLst/>
+          </a:prstGeom>
+          <a:noFill/>
+          <a:ln>
+            <a:noFill/>
+          </a:ln>
+        </p:spPr>
+      </p:pic>
+      <p:sp>
+        <p:nvSpPr>
+          <p:cNvPr id="4" name="TextBox 3">
+            <a:extLst>
+              <a:ext uri="{FF2B5EF4-FFF2-40B4-BE49-F238E27FC236}">
+                <a16:creationId xmlns:a16="http://schemas.microsoft.com/office/drawing/2014/main" id="{AEC770C4-1137-D693-CF01-AC7C14C257A3}"/>
+              </a:ext>
+            </a:extLst>
+          </p:cNvPr>
+          <p:cNvSpPr txBox="1"/>
+          <p:nvPr/>
+        </p:nvSpPr>
+        <p:spPr>
+          <a:xfrm>
+            <a:off x="2315919" y="5833130"/>
+            <a:ext cx="7560159" cy="523220"/>
+          </a:xfrm>
+          <a:prstGeom prst="rect">
+            <a:avLst/>
+          </a:prstGeom>
+          <a:noFill/>
+        </p:spPr>
+        <p:txBody>
+          <a:bodyPr wrap="square" rtlCol="0">
+            <a:spAutoFit/>
+          </a:bodyPr>
+          <a:lstStyle/>
+          <a:p>
+            <a:r>
+              <a:rPr lang="en-US" sz="2800" dirty="0">
+                <a:latin typeface="Times New Roman" panose="02020603050405020304" pitchFamily="18" charset="0"/>
+                <a:cs typeface="Times New Roman" panose="02020603050405020304" pitchFamily="18" charset="0"/>
+              </a:rPr>
+              <a:t>After bending the analog values change as follows.</a:t>
+            </a:r>
+          </a:p>
+        </p:txBody>
+      </p:sp>
     </p:spTree>
     <p:extLst>
       <p:ext uri="{BB962C8B-B14F-4D97-AF65-F5344CB8AC3E}">
-        <p14:creationId xmlns:p14="http://schemas.microsoft.com/office/powerpoint/2010/main" val="1020056166"/>
+        <p14:creationId xmlns:p14="http://schemas.microsoft.com/office/powerpoint/2010/main" val="1430498112"/>
       </p:ext>
     </p:extLst>
   </p:cSld>
@@ -7216,73 +7346,10 @@
       </p:grpSpPr>
       <p:sp>
         <p:nvSpPr>
-          <p:cNvPr id="2" name="Title 1">
-            <a:extLst>
-              <a:ext uri="{FF2B5EF4-FFF2-40B4-BE49-F238E27FC236}">
-                <a16:creationId xmlns:a16="http://schemas.microsoft.com/office/drawing/2014/main" id="{C117DBB7-DA4E-48AA-A6B8-4426039084B0}"/>
-              </a:ext>
-            </a:extLst>
-          </p:cNvPr>
-          <p:cNvSpPr>
-            <a:spLocks noGrp="1"/>
-          </p:cNvSpPr>
-          <p:nvPr>
-            <p:ph type="title"/>
-          </p:nvPr>
-        </p:nvSpPr>
-        <p:spPr/>
-        <p:txBody>
-          <a:bodyPr/>
-          <a:lstStyle/>
-          <a:p>
-            <a:r>
-              <a:rPr lang="en-US" dirty="0"/>
-              <a:t>Random Forest Implementation</a:t>
-            </a:r>
-          </a:p>
-        </p:txBody>
-      </p:sp>
-      <p:pic>
-        <p:nvPicPr>
-          <p:cNvPr id="6" name="Content Placeholder 5">
-            <a:extLst>
-              <a:ext uri="{FF2B5EF4-FFF2-40B4-BE49-F238E27FC236}">
-                <a16:creationId xmlns:a16="http://schemas.microsoft.com/office/drawing/2014/main" id="{52607CF3-921B-46B4-9AAD-53811FC989C9}"/>
-              </a:ext>
-            </a:extLst>
-          </p:cNvPr>
-          <p:cNvPicPr>
-            <a:picLocks noGrp="1" noChangeAspect="1"/>
-          </p:cNvPicPr>
-          <p:nvPr>
-            <p:ph idx="1"/>
-          </p:nvPr>
-        </p:nvPicPr>
-        <p:blipFill>
-          <a:blip r:embed="rId2">
-            <a:extLst>
-              <a:ext uri="{28A0092B-C50C-407E-A947-70E740481C1C}">
-                <a14:useLocalDpi xmlns:a14="http://schemas.microsoft.com/office/drawing/2010/main" val="0"/>
-              </a:ext>
-            </a:extLst>
-          </a:blip>
-          <a:stretch>
-            <a:fillRect/>
-          </a:stretch>
-        </p:blipFill>
-        <p:spPr>
-          <a:xfrm>
-            <a:off x="4535267" y="1825625"/>
-            <a:ext cx="3121466" cy="4351338"/>
-          </a:xfrm>
-        </p:spPr>
-      </p:pic>
-      <p:sp>
-        <p:nvSpPr>
-          <p:cNvPr id="4" name="Slide Number Placeholder 3">
-            <a:extLst>
-              <a:ext uri="{FF2B5EF4-FFF2-40B4-BE49-F238E27FC236}">
-                <a16:creationId xmlns:a16="http://schemas.microsoft.com/office/drawing/2014/main" id="{356965B0-14CD-4948-8BAA-260E77ECE5CD}"/>
+          <p:cNvPr id="2" name="Slide Number Placeholder 1">
+            <a:extLst>
+              <a:ext uri="{FF2B5EF4-FFF2-40B4-BE49-F238E27FC236}">
+                <a16:creationId xmlns:a16="http://schemas.microsoft.com/office/drawing/2014/main" id="{10C00E97-9EBD-542C-5F89-A8908B6A7398}"/>
               </a:ext>
             </a:extLst>
           </p:cNvPr>
@@ -7306,10 +7373,103 @@
           </a:p>
         </p:txBody>
       </p:sp>
+      <p:pic>
+        <p:nvPicPr>
+          <p:cNvPr id="3" name="Picture 2">
+            <a:extLst>
+              <a:ext uri="{FF2B5EF4-FFF2-40B4-BE49-F238E27FC236}">
+                <a16:creationId xmlns:a16="http://schemas.microsoft.com/office/drawing/2014/main" id="{587CE0A2-AD10-39C2-D971-08C262447CDF}"/>
+              </a:ext>
+            </a:extLst>
+          </p:cNvPr>
+          <p:cNvPicPr>
+            <a:picLocks noChangeAspect="1"/>
+          </p:cNvPicPr>
+          <p:nvPr/>
+        </p:nvPicPr>
+        <p:blipFill rotWithShape="1">
+          <a:blip r:embed="rId2">
+            <a:extLst>
+              <a:ext uri="{28A0092B-C50C-407E-A947-70E740481C1C}">
+                <a14:useLocalDpi xmlns:a14="http://schemas.microsoft.com/office/drawing/2010/main" val="0"/>
+              </a:ext>
+            </a:extLst>
+          </a:blip>
+          <a:srcRect t="-1" r="44016" b="22738"/>
+          <a:stretch/>
+        </p:blipFill>
+        <p:spPr bwMode="auto">
+          <a:xfrm>
+            <a:off x="2575548" y="447271"/>
+            <a:ext cx="7028329" cy="5356713"/>
+          </a:xfrm>
+          <a:prstGeom prst="rect">
+            <a:avLst/>
+          </a:prstGeom>
+          <a:noFill/>
+          <a:ln>
+            <a:noFill/>
+          </a:ln>
+          <a:extLst>
+            <a:ext uri="{53640926-AAD7-44D8-BBD7-CCE9431645EC}">
+              <a14:shadowObscured xmlns:a14="http://schemas.microsoft.com/office/drawing/2010/main"/>
+            </a:ext>
+          </a:extLst>
+        </p:spPr>
+      </p:pic>
+      <p:sp>
+        <p:nvSpPr>
+          <p:cNvPr id="4" name="TextBox 3">
+            <a:extLst>
+              <a:ext uri="{FF2B5EF4-FFF2-40B4-BE49-F238E27FC236}">
+                <a16:creationId xmlns:a16="http://schemas.microsoft.com/office/drawing/2014/main" id="{3CF4579C-0823-C3F9-F10E-8B7083E1C75D}"/>
+              </a:ext>
+            </a:extLst>
+          </p:cNvPr>
+          <p:cNvSpPr txBox="1"/>
+          <p:nvPr/>
+        </p:nvSpPr>
+        <p:spPr>
+          <a:xfrm>
+            <a:off x="4283648" y="5803984"/>
+            <a:ext cx="3612131" cy="954107"/>
+          </a:xfrm>
+          <a:prstGeom prst="rect">
+            <a:avLst/>
+          </a:prstGeom>
+          <a:noFill/>
+        </p:spPr>
+        <p:txBody>
+          <a:bodyPr wrap="square" rtlCol="0">
+            <a:spAutoFit/>
+          </a:bodyPr>
+          <a:lstStyle/>
+          <a:p>
+            <a:pPr algn="ctr"/>
+            <a:r>
+              <a:rPr lang="en-US" sz="2800" dirty="0">
+                <a:latin typeface="Times New Roman" panose="02020603050405020304" pitchFamily="18" charset="0"/>
+                <a:cs typeface="Times New Roman" panose="02020603050405020304" pitchFamily="18" charset="0"/>
+              </a:rPr>
+              <a:t>After Bending</a:t>
+            </a:r>
+          </a:p>
+          <a:p>
+            <a:pPr algn="ctr"/>
+            <a:r>
+              <a:rPr lang="en-US" sz="2800" dirty="0">
+                <a:latin typeface="Times New Roman" panose="02020603050405020304" pitchFamily="18" charset="0"/>
+                <a:cs typeface="Times New Roman" panose="02020603050405020304" pitchFamily="18" charset="0"/>
+              </a:rPr>
+              <a:t> value= 811</a:t>
+            </a:r>
+          </a:p>
+        </p:txBody>
+      </p:sp>
     </p:spTree>
     <p:extLst>
       <p:ext uri="{BB962C8B-B14F-4D97-AF65-F5344CB8AC3E}">
-        <p14:creationId xmlns:p14="http://schemas.microsoft.com/office/powerpoint/2010/main" val="315130164"/>
+        <p14:creationId xmlns:p14="http://schemas.microsoft.com/office/powerpoint/2010/main" val="2004407288"/>
       </p:ext>
     </p:extLst>
   </p:cSld>
@@ -7341,31 +7501,31 @@
           <p:cNvPr id="2" name="Title 1">
             <a:extLst>
               <a:ext uri="{FF2B5EF4-FFF2-40B4-BE49-F238E27FC236}">
-                <a16:creationId xmlns:a16="http://schemas.microsoft.com/office/drawing/2014/main" id="{39155470-CF6B-4BFF-A262-93816FB2CAB1}"/>
-              </a:ext>
-            </a:extLst>
-          </p:cNvPr>
-          <p:cNvSpPr>
-            <a:spLocks noGrp="1"/>
-          </p:cNvSpPr>
-          <p:nvPr>
-            <p:ph type="title"/>
-          </p:nvPr>
-        </p:nvSpPr>
-        <p:spPr/>
-        <p:txBody>
-          <a:bodyPr/>
-          <a:lstStyle/>
-          <a:p>
-            <a:pPr algn="ctr"/>
-            <a:r>
-              <a:rPr lang="en-US" b="1" dirty="0">
-                <a:solidFill>
-                  <a:schemeClr val="tx1">
-                    <a:lumMod val="85000"/>
-                    <a:lumOff val="15000"/>
-                  </a:schemeClr>
-                </a:solidFill>
+                <a16:creationId xmlns:a16="http://schemas.microsoft.com/office/drawing/2014/main" id="{13485241-C18F-49A1-B5BB-0AD67B9A130B}"/>
+              </a:ext>
+            </a:extLst>
+          </p:cNvPr>
+          <p:cNvSpPr>
+            <a:spLocks noGrp="1"/>
+          </p:cNvSpPr>
+          <p:nvPr>
+            <p:ph type="ctrTitle"/>
+          </p:nvPr>
+        </p:nvSpPr>
+        <p:spPr>
+          <a:xfrm>
+            <a:off x="1524000" y="2950275"/>
+            <a:ext cx="9144000" cy="957449"/>
+          </a:xfrm>
+        </p:spPr>
+        <p:txBody>
+          <a:bodyPr>
+            <a:normAutofit/>
+          </a:bodyPr>
+          <a:lstStyle/>
+          <a:p>
+            <a:r>
+              <a:rPr lang="en-US" sz="5400" b="1" dirty="0">
                 <a:effectLst>
                   <a:outerShdw blurRad="38100" dist="38100" dir="2700000" algn="tl">
                     <a:srgbClr val="000000">
@@ -7376,17 +7536,17 @@
                 <a:latin typeface="Times New Roman" panose="02020603050405020304" pitchFamily="18" charset="0"/>
                 <a:cs typeface="Times New Roman" panose="02020603050405020304" pitchFamily="18" charset="0"/>
               </a:rPr>
-              <a:t>Gantt Chart</a:t>
-            </a:r>
-          </a:p>
-        </p:txBody>
-      </p:sp>
-      <p:sp>
-        <p:nvSpPr>
-          <p:cNvPr id="4" name="Slide Number Placeholder 3">
-            <a:extLst>
-              <a:ext uri="{FF2B5EF4-FFF2-40B4-BE49-F238E27FC236}">
-                <a16:creationId xmlns:a16="http://schemas.microsoft.com/office/drawing/2014/main" id="{76EF9D70-9B8D-0196-B652-9FBC9F18B75C}"/>
+              <a:t>Software Works</a:t>
+            </a:r>
+          </a:p>
+        </p:txBody>
+      </p:sp>
+      <p:sp>
+        <p:nvSpPr>
+          <p:cNvPr id="3" name="Slide Number Placeholder 2">
+            <a:extLst>
+              <a:ext uri="{FF2B5EF4-FFF2-40B4-BE49-F238E27FC236}">
+                <a16:creationId xmlns:a16="http://schemas.microsoft.com/office/drawing/2014/main" id="{EF57AC2E-C26B-4E0E-B811-EDF0C625F38D}"/>
               </a:ext>
             </a:extLst>
           </p:cNvPr>
@@ -7410,135 +7570,16 @@
           </a:p>
         </p:txBody>
       </p:sp>
-      <p:graphicFrame>
-        <p:nvGraphicFramePr>
-          <p:cNvPr id="5" name="Content Placeholder 3">
-            <a:extLst>
-              <a:ext uri="{FF2B5EF4-FFF2-40B4-BE49-F238E27FC236}">
-                <a16:creationId xmlns:a16="http://schemas.microsoft.com/office/drawing/2014/main" id="{15A544EB-0AD0-0891-6733-1CF3F15E4DB9}"/>
-              </a:ext>
-            </a:extLst>
-          </p:cNvPr>
-          <p:cNvGraphicFramePr>
-            <a:graphicFrameLocks noGrp="1"/>
-          </p:cNvGraphicFramePr>
-          <p:nvPr>
-            <p:ph idx="1"/>
-            <p:extLst>
-              <p:ext uri="{D42A27DB-BD31-4B8C-83A1-F6EECF244321}">
-                <p14:modId xmlns:p14="http://schemas.microsoft.com/office/powerpoint/2010/main" val="887960589"/>
-              </p:ext>
-            </p:extLst>
-          </p:nvPr>
-        </p:nvGraphicFramePr>
-        <p:xfrm>
-          <a:off x="838199" y="1825624"/>
-          <a:ext cx="10914529" cy="4530725"/>
-        </p:xfrm>
-        <a:graphic>
-          <a:graphicData uri="http://schemas.openxmlformats.org/drawingml/2006/chart">
-            <c:chart xmlns:c="http://schemas.openxmlformats.org/drawingml/2006/chart" xmlns:r="http://schemas.openxmlformats.org/officeDocument/2006/relationships" r:id="rId2"/>
-          </a:graphicData>
-        </a:graphic>
-      </p:graphicFrame>
     </p:spTree>
     <p:extLst>
       <p:ext uri="{BB962C8B-B14F-4D97-AF65-F5344CB8AC3E}">
-        <p14:creationId xmlns:p14="http://schemas.microsoft.com/office/powerpoint/2010/main" val="1902025679"/>
+        <p14:creationId xmlns:p14="http://schemas.microsoft.com/office/powerpoint/2010/main" val="1020056166"/>
       </p:ext>
     </p:extLst>
   </p:cSld>
   <p:clrMapOvr>
     <a:masterClrMapping/>
   </p:clrMapOvr>
-  <p:timing>
-    <p:tnLst>
-      <p:par>
-        <p:cTn id="1" dur="indefinite" restart="never" nodeType="tmRoot">
-          <p:childTnLst>
-            <p:seq concurrent="1" nextAc="seek">
-              <p:cTn id="2" dur="indefinite" nodeType="mainSeq">
-                <p:childTnLst>
-                  <p:par>
-                    <p:cTn id="3" fill="hold">
-                      <p:stCondLst>
-                        <p:cond delay="indefinite"/>
-                      </p:stCondLst>
-                      <p:childTnLst>
-                        <p:par>
-                          <p:cTn id="4" fill="hold">
-                            <p:stCondLst>
-                              <p:cond delay="0"/>
-                            </p:stCondLst>
-                            <p:childTnLst>
-                              <p:par>
-                                <p:cTn id="5" presetID="10" presetClass="entr" presetSubtype="0" fill="hold" grpId="0" nodeType="clickEffect">
-                                  <p:stCondLst>
-                                    <p:cond delay="0"/>
-                                  </p:stCondLst>
-                                  <p:childTnLst>
-                                    <p:set>
-                                      <p:cBhvr>
-                                        <p:cTn id="6" dur="1" fill="hold">
-                                          <p:stCondLst>
-                                            <p:cond delay="0"/>
-                                          </p:stCondLst>
-                                        </p:cTn>
-                                        <p:tgtEl>
-                                          <p:spTgt spid="5"/>
-                                        </p:tgtEl>
-                                        <p:attrNameLst>
-                                          <p:attrName>style.visibility</p:attrName>
-                                        </p:attrNameLst>
-                                      </p:cBhvr>
-                                      <p:to>
-                                        <p:strVal val="visible"/>
-                                      </p:to>
-                                    </p:set>
-                                    <p:animEffect transition="in" filter="fade">
-                                      <p:cBhvr>
-                                        <p:cTn id="7" dur="500"/>
-                                        <p:tgtEl>
-                                          <p:spTgt spid="5"/>
-                                        </p:tgtEl>
-                                      </p:cBhvr>
-                                    </p:animEffect>
-                                  </p:childTnLst>
-                                </p:cTn>
-                              </p:par>
-                            </p:childTnLst>
-                          </p:cTn>
-                        </p:par>
-                      </p:childTnLst>
-                    </p:cTn>
-                  </p:par>
-                </p:childTnLst>
-              </p:cTn>
-              <p:prevCondLst>
-                <p:cond evt="onPrev" delay="0">
-                  <p:tgtEl>
-                    <p:sldTgt/>
-                  </p:tgtEl>
-                </p:cond>
-              </p:prevCondLst>
-              <p:nextCondLst>
-                <p:cond evt="onNext" delay="0">
-                  <p:tgtEl>
-                    <p:sldTgt/>
-                  </p:tgtEl>
-                </p:cond>
-              </p:nextCondLst>
-            </p:seq>
-          </p:childTnLst>
-        </p:cTn>
-      </p:par>
-    </p:tnLst>
-    <p:bldLst>
-      <p:bldGraphic spid="5" grpId="0">
-        <p:bldAsOne/>
-      </p:bldGraphic>
-    </p:bldLst>
-  </p:timing>
 </p:sld>
 </file>
 
@@ -7564,37 +7605,24 @@
           <p:cNvPr id="2" name="Title 1">
             <a:extLst>
               <a:ext uri="{FF2B5EF4-FFF2-40B4-BE49-F238E27FC236}">
-                <a16:creationId xmlns:a16="http://schemas.microsoft.com/office/drawing/2014/main" id="{E1F5A8E3-44B1-4F99-A54F-622B6BF887D3}"/>
-              </a:ext>
-            </a:extLst>
-          </p:cNvPr>
-          <p:cNvSpPr>
-            <a:spLocks noGrp="1"/>
-          </p:cNvSpPr>
-          <p:nvPr>
-            <p:ph type="ctrTitle"/>
-          </p:nvPr>
-        </p:nvSpPr>
-        <p:spPr>
-          <a:xfrm>
-            <a:off x="1524000" y="2951489"/>
-            <a:ext cx="9144000" cy="955022"/>
-          </a:xfrm>
-        </p:spPr>
-        <p:txBody>
-          <a:bodyPr>
-            <a:normAutofit/>
-          </a:bodyPr>
-          <a:lstStyle/>
-          <a:p>
-            <a:r>
-              <a:rPr lang="en-US" sz="5400" b="1" dirty="0">
-                <a:solidFill>
-                  <a:schemeClr val="tx1">
-                    <a:lumMod val="85000"/>
-                    <a:lumOff val="15000"/>
-                  </a:schemeClr>
-                </a:solidFill>
+                <a16:creationId xmlns:a16="http://schemas.microsoft.com/office/drawing/2014/main" id="{C117DBB7-DA4E-48AA-A6B8-4426039084B0}"/>
+              </a:ext>
+            </a:extLst>
+          </p:cNvPr>
+          <p:cNvSpPr>
+            <a:spLocks noGrp="1"/>
+          </p:cNvSpPr>
+          <p:nvPr>
+            <p:ph type="title"/>
+          </p:nvPr>
+        </p:nvSpPr>
+        <p:spPr/>
+        <p:txBody>
+          <a:bodyPr/>
+          <a:lstStyle/>
+          <a:p>
+            <a:r>
+              <a:rPr lang="en-US" b="1" dirty="0">
                 <a:effectLst>
                   <a:outerShdw blurRad="38100" dist="38100" dir="2700000" algn="tl">
                     <a:srgbClr val="000000">
@@ -7605,17 +7633,80 @@
                 <a:latin typeface="Times New Roman" panose="02020603050405020304" pitchFamily="18" charset="0"/>
                 <a:cs typeface="Times New Roman" panose="02020603050405020304" pitchFamily="18" charset="0"/>
               </a:rPr>
-              <a:t>Expected Output</a:t>
-            </a:r>
-          </a:p>
-        </p:txBody>
-      </p:sp>
-      <p:sp>
-        <p:nvSpPr>
-          <p:cNvPr id="3" name="Slide Number Placeholder 2">
-            <a:extLst>
-              <a:ext uri="{FF2B5EF4-FFF2-40B4-BE49-F238E27FC236}">
-                <a16:creationId xmlns:a16="http://schemas.microsoft.com/office/drawing/2014/main" id="{2FD94C0E-641E-54FE-8106-FCA3F4625DBE}"/>
+              <a:t>Random </a:t>
+            </a:r>
+            <a:r>
+              <a:rPr lang="en-US" sz="4800" b="1" dirty="0">
+                <a:effectLst>
+                  <a:outerShdw blurRad="38100" dist="38100" dir="2700000" algn="tl">
+                    <a:srgbClr val="000000">
+                      <a:alpha val="43137"/>
+                    </a:srgbClr>
+                  </a:outerShdw>
+                </a:effectLst>
+                <a:latin typeface="Times New Roman" panose="02020603050405020304" pitchFamily="18" charset="0"/>
+                <a:cs typeface="Times New Roman" panose="02020603050405020304" pitchFamily="18" charset="0"/>
+              </a:rPr>
+              <a:t>Forest</a:t>
+            </a:r>
+            <a:r>
+              <a:rPr lang="en-US" b="1" dirty="0">
+                <a:effectLst>
+                  <a:outerShdw blurRad="38100" dist="38100" dir="2700000" algn="tl">
+                    <a:srgbClr val="000000">
+                      <a:alpha val="43137"/>
+                    </a:srgbClr>
+                  </a:outerShdw>
+                </a:effectLst>
+                <a:latin typeface="Times New Roman" panose="02020603050405020304" pitchFamily="18" charset="0"/>
+                <a:cs typeface="Times New Roman" panose="02020603050405020304" pitchFamily="18" charset="0"/>
+              </a:rPr>
+              <a:t> Implementation</a:t>
+            </a:r>
+          </a:p>
+        </p:txBody>
+      </p:sp>
+      <p:pic>
+        <p:nvPicPr>
+          <p:cNvPr id="6" name="Content Placeholder 5">
+            <a:extLst>
+              <a:ext uri="{FF2B5EF4-FFF2-40B4-BE49-F238E27FC236}">
+                <a16:creationId xmlns:a16="http://schemas.microsoft.com/office/drawing/2014/main" id="{52607CF3-921B-46B4-9AAD-53811FC989C9}"/>
+              </a:ext>
+            </a:extLst>
+          </p:cNvPr>
+          <p:cNvPicPr>
+            <a:picLocks noGrp="1" noChangeAspect="1"/>
+          </p:cNvPicPr>
+          <p:nvPr>
+            <p:ph idx="1"/>
+          </p:nvPr>
+        </p:nvPicPr>
+        <p:blipFill>
+          <a:blip r:embed="rId2">
+            <a:extLst>
+              <a:ext uri="{28A0092B-C50C-407E-A947-70E740481C1C}">
+                <a14:useLocalDpi xmlns:a14="http://schemas.microsoft.com/office/drawing/2010/main" val="0"/>
+              </a:ext>
+            </a:extLst>
+          </a:blip>
+          <a:stretch>
+            <a:fillRect/>
+          </a:stretch>
+        </p:blipFill>
+        <p:spPr>
+          <a:xfrm>
+            <a:off x="1765173" y="1690688"/>
+            <a:ext cx="3121466" cy="4351338"/>
+          </a:xfrm>
+        </p:spPr>
+      </p:pic>
+      <p:sp>
+        <p:nvSpPr>
+          <p:cNvPr id="4" name="Slide Number Placeholder 3">
+            <a:extLst>
+              <a:ext uri="{FF2B5EF4-FFF2-40B4-BE49-F238E27FC236}">
+                <a16:creationId xmlns:a16="http://schemas.microsoft.com/office/drawing/2014/main" id="{356965B0-14CD-4948-8BAA-260E77ECE5CD}"/>
               </a:ext>
             </a:extLst>
           </p:cNvPr>
@@ -7639,10 +7730,75 @@
           </a:p>
         </p:txBody>
       </p:sp>
+      <p:sp>
+        <p:nvSpPr>
+          <p:cNvPr id="3" name="TextBox 2">
+            <a:extLst>
+              <a:ext uri="{FF2B5EF4-FFF2-40B4-BE49-F238E27FC236}">
+                <a16:creationId xmlns:a16="http://schemas.microsoft.com/office/drawing/2014/main" id="{46273EE8-5009-02A3-5D68-C1A7B80394A1}"/>
+              </a:ext>
+            </a:extLst>
+          </p:cNvPr>
+          <p:cNvSpPr txBox="1"/>
+          <p:nvPr/>
+        </p:nvSpPr>
+        <p:spPr>
+          <a:xfrm>
+            <a:off x="6427695" y="2459504"/>
+            <a:ext cx="3927415" cy="2246769"/>
+          </a:xfrm>
+          <a:prstGeom prst="rect">
+            <a:avLst/>
+          </a:prstGeom>
+          <a:noFill/>
+        </p:spPr>
+        <p:txBody>
+          <a:bodyPr wrap="square" rtlCol="0">
+            <a:spAutoFit/>
+          </a:bodyPr>
+          <a:lstStyle/>
+          <a:p>
+            <a:r>
+              <a:rPr lang="en-US" sz="2800" dirty="0">
+                <a:latin typeface="Times New Roman" panose="02020603050405020304" pitchFamily="18" charset="0"/>
+                <a:cs typeface="Times New Roman" panose="02020603050405020304" pitchFamily="18" charset="0"/>
+              </a:rPr>
+              <a:t>If a person is likely to purchase a car,</a:t>
+            </a:r>
+          </a:p>
+          <a:p>
+            <a:r>
+              <a:rPr lang="en-US" sz="2800" dirty="0">
+                <a:latin typeface="Times New Roman" panose="02020603050405020304" pitchFamily="18" charset="0"/>
+                <a:cs typeface="Times New Roman" panose="02020603050405020304" pitchFamily="18" charset="0"/>
+              </a:rPr>
+              <a:t>Output= 1</a:t>
+            </a:r>
+          </a:p>
+          <a:p>
+            <a:r>
+              <a:rPr lang="en-US" sz="2800" dirty="0">
+                <a:latin typeface="Times New Roman" panose="02020603050405020304" pitchFamily="18" charset="0"/>
+                <a:cs typeface="Times New Roman" panose="02020603050405020304" pitchFamily="18" charset="0"/>
+              </a:rPr>
+              <a:t>Else,</a:t>
+            </a:r>
+          </a:p>
+          <a:p>
+            <a:r>
+              <a:rPr lang="en-US" sz="2800" dirty="0">
+                <a:latin typeface="Times New Roman" panose="02020603050405020304" pitchFamily="18" charset="0"/>
+                <a:cs typeface="Times New Roman" panose="02020603050405020304" pitchFamily="18" charset="0"/>
+              </a:rPr>
+              <a:t>Output= 0</a:t>
+            </a:r>
+          </a:p>
+        </p:txBody>
+      </p:sp>
     </p:spTree>
     <p:extLst>
       <p:ext uri="{BB962C8B-B14F-4D97-AF65-F5344CB8AC3E}">
-        <p14:creationId xmlns:p14="http://schemas.microsoft.com/office/powerpoint/2010/main" val="5321798"/>
+        <p14:creationId xmlns:p14="http://schemas.microsoft.com/office/powerpoint/2010/main" val="315130164"/>
       </p:ext>
     </p:extLst>
   </p:cSld>
@@ -7669,21 +7825,48 @@
           <a:chExt cx="0" cy="0"/>
         </a:xfrm>
       </p:grpSpPr>
+      <p:sp>
+        <p:nvSpPr>
+          <p:cNvPr id="4" name="Slide Number Placeholder 3">
+            <a:extLst>
+              <a:ext uri="{FF2B5EF4-FFF2-40B4-BE49-F238E27FC236}">
+                <a16:creationId xmlns:a16="http://schemas.microsoft.com/office/drawing/2014/main" id="{8FA66C91-F48A-0661-3CE9-3C9424379919}"/>
+              </a:ext>
+            </a:extLst>
+          </p:cNvPr>
+          <p:cNvSpPr>
+            <a:spLocks noGrp="1"/>
+          </p:cNvSpPr>
+          <p:nvPr>
+            <p:ph type="sldNum" sz="quarter" idx="12"/>
+          </p:nvPr>
+        </p:nvSpPr>
+        <p:spPr/>
+        <p:txBody>
+          <a:bodyPr/>
+          <a:lstStyle/>
+          <a:p>
+            <a:fld id="{8ABD9A93-A63E-4048-A90A-76F0C4F81214}" type="slidenum">
+              <a:rPr lang="en-US" smtClean="0"/>
+              <a:t>26</a:t>
+            </a:fld>
+            <a:endParaRPr lang="en-US"/>
+          </a:p>
+        </p:txBody>
+      </p:sp>
       <p:pic>
         <p:nvPicPr>
-          <p:cNvPr id="5" name="Content Placeholder 4">
-            <a:extLst>
-              <a:ext uri="{FF2B5EF4-FFF2-40B4-BE49-F238E27FC236}">
-                <a16:creationId xmlns:a16="http://schemas.microsoft.com/office/drawing/2014/main" id="{37CD4807-F593-48E9-9485-4FD7782EB216}"/>
+          <p:cNvPr id="6" name="Picture 5">
+            <a:extLst>
+              <a:ext uri="{FF2B5EF4-FFF2-40B4-BE49-F238E27FC236}">
+                <a16:creationId xmlns:a16="http://schemas.microsoft.com/office/drawing/2014/main" id="{48479FBA-1F32-B99A-EB6A-01574EBF3610}"/>
               </a:ext>
             </a:extLst>
           </p:cNvPr>
           <p:cNvPicPr>
-            <a:picLocks noGrp="1" noChangeAspect="1"/>
+            <a:picLocks noChangeAspect="1"/>
           </p:cNvPicPr>
-          <p:nvPr>
-            <p:ph idx="4294967295"/>
-          </p:nvPr>
+          <p:nvPr/>
         </p:nvPicPr>
         <p:blipFill>
           <a:blip r:embed="rId2">
@@ -7699,133 +7882,24 @@
         </p:blipFill>
         <p:spPr>
           <a:xfrm>
-            <a:off x="2348752" y="70274"/>
-            <a:ext cx="8113060" cy="6651201"/>
+            <a:off x="2545976" y="456559"/>
+            <a:ext cx="7100047" cy="5944882"/>
           </a:xfrm>
+          <a:prstGeom prst="rect">
+            <a:avLst/>
+          </a:prstGeom>
         </p:spPr>
       </p:pic>
-      <p:sp>
-        <p:nvSpPr>
-          <p:cNvPr id="2" name="Slide Number Placeholder 1">
-            <a:extLst>
-              <a:ext uri="{FF2B5EF4-FFF2-40B4-BE49-F238E27FC236}">
-                <a16:creationId xmlns:a16="http://schemas.microsoft.com/office/drawing/2014/main" id="{B1ED55D3-E5A1-4CBF-DE64-E0F80EFED971}"/>
-              </a:ext>
-            </a:extLst>
-          </p:cNvPr>
-          <p:cNvSpPr>
-            <a:spLocks noGrp="1"/>
-          </p:cNvSpPr>
-          <p:nvPr>
-            <p:ph type="sldNum" sz="quarter" idx="12"/>
-          </p:nvPr>
-        </p:nvSpPr>
-        <p:spPr/>
-        <p:txBody>
-          <a:bodyPr/>
-          <a:lstStyle/>
-          <a:p>
-            <a:fld id="{8ABD9A93-A63E-4048-A90A-76F0C4F81214}" type="slidenum">
-              <a:rPr lang="en-US" smtClean="0"/>
-              <a:t>26</a:t>
-            </a:fld>
-            <a:endParaRPr lang="en-US"/>
-          </a:p>
-        </p:txBody>
-      </p:sp>
     </p:spTree>
     <p:extLst>
       <p:ext uri="{BB962C8B-B14F-4D97-AF65-F5344CB8AC3E}">
-        <p14:creationId xmlns:p14="http://schemas.microsoft.com/office/powerpoint/2010/main" val="2284109050"/>
+        <p14:creationId xmlns:p14="http://schemas.microsoft.com/office/powerpoint/2010/main" val="3618858679"/>
       </p:ext>
     </p:extLst>
   </p:cSld>
   <p:clrMapOvr>
     <a:masterClrMapping/>
   </p:clrMapOvr>
-  <p:timing>
-    <p:tnLst>
-      <p:par>
-        <p:cTn id="1" dur="indefinite" restart="never" nodeType="tmRoot">
-          <p:childTnLst>
-            <p:seq concurrent="1" nextAc="seek">
-              <p:cTn id="2" dur="indefinite" nodeType="mainSeq">
-                <p:childTnLst>
-                  <p:par>
-                    <p:cTn id="3" fill="hold">
-                      <p:stCondLst>
-                        <p:cond delay="indefinite"/>
-                      </p:stCondLst>
-                      <p:childTnLst>
-                        <p:par>
-                          <p:cTn id="4" fill="hold">
-                            <p:stCondLst>
-                              <p:cond delay="0"/>
-                            </p:stCondLst>
-                            <p:childTnLst>
-                              <p:par>
-                                <p:cTn id="5" presetID="10" presetClass="entr" presetSubtype="0" fill="hold" nodeType="clickEffect">
-                                  <p:stCondLst>
-                                    <p:cond delay="0"/>
-                                  </p:stCondLst>
-                                  <p:childTnLst>
-                                    <p:set>
-                                      <p:cBhvr>
-                                        <p:cTn id="6" dur="1" fill="hold">
-                                          <p:stCondLst>
-                                            <p:cond delay="0"/>
-                                          </p:stCondLst>
-                                        </p:cTn>
-                                        <p:tgtEl>
-                                          <p:spTgt spid="5"/>
-                                        </p:tgtEl>
-                                        <p:attrNameLst>
-                                          <p:attrName>style.visibility</p:attrName>
-                                        </p:attrNameLst>
-                                      </p:cBhvr>
-                                      <p:to>
-                                        <p:strVal val="visible"/>
-                                      </p:to>
-                                    </p:set>
-                                    <p:animEffect transition="in" filter="fade">
-                                      <p:cBhvr>
-                                        <p:cTn id="7" dur="500"/>
-                                        <p:tgtEl>
-                                          <p:spTgt spid="5"/>
-                                        </p:tgtEl>
-                                      </p:cBhvr>
-                                    </p:animEffect>
-                                  </p:childTnLst>
-                                </p:cTn>
-                              </p:par>
-                            </p:childTnLst>
-                          </p:cTn>
-                        </p:par>
-                      </p:childTnLst>
-                    </p:cTn>
-                  </p:par>
-                </p:childTnLst>
-              </p:cTn>
-              <p:prevCondLst>
-                <p:cond evt="onPrev" delay="0">
-                  <p:tgtEl>
-                    <p:sldTgt/>
-                  </p:tgtEl>
-                </p:cond>
-              </p:prevCondLst>
-              <p:nextCondLst>
-                <p:cond evt="onNext" delay="0">
-                  <p:tgtEl>
-                    <p:sldTgt/>
-                  </p:tgtEl>
-                </p:cond>
-              </p:nextCondLst>
-            </p:seq>
-          </p:childTnLst>
-        </p:cTn>
-      </p:par>
-    </p:tnLst>
-  </p:timing>
 </p:sld>
 </file>
 
@@ -7846,48 +7920,228 @@
           <a:chExt cx="0" cy="0"/>
         </a:xfrm>
       </p:grpSpPr>
-      <p:pic>
-        <p:nvPicPr>
-          <p:cNvPr id="3" name="Picture 2">
-            <a:extLst>
-              <a:ext uri="{FF2B5EF4-FFF2-40B4-BE49-F238E27FC236}">
-                <a16:creationId xmlns:a16="http://schemas.microsoft.com/office/drawing/2014/main" id="{20F32D36-EC75-4901-A3D6-032566E7B9E5}"/>
-              </a:ext>
-            </a:extLst>
-          </p:cNvPr>
-          <p:cNvPicPr>
-            <a:picLocks noChangeAspect="1"/>
-          </p:cNvPicPr>
-          <p:nvPr/>
-        </p:nvPicPr>
-        <p:blipFill>
-          <a:blip r:embed="rId2">
-            <a:extLst>
-              <a:ext uri="{28A0092B-C50C-407E-A947-70E740481C1C}">
-                <a14:useLocalDpi xmlns:a14="http://schemas.microsoft.com/office/drawing/2010/main" val="0"/>
-              </a:ext>
-            </a:extLst>
-          </a:blip>
-          <a:stretch>
-            <a:fillRect/>
-          </a:stretch>
-        </p:blipFill>
-        <p:spPr>
-          <a:xfrm>
-            <a:off x="2461042" y="78292"/>
-            <a:ext cx="7982840" cy="6701415"/>
-          </a:xfrm>
-          <a:prstGeom prst="rect">
-            <a:avLst/>
-          </a:prstGeom>
-        </p:spPr>
-      </p:pic>
-      <p:sp>
-        <p:nvSpPr>
-          <p:cNvPr id="2" name="Slide Number Placeholder 1">
-            <a:extLst>
-              <a:ext uri="{FF2B5EF4-FFF2-40B4-BE49-F238E27FC236}">
-                <a16:creationId xmlns:a16="http://schemas.microsoft.com/office/drawing/2014/main" id="{492DB635-6427-4F92-E48D-3969F93641DA}"/>
+      <p:sp>
+        <p:nvSpPr>
+          <p:cNvPr id="2" name="Title 1">
+            <a:extLst>
+              <a:ext uri="{FF2B5EF4-FFF2-40B4-BE49-F238E27FC236}">
+                <a16:creationId xmlns:a16="http://schemas.microsoft.com/office/drawing/2014/main" id="{29057EB9-6825-4724-9AC2-0D5D9ECC47BD}"/>
+              </a:ext>
+            </a:extLst>
+          </p:cNvPr>
+          <p:cNvSpPr>
+            <a:spLocks noGrp="1"/>
+          </p:cNvSpPr>
+          <p:nvPr>
+            <p:ph type="title"/>
+          </p:nvPr>
+        </p:nvSpPr>
+        <p:spPr/>
+        <p:txBody>
+          <a:bodyPr>
+            <a:normAutofit/>
+          </a:bodyPr>
+          <a:lstStyle/>
+          <a:p>
+            <a:pPr algn="ctr"/>
+            <a:r>
+              <a:rPr lang="en-US" sz="4800" b="1" dirty="0">
+                <a:effectLst>
+                  <a:outerShdw blurRad="38100" dist="38100" dir="2700000" algn="tl">
+                    <a:srgbClr val="000000">
+                      <a:alpha val="43137"/>
+                    </a:srgbClr>
+                  </a:outerShdw>
+                </a:effectLst>
+                <a:latin typeface="Times New Roman" panose="02020603050405020304" pitchFamily="18" charset="0"/>
+                <a:cs typeface="Times New Roman" panose="02020603050405020304" pitchFamily="18" charset="0"/>
+              </a:rPr>
+              <a:t>Remaining Works</a:t>
+            </a:r>
+          </a:p>
+        </p:txBody>
+      </p:sp>
+      <p:sp>
+        <p:nvSpPr>
+          <p:cNvPr id="3" name="Content Placeholder 2">
+            <a:extLst>
+              <a:ext uri="{FF2B5EF4-FFF2-40B4-BE49-F238E27FC236}">
+                <a16:creationId xmlns:a16="http://schemas.microsoft.com/office/drawing/2014/main" id="{2F24F384-2C77-4D65-A4CD-B35E1807292A}"/>
+              </a:ext>
+            </a:extLst>
+          </p:cNvPr>
+          <p:cNvSpPr>
+            <a:spLocks noGrp="1"/>
+          </p:cNvSpPr>
+          <p:nvPr>
+            <p:ph idx="1"/>
+          </p:nvPr>
+        </p:nvSpPr>
+        <p:spPr/>
+        <p:txBody>
+          <a:bodyPr/>
+          <a:lstStyle/>
+          <a:p>
+            <a:pPr marL="342900" marR="0" lvl="0" indent="-342900">
+              <a:lnSpc>
+                <a:spcPct val="150000"/>
+              </a:lnSpc>
+              <a:spcBef>
+                <a:spcPts val="0"/>
+              </a:spcBef>
+              <a:spcAft>
+                <a:spcPts val="0"/>
+              </a:spcAft>
+              <a:buFont typeface="+mj-lt"/>
+              <a:buAutoNum type="arabicPeriod"/>
+            </a:pPr>
+            <a:r>
+              <a:rPr lang="en-US" dirty="0">
+                <a:effectLst/>
+                <a:latin typeface="Times New Roman" panose="02020603050405020304" pitchFamily="18" charset="0"/>
+                <a:ea typeface="Calibri" panose="020F0502020204030204" pitchFamily="34" charset="0"/>
+                <a:cs typeface="Times New Roman" panose="02020603050405020304" pitchFamily="18" charset="0"/>
+              </a:rPr>
+              <a:t>Data collection and Parsing</a:t>
+            </a:r>
+          </a:p>
+          <a:p>
+            <a:pPr marL="342900" marR="0" lvl="0" indent="-342900">
+              <a:lnSpc>
+                <a:spcPct val="150000"/>
+              </a:lnSpc>
+              <a:spcBef>
+                <a:spcPts val="0"/>
+              </a:spcBef>
+              <a:spcAft>
+                <a:spcPts val="0"/>
+              </a:spcAft>
+              <a:buFont typeface="+mj-lt"/>
+              <a:buAutoNum type="arabicPeriod"/>
+            </a:pPr>
+            <a:r>
+              <a:rPr lang="en-US" dirty="0">
+                <a:effectLst/>
+                <a:latin typeface="Times New Roman" panose="02020603050405020304" pitchFamily="18" charset="0"/>
+                <a:ea typeface="Calibri" panose="020F0502020204030204" pitchFamily="34" charset="0"/>
+                <a:cs typeface="Times New Roman" panose="02020603050405020304" pitchFamily="18" charset="0"/>
+              </a:rPr>
+              <a:t>Writing Data into excel file</a:t>
+            </a:r>
+          </a:p>
+          <a:p>
+            <a:pPr marL="342900" marR="0" lvl="0" indent="-342900">
+              <a:lnSpc>
+                <a:spcPct val="150000"/>
+              </a:lnSpc>
+              <a:spcBef>
+                <a:spcPts val="0"/>
+              </a:spcBef>
+              <a:spcAft>
+                <a:spcPts val="0"/>
+              </a:spcAft>
+              <a:buFont typeface="+mj-lt"/>
+              <a:buAutoNum type="arabicPeriod"/>
+            </a:pPr>
+            <a:r>
+              <a:rPr lang="en-US" dirty="0">
+                <a:effectLst/>
+                <a:latin typeface="Times New Roman" panose="02020603050405020304" pitchFamily="18" charset="0"/>
+                <a:ea typeface="Calibri" panose="020F0502020204030204" pitchFamily="34" charset="0"/>
+                <a:cs typeface="Times New Roman" panose="02020603050405020304" pitchFamily="18" charset="0"/>
+              </a:rPr>
+              <a:t>Hardware assembling</a:t>
+            </a:r>
+          </a:p>
+          <a:p>
+            <a:pPr marL="342900" marR="0" lvl="0" indent="-342900">
+              <a:lnSpc>
+                <a:spcPct val="150000"/>
+              </a:lnSpc>
+              <a:spcBef>
+                <a:spcPts val="0"/>
+              </a:spcBef>
+              <a:spcAft>
+                <a:spcPts val="0"/>
+              </a:spcAft>
+              <a:buFont typeface="+mj-lt"/>
+              <a:buAutoNum type="arabicPeriod"/>
+            </a:pPr>
+            <a:r>
+              <a:rPr lang="en-US" dirty="0">
+                <a:effectLst/>
+                <a:latin typeface="Times New Roman" panose="02020603050405020304" pitchFamily="18" charset="0"/>
+                <a:ea typeface="Calibri" panose="020F0502020204030204" pitchFamily="34" charset="0"/>
+                <a:cs typeface="Times New Roman" panose="02020603050405020304" pitchFamily="18" charset="0"/>
+              </a:rPr>
+              <a:t>Code based on real data model</a:t>
+            </a:r>
+          </a:p>
+          <a:p>
+            <a:pPr marL="342900" marR="0" lvl="0" indent="-342900">
+              <a:lnSpc>
+                <a:spcPct val="150000"/>
+              </a:lnSpc>
+              <a:spcBef>
+                <a:spcPts val="0"/>
+              </a:spcBef>
+              <a:spcAft>
+                <a:spcPts val="0"/>
+              </a:spcAft>
+              <a:buFont typeface="+mj-lt"/>
+              <a:buAutoNum type="arabicPeriod"/>
+            </a:pPr>
+            <a:r>
+              <a:rPr lang="en-US" dirty="0">
+                <a:effectLst/>
+                <a:latin typeface="Times New Roman" panose="02020603050405020304" pitchFamily="18" charset="0"/>
+                <a:ea typeface="Calibri" panose="020F0502020204030204" pitchFamily="34" charset="0"/>
+                <a:cs typeface="Times New Roman" panose="02020603050405020304" pitchFamily="18" charset="0"/>
+              </a:rPr>
+              <a:t>Research and adjustment as required</a:t>
+            </a:r>
+          </a:p>
+          <a:p>
+            <a:pPr marL="342900" marR="0" lvl="0" indent="-342900">
+              <a:lnSpc>
+                <a:spcPct val="150000"/>
+              </a:lnSpc>
+              <a:spcBef>
+                <a:spcPts val="0"/>
+              </a:spcBef>
+              <a:spcAft>
+                <a:spcPts val="0"/>
+              </a:spcAft>
+              <a:buFont typeface="+mj-lt"/>
+              <a:buAutoNum type="arabicPeriod"/>
+            </a:pPr>
+            <a:r>
+              <a:rPr lang="en-US" dirty="0">
+                <a:effectLst/>
+                <a:latin typeface="Times New Roman" panose="02020603050405020304" pitchFamily="18" charset="0"/>
+                <a:ea typeface="Calibri" panose="020F0502020204030204" pitchFamily="34" charset="0"/>
+                <a:cs typeface="Times New Roman" panose="02020603050405020304" pitchFamily="18" charset="0"/>
+              </a:rPr>
+              <a:t>Testing and Output Processing</a:t>
+            </a:r>
+          </a:p>
+          <a:p>
+            <a:pPr marL="0" indent="0">
+              <a:buNone/>
+            </a:pPr>
+            <a:endParaRPr lang="en-US" dirty="0">
+              <a:latin typeface="Times New Roman" panose="02020603050405020304" pitchFamily="18" charset="0"/>
+              <a:cs typeface="Times New Roman" panose="02020603050405020304" pitchFamily="18" charset="0"/>
+            </a:endParaRPr>
+          </a:p>
+        </p:txBody>
+      </p:sp>
+      <p:sp>
+        <p:nvSpPr>
+          <p:cNvPr id="4" name="Slide Number Placeholder 3">
+            <a:extLst>
+              <a:ext uri="{FF2B5EF4-FFF2-40B4-BE49-F238E27FC236}">
+                <a16:creationId xmlns:a16="http://schemas.microsoft.com/office/drawing/2014/main" id="{62328651-7AFA-4E26-DE23-F9C92FBF9CF2}"/>
               </a:ext>
             </a:extLst>
           </p:cNvPr>
@@ -7914,100 +8168,151 @@
     </p:spTree>
     <p:extLst>
       <p:ext uri="{BB962C8B-B14F-4D97-AF65-F5344CB8AC3E}">
-        <p14:creationId xmlns:p14="http://schemas.microsoft.com/office/powerpoint/2010/main" val="981752002"/>
+        <p14:creationId xmlns:p14="http://schemas.microsoft.com/office/powerpoint/2010/main" val="1887474855"/>
       </p:ext>
     </p:extLst>
   </p:cSld>
   <p:clrMapOvr>
     <a:masterClrMapping/>
   </p:clrMapOvr>
-  <p:timing>
-    <p:tnLst>
-      <p:par>
-        <p:cTn id="1" dur="indefinite" restart="never" nodeType="tmRoot">
-          <p:childTnLst>
-            <p:seq concurrent="1" nextAc="seek">
-              <p:cTn id="2" dur="indefinite" nodeType="mainSeq">
-                <p:childTnLst>
-                  <p:par>
-                    <p:cTn id="3" fill="hold">
-                      <p:stCondLst>
-                        <p:cond delay="indefinite"/>
-                      </p:stCondLst>
-                      <p:childTnLst>
-                        <p:par>
-                          <p:cTn id="4" fill="hold">
-                            <p:stCondLst>
-                              <p:cond delay="0"/>
-                            </p:stCondLst>
-                            <p:childTnLst>
-                              <p:par>
-                                <p:cTn id="5" presetID="10" presetClass="entr" presetSubtype="0" fill="hold" nodeType="clickEffect">
-                                  <p:stCondLst>
-                                    <p:cond delay="0"/>
-                                  </p:stCondLst>
-                                  <p:childTnLst>
-                                    <p:set>
-                                      <p:cBhvr>
-                                        <p:cTn id="6" dur="1" fill="hold">
-                                          <p:stCondLst>
-                                            <p:cond delay="0"/>
-                                          </p:stCondLst>
-                                        </p:cTn>
-                                        <p:tgtEl>
-                                          <p:spTgt spid="3"/>
-                                        </p:tgtEl>
-                                        <p:attrNameLst>
-                                          <p:attrName>style.visibility</p:attrName>
-                                        </p:attrNameLst>
-                                      </p:cBhvr>
-                                      <p:to>
-                                        <p:strVal val="visible"/>
-                                      </p:to>
-                                    </p:set>
-                                    <p:animEffect transition="in" filter="fade">
-                                      <p:cBhvr>
-                                        <p:cTn id="7" dur="500"/>
-                                        <p:tgtEl>
-                                          <p:spTgt spid="3"/>
-                                        </p:tgtEl>
-                                      </p:cBhvr>
-                                    </p:animEffect>
-                                  </p:childTnLst>
-                                </p:cTn>
-                              </p:par>
-                            </p:childTnLst>
-                          </p:cTn>
-                        </p:par>
-                      </p:childTnLst>
-                    </p:cTn>
-                  </p:par>
-                </p:childTnLst>
-              </p:cTn>
-              <p:prevCondLst>
-                <p:cond evt="onPrev" delay="0">
-                  <p:tgtEl>
-                    <p:sldTgt/>
-                  </p:tgtEl>
-                </p:cond>
-              </p:prevCondLst>
-              <p:nextCondLst>
-                <p:cond evt="onNext" delay="0">
-                  <p:tgtEl>
-                    <p:sldTgt/>
-                  </p:tgtEl>
-                </p:cond>
-              </p:nextCondLst>
-            </p:seq>
-          </p:childTnLst>
-        </p:cTn>
-      </p:par>
-    </p:tnLst>
-  </p:timing>
 </p:sld>
 </file>
 
 <file path=ppt/slides/slide28.xml><?xml version="1.0" encoding="utf-8"?>
+<p:sld xmlns:a="http://schemas.openxmlformats.org/drawingml/2006/main" xmlns:r="http://schemas.openxmlformats.org/officeDocument/2006/relationships" xmlns:p="http://schemas.openxmlformats.org/presentationml/2006/main">
+  <p:cSld>
+    <p:spTree>
+      <p:nvGrpSpPr>
+        <p:cNvPr id="1" name=""/>
+        <p:cNvGrpSpPr/>
+        <p:nvPr/>
+      </p:nvGrpSpPr>
+      <p:grpSpPr>
+        <a:xfrm>
+          <a:off x="0" y="0"/>
+          <a:ext cx="0" cy="0"/>
+          <a:chOff x="0" y="0"/>
+          <a:chExt cx="0" cy="0"/>
+        </a:xfrm>
+      </p:grpSpPr>
+      <p:sp>
+        <p:nvSpPr>
+          <p:cNvPr id="2" name="Title 1">
+            <a:extLst>
+              <a:ext uri="{FF2B5EF4-FFF2-40B4-BE49-F238E27FC236}">
+                <a16:creationId xmlns:a16="http://schemas.microsoft.com/office/drawing/2014/main" id="{39155470-CF6B-4BFF-A262-93816FB2CAB1}"/>
+              </a:ext>
+            </a:extLst>
+          </p:cNvPr>
+          <p:cNvSpPr>
+            <a:spLocks noGrp="1"/>
+          </p:cNvSpPr>
+          <p:nvPr>
+            <p:ph type="title"/>
+          </p:nvPr>
+        </p:nvSpPr>
+        <p:spPr/>
+        <p:txBody>
+          <a:bodyPr/>
+          <a:lstStyle/>
+          <a:p>
+            <a:pPr algn="ctr"/>
+            <a:r>
+              <a:rPr lang="en-US" b="1" dirty="0">
+                <a:solidFill>
+                  <a:schemeClr val="tx1">
+                    <a:lumMod val="85000"/>
+                    <a:lumOff val="15000"/>
+                  </a:schemeClr>
+                </a:solidFill>
+                <a:effectLst>
+                  <a:outerShdw blurRad="38100" dist="38100" dir="2700000" algn="tl">
+                    <a:srgbClr val="000000">
+                      <a:alpha val="43137"/>
+                    </a:srgbClr>
+                  </a:outerShdw>
+                </a:effectLst>
+                <a:latin typeface="Times New Roman" panose="02020603050405020304" pitchFamily="18" charset="0"/>
+                <a:cs typeface="Times New Roman" panose="02020603050405020304" pitchFamily="18" charset="0"/>
+              </a:rPr>
+              <a:t>Gantt Chart</a:t>
+            </a:r>
+          </a:p>
+        </p:txBody>
+      </p:sp>
+      <p:sp>
+        <p:nvSpPr>
+          <p:cNvPr id="4" name="Slide Number Placeholder 3">
+            <a:extLst>
+              <a:ext uri="{FF2B5EF4-FFF2-40B4-BE49-F238E27FC236}">
+                <a16:creationId xmlns:a16="http://schemas.microsoft.com/office/drawing/2014/main" id="{76EF9D70-9B8D-0196-B652-9FBC9F18B75C}"/>
+              </a:ext>
+            </a:extLst>
+          </p:cNvPr>
+          <p:cNvSpPr>
+            <a:spLocks noGrp="1"/>
+          </p:cNvSpPr>
+          <p:nvPr>
+            <p:ph type="sldNum" sz="quarter" idx="12"/>
+          </p:nvPr>
+        </p:nvSpPr>
+        <p:spPr/>
+        <p:txBody>
+          <a:bodyPr/>
+          <a:lstStyle/>
+          <a:p>
+            <a:fld id="{8ABD9A93-A63E-4048-A90A-76F0C4F81214}" type="slidenum">
+              <a:rPr lang="en-US" smtClean="0"/>
+              <a:t>28</a:t>
+            </a:fld>
+            <a:endParaRPr lang="en-US"/>
+          </a:p>
+        </p:txBody>
+      </p:sp>
+      <p:graphicFrame>
+        <p:nvGraphicFramePr>
+          <p:cNvPr id="8" name="Chart 7">
+            <a:extLst>
+              <a:ext uri="{FF2B5EF4-FFF2-40B4-BE49-F238E27FC236}">
+                <a16:creationId xmlns:a16="http://schemas.microsoft.com/office/drawing/2014/main" id="{8F8FDC6D-8A9E-7FBF-26AF-5E334634A7E6}"/>
+              </a:ext>
+            </a:extLst>
+          </p:cNvPr>
+          <p:cNvGraphicFramePr>
+            <a:graphicFrameLocks/>
+          </p:cNvGraphicFramePr>
+          <p:nvPr>
+            <p:extLst>
+              <p:ext uri="{D42A27DB-BD31-4B8C-83A1-F6EECF244321}">
+                <p14:modId xmlns:p14="http://schemas.microsoft.com/office/powerpoint/2010/main" val="2923195637"/>
+              </p:ext>
+            </p:extLst>
+          </p:nvPr>
+        </p:nvGraphicFramePr>
+        <p:xfrm>
+          <a:off x="1824318" y="1690688"/>
+          <a:ext cx="8543364" cy="4011706"/>
+        </p:xfrm>
+        <a:graphic>
+          <a:graphicData uri="http://schemas.openxmlformats.org/drawingml/2006/chart">
+            <c:chart xmlns:c="http://schemas.openxmlformats.org/drawingml/2006/chart" xmlns:r="http://schemas.openxmlformats.org/officeDocument/2006/relationships" r:id="rId2"/>
+          </a:graphicData>
+        </a:graphic>
+      </p:graphicFrame>
+    </p:spTree>
+    <p:extLst>
+      <p:ext uri="{BB962C8B-B14F-4D97-AF65-F5344CB8AC3E}">
+        <p14:creationId xmlns:p14="http://schemas.microsoft.com/office/powerpoint/2010/main" val="1902025679"/>
+      </p:ext>
+    </p:extLst>
+  </p:cSld>
+  <p:clrMapOvr>
+    <a:masterClrMapping/>
+  </p:clrMapOvr>
+</p:sld>
+</file>
+
+<file path=ppt/slides/slide29.xml><?xml version="1.0" encoding="utf-8"?>
 <p:sld xmlns:a="http://schemas.openxmlformats.org/drawingml/2006/main" xmlns:r="http://schemas.openxmlformats.org/officeDocument/2006/relationships" xmlns:p="http://schemas.openxmlformats.org/presentationml/2006/main">
   <p:cSld>
     <p:spTree>
@@ -8537,7 +8842,165 @@
 </p:sld>
 </file>
 
-<file path=ppt/slides/slide29.xml><?xml version="1.0" encoding="utf-8"?>
+<file path=ppt/slides/slide3.xml><?xml version="1.0" encoding="utf-8"?>
+<p:sld xmlns:a="http://schemas.openxmlformats.org/drawingml/2006/main" xmlns:r="http://schemas.openxmlformats.org/officeDocument/2006/relationships" xmlns:p="http://schemas.openxmlformats.org/presentationml/2006/main">
+  <p:cSld>
+    <p:spTree>
+      <p:nvGrpSpPr>
+        <p:cNvPr id="1" name=""/>
+        <p:cNvGrpSpPr/>
+        <p:nvPr/>
+      </p:nvGrpSpPr>
+      <p:grpSpPr>
+        <a:xfrm>
+          <a:off x="0" y="0"/>
+          <a:ext cx="0" cy="0"/>
+          <a:chOff x="0" y="0"/>
+          <a:chExt cx="0" cy="0"/>
+        </a:xfrm>
+      </p:grpSpPr>
+      <p:sp>
+        <p:nvSpPr>
+          <p:cNvPr id="2" name="Title 1">
+            <a:extLst>
+              <a:ext uri="{FF2B5EF4-FFF2-40B4-BE49-F238E27FC236}">
+                <a16:creationId xmlns:a16="http://schemas.microsoft.com/office/drawing/2014/main" id="{B0CC32E7-43F0-475A-BB8B-F326646ABB5F}"/>
+              </a:ext>
+            </a:extLst>
+          </p:cNvPr>
+          <p:cNvSpPr>
+            <a:spLocks noGrp="1"/>
+          </p:cNvSpPr>
+          <p:nvPr>
+            <p:ph type="title"/>
+          </p:nvPr>
+        </p:nvSpPr>
+        <p:spPr/>
+        <p:txBody>
+          <a:bodyPr>
+            <a:normAutofit/>
+          </a:bodyPr>
+          <a:lstStyle/>
+          <a:p>
+            <a:pPr algn="ctr"/>
+            <a:r>
+              <a:rPr lang="en-US" sz="4800" b="1" dirty="0">
+                <a:solidFill>
+                  <a:schemeClr val="tx1">
+                    <a:lumMod val="85000"/>
+                    <a:lumOff val="15000"/>
+                  </a:schemeClr>
+                </a:solidFill>
+                <a:effectLst>
+                  <a:outerShdw blurRad="38100" dist="38100" dir="2700000" algn="tl">
+                    <a:srgbClr val="000000">
+                      <a:alpha val="43137"/>
+                    </a:srgbClr>
+                  </a:outerShdw>
+                </a:effectLst>
+                <a:latin typeface="Times New Roman" panose="02020603050405020304" pitchFamily="18" charset="0"/>
+                <a:cs typeface="Times New Roman" panose="02020603050405020304" pitchFamily="18" charset="0"/>
+              </a:rPr>
+              <a:t>Introduction</a:t>
+            </a:r>
+          </a:p>
+        </p:txBody>
+      </p:sp>
+      <p:sp>
+        <p:nvSpPr>
+          <p:cNvPr id="3" name="Content Placeholder 2">
+            <a:extLst>
+              <a:ext uri="{FF2B5EF4-FFF2-40B4-BE49-F238E27FC236}">
+                <a16:creationId xmlns:a16="http://schemas.microsoft.com/office/drawing/2014/main" id="{4C743461-3112-4A2D-BDD5-BBA35933A035}"/>
+              </a:ext>
+            </a:extLst>
+          </p:cNvPr>
+          <p:cNvSpPr>
+            <a:spLocks noGrp="1"/>
+          </p:cNvSpPr>
+          <p:nvPr>
+            <p:ph idx="1"/>
+          </p:nvPr>
+        </p:nvSpPr>
+        <p:spPr/>
+        <p:txBody>
+          <a:bodyPr/>
+          <a:lstStyle/>
+          <a:p>
+            <a:pPr>
+              <a:buSzPct val="100000"/>
+            </a:pPr>
+            <a:r>
+              <a:rPr lang="en-US" dirty="0">
+                <a:latin typeface="Times New Roman" panose="02020603050405020304" pitchFamily="18" charset="0"/>
+                <a:cs typeface="Times New Roman" panose="02020603050405020304" pitchFamily="18" charset="0"/>
+              </a:rPr>
+              <a:t>This project is a tool for the dumb and deaf to communicate.</a:t>
+            </a:r>
+          </a:p>
+          <a:p>
+            <a:r>
+              <a:rPr lang="en-US" dirty="0">
+                <a:latin typeface="Times New Roman" panose="02020603050405020304" pitchFamily="18" charset="0"/>
+                <a:cs typeface="Times New Roman" panose="02020603050405020304" pitchFamily="18" charset="0"/>
+              </a:rPr>
+              <a:t>It converts sign language into audio that can be heard.</a:t>
+            </a:r>
+          </a:p>
+          <a:p>
+            <a:r>
+              <a:rPr lang="en-US" dirty="0">
+                <a:latin typeface="Times New Roman" panose="02020603050405020304" pitchFamily="18" charset="0"/>
+                <a:cs typeface="Times New Roman" panose="02020603050405020304" pitchFamily="18" charset="0"/>
+              </a:rPr>
+              <a:t>It uses machine learning for fast and accurate expressions.</a:t>
+            </a:r>
+          </a:p>
+        </p:txBody>
+      </p:sp>
+      <p:sp>
+        <p:nvSpPr>
+          <p:cNvPr id="4" name="Slide Number Placeholder 3">
+            <a:extLst>
+              <a:ext uri="{FF2B5EF4-FFF2-40B4-BE49-F238E27FC236}">
+                <a16:creationId xmlns:a16="http://schemas.microsoft.com/office/drawing/2014/main" id="{5B6073AD-7495-B76C-0F3D-05557E8A2DBF}"/>
+              </a:ext>
+            </a:extLst>
+          </p:cNvPr>
+          <p:cNvSpPr>
+            <a:spLocks noGrp="1"/>
+          </p:cNvSpPr>
+          <p:nvPr>
+            <p:ph type="sldNum" sz="quarter" idx="12"/>
+          </p:nvPr>
+        </p:nvSpPr>
+        <p:spPr/>
+        <p:txBody>
+          <a:bodyPr/>
+          <a:lstStyle/>
+          <a:p>
+            <a:fld id="{8ABD9A93-A63E-4048-A90A-76F0C4F81214}" type="slidenum">
+              <a:rPr lang="en-US" smtClean="0"/>
+              <a:t>3</a:t>
+            </a:fld>
+            <a:endParaRPr lang="en-US"/>
+          </a:p>
+        </p:txBody>
+      </p:sp>
+    </p:spTree>
+    <p:extLst>
+      <p:ext uri="{BB962C8B-B14F-4D97-AF65-F5344CB8AC3E}">
+        <p14:creationId xmlns:p14="http://schemas.microsoft.com/office/powerpoint/2010/main" val="2289073668"/>
+      </p:ext>
+    </p:extLst>
+  </p:cSld>
+  <p:clrMapOvr>
+    <a:masterClrMapping/>
+  </p:clrMapOvr>
+</p:sld>
+</file>
+
+<file path=ppt/slides/slide30.xml><?xml version="1.0" encoding="utf-8"?>
 <p:sld xmlns:a="http://schemas.openxmlformats.org/drawingml/2006/main" xmlns:r="http://schemas.openxmlformats.org/officeDocument/2006/relationships" xmlns:p="http://schemas.openxmlformats.org/presentationml/2006/main">
   <p:cSld>
     <p:spTree>
@@ -8696,164 +9159,6 @@
       <p:bldP spid="2" grpId="0"/>
     </p:bldLst>
   </p:timing>
-</p:sld>
-</file>
-
-<file path=ppt/slides/slide3.xml><?xml version="1.0" encoding="utf-8"?>
-<p:sld xmlns:a="http://schemas.openxmlformats.org/drawingml/2006/main" xmlns:r="http://schemas.openxmlformats.org/officeDocument/2006/relationships" xmlns:p="http://schemas.openxmlformats.org/presentationml/2006/main">
-  <p:cSld>
-    <p:spTree>
-      <p:nvGrpSpPr>
-        <p:cNvPr id="1" name=""/>
-        <p:cNvGrpSpPr/>
-        <p:nvPr/>
-      </p:nvGrpSpPr>
-      <p:grpSpPr>
-        <a:xfrm>
-          <a:off x="0" y="0"/>
-          <a:ext cx="0" cy="0"/>
-          <a:chOff x="0" y="0"/>
-          <a:chExt cx="0" cy="0"/>
-        </a:xfrm>
-      </p:grpSpPr>
-      <p:sp>
-        <p:nvSpPr>
-          <p:cNvPr id="2" name="Title 1">
-            <a:extLst>
-              <a:ext uri="{FF2B5EF4-FFF2-40B4-BE49-F238E27FC236}">
-                <a16:creationId xmlns:a16="http://schemas.microsoft.com/office/drawing/2014/main" id="{B0CC32E7-43F0-475A-BB8B-F326646ABB5F}"/>
-              </a:ext>
-            </a:extLst>
-          </p:cNvPr>
-          <p:cNvSpPr>
-            <a:spLocks noGrp="1"/>
-          </p:cNvSpPr>
-          <p:nvPr>
-            <p:ph type="title"/>
-          </p:nvPr>
-        </p:nvSpPr>
-        <p:spPr/>
-        <p:txBody>
-          <a:bodyPr>
-            <a:normAutofit/>
-          </a:bodyPr>
-          <a:lstStyle/>
-          <a:p>
-            <a:pPr algn="ctr"/>
-            <a:r>
-              <a:rPr lang="en-US" sz="4800" b="1" dirty="0">
-                <a:solidFill>
-                  <a:schemeClr val="tx1">
-                    <a:lumMod val="85000"/>
-                    <a:lumOff val="15000"/>
-                  </a:schemeClr>
-                </a:solidFill>
-                <a:effectLst>
-                  <a:outerShdw blurRad="38100" dist="38100" dir="2700000" algn="tl">
-                    <a:srgbClr val="000000">
-                      <a:alpha val="43137"/>
-                    </a:srgbClr>
-                  </a:outerShdw>
-                </a:effectLst>
-                <a:latin typeface="Times New Roman" panose="02020603050405020304" pitchFamily="18" charset="0"/>
-                <a:cs typeface="Times New Roman" panose="02020603050405020304" pitchFamily="18" charset="0"/>
-              </a:rPr>
-              <a:t>Introduction</a:t>
-            </a:r>
-          </a:p>
-        </p:txBody>
-      </p:sp>
-      <p:sp>
-        <p:nvSpPr>
-          <p:cNvPr id="3" name="Content Placeholder 2">
-            <a:extLst>
-              <a:ext uri="{FF2B5EF4-FFF2-40B4-BE49-F238E27FC236}">
-                <a16:creationId xmlns:a16="http://schemas.microsoft.com/office/drawing/2014/main" id="{4C743461-3112-4A2D-BDD5-BBA35933A035}"/>
-              </a:ext>
-            </a:extLst>
-          </p:cNvPr>
-          <p:cNvSpPr>
-            <a:spLocks noGrp="1"/>
-          </p:cNvSpPr>
-          <p:nvPr>
-            <p:ph idx="1"/>
-          </p:nvPr>
-        </p:nvSpPr>
-        <p:spPr/>
-        <p:txBody>
-          <a:bodyPr/>
-          <a:lstStyle/>
-          <a:p>
-            <a:pPr>
-              <a:buSzPct val="100000"/>
-            </a:pPr>
-            <a:r>
-              <a:rPr lang="en-US" dirty="0">
-                <a:latin typeface="Times New Roman" panose="02020603050405020304" pitchFamily="18" charset="0"/>
-                <a:cs typeface="Times New Roman" panose="02020603050405020304" pitchFamily="18" charset="0"/>
-              </a:rPr>
-              <a:t>This project is a tool for the dumb and deaf to communicate.</a:t>
-            </a:r>
-          </a:p>
-          <a:p>
-            <a:r>
-              <a:rPr lang="en-US" dirty="0">
-                <a:latin typeface="Times New Roman" panose="02020603050405020304" pitchFamily="18" charset="0"/>
-                <a:cs typeface="Times New Roman" panose="02020603050405020304" pitchFamily="18" charset="0"/>
-              </a:rPr>
-              <a:t>It converts sign language into audio that can be heard.</a:t>
-            </a:r>
-          </a:p>
-          <a:p>
-            <a:r>
-              <a:rPr lang="en-US" dirty="0">
-                <a:latin typeface="Times New Roman" panose="02020603050405020304" pitchFamily="18" charset="0"/>
-                <a:cs typeface="Times New Roman" panose="02020603050405020304" pitchFamily="18" charset="0"/>
-              </a:rPr>
-              <a:t>It uses machine learning for fast and accurate expressions.</a:t>
-            </a:r>
-          </a:p>
-        </p:txBody>
-      </p:sp>
-      <p:sp>
-        <p:nvSpPr>
-          <p:cNvPr id="4" name="Slide Number Placeholder 3">
-            <a:extLst>
-              <a:ext uri="{FF2B5EF4-FFF2-40B4-BE49-F238E27FC236}">
-                <a16:creationId xmlns:a16="http://schemas.microsoft.com/office/drawing/2014/main" id="{5B6073AD-7495-B76C-0F3D-05557E8A2DBF}"/>
-              </a:ext>
-            </a:extLst>
-          </p:cNvPr>
-          <p:cNvSpPr>
-            <a:spLocks noGrp="1"/>
-          </p:cNvSpPr>
-          <p:nvPr>
-            <p:ph type="sldNum" sz="quarter" idx="12"/>
-          </p:nvPr>
-        </p:nvSpPr>
-        <p:spPr/>
-        <p:txBody>
-          <a:bodyPr/>
-          <a:lstStyle/>
-          <a:p>
-            <a:fld id="{8ABD9A93-A63E-4048-A90A-76F0C4F81214}" type="slidenum">
-              <a:rPr lang="en-US" smtClean="0"/>
-              <a:t>3</a:t>
-            </a:fld>
-            <a:endParaRPr lang="en-US"/>
-          </a:p>
-        </p:txBody>
-      </p:sp>
-    </p:spTree>
-    <p:extLst>
-      <p:ext uri="{BB962C8B-B14F-4D97-AF65-F5344CB8AC3E}">
-        <p14:creationId xmlns:p14="http://schemas.microsoft.com/office/powerpoint/2010/main" val="2289073668"/>
-      </p:ext>
-    </p:extLst>
-  </p:cSld>
-  <p:clrMapOvr>
-    <a:masterClrMapping/>
-  </p:clrMapOvr>
 </p:sld>
 </file>
 

--- a/Smart Gloves using Flex Sensor.pptx
+++ b/Smart Gloves using Flex Sensor.pptx
@@ -5,7 +5,7 @@
     <p:sldMasterId id="2147483648" r:id="rId1"/>
   </p:sldMasterIdLst>
   <p:notesMasterIdLst>
-    <p:notesMasterId r:id="rId32"/>
+    <p:notesMasterId r:id="rId33"/>
   </p:notesMasterIdLst>
   <p:sldIdLst>
     <p:sldId id="256" r:id="rId2"/>
@@ -34,10 +34,11 @@
     <p:sldId id="283" r:id="rId25"/>
     <p:sldId id="284" r:id="rId26"/>
     <p:sldId id="287" r:id="rId27"/>
-    <p:sldId id="289" r:id="rId28"/>
-    <p:sldId id="267" r:id="rId29"/>
-    <p:sldId id="275" r:id="rId30"/>
-    <p:sldId id="276" r:id="rId31"/>
+    <p:sldId id="290" r:id="rId28"/>
+    <p:sldId id="289" r:id="rId29"/>
+    <p:sldId id="267" r:id="rId30"/>
+    <p:sldId id="275" r:id="rId31"/>
+    <p:sldId id="276" r:id="rId32"/>
   </p:sldIdLst>
   <p:sldSz cx="12192000" cy="6858000"/>
   <p:notesSz cx="6858000" cy="9144000"/>
@@ -7922,226 +7923,10 @@
       </p:grpSpPr>
       <p:sp>
         <p:nvSpPr>
-          <p:cNvPr id="2" name="Title 1">
-            <a:extLst>
-              <a:ext uri="{FF2B5EF4-FFF2-40B4-BE49-F238E27FC236}">
-                <a16:creationId xmlns:a16="http://schemas.microsoft.com/office/drawing/2014/main" id="{29057EB9-6825-4724-9AC2-0D5D9ECC47BD}"/>
-              </a:ext>
-            </a:extLst>
-          </p:cNvPr>
-          <p:cNvSpPr>
-            <a:spLocks noGrp="1"/>
-          </p:cNvSpPr>
-          <p:nvPr>
-            <p:ph type="title"/>
-          </p:nvPr>
-        </p:nvSpPr>
-        <p:spPr/>
-        <p:txBody>
-          <a:bodyPr>
-            <a:normAutofit/>
-          </a:bodyPr>
-          <a:lstStyle/>
-          <a:p>
-            <a:pPr algn="ctr"/>
-            <a:r>
-              <a:rPr lang="en-US" sz="4800" b="1" dirty="0">
-                <a:effectLst>
-                  <a:outerShdw blurRad="38100" dist="38100" dir="2700000" algn="tl">
-                    <a:srgbClr val="000000">
-                      <a:alpha val="43137"/>
-                    </a:srgbClr>
-                  </a:outerShdw>
-                </a:effectLst>
-                <a:latin typeface="Times New Roman" panose="02020603050405020304" pitchFamily="18" charset="0"/>
-                <a:cs typeface="Times New Roman" panose="02020603050405020304" pitchFamily="18" charset="0"/>
-              </a:rPr>
-              <a:t>Remaining Works</a:t>
-            </a:r>
-          </a:p>
-        </p:txBody>
-      </p:sp>
-      <p:sp>
-        <p:nvSpPr>
-          <p:cNvPr id="3" name="Content Placeholder 2">
-            <a:extLst>
-              <a:ext uri="{FF2B5EF4-FFF2-40B4-BE49-F238E27FC236}">
-                <a16:creationId xmlns:a16="http://schemas.microsoft.com/office/drawing/2014/main" id="{2F24F384-2C77-4D65-A4CD-B35E1807292A}"/>
-              </a:ext>
-            </a:extLst>
-          </p:cNvPr>
-          <p:cNvSpPr>
-            <a:spLocks noGrp="1"/>
-          </p:cNvSpPr>
-          <p:nvPr>
-            <p:ph idx="1"/>
-          </p:nvPr>
-        </p:nvSpPr>
-        <p:spPr/>
-        <p:txBody>
-          <a:bodyPr/>
-          <a:lstStyle/>
-          <a:p>
-            <a:pPr marL="342900" marR="0" lvl="0" indent="-342900">
-              <a:lnSpc>
-                <a:spcPct val="150000"/>
-              </a:lnSpc>
-              <a:spcBef>
-                <a:spcPts val="0"/>
-              </a:spcBef>
-              <a:spcAft>
-                <a:spcPts val="0"/>
-              </a:spcAft>
-              <a:buFont typeface="+mj-lt"/>
-              <a:buAutoNum type="arabicPeriod"/>
-            </a:pPr>
-            <a:r>
-              <a:rPr lang="en-US" dirty="0">
-                <a:effectLst/>
-                <a:latin typeface="Times New Roman" panose="02020603050405020304" pitchFamily="18" charset="0"/>
-                <a:ea typeface="Calibri" panose="020F0502020204030204" pitchFamily="34" charset="0"/>
-                <a:cs typeface="Times New Roman" panose="02020603050405020304" pitchFamily="18" charset="0"/>
-              </a:rPr>
-              <a:t>Data collection and Parsing</a:t>
-            </a:r>
-          </a:p>
-          <a:p>
-            <a:pPr marL="342900" marR="0" lvl="0" indent="-342900">
-              <a:lnSpc>
-                <a:spcPct val="150000"/>
-              </a:lnSpc>
-              <a:spcBef>
-                <a:spcPts val="0"/>
-              </a:spcBef>
-              <a:spcAft>
-                <a:spcPts val="0"/>
-              </a:spcAft>
-              <a:buFont typeface="+mj-lt"/>
-              <a:buAutoNum type="arabicPeriod"/>
-            </a:pPr>
-            <a:r>
-              <a:rPr lang="en-US" dirty="0">
-                <a:effectLst/>
-                <a:latin typeface="Times New Roman" panose="02020603050405020304" pitchFamily="18" charset="0"/>
-                <a:ea typeface="Calibri" panose="020F0502020204030204" pitchFamily="34" charset="0"/>
-                <a:cs typeface="Times New Roman" panose="02020603050405020304" pitchFamily="18" charset="0"/>
-              </a:rPr>
-              <a:t>Writing Data into excel file</a:t>
-            </a:r>
-          </a:p>
-          <a:p>
-            <a:pPr marL="342900" marR="0" lvl="0" indent="-342900">
-              <a:lnSpc>
-                <a:spcPct val="150000"/>
-              </a:lnSpc>
-              <a:spcBef>
-                <a:spcPts val="0"/>
-              </a:spcBef>
-              <a:spcAft>
-                <a:spcPts val="0"/>
-              </a:spcAft>
-              <a:buFont typeface="+mj-lt"/>
-              <a:buAutoNum type="arabicPeriod"/>
-            </a:pPr>
-            <a:r>
-              <a:rPr lang="en-US" dirty="0">
-                <a:effectLst/>
-                <a:latin typeface="Times New Roman" panose="02020603050405020304" pitchFamily="18" charset="0"/>
-                <a:ea typeface="Calibri" panose="020F0502020204030204" pitchFamily="34" charset="0"/>
-                <a:cs typeface="Times New Roman" panose="02020603050405020304" pitchFamily="18" charset="0"/>
-              </a:rPr>
-              <a:t>Hardware assembling</a:t>
-            </a:r>
-          </a:p>
-          <a:p>
-            <a:pPr marL="342900" marR="0" lvl="0" indent="-342900">
-              <a:lnSpc>
-                <a:spcPct val="150000"/>
-              </a:lnSpc>
-              <a:spcBef>
-                <a:spcPts val="0"/>
-              </a:spcBef>
-              <a:spcAft>
-                <a:spcPts val="0"/>
-              </a:spcAft>
-              <a:buFont typeface="+mj-lt"/>
-              <a:buAutoNum type="arabicPeriod"/>
-            </a:pPr>
-            <a:r>
-              <a:rPr lang="en-US" dirty="0">
-                <a:effectLst/>
-                <a:latin typeface="Times New Roman" panose="02020603050405020304" pitchFamily="18" charset="0"/>
-                <a:ea typeface="Calibri" panose="020F0502020204030204" pitchFamily="34" charset="0"/>
-                <a:cs typeface="Times New Roman" panose="02020603050405020304" pitchFamily="18" charset="0"/>
-              </a:rPr>
-              <a:t>Code based on real data model</a:t>
-            </a:r>
-          </a:p>
-          <a:p>
-            <a:pPr marL="342900" marR="0" lvl="0" indent="-342900">
-              <a:lnSpc>
-                <a:spcPct val="150000"/>
-              </a:lnSpc>
-              <a:spcBef>
-                <a:spcPts val="0"/>
-              </a:spcBef>
-              <a:spcAft>
-                <a:spcPts val="0"/>
-              </a:spcAft>
-              <a:buFont typeface="+mj-lt"/>
-              <a:buAutoNum type="arabicPeriod"/>
-            </a:pPr>
-            <a:r>
-              <a:rPr lang="en-US" dirty="0">
-                <a:effectLst/>
-                <a:latin typeface="Times New Roman" panose="02020603050405020304" pitchFamily="18" charset="0"/>
-                <a:ea typeface="Calibri" panose="020F0502020204030204" pitchFamily="34" charset="0"/>
-                <a:cs typeface="Times New Roman" panose="02020603050405020304" pitchFamily="18" charset="0"/>
-              </a:rPr>
-              <a:t>Research and adjustment as required</a:t>
-            </a:r>
-          </a:p>
-          <a:p>
-            <a:pPr marL="342900" marR="0" lvl="0" indent="-342900">
-              <a:lnSpc>
-                <a:spcPct val="150000"/>
-              </a:lnSpc>
-              <a:spcBef>
-                <a:spcPts val="0"/>
-              </a:spcBef>
-              <a:spcAft>
-                <a:spcPts val="0"/>
-              </a:spcAft>
-              <a:buFont typeface="+mj-lt"/>
-              <a:buAutoNum type="arabicPeriod"/>
-            </a:pPr>
-            <a:r>
-              <a:rPr lang="en-US" dirty="0">
-                <a:effectLst/>
-                <a:latin typeface="Times New Roman" panose="02020603050405020304" pitchFamily="18" charset="0"/>
-                <a:ea typeface="Calibri" panose="020F0502020204030204" pitchFamily="34" charset="0"/>
-                <a:cs typeface="Times New Roman" panose="02020603050405020304" pitchFamily="18" charset="0"/>
-              </a:rPr>
-              <a:t>Testing and Output Processing</a:t>
-            </a:r>
-          </a:p>
-          <a:p>
-            <a:pPr marL="0" indent="0">
-              <a:buNone/>
-            </a:pPr>
-            <a:endParaRPr lang="en-US" dirty="0">
-              <a:latin typeface="Times New Roman" panose="02020603050405020304" pitchFamily="18" charset="0"/>
-              <a:cs typeface="Times New Roman" panose="02020603050405020304" pitchFamily="18" charset="0"/>
-            </a:endParaRPr>
-          </a:p>
-        </p:txBody>
-      </p:sp>
-      <p:sp>
-        <p:nvSpPr>
           <p:cNvPr id="4" name="Slide Number Placeholder 3">
             <a:extLst>
               <a:ext uri="{FF2B5EF4-FFF2-40B4-BE49-F238E27FC236}">
-                <a16:creationId xmlns:a16="http://schemas.microsoft.com/office/drawing/2014/main" id="{62328651-7AFA-4E26-DE23-F9C92FBF9CF2}"/>
+                <a16:creationId xmlns:a16="http://schemas.microsoft.com/office/drawing/2014/main" id="{95E8EAB6-73A3-0F09-0E98-ACD85C97C849}"/>
               </a:ext>
             </a:extLst>
           </p:cNvPr>
@@ -8165,10 +7950,57 @@
           </a:p>
         </p:txBody>
       </p:sp>
+      <p:pic>
+        <p:nvPicPr>
+          <p:cNvPr id="1026" name="Picture 2">
+            <a:extLst>
+              <a:ext uri="{FF2B5EF4-FFF2-40B4-BE49-F238E27FC236}">
+                <a16:creationId xmlns:a16="http://schemas.microsoft.com/office/drawing/2014/main" id="{89362FD7-3FDB-D697-9958-B1A7D2B226FF}"/>
+              </a:ext>
+            </a:extLst>
+          </p:cNvPr>
+          <p:cNvPicPr>
+            <a:picLocks noChangeAspect="1" noChangeArrowheads="1"/>
+          </p:cNvPicPr>
+          <p:nvPr/>
+        </p:nvPicPr>
+        <p:blipFill>
+          <a:blip r:embed="rId2">
+            <a:extLst>
+              <a:ext uri="{28A0092B-C50C-407E-A947-70E740481C1C}">
+                <a14:useLocalDpi xmlns:a14="http://schemas.microsoft.com/office/drawing/2010/main" val="0"/>
+              </a:ext>
+            </a:extLst>
+          </a:blip>
+          <a:srcRect/>
+          <a:stretch>
+            <a:fillRect/>
+          </a:stretch>
+        </p:blipFill>
+        <p:spPr bwMode="auto">
+          <a:xfrm>
+            <a:off x="2334706" y="964704"/>
+            <a:ext cx="7522588" cy="4928592"/>
+          </a:xfrm>
+          <a:prstGeom prst="rect">
+            <a:avLst/>
+          </a:prstGeom>
+          <a:noFill/>
+          <a:extLst>
+            <a:ext uri="{909E8E84-426E-40DD-AFC4-6F175D3DCCD1}">
+              <a14:hiddenFill xmlns:a14="http://schemas.microsoft.com/office/drawing/2010/main">
+                <a:solidFill>
+                  <a:srgbClr val="FFFFFF"/>
+                </a:solidFill>
+              </a14:hiddenFill>
+            </a:ext>
+          </a:extLst>
+        </p:spPr>
+      </p:pic>
     </p:spTree>
     <p:extLst>
       <p:ext uri="{BB962C8B-B14F-4D97-AF65-F5344CB8AC3E}">
-        <p14:creationId xmlns:p14="http://schemas.microsoft.com/office/powerpoint/2010/main" val="1887474855"/>
+        <p14:creationId xmlns:p14="http://schemas.microsoft.com/office/powerpoint/2010/main" val="2038562925"/>
       </p:ext>
     </p:extLst>
   </p:cSld>
@@ -8200,6 +8032,281 @@
           <p:cNvPr id="2" name="Title 1">
             <a:extLst>
               <a:ext uri="{FF2B5EF4-FFF2-40B4-BE49-F238E27FC236}">
+                <a16:creationId xmlns:a16="http://schemas.microsoft.com/office/drawing/2014/main" id="{29057EB9-6825-4724-9AC2-0D5D9ECC47BD}"/>
+              </a:ext>
+            </a:extLst>
+          </p:cNvPr>
+          <p:cNvSpPr>
+            <a:spLocks noGrp="1"/>
+          </p:cNvSpPr>
+          <p:nvPr>
+            <p:ph type="title"/>
+          </p:nvPr>
+        </p:nvSpPr>
+        <p:spPr/>
+        <p:txBody>
+          <a:bodyPr>
+            <a:normAutofit/>
+          </a:bodyPr>
+          <a:lstStyle/>
+          <a:p>
+            <a:pPr algn="ctr"/>
+            <a:r>
+              <a:rPr lang="en-US" sz="4800" b="1" dirty="0">
+                <a:effectLst>
+                  <a:outerShdw blurRad="38100" dist="38100" dir="2700000" algn="tl">
+                    <a:srgbClr val="000000">
+                      <a:alpha val="43137"/>
+                    </a:srgbClr>
+                  </a:outerShdw>
+                </a:effectLst>
+                <a:latin typeface="Times New Roman" panose="02020603050405020304" pitchFamily="18" charset="0"/>
+                <a:cs typeface="Times New Roman" panose="02020603050405020304" pitchFamily="18" charset="0"/>
+              </a:rPr>
+              <a:t>Remaining Works</a:t>
+            </a:r>
+          </a:p>
+        </p:txBody>
+      </p:sp>
+      <p:sp>
+        <p:nvSpPr>
+          <p:cNvPr id="3" name="Content Placeholder 2">
+            <a:extLst>
+              <a:ext uri="{FF2B5EF4-FFF2-40B4-BE49-F238E27FC236}">
+                <a16:creationId xmlns:a16="http://schemas.microsoft.com/office/drawing/2014/main" id="{2F24F384-2C77-4D65-A4CD-B35E1807292A}"/>
+              </a:ext>
+            </a:extLst>
+          </p:cNvPr>
+          <p:cNvSpPr>
+            <a:spLocks noGrp="1"/>
+          </p:cNvSpPr>
+          <p:nvPr>
+            <p:ph idx="1"/>
+          </p:nvPr>
+        </p:nvSpPr>
+        <p:spPr/>
+        <p:txBody>
+          <a:bodyPr/>
+          <a:lstStyle/>
+          <a:p>
+            <a:pPr marL="342900" marR="0" lvl="0" indent="-342900">
+              <a:lnSpc>
+                <a:spcPct val="150000"/>
+              </a:lnSpc>
+              <a:spcBef>
+                <a:spcPts val="0"/>
+              </a:spcBef>
+              <a:spcAft>
+                <a:spcPts val="0"/>
+              </a:spcAft>
+              <a:buFont typeface="+mj-lt"/>
+              <a:buAutoNum type="arabicPeriod"/>
+            </a:pPr>
+            <a:r>
+              <a:rPr lang="en-US" dirty="0">
+                <a:effectLst/>
+                <a:latin typeface="Times New Roman" panose="02020603050405020304" pitchFamily="18" charset="0"/>
+                <a:ea typeface="Calibri" panose="020F0502020204030204" pitchFamily="34" charset="0"/>
+                <a:cs typeface="Times New Roman" panose="02020603050405020304" pitchFamily="18" charset="0"/>
+              </a:rPr>
+              <a:t>Data collection and Parsing</a:t>
+            </a:r>
+          </a:p>
+          <a:p>
+            <a:pPr marL="342900" marR="0" lvl="0" indent="-342900">
+              <a:lnSpc>
+                <a:spcPct val="150000"/>
+              </a:lnSpc>
+              <a:spcBef>
+                <a:spcPts val="0"/>
+              </a:spcBef>
+              <a:spcAft>
+                <a:spcPts val="0"/>
+              </a:spcAft>
+              <a:buFont typeface="+mj-lt"/>
+              <a:buAutoNum type="arabicPeriod"/>
+            </a:pPr>
+            <a:r>
+              <a:rPr lang="en-US" dirty="0">
+                <a:effectLst/>
+                <a:latin typeface="Times New Roman" panose="02020603050405020304" pitchFamily="18" charset="0"/>
+                <a:ea typeface="Calibri" panose="020F0502020204030204" pitchFamily="34" charset="0"/>
+                <a:cs typeface="Times New Roman" panose="02020603050405020304" pitchFamily="18" charset="0"/>
+              </a:rPr>
+              <a:t>Writing Data into excel file</a:t>
+            </a:r>
+          </a:p>
+          <a:p>
+            <a:pPr marL="342900" marR="0" lvl="0" indent="-342900">
+              <a:lnSpc>
+                <a:spcPct val="150000"/>
+              </a:lnSpc>
+              <a:spcBef>
+                <a:spcPts val="0"/>
+              </a:spcBef>
+              <a:spcAft>
+                <a:spcPts val="0"/>
+              </a:spcAft>
+              <a:buFont typeface="+mj-lt"/>
+              <a:buAutoNum type="arabicPeriod"/>
+            </a:pPr>
+            <a:r>
+              <a:rPr lang="en-US" dirty="0">
+                <a:effectLst/>
+                <a:latin typeface="Times New Roman" panose="02020603050405020304" pitchFamily="18" charset="0"/>
+                <a:ea typeface="Calibri" panose="020F0502020204030204" pitchFamily="34" charset="0"/>
+                <a:cs typeface="Times New Roman" panose="02020603050405020304" pitchFamily="18" charset="0"/>
+              </a:rPr>
+              <a:t>Hardware assembling</a:t>
+            </a:r>
+          </a:p>
+          <a:p>
+            <a:pPr marL="342900" marR="0" lvl="0" indent="-342900">
+              <a:lnSpc>
+                <a:spcPct val="150000"/>
+              </a:lnSpc>
+              <a:spcBef>
+                <a:spcPts val="0"/>
+              </a:spcBef>
+              <a:spcAft>
+                <a:spcPts val="0"/>
+              </a:spcAft>
+              <a:buFont typeface="+mj-lt"/>
+              <a:buAutoNum type="arabicPeriod"/>
+            </a:pPr>
+            <a:r>
+              <a:rPr lang="en-US" dirty="0">
+                <a:effectLst/>
+                <a:latin typeface="Times New Roman" panose="02020603050405020304" pitchFamily="18" charset="0"/>
+                <a:ea typeface="Calibri" panose="020F0502020204030204" pitchFamily="34" charset="0"/>
+                <a:cs typeface="Times New Roman" panose="02020603050405020304" pitchFamily="18" charset="0"/>
+              </a:rPr>
+              <a:t>Code based on real data model</a:t>
+            </a:r>
+          </a:p>
+          <a:p>
+            <a:pPr marL="342900" marR="0" lvl="0" indent="-342900">
+              <a:lnSpc>
+                <a:spcPct val="150000"/>
+              </a:lnSpc>
+              <a:spcBef>
+                <a:spcPts val="0"/>
+              </a:spcBef>
+              <a:spcAft>
+                <a:spcPts val="0"/>
+              </a:spcAft>
+              <a:buFont typeface="+mj-lt"/>
+              <a:buAutoNum type="arabicPeriod"/>
+            </a:pPr>
+            <a:r>
+              <a:rPr lang="en-US" dirty="0">
+                <a:effectLst/>
+                <a:latin typeface="Times New Roman" panose="02020603050405020304" pitchFamily="18" charset="0"/>
+                <a:ea typeface="Calibri" panose="020F0502020204030204" pitchFamily="34" charset="0"/>
+                <a:cs typeface="Times New Roman" panose="02020603050405020304" pitchFamily="18" charset="0"/>
+              </a:rPr>
+              <a:t>Research and adjustment as required</a:t>
+            </a:r>
+          </a:p>
+          <a:p>
+            <a:pPr marL="342900" marR="0" lvl="0" indent="-342900">
+              <a:lnSpc>
+                <a:spcPct val="150000"/>
+              </a:lnSpc>
+              <a:spcBef>
+                <a:spcPts val="0"/>
+              </a:spcBef>
+              <a:spcAft>
+                <a:spcPts val="0"/>
+              </a:spcAft>
+              <a:buFont typeface="+mj-lt"/>
+              <a:buAutoNum type="arabicPeriod"/>
+            </a:pPr>
+            <a:r>
+              <a:rPr lang="en-US" dirty="0">
+                <a:effectLst/>
+                <a:latin typeface="Times New Roman" panose="02020603050405020304" pitchFamily="18" charset="0"/>
+                <a:ea typeface="Calibri" panose="020F0502020204030204" pitchFamily="34" charset="0"/>
+                <a:cs typeface="Times New Roman" panose="02020603050405020304" pitchFamily="18" charset="0"/>
+              </a:rPr>
+              <a:t>Testing and Output Processing</a:t>
+            </a:r>
+          </a:p>
+          <a:p>
+            <a:pPr marL="0" indent="0">
+              <a:buNone/>
+            </a:pPr>
+            <a:endParaRPr lang="en-US" dirty="0">
+              <a:latin typeface="Times New Roman" panose="02020603050405020304" pitchFamily="18" charset="0"/>
+              <a:cs typeface="Times New Roman" panose="02020603050405020304" pitchFamily="18" charset="0"/>
+            </a:endParaRPr>
+          </a:p>
+        </p:txBody>
+      </p:sp>
+      <p:sp>
+        <p:nvSpPr>
+          <p:cNvPr id="4" name="Slide Number Placeholder 3">
+            <a:extLst>
+              <a:ext uri="{FF2B5EF4-FFF2-40B4-BE49-F238E27FC236}">
+                <a16:creationId xmlns:a16="http://schemas.microsoft.com/office/drawing/2014/main" id="{62328651-7AFA-4E26-DE23-F9C92FBF9CF2}"/>
+              </a:ext>
+            </a:extLst>
+          </p:cNvPr>
+          <p:cNvSpPr>
+            <a:spLocks noGrp="1"/>
+          </p:cNvSpPr>
+          <p:nvPr>
+            <p:ph type="sldNum" sz="quarter" idx="12"/>
+          </p:nvPr>
+        </p:nvSpPr>
+        <p:spPr/>
+        <p:txBody>
+          <a:bodyPr/>
+          <a:lstStyle/>
+          <a:p>
+            <a:fld id="{8ABD9A93-A63E-4048-A90A-76F0C4F81214}" type="slidenum">
+              <a:rPr lang="en-US" smtClean="0"/>
+              <a:t>28</a:t>
+            </a:fld>
+            <a:endParaRPr lang="en-US"/>
+          </a:p>
+        </p:txBody>
+      </p:sp>
+    </p:spTree>
+    <p:extLst>
+      <p:ext uri="{BB962C8B-B14F-4D97-AF65-F5344CB8AC3E}">
+        <p14:creationId xmlns:p14="http://schemas.microsoft.com/office/powerpoint/2010/main" val="1887474855"/>
+      </p:ext>
+    </p:extLst>
+  </p:cSld>
+  <p:clrMapOvr>
+    <a:masterClrMapping/>
+  </p:clrMapOvr>
+</p:sld>
+</file>
+
+<file path=ppt/slides/slide29.xml><?xml version="1.0" encoding="utf-8"?>
+<p:sld xmlns:a="http://schemas.openxmlformats.org/drawingml/2006/main" xmlns:r="http://schemas.openxmlformats.org/officeDocument/2006/relationships" xmlns:p="http://schemas.openxmlformats.org/presentationml/2006/main">
+  <p:cSld>
+    <p:spTree>
+      <p:nvGrpSpPr>
+        <p:cNvPr id="1" name=""/>
+        <p:cNvGrpSpPr/>
+        <p:nvPr/>
+      </p:nvGrpSpPr>
+      <p:grpSpPr>
+        <a:xfrm>
+          <a:off x="0" y="0"/>
+          <a:ext cx="0" cy="0"/>
+          <a:chOff x="0" y="0"/>
+          <a:chExt cx="0" cy="0"/>
+        </a:xfrm>
+      </p:grpSpPr>
+      <p:sp>
+        <p:nvSpPr>
+          <p:cNvPr id="2" name="Title 1">
+            <a:extLst>
+              <a:ext uri="{FF2B5EF4-FFF2-40B4-BE49-F238E27FC236}">
                 <a16:creationId xmlns:a16="http://schemas.microsoft.com/office/drawing/2014/main" id="{39155470-CF6B-4BFF-A262-93816FB2CAB1}"/>
               </a:ext>
             </a:extLst>
@@ -8263,7 +8370,7 @@
           <a:p>
             <a:fld id="{8ABD9A93-A63E-4048-A90A-76F0C4F81214}" type="slidenum">
               <a:rPr lang="en-US" smtClean="0"/>
-              <a:t>28</a:t>
+              <a:t>29</a:t>
             </a:fld>
             <a:endParaRPr lang="en-US"/>
           </a:p>
@@ -8312,7 +8419,165 @@
 </p:sld>
 </file>
 
-<file path=ppt/slides/slide29.xml><?xml version="1.0" encoding="utf-8"?>
+<file path=ppt/slides/slide3.xml><?xml version="1.0" encoding="utf-8"?>
+<p:sld xmlns:a="http://schemas.openxmlformats.org/drawingml/2006/main" xmlns:r="http://schemas.openxmlformats.org/officeDocument/2006/relationships" xmlns:p="http://schemas.openxmlformats.org/presentationml/2006/main">
+  <p:cSld>
+    <p:spTree>
+      <p:nvGrpSpPr>
+        <p:cNvPr id="1" name=""/>
+        <p:cNvGrpSpPr/>
+        <p:nvPr/>
+      </p:nvGrpSpPr>
+      <p:grpSpPr>
+        <a:xfrm>
+          <a:off x="0" y="0"/>
+          <a:ext cx="0" cy="0"/>
+          <a:chOff x="0" y="0"/>
+          <a:chExt cx="0" cy="0"/>
+        </a:xfrm>
+      </p:grpSpPr>
+      <p:sp>
+        <p:nvSpPr>
+          <p:cNvPr id="2" name="Title 1">
+            <a:extLst>
+              <a:ext uri="{FF2B5EF4-FFF2-40B4-BE49-F238E27FC236}">
+                <a16:creationId xmlns:a16="http://schemas.microsoft.com/office/drawing/2014/main" id="{B0CC32E7-43F0-475A-BB8B-F326646ABB5F}"/>
+              </a:ext>
+            </a:extLst>
+          </p:cNvPr>
+          <p:cNvSpPr>
+            <a:spLocks noGrp="1"/>
+          </p:cNvSpPr>
+          <p:nvPr>
+            <p:ph type="title"/>
+          </p:nvPr>
+        </p:nvSpPr>
+        <p:spPr/>
+        <p:txBody>
+          <a:bodyPr>
+            <a:normAutofit/>
+          </a:bodyPr>
+          <a:lstStyle/>
+          <a:p>
+            <a:pPr algn="ctr"/>
+            <a:r>
+              <a:rPr lang="en-US" sz="4800" b="1" dirty="0">
+                <a:solidFill>
+                  <a:schemeClr val="tx1">
+                    <a:lumMod val="85000"/>
+                    <a:lumOff val="15000"/>
+                  </a:schemeClr>
+                </a:solidFill>
+                <a:effectLst>
+                  <a:outerShdw blurRad="38100" dist="38100" dir="2700000" algn="tl">
+                    <a:srgbClr val="000000">
+                      <a:alpha val="43137"/>
+                    </a:srgbClr>
+                  </a:outerShdw>
+                </a:effectLst>
+                <a:latin typeface="Times New Roman" panose="02020603050405020304" pitchFamily="18" charset="0"/>
+                <a:cs typeface="Times New Roman" panose="02020603050405020304" pitchFamily="18" charset="0"/>
+              </a:rPr>
+              <a:t>Introduction</a:t>
+            </a:r>
+          </a:p>
+        </p:txBody>
+      </p:sp>
+      <p:sp>
+        <p:nvSpPr>
+          <p:cNvPr id="3" name="Content Placeholder 2">
+            <a:extLst>
+              <a:ext uri="{FF2B5EF4-FFF2-40B4-BE49-F238E27FC236}">
+                <a16:creationId xmlns:a16="http://schemas.microsoft.com/office/drawing/2014/main" id="{4C743461-3112-4A2D-BDD5-BBA35933A035}"/>
+              </a:ext>
+            </a:extLst>
+          </p:cNvPr>
+          <p:cNvSpPr>
+            <a:spLocks noGrp="1"/>
+          </p:cNvSpPr>
+          <p:nvPr>
+            <p:ph idx="1"/>
+          </p:nvPr>
+        </p:nvSpPr>
+        <p:spPr/>
+        <p:txBody>
+          <a:bodyPr/>
+          <a:lstStyle/>
+          <a:p>
+            <a:pPr>
+              <a:buSzPct val="100000"/>
+            </a:pPr>
+            <a:r>
+              <a:rPr lang="en-US" dirty="0">
+                <a:latin typeface="Times New Roman" panose="02020603050405020304" pitchFamily="18" charset="0"/>
+                <a:cs typeface="Times New Roman" panose="02020603050405020304" pitchFamily="18" charset="0"/>
+              </a:rPr>
+              <a:t>This project is a tool for the dumb and deaf to communicate.</a:t>
+            </a:r>
+          </a:p>
+          <a:p>
+            <a:r>
+              <a:rPr lang="en-US" dirty="0">
+                <a:latin typeface="Times New Roman" panose="02020603050405020304" pitchFamily="18" charset="0"/>
+                <a:cs typeface="Times New Roman" panose="02020603050405020304" pitchFamily="18" charset="0"/>
+              </a:rPr>
+              <a:t>It converts sign language into audio that can be heard.</a:t>
+            </a:r>
+          </a:p>
+          <a:p>
+            <a:r>
+              <a:rPr lang="en-US" dirty="0">
+                <a:latin typeface="Times New Roman" panose="02020603050405020304" pitchFamily="18" charset="0"/>
+                <a:cs typeface="Times New Roman" panose="02020603050405020304" pitchFamily="18" charset="0"/>
+              </a:rPr>
+              <a:t>It uses machine learning for fast and accurate expressions.</a:t>
+            </a:r>
+          </a:p>
+        </p:txBody>
+      </p:sp>
+      <p:sp>
+        <p:nvSpPr>
+          <p:cNvPr id="4" name="Slide Number Placeholder 3">
+            <a:extLst>
+              <a:ext uri="{FF2B5EF4-FFF2-40B4-BE49-F238E27FC236}">
+                <a16:creationId xmlns:a16="http://schemas.microsoft.com/office/drawing/2014/main" id="{5B6073AD-7495-B76C-0F3D-05557E8A2DBF}"/>
+              </a:ext>
+            </a:extLst>
+          </p:cNvPr>
+          <p:cNvSpPr>
+            <a:spLocks noGrp="1"/>
+          </p:cNvSpPr>
+          <p:nvPr>
+            <p:ph type="sldNum" sz="quarter" idx="12"/>
+          </p:nvPr>
+        </p:nvSpPr>
+        <p:spPr/>
+        <p:txBody>
+          <a:bodyPr/>
+          <a:lstStyle/>
+          <a:p>
+            <a:fld id="{8ABD9A93-A63E-4048-A90A-76F0C4F81214}" type="slidenum">
+              <a:rPr lang="en-US" smtClean="0"/>
+              <a:t>3</a:t>
+            </a:fld>
+            <a:endParaRPr lang="en-US"/>
+          </a:p>
+        </p:txBody>
+      </p:sp>
+    </p:spTree>
+    <p:extLst>
+      <p:ext uri="{BB962C8B-B14F-4D97-AF65-F5344CB8AC3E}">
+        <p14:creationId xmlns:p14="http://schemas.microsoft.com/office/powerpoint/2010/main" val="2289073668"/>
+      </p:ext>
+    </p:extLst>
+  </p:cSld>
+  <p:clrMapOvr>
+    <a:masterClrMapping/>
+  </p:clrMapOvr>
+</p:sld>
+</file>
+
+<file path=ppt/slides/slide30.xml><?xml version="1.0" encoding="utf-8"?>
 <p:sld xmlns:a="http://schemas.openxmlformats.org/drawingml/2006/main" xmlns:r="http://schemas.openxmlformats.org/officeDocument/2006/relationships" xmlns:p="http://schemas.openxmlformats.org/presentationml/2006/main">
   <p:cSld>
     <p:spTree>
@@ -8842,165 +9107,7 @@
 </p:sld>
 </file>
 
-<file path=ppt/slides/slide3.xml><?xml version="1.0" encoding="utf-8"?>
-<p:sld xmlns:a="http://schemas.openxmlformats.org/drawingml/2006/main" xmlns:r="http://schemas.openxmlformats.org/officeDocument/2006/relationships" xmlns:p="http://schemas.openxmlformats.org/presentationml/2006/main">
-  <p:cSld>
-    <p:spTree>
-      <p:nvGrpSpPr>
-        <p:cNvPr id="1" name=""/>
-        <p:cNvGrpSpPr/>
-        <p:nvPr/>
-      </p:nvGrpSpPr>
-      <p:grpSpPr>
-        <a:xfrm>
-          <a:off x="0" y="0"/>
-          <a:ext cx="0" cy="0"/>
-          <a:chOff x="0" y="0"/>
-          <a:chExt cx="0" cy="0"/>
-        </a:xfrm>
-      </p:grpSpPr>
-      <p:sp>
-        <p:nvSpPr>
-          <p:cNvPr id="2" name="Title 1">
-            <a:extLst>
-              <a:ext uri="{FF2B5EF4-FFF2-40B4-BE49-F238E27FC236}">
-                <a16:creationId xmlns:a16="http://schemas.microsoft.com/office/drawing/2014/main" id="{B0CC32E7-43F0-475A-BB8B-F326646ABB5F}"/>
-              </a:ext>
-            </a:extLst>
-          </p:cNvPr>
-          <p:cNvSpPr>
-            <a:spLocks noGrp="1"/>
-          </p:cNvSpPr>
-          <p:nvPr>
-            <p:ph type="title"/>
-          </p:nvPr>
-        </p:nvSpPr>
-        <p:spPr/>
-        <p:txBody>
-          <a:bodyPr>
-            <a:normAutofit/>
-          </a:bodyPr>
-          <a:lstStyle/>
-          <a:p>
-            <a:pPr algn="ctr"/>
-            <a:r>
-              <a:rPr lang="en-US" sz="4800" b="1" dirty="0">
-                <a:solidFill>
-                  <a:schemeClr val="tx1">
-                    <a:lumMod val="85000"/>
-                    <a:lumOff val="15000"/>
-                  </a:schemeClr>
-                </a:solidFill>
-                <a:effectLst>
-                  <a:outerShdw blurRad="38100" dist="38100" dir="2700000" algn="tl">
-                    <a:srgbClr val="000000">
-                      <a:alpha val="43137"/>
-                    </a:srgbClr>
-                  </a:outerShdw>
-                </a:effectLst>
-                <a:latin typeface="Times New Roman" panose="02020603050405020304" pitchFamily="18" charset="0"/>
-                <a:cs typeface="Times New Roman" panose="02020603050405020304" pitchFamily="18" charset="0"/>
-              </a:rPr>
-              <a:t>Introduction</a:t>
-            </a:r>
-          </a:p>
-        </p:txBody>
-      </p:sp>
-      <p:sp>
-        <p:nvSpPr>
-          <p:cNvPr id="3" name="Content Placeholder 2">
-            <a:extLst>
-              <a:ext uri="{FF2B5EF4-FFF2-40B4-BE49-F238E27FC236}">
-                <a16:creationId xmlns:a16="http://schemas.microsoft.com/office/drawing/2014/main" id="{4C743461-3112-4A2D-BDD5-BBA35933A035}"/>
-              </a:ext>
-            </a:extLst>
-          </p:cNvPr>
-          <p:cNvSpPr>
-            <a:spLocks noGrp="1"/>
-          </p:cNvSpPr>
-          <p:nvPr>
-            <p:ph idx="1"/>
-          </p:nvPr>
-        </p:nvSpPr>
-        <p:spPr/>
-        <p:txBody>
-          <a:bodyPr/>
-          <a:lstStyle/>
-          <a:p>
-            <a:pPr>
-              <a:buSzPct val="100000"/>
-            </a:pPr>
-            <a:r>
-              <a:rPr lang="en-US" dirty="0">
-                <a:latin typeface="Times New Roman" panose="02020603050405020304" pitchFamily="18" charset="0"/>
-                <a:cs typeface="Times New Roman" panose="02020603050405020304" pitchFamily="18" charset="0"/>
-              </a:rPr>
-              <a:t>This project is a tool for the dumb and deaf to communicate.</a:t>
-            </a:r>
-          </a:p>
-          <a:p>
-            <a:r>
-              <a:rPr lang="en-US" dirty="0">
-                <a:latin typeface="Times New Roman" panose="02020603050405020304" pitchFamily="18" charset="0"/>
-                <a:cs typeface="Times New Roman" panose="02020603050405020304" pitchFamily="18" charset="0"/>
-              </a:rPr>
-              <a:t>It converts sign language into audio that can be heard.</a:t>
-            </a:r>
-          </a:p>
-          <a:p>
-            <a:r>
-              <a:rPr lang="en-US" dirty="0">
-                <a:latin typeface="Times New Roman" panose="02020603050405020304" pitchFamily="18" charset="0"/>
-                <a:cs typeface="Times New Roman" panose="02020603050405020304" pitchFamily="18" charset="0"/>
-              </a:rPr>
-              <a:t>It uses machine learning for fast and accurate expressions.</a:t>
-            </a:r>
-          </a:p>
-        </p:txBody>
-      </p:sp>
-      <p:sp>
-        <p:nvSpPr>
-          <p:cNvPr id="4" name="Slide Number Placeholder 3">
-            <a:extLst>
-              <a:ext uri="{FF2B5EF4-FFF2-40B4-BE49-F238E27FC236}">
-                <a16:creationId xmlns:a16="http://schemas.microsoft.com/office/drawing/2014/main" id="{5B6073AD-7495-B76C-0F3D-05557E8A2DBF}"/>
-              </a:ext>
-            </a:extLst>
-          </p:cNvPr>
-          <p:cNvSpPr>
-            <a:spLocks noGrp="1"/>
-          </p:cNvSpPr>
-          <p:nvPr>
-            <p:ph type="sldNum" sz="quarter" idx="12"/>
-          </p:nvPr>
-        </p:nvSpPr>
-        <p:spPr/>
-        <p:txBody>
-          <a:bodyPr/>
-          <a:lstStyle/>
-          <a:p>
-            <a:fld id="{8ABD9A93-A63E-4048-A90A-76F0C4F81214}" type="slidenum">
-              <a:rPr lang="en-US" smtClean="0"/>
-              <a:t>3</a:t>
-            </a:fld>
-            <a:endParaRPr lang="en-US"/>
-          </a:p>
-        </p:txBody>
-      </p:sp>
-    </p:spTree>
-    <p:extLst>
-      <p:ext uri="{BB962C8B-B14F-4D97-AF65-F5344CB8AC3E}">
-        <p14:creationId xmlns:p14="http://schemas.microsoft.com/office/powerpoint/2010/main" val="2289073668"/>
-      </p:ext>
-    </p:extLst>
-  </p:cSld>
-  <p:clrMapOvr>
-    <a:masterClrMapping/>
-  </p:clrMapOvr>
-</p:sld>
-</file>
-
-<file path=ppt/slides/slide30.xml><?xml version="1.0" encoding="utf-8"?>
+<file path=ppt/slides/slide31.xml><?xml version="1.0" encoding="utf-8"?>
 <p:sld xmlns:a="http://schemas.openxmlformats.org/drawingml/2006/main" xmlns:r="http://schemas.openxmlformats.org/officeDocument/2006/relationships" xmlns:p="http://schemas.openxmlformats.org/presentationml/2006/main">
   <p:cSld>
     <p:spTree>
